--- a/powerpoints/strings.pptx
+++ b/powerpoints/strings.pptx
@@ -3759,14 +3759,14 @@
           </a:bodyPr>
           <a:lstStyle/>
           <a:p>
-            <a:pPr defTabSz="566674">
+            <a:pPr>
               <a:lnSpc>
                 <a:spcPct val="80000"/>
               </a:lnSpc>
               <a:spcBef>
                 <a:spcPts val="0"/>
               </a:spcBef>
-              <a:defRPr b="0" sz="1164">
+              <a:defRPr b="0">
                 <a:solidFill>
                   <a:srgbClr val="000000"/>
                 </a:solidFill>
@@ -3786,14 +3786,14 @@
             <a:endParaRPr i="1"/>
           </a:p>
           <a:p>
-            <a:pPr defTabSz="566674">
+            <a:pPr>
               <a:lnSpc>
                 <a:spcPct val="80000"/>
               </a:lnSpc>
               <a:spcBef>
                 <a:spcPts val="0"/>
               </a:spcBef>
-              <a:defRPr b="0" sz="1164">
+              <a:defRPr b="0">
                 <a:solidFill>
                   <a:srgbClr val="000000"/>
                 </a:solidFill>
@@ -3802,14 +3802,14 @@
             <a:endParaRPr i="1"/>
           </a:p>
           <a:p>
-            <a:pPr defTabSz="566674">
+            <a:pPr>
               <a:lnSpc>
                 <a:spcPct val="80000"/>
               </a:lnSpc>
               <a:spcBef>
                 <a:spcPts val="0"/>
               </a:spcBef>
-              <a:defRPr b="0" sz="1164">
+              <a:defRPr b="0">
                 <a:solidFill>
                   <a:srgbClr val="000000"/>
                 </a:solidFill>
@@ -3836,14 +3836,14 @@
             <a:endParaRPr i="1"/>
           </a:p>
           <a:p>
-            <a:pPr defTabSz="566674">
+            <a:pPr>
               <a:lnSpc>
                 <a:spcPct val="80000"/>
               </a:lnSpc>
               <a:spcBef>
                 <a:spcPts val="0"/>
               </a:spcBef>
-              <a:defRPr b="0" sz="1164">
+              <a:defRPr b="0">
                 <a:solidFill>
                   <a:srgbClr val="000000"/>
                 </a:solidFill>
@@ -3852,14 +3852,14 @@
             <a:endParaRPr i="1"/>
           </a:p>
           <a:p>
-            <a:pPr defTabSz="566674">
+            <a:pPr>
               <a:lnSpc>
                 <a:spcPct val="80000"/>
               </a:lnSpc>
               <a:spcBef>
                 <a:spcPts val="0"/>
               </a:spcBef>
-              <a:defRPr b="0" sz="1164">
+              <a:defRPr b="0">
                 <a:solidFill>
                   <a:srgbClr val="000000"/>
                 </a:solidFill>
@@ -3879,14 +3879,14 @@
             <a:endParaRPr i="1"/>
           </a:p>
           <a:p>
-            <a:pPr defTabSz="566674">
+            <a:pPr>
               <a:lnSpc>
                 <a:spcPct val="80000"/>
               </a:lnSpc>
               <a:spcBef>
                 <a:spcPts val="0"/>
               </a:spcBef>
-              <a:defRPr b="0" sz="1164">
+              <a:defRPr b="0">
                 <a:solidFill>
                   <a:srgbClr val="000000"/>
                 </a:solidFill>
@@ -3895,30 +3895,14 @@
             <a:endParaRPr i="1"/>
           </a:p>
           <a:p>
-            <a:pPr defTabSz="566674">
+            <a:pPr>
               <a:lnSpc>
                 <a:spcPct val="80000"/>
               </a:lnSpc>
               <a:spcBef>
                 <a:spcPts val="0"/>
               </a:spcBef>
-              <a:defRPr b="0" sz="1164">
-                <a:solidFill>
-                  <a:srgbClr val="000000"/>
-                </a:solidFill>
-              </a:defRPr>
-            </a:pPr>
-            <a:endParaRPr i="1"/>
-          </a:p>
-          <a:p>
-            <a:pPr defTabSz="566674">
-              <a:lnSpc>
-                <a:spcPct val="80000"/>
-              </a:lnSpc>
-              <a:spcBef>
-                <a:spcPts val="0"/>
-              </a:spcBef>
-              <a:defRPr b="0" sz="1164">
+              <a:defRPr b="0">
                 <a:solidFill>
                   <a:srgbClr val="000000"/>
                 </a:solidFill>
@@ -3954,14 +3938,14 @@
             </a:r>
           </a:p>
           <a:p>
-            <a:pPr defTabSz="566674">
+            <a:pPr>
               <a:lnSpc>
                 <a:spcPct val="80000"/>
               </a:lnSpc>
               <a:spcBef>
                 <a:spcPts val="0"/>
               </a:spcBef>
-              <a:defRPr b="0" sz="1164">
+              <a:defRPr b="0">
                 <a:solidFill>
                   <a:srgbClr val="000000"/>
                 </a:solidFill>
@@ -3974,14 +3958,14 @@
             <a:endParaRPr i="1"/>
           </a:p>
           <a:p>
-            <a:pPr defTabSz="566674">
+            <a:pPr>
               <a:lnSpc>
                 <a:spcPct val="80000"/>
               </a:lnSpc>
               <a:spcBef>
                 <a:spcPts val="0"/>
               </a:spcBef>
-              <a:defRPr b="0" sz="1164">
+              <a:defRPr b="0">
                 <a:solidFill>
                   <a:srgbClr val="000000"/>
                 </a:solidFill>
@@ -3990,56 +3974,41 @@
             <a:endParaRPr i="1"/>
           </a:p>
           <a:p>
-            <a:pPr defTabSz="566674">
+            <a:pPr>
               <a:lnSpc>
                 <a:spcPct val="80000"/>
               </a:lnSpc>
               <a:spcBef>
                 <a:spcPts val="0"/>
               </a:spcBef>
-              <a:defRPr b="0" sz="1164">
+              <a:defRPr b="0">
                 <a:solidFill>
                   <a:srgbClr val="000000"/>
                 </a:solidFill>
               </a:defRPr>
             </a:pPr>
             <a:r>
-              <a:rPr>
-                <a:solidFill>
-                  <a:schemeClr val="accent5">
-                    <a:satOff val="-35908"/>
-                    <a:lumOff val="-17895"/>
-                  </a:schemeClr>
-                </a:solidFill>
-                <a:latin typeface="Source Sans Pro Semibold"/>
-                <a:ea typeface="Source Sans Pro Semibold"/>
-                <a:cs typeface="Source Sans Pro Semibold"/>
-                <a:sym typeface="Source Sans Pro Semibold"/>
-              </a:rPr>
-              <a:t>glue::</a:t>
+              <a:rPr b="1"/>
+              <a:t>str_glue</a:t>
             </a:r>
             <a:r>
-              <a:rPr b="1"/>
-              <a:t>glue</a:t>
-            </a:r>
-            <a:r>
-              <a:t>(..., .sep = "", .envir = parent.frame(), .open = "{", .close = "}") Create a string from strings and {expressions} to evaluate. </a:t>
+              <a:t>(…, .sep = "", .envir = parent.frame()) Create a string from strings and {expressions} to evaluate. </a:t>
             </a:r>
             <a:r>
               <a:rPr i="1"/>
-              <a:t>glue::glue("Pi is {pi}")</a:t>
+              <a:t>str_glue("Pi is {pi}")</a:t>
             </a:r>
             <a:endParaRPr i="1"/>
           </a:p>
           <a:p>
-            <a:pPr defTabSz="566674">
+            <a:pPr>
               <a:lnSpc>
                 <a:spcPct val="80000"/>
               </a:lnSpc>
               <a:spcBef>
                 <a:spcPts val="0"/>
               </a:spcBef>
-              <a:defRPr b="0" sz="1164">
+              <a:defRPr b="0">
                 <a:solidFill>
                   <a:srgbClr val="000000"/>
                 </a:solidFill>
@@ -4048,44 +4017,29 @@
             <a:endParaRPr i="1"/>
           </a:p>
           <a:p>
-            <a:pPr defTabSz="566674">
+            <a:pPr>
               <a:lnSpc>
                 <a:spcPct val="80000"/>
               </a:lnSpc>
               <a:spcBef>
                 <a:spcPts val="0"/>
               </a:spcBef>
-              <a:defRPr b="0" sz="1164">
+              <a:defRPr b="0">
                 <a:solidFill>
                   <a:srgbClr val="000000"/>
                 </a:solidFill>
               </a:defRPr>
             </a:pPr>
             <a:r>
-              <a:rPr>
-                <a:solidFill>
-                  <a:schemeClr val="accent5">
-                    <a:satOff val="-35908"/>
-                    <a:lumOff val="-17895"/>
-                  </a:schemeClr>
-                </a:solidFill>
-                <a:latin typeface="Source Sans Pro Semibold"/>
-                <a:ea typeface="Source Sans Pro Semibold"/>
-                <a:cs typeface="Source Sans Pro Semibold"/>
-                <a:sym typeface="Source Sans Pro Semibold"/>
-              </a:rPr>
-              <a:t>glue::</a:t>
+              <a:rPr b="1"/>
+              <a:t>str_glue_data</a:t>
             </a:r>
             <a:r>
-              <a:rPr b="1"/>
-              <a:t>glue_data</a:t>
-            </a:r>
-            <a:r>
-              <a:t>(.x, ..., .sep = "", .envir = parent.frame(), .open = "{", .close = "}") Use a data frame, list, or environment to create a string from strings and {expressions} to evaluate. </a:t>
+              <a:t>(.x, ..., .sep = "", .envir = parent.frame(), .na = "NA") Use a data frame, list, or environment to create a string from strings and {expressions} to evaluate. </a:t>
             </a:r>
             <a:r>
               <a:rPr i="1"/>
-              <a:t>glue::glue_data(mtcars, "{rownames(mtcars)} has {hp} hp")</a:t>
+              <a:t>str_glue_data(mtcars, "{rownames(mtcars)} has {hp} hp")</a:t>
             </a:r>
           </a:p>
         </p:txBody>
@@ -4098,7 +4052,7 @@
         </p:nvGrpSpPr>
         <p:grpSpPr>
           <a:xfrm>
-            <a:off x="4926257" y="8333564"/>
+            <a:off x="4926257" y="8397064"/>
             <a:ext cx="860184" cy="496993"/>
             <a:chOff x="0" y="0"/>
             <a:chExt cx="860182" cy="496991"/>
@@ -5268,7 +5222,7 @@
         </p:nvGrpSpPr>
         <p:grpSpPr>
           <a:xfrm>
-            <a:off x="4915684" y="7525681"/>
+            <a:off x="4915684" y="7589181"/>
             <a:ext cx="1307359" cy="610730"/>
             <a:chOff x="19050" y="24271"/>
             <a:chExt cx="1307358" cy="610728"/>
@@ -10784,7 +10738,7 @@
       </p:sp>
       <p:sp>
         <p:nvSpPr>
-          <p:cNvPr id="263" name="Work with strings with stringr : : CHEAT SHEET"/>
+          <p:cNvPr id="263" name="String manipulation with stringr : : CHEAT SHEET"/>
           <p:cNvSpPr txBox="1"/>
           <p:nvPr>
             <p:ph type="title"/>
@@ -10805,7 +10759,7 @@
           <a:p>
             <a:pPr/>
             <a:r>
-              <a:t>Work with strings with stringr : : </a:t>
+              <a:t>String manipulation with stringr : : </a:t>
             </a:r>
             <a:r>
               <a:rPr sz="3300">
@@ -20706,7 +20660,7 @@
         </p:nvGrpSpPr>
         <p:grpSpPr>
           <a:xfrm>
-            <a:off x="4918614" y="9096375"/>
+            <a:off x="4918614" y="9197975"/>
             <a:ext cx="870788" cy="495300"/>
             <a:chOff x="25400" y="25400"/>
             <a:chExt cx="870786" cy="495300"/>

--- a/powerpoints/strings.pptx
+++ b/powerpoints/strings.pptx
@@ -11199,96 +11199,9 @@
           </a:p>
         </p:txBody>
       </p:sp>
-      <p:pic>
-        <p:nvPicPr>
-          <p:cNvPr id="273" name="Screen Shot 2017-10-17 at 9.28.22 PM.png" descr="Screen Shot 2017-10-17 at 9.28.22 PM.png"/>
-          <p:cNvPicPr>
-            <a:picLocks noChangeAspect="1"/>
-          </p:cNvPicPr>
-          <p:nvPr/>
-        </p:nvPicPr>
-        <p:blipFill>
-          <a:blip r:embed="rId2">
-            <a:extLst/>
-          </a:blip>
-          <a:stretch>
-            <a:fillRect/>
-          </a:stretch>
-        </p:blipFill>
-        <p:spPr>
-          <a:xfrm>
-            <a:off x="9491669" y="8113945"/>
-            <a:ext cx="520701" cy="622799"/>
-          </a:xfrm>
-          <a:prstGeom prst="rect">
-            <a:avLst/>
-          </a:prstGeom>
-          <a:ln w="12700">
-            <a:miter lim="400000"/>
-          </a:ln>
-        </p:spPr>
-      </p:pic>
-      <p:pic>
-        <p:nvPicPr>
-          <p:cNvPr id="274" name="Screen Shot 2017-10-17 at 9.28.39 PM.png" descr="Screen Shot 2017-10-17 at 9.28.39 PM.png"/>
-          <p:cNvPicPr>
-            <a:picLocks noChangeAspect="1"/>
-          </p:cNvPicPr>
-          <p:nvPr/>
-        </p:nvPicPr>
-        <p:blipFill>
-          <a:blip r:embed="rId3">
-            <a:extLst/>
-          </a:blip>
-          <a:stretch>
-            <a:fillRect/>
-          </a:stretch>
-        </p:blipFill>
-        <p:spPr>
-          <a:xfrm>
-            <a:off x="9504369" y="8781506"/>
-            <a:ext cx="520701" cy="506877"/>
-          </a:xfrm>
-          <a:prstGeom prst="rect">
-            <a:avLst/>
-          </a:prstGeom>
-          <a:ln w="12700">
-            <a:miter lim="400000"/>
-          </a:ln>
-        </p:spPr>
-      </p:pic>
-      <p:pic>
-        <p:nvPicPr>
-          <p:cNvPr id="275" name="stringr.png" descr="stringr.png"/>
-          <p:cNvPicPr>
-            <a:picLocks noChangeAspect="1"/>
-          </p:cNvPicPr>
-          <p:nvPr/>
-        </p:nvPicPr>
-        <p:blipFill>
-          <a:blip r:embed="rId4">
-            <a:extLst/>
-          </a:blip>
-          <a:stretch>
-            <a:fillRect/>
-          </a:stretch>
-        </p:blipFill>
-        <p:spPr>
-          <a:xfrm>
-            <a:off x="12321683" y="213784"/>
-            <a:ext cx="1358901" cy="1574922"/>
-          </a:xfrm>
-          <a:prstGeom prst="rect">
-            <a:avLst/>
-          </a:prstGeom>
-          <a:ln w="12700">
-            <a:miter lim="400000"/>
-          </a:ln>
-        </p:spPr>
-      </p:pic>
       <p:sp>
         <p:nvSpPr>
-          <p:cNvPr id="276" name="RStudio® is a trademark of RStudio, Inc.  •  CC BY SA  RStudio •  info@rstudio.com  •  844-448-1212 • rstudio.com •  Learn more at stringr.tidyverse.org •  Diagrams from @LVaudor  • stringr  1.2.0 •   Updated: 2017-10"/>
+          <p:cNvPr id="273" name="RStudio® is a trademark of RStudio, Inc.  •  CC BY SA  RStudio •  info@rstudio.com  •  844-448-1212 • rstudio.com •  Learn more at stringr.tidyverse.org •  Diagrams from @LVaudor  • stringr  1.2.0 •   Updated: 2017-10"/>
           <p:cNvSpPr txBox="1"/>
           <p:nvPr/>
         </p:nvSpPr>
@@ -11333,7 +11246,7 @@
             </a:r>
             <a:r>
               <a:rPr>
-                <a:hlinkClick r:id="rId5" invalidUrl="" action="" tgtFrame="" tooltip="" history="1" highlightClick="0" endSnd="0"/>
+                <a:hlinkClick r:id="rId2" invalidUrl="" action="" tgtFrame="" tooltip="" history="1" highlightClick="0" endSnd="0"/>
               </a:rPr>
               <a:t>CC BY SA</a:t>
             </a:r>
@@ -11342,7 +11255,7 @@
             </a:r>
             <a:r>
               <a:rPr>
-                <a:hlinkClick r:id="rId6" invalidUrl="" action="" tgtFrame="" tooltip="" history="1" highlightClick="0" endSnd="0"/>
+                <a:hlinkClick r:id="rId3" invalidUrl="" action="" tgtFrame="" tooltip="" history="1" highlightClick="0" endSnd="0"/>
               </a:rPr>
               <a:t>info@rstudio.com</a:t>
             </a:r>
@@ -11351,7 +11264,7 @@
             </a:r>
             <a:r>
               <a:rPr>
-                <a:hlinkClick r:id="rId7" invalidUrl="" action="" tgtFrame="" tooltip="" history="1" highlightClick="0" endSnd="0"/>
+                <a:hlinkClick r:id="rId4" invalidUrl="" action="" tgtFrame="" tooltip="" history="1" highlightClick="0" endSnd="0"/>
               </a:rPr>
               <a:t>rstudio.com</a:t>
             </a:r>
@@ -11360,7 +11273,7 @@
             </a:r>
             <a:r>
               <a:rPr b="1" u="sng">
-                <a:hlinkClick r:id="rId8" invalidUrl="" action="" tgtFrame="" tooltip="" history="1" highlightClick="0" endSnd="0"/>
+                <a:hlinkClick r:id="rId5" invalidUrl="" action="" tgtFrame="" tooltip="" history="1" highlightClick="0" endSnd="0"/>
               </a:rPr>
               <a:t>stringr.tidyverse.org</a:t>
             </a:r>
@@ -11369,7 +11282,7 @@
             </a:r>
             <a:r>
               <a:rPr b="1">
-                <a:hlinkClick r:id="rId9" invalidUrl="" action="" tgtFrame="" tooltip="" history="1" highlightClick="0" endSnd="0"/>
+                <a:hlinkClick r:id="rId6" invalidUrl="" action="" tgtFrame="" tooltip="" history="1" highlightClick="0" endSnd="0"/>
               </a:rPr>
               <a:t>@LVaudor</a:t>
             </a:r>
@@ -11391,38 +11304,9 @@
           </a:p>
         </p:txBody>
       </p:sp>
-      <p:pic>
-        <p:nvPicPr>
-          <p:cNvPr id="277" name="Image" descr="Image"/>
-          <p:cNvPicPr>
-            <a:picLocks noChangeAspect="1"/>
-          </p:cNvPicPr>
-          <p:nvPr/>
-        </p:nvPicPr>
-        <p:blipFill>
-          <a:blip r:embed="rId10">
-            <a:extLst/>
-          </a:blip>
-          <a:stretch>
-            <a:fillRect/>
-          </a:stretch>
-        </p:blipFill>
-        <p:spPr>
-          <a:xfrm>
-            <a:off x="238823" y="9978474"/>
-            <a:ext cx="1754521" cy="616478"/>
-          </a:xfrm>
-          <a:prstGeom prst="rect">
-            <a:avLst/>
-          </a:prstGeom>
-          <a:ln w="12700">
-            <a:miter lim="400000"/>
-          </a:ln>
-        </p:spPr>
-      </p:pic>
       <p:sp>
         <p:nvSpPr>
-          <p:cNvPr id="278" name="Line"/>
+          <p:cNvPr id="274" name="Line"/>
           <p:cNvSpPr/>
           <p:nvPr/>
         </p:nvSpPr>
@@ -11463,7 +11347,7 @@
       </p:sp>
       <p:sp>
         <p:nvSpPr>
-          <p:cNvPr id="279" name="Line"/>
+          <p:cNvPr id="275" name="Line"/>
           <p:cNvSpPr/>
           <p:nvPr/>
         </p:nvSpPr>
@@ -11504,7 +11388,7 @@
       </p:sp>
       <p:sp>
         <p:nvSpPr>
-          <p:cNvPr id="280" name="String manipulation with stringr : : CHEAT SHEET"/>
+          <p:cNvPr id="276" name="String manipulation with stringr : : CHEAT SHEET"/>
           <p:cNvSpPr txBox="1"/>
           <p:nvPr>
             <p:ph type="title"/>
@@ -11550,7 +11434,7 @@
       </p:sp>
       <p:sp>
         <p:nvSpPr>
-          <p:cNvPr id="281" name="Detect Matches"/>
+          <p:cNvPr id="277" name="Detect Matches"/>
           <p:cNvSpPr txBox="1"/>
           <p:nvPr/>
         </p:nvSpPr>
@@ -11598,7 +11482,7 @@
       </p:sp>
       <p:sp>
         <p:nvSpPr>
-          <p:cNvPr id="282" name="Line"/>
+          <p:cNvPr id="278" name="Line"/>
           <p:cNvSpPr/>
           <p:nvPr/>
         </p:nvSpPr>
@@ -11639,7 +11523,7 @@
       </p:sp>
       <p:sp>
         <p:nvSpPr>
-          <p:cNvPr id="283" name="str_detect(string, pattern) Detect the presence of a pattern match in a string.…"/>
+          <p:cNvPr id="279" name="str_detect(string, pattern) Detect the presence of a pattern match in a string.…"/>
           <p:cNvSpPr txBox="1"/>
           <p:nvPr/>
         </p:nvSpPr>
@@ -11931,7 +11815,7 @@
       </p:sp>
       <p:sp>
         <p:nvSpPr>
-          <p:cNvPr id="284" name="Manage Lengths"/>
+          <p:cNvPr id="280" name="Manage Lengths"/>
           <p:cNvSpPr txBox="1"/>
           <p:nvPr/>
         </p:nvSpPr>
@@ -11979,7 +11863,7 @@
       </p:sp>
       <p:sp>
         <p:nvSpPr>
-          <p:cNvPr id="285" name="Line"/>
+          <p:cNvPr id="281" name="Line"/>
           <p:cNvSpPr/>
           <p:nvPr/>
         </p:nvSpPr>
@@ -12020,7 +11904,7 @@
       </p:sp>
       <p:sp>
         <p:nvSpPr>
-          <p:cNvPr id="286" name="Line"/>
+          <p:cNvPr id="282" name="Line"/>
           <p:cNvSpPr/>
           <p:nvPr/>
         </p:nvSpPr>
@@ -12061,7 +11945,7 @@
       </p:sp>
       <p:graphicFrame>
         <p:nvGraphicFramePr>
-          <p:cNvPr id="287" name="Table"/>
+          <p:cNvPr id="283" name="Table"/>
           <p:cNvGraphicFramePr/>
           <p:nvPr/>
         </p:nvGraphicFramePr>
@@ -12176,7 +12060,7 @@
       </p:graphicFrame>
       <p:grpSp>
         <p:nvGrpSpPr>
-          <p:cNvPr id="292" name="Group"/>
+          <p:cNvPr id="288" name="Group"/>
           <p:cNvGrpSpPr/>
           <p:nvPr/>
         </p:nvGrpSpPr>
@@ -12190,7 +12074,7 @@
         </p:grpSpPr>
         <p:graphicFrame>
           <p:nvGraphicFramePr>
-            <p:cNvPr id="288" name="Table"/>
+            <p:cNvPr id="284" name="Table"/>
             <p:cNvGraphicFramePr/>
             <p:nvPr/>
           </p:nvGraphicFramePr>
@@ -12329,7 +12213,7 @@
         </p:graphicFrame>
         <p:sp>
           <p:nvSpPr>
-            <p:cNvPr id="289" name="Rectangle"/>
+            <p:cNvPr id="285" name="Rectangle"/>
             <p:cNvSpPr/>
             <p:nvPr/>
           </p:nvSpPr>
@@ -12374,7 +12258,7 @@
         </p:sp>
         <p:sp>
           <p:nvSpPr>
-            <p:cNvPr id="290" name="Rectangle"/>
+            <p:cNvPr id="286" name="Rectangle"/>
             <p:cNvSpPr/>
             <p:nvPr/>
           </p:nvSpPr>
@@ -12419,7 +12303,7 @@
         </p:sp>
         <p:sp>
           <p:nvSpPr>
-            <p:cNvPr id="291" name="Rectangle"/>
+            <p:cNvPr id="287" name="Rectangle"/>
             <p:cNvSpPr/>
             <p:nvPr/>
           </p:nvSpPr>
@@ -12465,7 +12349,7 @@
       </p:grpSp>
       <p:sp>
         <p:nvSpPr>
-          <p:cNvPr id="293" name="Line"/>
+          <p:cNvPr id="289" name="Line"/>
           <p:cNvSpPr/>
           <p:nvPr/>
         </p:nvSpPr>
@@ -12518,7 +12402,7 @@
       </p:sp>
       <p:graphicFrame>
         <p:nvGraphicFramePr>
-          <p:cNvPr id="294" name="Table"/>
+          <p:cNvPr id="290" name="Table"/>
           <p:cNvGraphicFramePr/>
           <p:nvPr/>
         </p:nvGraphicFramePr>
@@ -12631,7 +12515,7 @@
       </p:graphicFrame>
       <p:sp>
         <p:nvSpPr>
-          <p:cNvPr id="295" name="Line"/>
+          <p:cNvPr id="291" name="Line"/>
           <p:cNvSpPr/>
           <p:nvPr/>
         </p:nvSpPr>
@@ -12684,7 +12568,7 @@
       </p:sp>
       <p:graphicFrame>
         <p:nvGraphicFramePr>
-          <p:cNvPr id="296" name="Table"/>
+          <p:cNvPr id="292" name="Table"/>
           <p:cNvGraphicFramePr/>
           <p:nvPr/>
         </p:nvGraphicFramePr>
@@ -12799,7 +12683,7 @@
       </p:graphicFrame>
       <p:sp>
         <p:nvSpPr>
-          <p:cNvPr id="297" name="Line"/>
+          <p:cNvPr id="293" name="Line"/>
           <p:cNvSpPr/>
           <p:nvPr/>
         </p:nvSpPr>
@@ -12852,7 +12736,7 @@
       </p:sp>
       <p:grpSp>
         <p:nvGrpSpPr>
-          <p:cNvPr id="305" name="Group"/>
+          <p:cNvPr id="301" name="Group"/>
           <p:cNvGrpSpPr/>
           <p:nvPr/>
         </p:nvGrpSpPr>
@@ -12866,7 +12750,7 @@
         </p:grpSpPr>
         <p:graphicFrame>
           <p:nvGraphicFramePr>
-            <p:cNvPr id="298" name="Table"/>
+            <p:cNvPr id="294" name="Table"/>
             <p:cNvGraphicFramePr/>
             <p:nvPr/>
           </p:nvGraphicFramePr>
@@ -13005,7 +12889,7 @@
         </p:graphicFrame>
         <p:sp>
           <p:nvSpPr>
-            <p:cNvPr id="299" name="Rectangle"/>
+            <p:cNvPr id="295" name="Rectangle"/>
             <p:cNvSpPr/>
             <p:nvPr/>
           </p:nvSpPr>
@@ -13050,7 +12934,7 @@
         </p:sp>
         <p:sp>
           <p:nvSpPr>
-            <p:cNvPr id="300" name="Rectangle"/>
+            <p:cNvPr id="296" name="Rectangle"/>
             <p:cNvSpPr/>
             <p:nvPr/>
           </p:nvSpPr>
@@ -13095,7 +12979,7 @@
         </p:sp>
         <p:sp>
           <p:nvSpPr>
-            <p:cNvPr id="301" name="Rectangle"/>
+            <p:cNvPr id="297" name="Rectangle"/>
             <p:cNvSpPr/>
             <p:nvPr/>
           </p:nvSpPr>
@@ -13140,7 +13024,7 @@
         </p:sp>
         <p:sp>
           <p:nvSpPr>
-            <p:cNvPr id="302" name="Rectangle"/>
+            <p:cNvPr id="298" name="Rectangle"/>
             <p:cNvSpPr/>
             <p:nvPr/>
           </p:nvSpPr>
@@ -13185,7 +13069,7 @@
         </p:sp>
         <p:sp>
           <p:nvSpPr>
-            <p:cNvPr id="303" name="Rectangle"/>
+            <p:cNvPr id="299" name="Rectangle"/>
             <p:cNvSpPr/>
             <p:nvPr/>
           </p:nvSpPr>
@@ -13230,7 +13114,7 @@
         </p:sp>
         <p:sp>
           <p:nvSpPr>
-            <p:cNvPr id="304" name="Rectangle"/>
+            <p:cNvPr id="300" name="Rectangle"/>
             <p:cNvSpPr/>
             <p:nvPr/>
           </p:nvSpPr>
@@ -13276,7 +13160,7 @@
       </p:grpSp>
       <p:graphicFrame>
         <p:nvGraphicFramePr>
-          <p:cNvPr id="306" name="Table"/>
+          <p:cNvPr id="302" name="Table"/>
           <p:cNvGraphicFramePr/>
           <p:nvPr/>
         </p:nvGraphicFramePr>
@@ -13514,7 +13398,7 @@
       </p:graphicFrame>
       <p:sp>
         <p:nvSpPr>
-          <p:cNvPr id="307" name="Line"/>
+          <p:cNvPr id="303" name="Line"/>
           <p:cNvSpPr/>
           <p:nvPr/>
         </p:nvSpPr>
@@ -13567,7 +13451,7 @@
       </p:sp>
       <p:sp>
         <p:nvSpPr>
-          <p:cNvPr id="308" name="str_length(string) The width of strings (i.e. number of code points, which generally equals the number of characters). str_length(fruit)…"/>
+          <p:cNvPr id="304" name="str_length(string) The width of strings (i.e. number of code points, which generally equals the number of characters). str_length(fruit)…"/>
           <p:cNvSpPr txBox="1"/>
           <p:nvPr/>
         </p:nvSpPr>
@@ -13749,7 +13633,7 @@
       </p:sp>
       <p:grpSp>
         <p:nvGrpSpPr>
-          <p:cNvPr id="316" name="Group"/>
+          <p:cNvPr id="312" name="Group"/>
           <p:cNvGrpSpPr/>
           <p:nvPr/>
         </p:nvGrpSpPr>
@@ -13763,7 +13647,7 @@
         </p:grpSpPr>
         <p:graphicFrame>
           <p:nvGraphicFramePr>
-            <p:cNvPr id="309" name="Table"/>
+            <p:cNvPr id="305" name="Table"/>
             <p:cNvGraphicFramePr/>
             <p:nvPr/>
           </p:nvGraphicFramePr>
@@ -13898,7 +13782,7 @@
         </p:graphicFrame>
         <p:sp>
           <p:nvSpPr>
-            <p:cNvPr id="310" name="Line"/>
+            <p:cNvPr id="306" name="Line"/>
             <p:cNvSpPr/>
             <p:nvPr/>
           </p:nvSpPr>
@@ -13956,7 +13840,7 @@
         </p:sp>
         <p:grpSp>
           <p:nvGrpSpPr>
-            <p:cNvPr id="315" name="Group"/>
+            <p:cNvPr id="311" name="Group"/>
             <p:cNvGrpSpPr/>
             <p:nvPr/>
           </p:nvGrpSpPr>
@@ -13970,7 +13854,7 @@
           </p:grpSpPr>
           <p:graphicFrame>
             <p:nvGraphicFramePr>
-              <p:cNvPr id="311" name="Table"/>
+              <p:cNvPr id="307" name="Table"/>
               <p:cNvGraphicFramePr/>
               <p:nvPr/>
             </p:nvGraphicFramePr>
@@ -14109,7 +13993,7 @@
           </p:graphicFrame>
           <p:sp>
             <p:nvSpPr>
-              <p:cNvPr id="312" name="Rectangle"/>
+              <p:cNvPr id="308" name="Rectangle"/>
               <p:cNvSpPr/>
               <p:nvPr/>
             </p:nvSpPr>
@@ -14154,7 +14038,7 @@
           </p:sp>
           <p:sp>
             <p:nvSpPr>
-              <p:cNvPr id="313" name="Square"/>
+              <p:cNvPr id="309" name="Square"/>
               <p:cNvSpPr/>
               <p:nvPr/>
             </p:nvSpPr>
@@ -14199,7 +14083,7 @@
           </p:sp>
           <p:sp>
             <p:nvSpPr>
-              <p:cNvPr id="314" name="Rectangle"/>
+              <p:cNvPr id="310" name="Rectangle"/>
               <p:cNvSpPr/>
               <p:nvPr/>
             </p:nvSpPr>
@@ -14246,7 +14130,7 @@
       </p:grpSp>
       <p:grpSp>
         <p:nvGrpSpPr>
-          <p:cNvPr id="330" name="Group"/>
+          <p:cNvPr id="326" name="Group"/>
           <p:cNvGrpSpPr/>
           <p:nvPr/>
         </p:nvGrpSpPr>
@@ -14260,7 +14144,7 @@
         </p:grpSpPr>
         <p:grpSp>
           <p:nvGrpSpPr>
-            <p:cNvPr id="322" name="Group"/>
+            <p:cNvPr id="318" name="Group"/>
             <p:cNvGrpSpPr/>
             <p:nvPr/>
           </p:nvGrpSpPr>
@@ -14274,7 +14158,7 @@
           </p:grpSpPr>
           <p:sp>
             <p:nvSpPr>
-              <p:cNvPr id="317" name="Rectangle"/>
+              <p:cNvPr id="313" name="Rectangle"/>
               <p:cNvSpPr/>
               <p:nvPr/>
             </p:nvSpPr>
@@ -14322,7 +14206,7 @@
           </p:sp>
           <p:sp>
             <p:nvSpPr>
-              <p:cNvPr id="318" name="Rectangle"/>
+              <p:cNvPr id="314" name="Rectangle"/>
               <p:cNvSpPr/>
               <p:nvPr/>
             </p:nvSpPr>
@@ -14367,7 +14251,7 @@
           </p:sp>
           <p:sp>
             <p:nvSpPr>
-              <p:cNvPr id="319" name="Rectangle"/>
+              <p:cNvPr id="315" name="Rectangle"/>
               <p:cNvSpPr/>
               <p:nvPr/>
             </p:nvSpPr>
@@ -14412,7 +14296,7 @@
           </p:sp>
           <p:sp>
             <p:nvSpPr>
-              <p:cNvPr id="320" name="Rectangle"/>
+              <p:cNvPr id="316" name="Rectangle"/>
               <p:cNvSpPr/>
               <p:nvPr/>
             </p:nvSpPr>
@@ -14457,7 +14341,7 @@
           </p:sp>
           <p:graphicFrame>
             <p:nvGraphicFramePr>
-              <p:cNvPr id="321" name="Table"/>
+              <p:cNvPr id="317" name="Table"/>
               <p:cNvGraphicFramePr/>
               <p:nvPr/>
             </p:nvGraphicFramePr>
@@ -14577,7 +14461,7 @@
         </p:grpSp>
         <p:grpSp>
           <p:nvGrpSpPr>
-            <p:cNvPr id="327" name="Group"/>
+            <p:cNvPr id="323" name="Group"/>
             <p:cNvGrpSpPr/>
             <p:nvPr/>
           </p:nvGrpSpPr>
@@ -14591,7 +14475,7 @@
           </p:grpSpPr>
           <p:graphicFrame>
             <p:nvGraphicFramePr>
-              <p:cNvPr id="323" name="Table"/>
+              <p:cNvPr id="319" name="Table"/>
               <p:cNvGraphicFramePr/>
               <p:nvPr/>
             </p:nvGraphicFramePr>
@@ -14730,7 +14614,7 @@
           </p:graphicFrame>
           <p:sp>
             <p:nvSpPr>
-              <p:cNvPr id="324" name="Rectangle"/>
+              <p:cNvPr id="320" name="Rectangle"/>
               <p:cNvSpPr/>
               <p:nvPr/>
             </p:nvSpPr>
@@ -14775,7 +14659,7 @@
           </p:sp>
           <p:sp>
             <p:nvSpPr>
-              <p:cNvPr id="325" name="Square"/>
+              <p:cNvPr id="321" name="Square"/>
               <p:cNvSpPr/>
               <p:nvPr/>
             </p:nvSpPr>
@@ -14820,7 +14704,7 @@
           </p:sp>
           <p:sp>
             <p:nvSpPr>
-              <p:cNvPr id="326" name="Rectangle"/>
+              <p:cNvPr id="322" name="Rectangle"/>
               <p:cNvSpPr/>
               <p:nvPr/>
             </p:nvSpPr>
@@ -14866,7 +14750,7 @@
         </p:grpSp>
         <p:sp>
           <p:nvSpPr>
-            <p:cNvPr id="328" name="Line"/>
+            <p:cNvPr id="324" name="Line"/>
             <p:cNvSpPr/>
             <p:nvPr/>
           </p:nvSpPr>
@@ -14924,7 +14808,7 @@
         </p:sp>
         <p:sp>
           <p:nvSpPr>
-            <p:cNvPr id="329" name="Line"/>
+            <p:cNvPr id="325" name="Line"/>
             <p:cNvSpPr/>
             <p:nvPr/>
           </p:nvSpPr>
@@ -14971,7 +14855,7 @@
       </p:grpSp>
       <p:grpSp>
         <p:nvGrpSpPr>
-          <p:cNvPr id="340" name="Group"/>
+          <p:cNvPr id="336" name="Group"/>
           <p:cNvGrpSpPr/>
           <p:nvPr/>
         </p:nvGrpSpPr>
@@ -14985,7 +14869,7 @@
         </p:grpSpPr>
         <p:grpSp>
           <p:nvGrpSpPr>
-            <p:cNvPr id="333" name="Group"/>
+            <p:cNvPr id="329" name="Group"/>
             <p:cNvGrpSpPr/>
             <p:nvPr/>
           </p:nvGrpSpPr>
@@ -14999,7 +14883,7 @@
           </p:grpSpPr>
           <p:sp>
             <p:nvSpPr>
-              <p:cNvPr id="331" name="Rectangle"/>
+              <p:cNvPr id="327" name="Rectangle"/>
               <p:cNvSpPr/>
               <p:nvPr/>
             </p:nvSpPr>
@@ -15047,7 +14931,7 @@
           </p:sp>
           <p:graphicFrame>
             <p:nvGraphicFramePr>
-              <p:cNvPr id="332" name="Table"/>
+              <p:cNvPr id="328" name="Table"/>
               <p:cNvGraphicFramePr/>
               <p:nvPr/>
             </p:nvGraphicFramePr>
@@ -15167,7 +15051,7 @@
         </p:grpSp>
         <p:sp>
           <p:nvSpPr>
-            <p:cNvPr id="334" name="Line"/>
+            <p:cNvPr id="330" name="Line"/>
             <p:cNvSpPr/>
             <p:nvPr/>
           </p:nvSpPr>
@@ -15225,7 +15109,7 @@
         </p:sp>
         <p:grpSp>
           <p:nvGrpSpPr>
-            <p:cNvPr id="339" name="Group"/>
+            <p:cNvPr id="335" name="Group"/>
             <p:cNvGrpSpPr/>
             <p:nvPr/>
           </p:nvGrpSpPr>
@@ -15239,7 +15123,7 @@
           </p:grpSpPr>
           <p:graphicFrame>
             <p:nvGraphicFramePr>
-              <p:cNvPr id="335" name="Table"/>
+              <p:cNvPr id="331" name="Table"/>
               <p:cNvGraphicFramePr/>
               <p:nvPr/>
             </p:nvGraphicFramePr>
@@ -15378,7 +15262,7 @@
           </p:graphicFrame>
           <p:sp>
             <p:nvSpPr>
-              <p:cNvPr id="336" name="Rectangle"/>
+              <p:cNvPr id="332" name="Rectangle"/>
               <p:cNvSpPr/>
               <p:nvPr/>
             </p:nvSpPr>
@@ -15423,7 +15307,7 @@
           </p:sp>
           <p:sp>
             <p:nvSpPr>
-              <p:cNvPr id="337" name="Rectangle"/>
+              <p:cNvPr id="333" name="Rectangle"/>
               <p:cNvSpPr/>
               <p:nvPr/>
             </p:nvSpPr>
@@ -15468,7 +15352,7 @@
           </p:sp>
           <p:sp>
             <p:nvSpPr>
-              <p:cNvPr id="338" name="Rectangle"/>
+              <p:cNvPr id="334" name="Rectangle"/>
               <p:cNvSpPr/>
               <p:nvPr/>
             </p:nvSpPr>
@@ -15515,7 +15399,7 @@
       </p:grpSp>
       <p:grpSp>
         <p:nvGrpSpPr>
-          <p:cNvPr id="357" name="Group"/>
+          <p:cNvPr id="353" name="Group"/>
           <p:cNvGrpSpPr/>
           <p:nvPr/>
         </p:nvGrpSpPr>
@@ -15529,7 +15413,7 @@
         </p:grpSpPr>
         <p:grpSp>
           <p:nvGrpSpPr>
-            <p:cNvPr id="347" name="Group"/>
+            <p:cNvPr id="343" name="Group"/>
             <p:cNvGrpSpPr/>
             <p:nvPr/>
           </p:nvGrpSpPr>
@@ -15543,7 +15427,7 @@
           </p:grpSpPr>
           <p:sp>
             <p:nvSpPr>
-              <p:cNvPr id="341" name="Rectangle"/>
+              <p:cNvPr id="337" name="Rectangle"/>
               <p:cNvSpPr/>
               <p:nvPr/>
             </p:nvSpPr>
@@ -15591,7 +15475,7 @@
           </p:sp>
           <p:sp>
             <p:nvSpPr>
-              <p:cNvPr id="342" name="Rectangle"/>
+              <p:cNvPr id="338" name="Rectangle"/>
               <p:cNvSpPr/>
               <p:nvPr/>
             </p:nvSpPr>
@@ -15636,7 +15520,7 @@
           </p:sp>
           <p:sp>
             <p:nvSpPr>
-              <p:cNvPr id="343" name="Rectangle"/>
+              <p:cNvPr id="339" name="Rectangle"/>
               <p:cNvSpPr/>
               <p:nvPr/>
             </p:nvSpPr>
@@ -15681,7 +15565,7 @@
           </p:sp>
           <p:sp>
             <p:nvSpPr>
-              <p:cNvPr id="344" name="Rectangle"/>
+              <p:cNvPr id="340" name="Rectangle"/>
               <p:cNvSpPr/>
               <p:nvPr/>
             </p:nvSpPr>
@@ -15726,7 +15610,7 @@
           </p:sp>
           <p:sp>
             <p:nvSpPr>
-              <p:cNvPr id="345" name="Rectangle"/>
+              <p:cNvPr id="341" name="Rectangle"/>
               <p:cNvSpPr/>
               <p:nvPr/>
             </p:nvSpPr>
@@ -15771,7 +15655,7 @@
           </p:sp>
           <p:graphicFrame>
             <p:nvGraphicFramePr>
-              <p:cNvPr id="346" name="Table"/>
+              <p:cNvPr id="342" name="Table"/>
               <p:cNvGraphicFramePr/>
               <p:nvPr/>
             </p:nvGraphicFramePr>
@@ -15891,7 +15775,7 @@
         </p:grpSp>
         <p:grpSp>
           <p:nvGrpSpPr>
-            <p:cNvPr id="354" name="Group"/>
+            <p:cNvPr id="350" name="Group"/>
             <p:cNvGrpSpPr/>
             <p:nvPr/>
           </p:nvGrpSpPr>
@@ -15905,7 +15789,7 @@
           </p:grpSpPr>
           <p:sp>
             <p:nvSpPr>
-              <p:cNvPr id="348" name="Rectangle"/>
+              <p:cNvPr id="344" name="Rectangle"/>
               <p:cNvSpPr/>
               <p:nvPr/>
             </p:nvSpPr>
@@ -15953,7 +15837,7 @@
           </p:sp>
           <p:sp>
             <p:nvSpPr>
-              <p:cNvPr id="349" name="Rectangle"/>
+              <p:cNvPr id="345" name="Rectangle"/>
               <p:cNvSpPr/>
               <p:nvPr/>
             </p:nvSpPr>
@@ -15998,7 +15882,7 @@
           </p:sp>
           <p:sp>
             <p:nvSpPr>
-              <p:cNvPr id="350" name="Rectangle"/>
+              <p:cNvPr id="346" name="Rectangle"/>
               <p:cNvSpPr/>
               <p:nvPr/>
             </p:nvSpPr>
@@ -16043,7 +15927,7 @@
           </p:sp>
           <p:sp>
             <p:nvSpPr>
-              <p:cNvPr id="351" name="Rectangle"/>
+              <p:cNvPr id="347" name="Rectangle"/>
               <p:cNvSpPr/>
               <p:nvPr/>
             </p:nvSpPr>
@@ -16088,7 +15972,7 @@
           </p:sp>
           <p:sp>
             <p:nvSpPr>
-              <p:cNvPr id="352" name="Rectangle"/>
+              <p:cNvPr id="348" name="Rectangle"/>
               <p:cNvSpPr/>
               <p:nvPr/>
             </p:nvSpPr>
@@ -16133,7 +16017,7 @@
           </p:sp>
           <p:graphicFrame>
             <p:nvGraphicFramePr>
-              <p:cNvPr id="353" name="Table"/>
+              <p:cNvPr id="349" name="Table"/>
               <p:cNvGraphicFramePr/>
               <p:nvPr/>
             </p:nvGraphicFramePr>
@@ -16253,7 +16137,7 @@
         </p:grpSp>
         <p:sp>
           <p:nvSpPr>
-            <p:cNvPr id="355" name="Line"/>
+            <p:cNvPr id="351" name="Line"/>
             <p:cNvSpPr/>
             <p:nvPr/>
           </p:nvSpPr>
@@ -16311,7 +16195,7 @@
         </p:sp>
         <p:sp>
           <p:nvSpPr>
-            <p:cNvPr id="356" name="Line"/>
+            <p:cNvPr id="352" name="Line"/>
             <p:cNvSpPr/>
             <p:nvPr/>
           </p:nvSpPr>
@@ -16358,7 +16242,7 @@
       </p:grpSp>
       <p:sp>
         <p:nvSpPr>
-          <p:cNvPr id="358" name="Line"/>
+          <p:cNvPr id="354" name="Line"/>
           <p:cNvSpPr/>
           <p:nvPr/>
         </p:nvSpPr>
@@ -16399,7 +16283,7 @@
       </p:sp>
       <p:sp>
         <p:nvSpPr>
-          <p:cNvPr id="359" name="Helpers"/>
+          <p:cNvPr id="355" name="Helpers"/>
           <p:cNvSpPr txBox="1"/>
           <p:nvPr/>
         </p:nvSpPr>
@@ -16447,7 +16331,7 @@
       </p:sp>
       <p:sp>
         <p:nvSpPr>
-          <p:cNvPr id="360" name="Line"/>
+          <p:cNvPr id="356" name="Line"/>
           <p:cNvSpPr/>
           <p:nvPr/>
         </p:nvSpPr>
@@ -16488,7 +16372,7 @@
       </p:sp>
       <p:sp>
         <p:nvSpPr>
-          <p:cNvPr id="361" name="str_order(x, decreasing = FALSE, na_last = TRUE, locale = &quot;en&quot;, numeric = FALSE, ...)1 Return the vector of indexes that sorts a character vector. x[str_order(x)]…"/>
+          <p:cNvPr id="357" name="str_order(x, decreasing = FALSE, na_last = TRUE, locale = &quot;en&quot;, numeric = FALSE, ...)1 Return the vector of indexes that sorts a character vector. x[str_order(x)]…"/>
           <p:cNvSpPr txBox="1"/>
           <p:nvPr/>
         </p:nvSpPr>
@@ -16617,7 +16501,7 @@
       </p:sp>
       <p:grpSp>
         <p:nvGrpSpPr>
-          <p:cNvPr id="365" name="Group"/>
+          <p:cNvPr id="361" name="Group"/>
           <p:cNvGrpSpPr/>
           <p:nvPr/>
         </p:nvGrpSpPr>
@@ -16631,7 +16515,7 @@
         </p:grpSpPr>
         <p:graphicFrame>
           <p:nvGraphicFramePr>
-            <p:cNvPr id="362" name="Table"/>
+            <p:cNvPr id="358" name="Table"/>
             <p:cNvGraphicFramePr/>
             <p:nvPr/>
           </p:nvGraphicFramePr>
@@ -16757,6 +16641,353 @@
                     </a:txBody>
                     <a:tcPr marL="0" marR="0" marT="0" marB="0" anchor="ctr" anchorCtr="0" horzOverflow="overflow">
                       <a:noFill/>
+                    </a:tcPr>
+                  </a:tc>
+                </a:tr>
+              </a:tbl>
+            </a:graphicData>
+          </a:graphic>
+        </p:graphicFrame>
+        <p:graphicFrame>
+          <p:nvGraphicFramePr>
+            <p:cNvPr id="359" name="Table"/>
+            <p:cNvGraphicFramePr/>
+            <p:nvPr/>
+          </p:nvGraphicFramePr>
+          <p:xfrm>
+            <a:off x="25400" y="25400"/>
+            <a:ext cx="650939" cy="609600"/>
+          </p:xfrm>
+          <a:graphic xmlns:a="http://schemas.openxmlformats.org/drawingml/2006/main">
+            <a:graphicData uri="http://schemas.openxmlformats.org/drawingml/2006/table">
+              <a:tbl>
+                <a:tblPr firstCol="0" firstRow="0" lastCol="0" lastRow="0" bandCol="0" bandRow="0" rtl="0">
+                  <a:tableStyleId>{33BA23B1-9221-436E-865A-0063620EA4FD}</a:tableStyleId>
+                </a:tblPr>
+                <a:tblGrid>
+                  <a:gridCol w="200832"/>
+                </a:tblGrid>
+                <a:tr h="117475">
+                  <a:tc>
+                    <a:txBody>
+                      <a:bodyPr/>
+                      <a:lstStyle/>
+                      <a:p>
+                        <a:pPr algn="ctr" defTabSz="914400">
+                          <a:spcBef>
+                            <a:spcPts val="0"/>
+                          </a:spcBef>
+                          <a:defRPr sz="3600">
+                            <a:latin typeface="Helvetica"/>
+                            <a:ea typeface="Helvetica"/>
+                            <a:cs typeface="Helvetica"/>
+                            <a:sym typeface="Helvetica"/>
+                          </a:defRPr>
+                        </a:pPr>
+                      </a:p>
+                    </a:txBody>
+                    <a:tcPr marL="50800" marR="50800" marT="50800" marB="50800" anchor="ctr" anchorCtr="0" horzOverflow="overflow">
+                      <a:solidFill>
+                        <a:schemeClr val="accent5"/>
+                      </a:solidFill>
+                    </a:tcPr>
+                  </a:tc>
+                </a:tr>
+                <a:tr h="117475">
+                  <a:tc>
+                    <a:txBody>
+                      <a:bodyPr/>
+                      <a:lstStyle/>
+                      <a:p>
+                        <a:pPr algn="ctr" defTabSz="914400">
+                          <a:spcBef>
+                            <a:spcPts val="0"/>
+                          </a:spcBef>
+                          <a:defRPr sz="3600">
+                            <a:latin typeface="Helvetica"/>
+                            <a:ea typeface="Helvetica"/>
+                            <a:cs typeface="Helvetica"/>
+                            <a:sym typeface="Helvetica"/>
+                          </a:defRPr>
+                        </a:pPr>
+                      </a:p>
+                    </a:txBody>
+                    <a:tcPr marL="50800" marR="50800" marT="50800" marB="50800" anchor="ctr" anchorCtr="0" horzOverflow="overflow">
+                      <a:solidFill>
+                        <a:schemeClr val="accent5">
+                          <a:hueOff val="-507719"/>
+                          <a:satOff val="-24110"/>
+                          <a:lumOff val="-47668"/>
+                        </a:schemeClr>
+                      </a:solidFill>
+                    </a:tcPr>
+                  </a:tc>
+                </a:tr>
+                <a:tr h="117475">
+                  <a:tc>
+                    <a:txBody>
+                      <a:bodyPr/>
+                      <a:lstStyle/>
+                      <a:p>
+                        <a:pPr algn="ctr" defTabSz="914400">
+                          <a:spcBef>
+                            <a:spcPts val="0"/>
+                          </a:spcBef>
+                          <a:defRPr sz="3600">
+                            <a:latin typeface="Helvetica"/>
+                            <a:ea typeface="Helvetica"/>
+                            <a:cs typeface="Helvetica"/>
+                            <a:sym typeface="Helvetica"/>
+                          </a:defRPr>
+                        </a:pPr>
+                      </a:p>
+                    </a:txBody>
+                    <a:tcPr marL="50800" marR="50800" marT="50800" marB="50800" anchor="ctr" anchorCtr="0" horzOverflow="overflow">
+                      <a:solidFill>
+                        <a:schemeClr val="accent5">
+                          <a:satOff val="-35908"/>
+                          <a:lumOff val="-17895"/>
+                        </a:schemeClr>
+                      </a:solidFill>
+                    </a:tcPr>
+                  </a:tc>
+                </a:tr>
+                <a:tr h="117475">
+                  <a:tc>
+                    <a:txBody>
+                      <a:bodyPr/>
+                      <a:lstStyle/>
+                      <a:p>
+                        <a:pPr algn="ctr" defTabSz="914400">
+                          <a:spcBef>
+                            <a:spcPts val="0"/>
+                          </a:spcBef>
+                          <a:defRPr sz="3600">
+                            <a:latin typeface="Helvetica"/>
+                            <a:ea typeface="Helvetica"/>
+                            <a:cs typeface="Helvetica"/>
+                            <a:sym typeface="Helvetica"/>
+                          </a:defRPr>
+                        </a:pPr>
+                      </a:p>
+                    </a:txBody>
+                    <a:tcPr marL="50800" marR="50800" marT="50800" marB="50800" anchor="ctr" anchorCtr="0" horzOverflow="overflow">
+                      <a:solidFill>
+                        <a:schemeClr val="accent5">
+                          <a:hueOff val="1261427"/>
+                          <a:lumOff val="16825"/>
+                        </a:schemeClr>
+                      </a:solidFill>
+                    </a:tcPr>
+                  </a:tc>
+                </a:tr>
+              </a:tbl>
+            </a:graphicData>
+          </a:graphic>
+        </p:graphicFrame>
+        <p:sp>
+          <p:nvSpPr>
+            <p:cNvPr id="360" name="Line"/>
+            <p:cNvSpPr/>
+            <p:nvPr/>
+          </p:nvSpPr>
+          <p:spPr>
+            <a:xfrm>
+              <a:off x="274685" y="260350"/>
+              <a:ext cx="139605" cy="0"/>
+            </a:xfrm>
+            <a:prstGeom prst="line">
+              <a:avLst/>
+            </a:prstGeom>
+            <a:noFill/>
+            <a:ln w="12700" cap="flat">
+              <a:solidFill>
+                <a:srgbClr val="53585F"/>
+              </a:solidFill>
+              <a:prstDash val="solid"/>
+              <a:miter lim="400000"/>
+              <a:tailEnd type="triangle" w="med" len="med"/>
+            </a:ln>
+            <a:effectLst/>
+          </p:spPr>
+          <p:txBody>
+            <a:bodyPr wrap="square" lIns="0" tIns="0" rIns="0" bIns="0" numCol="1" anchor="t">
+              <a:noAutofit/>
+            </a:bodyPr>
+            <a:lstStyle/>
+            <a:p>
+              <a:pPr>
+                <a:lnSpc>
+                  <a:spcPct val="80000"/>
+                </a:lnSpc>
+                <a:spcBef>
+                  <a:spcPts val="0"/>
+                </a:spcBef>
+                <a:defRPr b="0" sz="5600">
+                  <a:solidFill>
+                    <a:srgbClr val="000000"/>
+                  </a:solidFill>
+                  <a:effectLst>
+                    <a:outerShdw sx="100000" sy="100000" kx="0" ky="0" algn="b" rotWithShape="0" blurRad="38100" dist="12700" dir="5400000">
+                      <a:srgbClr val="000000">
+                        <a:alpha val="50000"/>
+                      </a:srgbClr>
+                    </a:outerShdw>
+                  </a:effectLst>
+                  <a:latin typeface="Gill Sans"/>
+                  <a:ea typeface="Gill Sans"/>
+                  <a:cs typeface="Gill Sans"/>
+                  <a:sym typeface="Gill Sans"/>
+                </a:defRPr>
+              </a:pPr>
+            </a:p>
+          </p:txBody>
+        </p:sp>
+      </p:grpSp>
+      <p:grpSp>
+        <p:nvGrpSpPr>
+          <p:cNvPr id="365" name="Group"/>
+          <p:cNvGrpSpPr/>
+          <p:nvPr/>
+        </p:nvGrpSpPr>
+        <p:grpSpPr>
+          <a:xfrm>
+            <a:off x="9559382" y="6558929"/>
+            <a:ext cx="1079564" cy="609601"/>
+            <a:chOff x="25400" y="25400"/>
+            <a:chExt cx="1079563" cy="609600"/>
+          </a:xfrm>
+        </p:grpSpPr>
+        <p:graphicFrame>
+          <p:nvGraphicFramePr>
+            <p:cNvPr id="362" name="Table"/>
+            <p:cNvGraphicFramePr/>
+            <p:nvPr/>
+          </p:nvGraphicFramePr>
+          <p:xfrm>
+            <a:off x="454025" y="25400"/>
+            <a:ext cx="650939" cy="609600"/>
+          </p:xfrm>
+          <a:graphic xmlns:a="http://schemas.openxmlformats.org/drawingml/2006/main">
+            <a:graphicData uri="http://schemas.openxmlformats.org/drawingml/2006/table">
+              <a:tbl>
+                <a:tblPr firstCol="0" firstRow="0" lastCol="0" lastRow="0" bandCol="0" bandRow="0" rtl="0">
+                  <a:tableStyleId>{33BA23B1-9221-436E-865A-0063620EA4FD}</a:tableStyleId>
+                </a:tblPr>
+                <a:tblGrid>
+                  <a:gridCol w="200832"/>
+                </a:tblGrid>
+                <a:tr h="117475">
+                  <a:tc>
+                    <a:txBody>
+                      <a:bodyPr/>
+                      <a:lstStyle/>
+                      <a:p>
+                        <a:pPr algn="ctr" defTabSz="914400">
+                          <a:spcBef>
+                            <a:spcPts val="0"/>
+                          </a:spcBef>
+                          <a:defRPr sz="3600">
+                            <a:latin typeface="Helvetica"/>
+                            <a:ea typeface="Helvetica"/>
+                            <a:cs typeface="Helvetica"/>
+                            <a:sym typeface="Helvetica"/>
+                          </a:defRPr>
+                        </a:pPr>
+                      </a:p>
+                    </a:txBody>
+                    <a:tcPr marL="50800" marR="50800" marT="50800" marB="50800" anchor="ctr" anchorCtr="0" horzOverflow="overflow">
+                      <a:solidFill>
+                        <a:schemeClr val="accent5">
+                          <a:hueOff val="1261427"/>
+                          <a:lumOff val="16825"/>
+                        </a:schemeClr>
+                      </a:solidFill>
+                    </a:tcPr>
+                  </a:tc>
+                </a:tr>
+                <a:tr h="117475">
+                  <a:tc>
+                    <a:txBody>
+                      <a:bodyPr/>
+                      <a:lstStyle/>
+                      <a:p>
+                        <a:pPr algn="ctr" defTabSz="914400">
+                          <a:spcBef>
+                            <a:spcPts val="0"/>
+                          </a:spcBef>
+                          <a:defRPr sz="3600">
+                            <a:latin typeface="Helvetica"/>
+                            <a:ea typeface="Helvetica"/>
+                            <a:cs typeface="Helvetica"/>
+                            <a:sym typeface="Helvetica"/>
+                          </a:defRPr>
+                        </a:pPr>
+                      </a:p>
+                    </a:txBody>
+                    <a:tcPr marL="50800" marR="50800" marT="50800" marB="50800" anchor="ctr" anchorCtr="0" horzOverflow="overflow">
+                      <a:solidFill>
+                        <a:schemeClr val="accent5"/>
+                      </a:solidFill>
+                    </a:tcPr>
+                  </a:tc>
+                </a:tr>
+                <a:tr h="117475">
+                  <a:tc>
+                    <a:txBody>
+                      <a:bodyPr/>
+                      <a:lstStyle/>
+                      <a:p>
+                        <a:pPr algn="ctr" defTabSz="914400">
+                          <a:spcBef>
+                            <a:spcPts val="0"/>
+                          </a:spcBef>
+                          <a:defRPr sz="3600">
+                            <a:latin typeface="Helvetica"/>
+                            <a:ea typeface="Helvetica"/>
+                            <a:cs typeface="Helvetica"/>
+                            <a:sym typeface="Helvetica"/>
+                          </a:defRPr>
+                        </a:pPr>
+                      </a:p>
+                    </a:txBody>
+                    <a:tcPr marL="50800" marR="50800" marT="50800" marB="50800" anchor="ctr" anchorCtr="0" horzOverflow="overflow">
+                      <a:solidFill>
+                        <a:schemeClr val="accent5">
+                          <a:satOff val="-35908"/>
+                          <a:lumOff val="-17895"/>
+                        </a:schemeClr>
+                      </a:solidFill>
+                    </a:tcPr>
+                  </a:tc>
+                </a:tr>
+                <a:tr h="117475">
+                  <a:tc>
+                    <a:txBody>
+                      <a:bodyPr/>
+                      <a:lstStyle/>
+                      <a:p>
+                        <a:pPr algn="ctr" defTabSz="914400">
+                          <a:spcBef>
+                            <a:spcPts val="0"/>
+                          </a:spcBef>
+                          <a:defRPr sz="3600">
+                            <a:latin typeface="Helvetica"/>
+                            <a:ea typeface="Helvetica"/>
+                            <a:cs typeface="Helvetica"/>
+                            <a:sym typeface="Helvetica"/>
+                          </a:defRPr>
+                        </a:pPr>
+                      </a:p>
+                    </a:txBody>
+                    <a:tcPr marL="50800" marR="50800" marT="50800" marB="50800" anchor="ctr" anchorCtr="0" horzOverflow="overflow">
+                      <a:solidFill>
+                        <a:schemeClr val="accent5">
+                          <a:hueOff val="-507719"/>
+                          <a:satOff val="-24110"/>
+                          <a:lumOff val="-47668"/>
+                        </a:schemeClr>
+                      </a:solidFill>
                     </a:tcPr>
                   </a:tc>
                 </a:tr>
@@ -16960,356 +17191,9 @@
           </p:txBody>
         </p:sp>
       </p:grpSp>
-      <p:grpSp>
-        <p:nvGrpSpPr>
-          <p:cNvPr id="369" name="Group"/>
-          <p:cNvGrpSpPr/>
-          <p:nvPr/>
-        </p:nvGrpSpPr>
-        <p:grpSpPr>
-          <a:xfrm>
-            <a:off x="9559382" y="6558929"/>
-            <a:ext cx="1079564" cy="609601"/>
-            <a:chOff x="25400" y="25400"/>
-            <a:chExt cx="1079563" cy="609600"/>
-          </a:xfrm>
-        </p:grpSpPr>
-        <p:graphicFrame>
-          <p:nvGraphicFramePr>
-            <p:cNvPr id="366" name="Table"/>
-            <p:cNvGraphicFramePr/>
-            <p:nvPr/>
-          </p:nvGraphicFramePr>
-          <p:xfrm>
-            <a:off x="454025" y="25400"/>
-            <a:ext cx="650939" cy="609600"/>
-          </p:xfrm>
-          <a:graphic xmlns:a="http://schemas.openxmlformats.org/drawingml/2006/main">
-            <a:graphicData uri="http://schemas.openxmlformats.org/drawingml/2006/table">
-              <a:tbl>
-                <a:tblPr firstCol="0" firstRow="0" lastCol="0" lastRow="0" bandCol="0" bandRow="0" rtl="0">
-                  <a:tableStyleId>{33BA23B1-9221-436E-865A-0063620EA4FD}</a:tableStyleId>
-                </a:tblPr>
-                <a:tblGrid>
-                  <a:gridCol w="200832"/>
-                </a:tblGrid>
-                <a:tr h="117475">
-                  <a:tc>
-                    <a:txBody>
-                      <a:bodyPr/>
-                      <a:lstStyle/>
-                      <a:p>
-                        <a:pPr algn="ctr" defTabSz="914400">
-                          <a:spcBef>
-                            <a:spcPts val="0"/>
-                          </a:spcBef>
-                          <a:defRPr sz="3600">
-                            <a:latin typeface="Helvetica"/>
-                            <a:ea typeface="Helvetica"/>
-                            <a:cs typeface="Helvetica"/>
-                            <a:sym typeface="Helvetica"/>
-                          </a:defRPr>
-                        </a:pPr>
-                      </a:p>
-                    </a:txBody>
-                    <a:tcPr marL="50800" marR="50800" marT="50800" marB="50800" anchor="ctr" anchorCtr="0" horzOverflow="overflow">
-                      <a:solidFill>
-                        <a:schemeClr val="accent5">
-                          <a:hueOff val="1261427"/>
-                          <a:lumOff val="16825"/>
-                        </a:schemeClr>
-                      </a:solidFill>
-                    </a:tcPr>
-                  </a:tc>
-                </a:tr>
-                <a:tr h="117475">
-                  <a:tc>
-                    <a:txBody>
-                      <a:bodyPr/>
-                      <a:lstStyle/>
-                      <a:p>
-                        <a:pPr algn="ctr" defTabSz="914400">
-                          <a:spcBef>
-                            <a:spcPts val="0"/>
-                          </a:spcBef>
-                          <a:defRPr sz="3600">
-                            <a:latin typeface="Helvetica"/>
-                            <a:ea typeface="Helvetica"/>
-                            <a:cs typeface="Helvetica"/>
-                            <a:sym typeface="Helvetica"/>
-                          </a:defRPr>
-                        </a:pPr>
-                      </a:p>
-                    </a:txBody>
-                    <a:tcPr marL="50800" marR="50800" marT="50800" marB="50800" anchor="ctr" anchorCtr="0" horzOverflow="overflow">
-                      <a:solidFill>
-                        <a:schemeClr val="accent5"/>
-                      </a:solidFill>
-                    </a:tcPr>
-                  </a:tc>
-                </a:tr>
-                <a:tr h="117475">
-                  <a:tc>
-                    <a:txBody>
-                      <a:bodyPr/>
-                      <a:lstStyle/>
-                      <a:p>
-                        <a:pPr algn="ctr" defTabSz="914400">
-                          <a:spcBef>
-                            <a:spcPts val="0"/>
-                          </a:spcBef>
-                          <a:defRPr sz="3600">
-                            <a:latin typeface="Helvetica"/>
-                            <a:ea typeface="Helvetica"/>
-                            <a:cs typeface="Helvetica"/>
-                            <a:sym typeface="Helvetica"/>
-                          </a:defRPr>
-                        </a:pPr>
-                      </a:p>
-                    </a:txBody>
-                    <a:tcPr marL="50800" marR="50800" marT="50800" marB="50800" anchor="ctr" anchorCtr="0" horzOverflow="overflow">
-                      <a:solidFill>
-                        <a:schemeClr val="accent5">
-                          <a:satOff val="-35908"/>
-                          <a:lumOff val="-17895"/>
-                        </a:schemeClr>
-                      </a:solidFill>
-                    </a:tcPr>
-                  </a:tc>
-                </a:tr>
-                <a:tr h="117475">
-                  <a:tc>
-                    <a:txBody>
-                      <a:bodyPr/>
-                      <a:lstStyle/>
-                      <a:p>
-                        <a:pPr algn="ctr" defTabSz="914400">
-                          <a:spcBef>
-                            <a:spcPts val="0"/>
-                          </a:spcBef>
-                          <a:defRPr sz="3600">
-                            <a:latin typeface="Helvetica"/>
-                            <a:ea typeface="Helvetica"/>
-                            <a:cs typeface="Helvetica"/>
-                            <a:sym typeface="Helvetica"/>
-                          </a:defRPr>
-                        </a:pPr>
-                      </a:p>
-                    </a:txBody>
-                    <a:tcPr marL="50800" marR="50800" marT="50800" marB="50800" anchor="ctr" anchorCtr="0" horzOverflow="overflow">
-                      <a:solidFill>
-                        <a:schemeClr val="accent5">
-                          <a:hueOff val="-507719"/>
-                          <a:satOff val="-24110"/>
-                          <a:lumOff val="-47668"/>
-                        </a:schemeClr>
-                      </a:solidFill>
-                    </a:tcPr>
-                  </a:tc>
-                </a:tr>
-              </a:tbl>
-            </a:graphicData>
-          </a:graphic>
-        </p:graphicFrame>
-        <p:graphicFrame>
-          <p:nvGraphicFramePr>
-            <p:cNvPr id="367" name="Table"/>
-            <p:cNvGraphicFramePr/>
-            <p:nvPr/>
-          </p:nvGraphicFramePr>
-          <p:xfrm>
-            <a:off x="25400" y="25400"/>
-            <a:ext cx="650939" cy="609600"/>
-          </p:xfrm>
-          <a:graphic xmlns:a="http://schemas.openxmlformats.org/drawingml/2006/main">
-            <a:graphicData uri="http://schemas.openxmlformats.org/drawingml/2006/table">
-              <a:tbl>
-                <a:tblPr firstCol="0" firstRow="0" lastCol="0" lastRow="0" bandCol="0" bandRow="0" rtl="0">
-                  <a:tableStyleId>{33BA23B1-9221-436E-865A-0063620EA4FD}</a:tableStyleId>
-                </a:tblPr>
-                <a:tblGrid>
-                  <a:gridCol w="200832"/>
-                </a:tblGrid>
-                <a:tr h="117475">
-                  <a:tc>
-                    <a:txBody>
-                      <a:bodyPr/>
-                      <a:lstStyle/>
-                      <a:p>
-                        <a:pPr algn="ctr" defTabSz="914400">
-                          <a:spcBef>
-                            <a:spcPts val="0"/>
-                          </a:spcBef>
-                          <a:defRPr sz="3600">
-                            <a:latin typeface="Helvetica"/>
-                            <a:ea typeface="Helvetica"/>
-                            <a:cs typeface="Helvetica"/>
-                            <a:sym typeface="Helvetica"/>
-                          </a:defRPr>
-                        </a:pPr>
-                      </a:p>
-                    </a:txBody>
-                    <a:tcPr marL="50800" marR="50800" marT="50800" marB="50800" anchor="ctr" anchorCtr="0" horzOverflow="overflow">
-                      <a:solidFill>
-                        <a:schemeClr val="accent5"/>
-                      </a:solidFill>
-                    </a:tcPr>
-                  </a:tc>
-                </a:tr>
-                <a:tr h="117475">
-                  <a:tc>
-                    <a:txBody>
-                      <a:bodyPr/>
-                      <a:lstStyle/>
-                      <a:p>
-                        <a:pPr algn="ctr" defTabSz="914400">
-                          <a:spcBef>
-                            <a:spcPts val="0"/>
-                          </a:spcBef>
-                          <a:defRPr sz="3600">
-                            <a:latin typeface="Helvetica"/>
-                            <a:ea typeface="Helvetica"/>
-                            <a:cs typeface="Helvetica"/>
-                            <a:sym typeface="Helvetica"/>
-                          </a:defRPr>
-                        </a:pPr>
-                      </a:p>
-                    </a:txBody>
-                    <a:tcPr marL="50800" marR="50800" marT="50800" marB="50800" anchor="ctr" anchorCtr="0" horzOverflow="overflow">
-                      <a:solidFill>
-                        <a:schemeClr val="accent5">
-                          <a:hueOff val="-507719"/>
-                          <a:satOff val="-24110"/>
-                          <a:lumOff val="-47668"/>
-                        </a:schemeClr>
-                      </a:solidFill>
-                    </a:tcPr>
-                  </a:tc>
-                </a:tr>
-                <a:tr h="117475">
-                  <a:tc>
-                    <a:txBody>
-                      <a:bodyPr/>
-                      <a:lstStyle/>
-                      <a:p>
-                        <a:pPr algn="ctr" defTabSz="914400">
-                          <a:spcBef>
-                            <a:spcPts val="0"/>
-                          </a:spcBef>
-                          <a:defRPr sz="3600">
-                            <a:latin typeface="Helvetica"/>
-                            <a:ea typeface="Helvetica"/>
-                            <a:cs typeface="Helvetica"/>
-                            <a:sym typeface="Helvetica"/>
-                          </a:defRPr>
-                        </a:pPr>
-                      </a:p>
-                    </a:txBody>
-                    <a:tcPr marL="50800" marR="50800" marT="50800" marB="50800" anchor="ctr" anchorCtr="0" horzOverflow="overflow">
-                      <a:solidFill>
-                        <a:schemeClr val="accent5">
-                          <a:satOff val="-35908"/>
-                          <a:lumOff val="-17895"/>
-                        </a:schemeClr>
-                      </a:solidFill>
-                    </a:tcPr>
-                  </a:tc>
-                </a:tr>
-                <a:tr h="117475">
-                  <a:tc>
-                    <a:txBody>
-                      <a:bodyPr/>
-                      <a:lstStyle/>
-                      <a:p>
-                        <a:pPr algn="ctr" defTabSz="914400">
-                          <a:spcBef>
-                            <a:spcPts val="0"/>
-                          </a:spcBef>
-                          <a:defRPr sz="3600">
-                            <a:latin typeface="Helvetica"/>
-                            <a:ea typeface="Helvetica"/>
-                            <a:cs typeface="Helvetica"/>
-                            <a:sym typeface="Helvetica"/>
-                          </a:defRPr>
-                        </a:pPr>
-                      </a:p>
-                    </a:txBody>
-                    <a:tcPr marL="50800" marR="50800" marT="50800" marB="50800" anchor="ctr" anchorCtr="0" horzOverflow="overflow">
-                      <a:solidFill>
-                        <a:schemeClr val="accent5">
-                          <a:hueOff val="1261427"/>
-                          <a:lumOff val="16825"/>
-                        </a:schemeClr>
-                      </a:solidFill>
-                    </a:tcPr>
-                  </a:tc>
-                </a:tr>
-              </a:tbl>
-            </a:graphicData>
-          </a:graphic>
-        </p:graphicFrame>
-        <p:sp>
-          <p:nvSpPr>
-            <p:cNvPr id="368" name="Line"/>
-            <p:cNvSpPr/>
-            <p:nvPr/>
-          </p:nvSpPr>
-          <p:spPr>
-            <a:xfrm>
-              <a:off x="274685" y="260350"/>
-              <a:ext cx="139605" cy="0"/>
-            </a:xfrm>
-            <a:prstGeom prst="line">
-              <a:avLst/>
-            </a:prstGeom>
-            <a:noFill/>
-            <a:ln w="12700" cap="flat">
-              <a:solidFill>
-                <a:srgbClr val="53585F"/>
-              </a:solidFill>
-              <a:prstDash val="solid"/>
-              <a:miter lim="400000"/>
-              <a:tailEnd type="triangle" w="med" len="med"/>
-            </a:ln>
-            <a:effectLst/>
-          </p:spPr>
-          <p:txBody>
-            <a:bodyPr wrap="square" lIns="0" tIns="0" rIns="0" bIns="0" numCol="1" anchor="t">
-              <a:noAutofit/>
-            </a:bodyPr>
-            <a:lstStyle/>
-            <a:p>
-              <a:pPr>
-                <a:lnSpc>
-                  <a:spcPct val="80000"/>
-                </a:lnSpc>
-                <a:spcBef>
-                  <a:spcPts val="0"/>
-                </a:spcBef>
-                <a:defRPr b="0" sz="5600">
-                  <a:solidFill>
-                    <a:srgbClr val="000000"/>
-                  </a:solidFill>
-                  <a:effectLst>
-                    <a:outerShdw sx="100000" sy="100000" kx="0" ky="0" algn="b" rotWithShape="0" blurRad="38100" dist="12700" dir="5400000">
-                      <a:srgbClr val="000000">
-                        <a:alpha val="50000"/>
-                      </a:srgbClr>
-                    </a:outerShdw>
-                  </a:effectLst>
-                  <a:latin typeface="Gill Sans"/>
-                  <a:ea typeface="Gill Sans"/>
-                  <a:cs typeface="Gill Sans"/>
-                  <a:sym typeface="Gill Sans"/>
-                </a:defRPr>
-              </a:pPr>
-            </a:p>
-          </p:txBody>
-        </p:sp>
-      </p:grpSp>
       <p:sp>
         <p:nvSpPr>
-          <p:cNvPr id="370" name="Line"/>
+          <p:cNvPr id="366" name="Line"/>
           <p:cNvSpPr/>
           <p:nvPr/>
         </p:nvSpPr>
@@ -17350,7 +17234,7 @@
       </p:sp>
       <p:sp>
         <p:nvSpPr>
-          <p:cNvPr id="371" name="Order Strings"/>
+          <p:cNvPr id="367" name="Order Strings"/>
           <p:cNvSpPr txBox="1"/>
           <p:nvPr/>
         </p:nvSpPr>
@@ -17398,7 +17282,7 @@
       </p:sp>
       <p:sp>
         <p:nvSpPr>
-          <p:cNvPr id="372" name="The stringr package provides a set of internally consistent tools for working with character strings, i.e. sequences of characters surrounded by quotation marks."/>
+          <p:cNvPr id="368" name="The stringr package provides a set of internally consistent tools for working with character strings, i.e. sequences of characters surrounded by quotation marks."/>
           <p:cNvSpPr txBox="1"/>
           <p:nvPr/>
         </p:nvSpPr>
@@ -17458,7 +17342,7 @@
       </p:sp>
       <p:grpSp>
         <p:nvGrpSpPr>
-          <p:cNvPr id="381" name="Group"/>
+          <p:cNvPr id="377" name="Group"/>
           <p:cNvGrpSpPr/>
           <p:nvPr/>
         </p:nvGrpSpPr>
@@ -17472,7 +17356,7 @@
         </p:grpSpPr>
         <p:sp>
           <p:nvSpPr>
-            <p:cNvPr id="373" name="Rectangle"/>
+            <p:cNvPr id="369" name="Rectangle"/>
             <p:cNvSpPr/>
             <p:nvPr/>
           </p:nvSpPr>
@@ -17520,7 +17404,7 @@
         </p:sp>
         <p:sp>
           <p:nvSpPr>
-            <p:cNvPr id="374" name="Rectangle"/>
+            <p:cNvPr id="370" name="Rectangle"/>
             <p:cNvSpPr/>
             <p:nvPr/>
           </p:nvSpPr>
@@ -17565,7 +17449,7 @@
         </p:sp>
         <p:sp>
           <p:nvSpPr>
-            <p:cNvPr id="375" name="Rectangle"/>
+            <p:cNvPr id="371" name="Rectangle"/>
             <p:cNvSpPr/>
             <p:nvPr/>
           </p:nvSpPr>
@@ -17613,7 +17497,7 @@
         </p:sp>
         <p:sp>
           <p:nvSpPr>
-            <p:cNvPr id="376" name="Rectangle"/>
+            <p:cNvPr id="372" name="Rectangle"/>
             <p:cNvSpPr/>
             <p:nvPr/>
           </p:nvSpPr>
@@ -17658,7 +17542,7 @@
         </p:sp>
         <p:sp>
           <p:nvSpPr>
-            <p:cNvPr id="377" name="Rectangle"/>
+            <p:cNvPr id="373" name="Rectangle"/>
             <p:cNvSpPr/>
             <p:nvPr/>
           </p:nvSpPr>
@@ -17706,7 +17590,7 @@
         </p:sp>
         <p:sp>
           <p:nvSpPr>
-            <p:cNvPr id="378" name="Rectangle"/>
+            <p:cNvPr id="374" name="Rectangle"/>
             <p:cNvSpPr/>
             <p:nvPr/>
           </p:nvSpPr>
@@ -17751,7 +17635,7 @@
         </p:sp>
         <p:sp>
           <p:nvSpPr>
-            <p:cNvPr id="379" name="Rectangle"/>
+            <p:cNvPr id="375" name="Rectangle"/>
             <p:cNvSpPr/>
             <p:nvPr/>
           </p:nvSpPr>
@@ -17799,7 +17683,7 @@
         </p:sp>
         <p:graphicFrame>
           <p:nvGraphicFramePr>
-            <p:cNvPr id="380" name="Table"/>
+            <p:cNvPr id="376" name="Table"/>
             <p:cNvGraphicFramePr/>
             <p:nvPr/>
           </p:nvGraphicFramePr>
@@ -17919,7 +17803,7 @@
       </p:grpSp>
       <p:grpSp>
         <p:nvGrpSpPr>
-          <p:cNvPr id="389" name="Group"/>
+          <p:cNvPr id="385" name="Group"/>
           <p:cNvGrpSpPr/>
           <p:nvPr/>
         </p:nvGrpSpPr>
@@ -17933,7 +17817,7 @@
         </p:grpSpPr>
         <p:sp>
           <p:nvSpPr>
-            <p:cNvPr id="382" name="Rectangle"/>
+            <p:cNvPr id="378" name="Rectangle"/>
             <p:cNvSpPr/>
             <p:nvPr/>
           </p:nvSpPr>
@@ -17978,7 +17862,7 @@
         </p:sp>
         <p:sp>
           <p:nvSpPr>
-            <p:cNvPr id="383" name="Rectangle"/>
+            <p:cNvPr id="379" name="Rectangle"/>
             <p:cNvSpPr/>
             <p:nvPr/>
           </p:nvSpPr>
@@ -18026,7 +17910,7 @@
         </p:sp>
         <p:sp>
           <p:nvSpPr>
-            <p:cNvPr id="384" name="Rectangle"/>
+            <p:cNvPr id="380" name="Rectangle"/>
             <p:cNvSpPr/>
             <p:nvPr/>
           </p:nvSpPr>
@@ -18071,7 +17955,7 @@
         </p:sp>
         <p:sp>
           <p:nvSpPr>
-            <p:cNvPr id="385" name="Rectangle"/>
+            <p:cNvPr id="381" name="Rectangle"/>
             <p:cNvSpPr/>
             <p:nvPr/>
           </p:nvSpPr>
@@ -18119,7 +18003,7 @@
         </p:sp>
         <p:sp>
           <p:nvSpPr>
-            <p:cNvPr id="386" name="Rectangle"/>
+            <p:cNvPr id="382" name="Rectangle"/>
             <p:cNvSpPr/>
             <p:nvPr/>
           </p:nvSpPr>
@@ -18164,7 +18048,7 @@
         </p:sp>
         <p:sp>
           <p:nvSpPr>
-            <p:cNvPr id="387" name="Rectangle"/>
+            <p:cNvPr id="383" name="Rectangle"/>
             <p:cNvSpPr/>
             <p:nvPr/>
           </p:nvSpPr>
@@ -18212,7 +18096,7 @@
         </p:sp>
         <p:graphicFrame>
           <p:nvGraphicFramePr>
-            <p:cNvPr id="388" name="Table"/>
+            <p:cNvPr id="384" name="Table"/>
             <p:cNvGraphicFramePr/>
             <p:nvPr/>
           </p:nvGraphicFramePr>
@@ -18429,7 +18313,7 @@
       </p:grpSp>
       <p:grpSp>
         <p:nvGrpSpPr>
-          <p:cNvPr id="397" name="Group"/>
+          <p:cNvPr id="393" name="Group"/>
           <p:cNvGrpSpPr/>
           <p:nvPr/>
         </p:nvGrpSpPr>
@@ -18443,7 +18327,7 @@
         </p:grpSpPr>
         <p:sp>
           <p:nvSpPr>
-            <p:cNvPr id="390" name="Rectangle"/>
+            <p:cNvPr id="386" name="Rectangle"/>
             <p:cNvSpPr/>
             <p:nvPr/>
           </p:nvSpPr>
@@ -18491,7 +18375,7 @@
         </p:sp>
         <p:sp>
           <p:nvSpPr>
-            <p:cNvPr id="391" name="Rectangle"/>
+            <p:cNvPr id="387" name="Rectangle"/>
             <p:cNvSpPr/>
             <p:nvPr/>
           </p:nvSpPr>
@@ -18536,7 +18420,7 @@
         </p:sp>
         <p:sp>
           <p:nvSpPr>
-            <p:cNvPr id="392" name="Rectangle"/>
+            <p:cNvPr id="388" name="Rectangle"/>
             <p:cNvSpPr/>
             <p:nvPr/>
           </p:nvSpPr>
@@ -18581,7 +18465,7 @@
         </p:sp>
         <p:sp>
           <p:nvSpPr>
-            <p:cNvPr id="393" name="Rectangle"/>
+            <p:cNvPr id="389" name="Rectangle"/>
             <p:cNvSpPr/>
             <p:nvPr/>
           </p:nvSpPr>
@@ -18626,7 +18510,7 @@
         </p:sp>
         <p:sp>
           <p:nvSpPr>
-            <p:cNvPr id="394" name="Rectangle"/>
+            <p:cNvPr id="390" name="Rectangle"/>
             <p:cNvSpPr/>
             <p:nvPr/>
           </p:nvSpPr>
@@ -18674,7 +18558,7 @@
         </p:sp>
         <p:sp>
           <p:nvSpPr>
-            <p:cNvPr id="395" name="Rectangle"/>
+            <p:cNvPr id="391" name="Rectangle"/>
             <p:cNvSpPr/>
             <p:nvPr/>
           </p:nvSpPr>
@@ -18722,7 +18606,7 @@
         </p:sp>
         <p:graphicFrame>
           <p:nvGraphicFramePr>
-            <p:cNvPr id="396" name="Table"/>
+            <p:cNvPr id="392" name="Table"/>
             <p:cNvGraphicFramePr/>
             <p:nvPr/>
           </p:nvGraphicFramePr>
@@ -18842,7 +18726,7 @@
       </p:grpSp>
       <p:grpSp>
         <p:nvGrpSpPr>
-          <p:cNvPr id="403" name="Group"/>
+          <p:cNvPr id="399" name="Group"/>
           <p:cNvGrpSpPr/>
           <p:nvPr/>
         </p:nvGrpSpPr>
@@ -18856,7 +18740,7 @@
         </p:grpSpPr>
         <p:sp>
           <p:nvSpPr>
-            <p:cNvPr id="398" name="Rectangle"/>
+            <p:cNvPr id="394" name="Rectangle"/>
             <p:cNvSpPr/>
             <p:nvPr/>
           </p:nvSpPr>
@@ -18904,7 +18788,7 @@
         </p:sp>
         <p:sp>
           <p:nvSpPr>
-            <p:cNvPr id="399" name="Rectangle"/>
+            <p:cNvPr id="395" name="Rectangle"/>
             <p:cNvSpPr/>
             <p:nvPr/>
           </p:nvSpPr>
@@ -18949,7 +18833,7 @@
         </p:sp>
         <p:sp>
           <p:nvSpPr>
-            <p:cNvPr id="400" name="Rectangle"/>
+            <p:cNvPr id="396" name="Rectangle"/>
             <p:cNvSpPr/>
             <p:nvPr/>
           </p:nvSpPr>
@@ -18994,7 +18878,7 @@
         </p:sp>
         <p:sp>
           <p:nvSpPr>
-            <p:cNvPr id="401" name="Rectangle"/>
+            <p:cNvPr id="397" name="Rectangle"/>
             <p:cNvSpPr/>
             <p:nvPr/>
           </p:nvSpPr>
@@ -19039,7 +18923,7 @@
         </p:sp>
         <p:graphicFrame>
           <p:nvGraphicFramePr>
-            <p:cNvPr id="402" name="Table"/>
+            <p:cNvPr id="398" name="Table"/>
             <p:cNvGraphicFramePr/>
             <p:nvPr/>
           </p:nvGraphicFramePr>
@@ -19159,7 +19043,7 @@
       </p:grpSp>
       <p:grpSp>
         <p:nvGrpSpPr>
-          <p:cNvPr id="408" name="Group"/>
+          <p:cNvPr id="404" name="Group"/>
           <p:cNvGrpSpPr/>
           <p:nvPr/>
         </p:nvGrpSpPr>
@@ -19173,7 +19057,7 @@
         </p:grpSpPr>
         <p:graphicFrame>
           <p:nvGraphicFramePr>
-            <p:cNvPr id="404" name="Table"/>
+            <p:cNvPr id="400" name="Table"/>
             <p:cNvGraphicFramePr/>
             <p:nvPr/>
           </p:nvGraphicFramePr>
@@ -19312,7 +19196,7 @@
         </p:graphicFrame>
         <p:sp>
           <p:nvSpPr>
-            <p:cNvPr id="405" name="Rectangle"/>
+            <p:cNvPr id="401" name="Rectangle"/>
             <p:cNvSpPr/>
             <p:nvPr/>
           </p:nvSpPr>
@@ -19357,7 +19241,7 @@
         </p:sp>
         <p:sp>
           <p:nvSpPr>
-            <p:cNvPr id="406" name="Rectangle"/>
+            <p:cNvPr id="402" name="Rectangle"/>
             <p:cNvSpPr/>
             <p:nvPr/>
           </p:nvSpPr>
@@ -19402,7 +19286,7 @@
         </p:sp>
         <p:sp>
           <p:nvSpPr>
-            <p:cNvPr id="407" name="Rectangle"/>
+            <p:cNvPr id="403" name="Rectangle"/>
             <p:cNvSpPr/>
             <p:nvPr/>
           </p:nvSpPr>
@@ -19448,7 +19332,7 @@
       </p:grpSp>
       <p:grpSp>
         <p:nvGrpSpPr>
-          <p:cNvPr id="411" name="Group"/>
+          <p:cNvPr id="407" name="Group"/>
           <p:cNvGrpSpPr/>
           <p:nvPr/>
         </p:nvGrpSpPr>
@@ -19462,7 +19346,7 @@
         </p:grpSpPr>
         <p:sp>
           <p:nvSpPr>
-            <p:cNvPr id="409" name="Rectangle"/>
+            <p:cNvPr id="405" name="Rectangle"/>
             <p:cNvSpPr/>
             <p:nvPr/>
           </p:nvSpPr>
@@ -19507,7 +19391,7 @@
         </p:sp>
         <p:graphicFrame>
           <p:nvGraphicFramePr>
-            <p:cNvPr id="410" name="Table"/>
+            <p:cNvPr id="406" name="Table"/>
             <p:cNvGraphicFramePr/>
             <p:nvPr/>
           </p:nvGraphicFramePr>
@@ -19627,7 +19511,7 @@
       </p:grpSp>
       <p:grpSp>
         <p:nvGrpSpPr>
-          <p:cNvPr id="415" name="Group"/>
+          <p:cNvPr id="411" name="Group"/>
           <p:cNvGrpSpPr/>
           <p:nvPr/>
         </p:nvGrpSpPr>
@@ -19641,7 +19525,7 @@
         </p:grpSpPr>
         <p:sp>
           <p:nvSpPr>
-            <p:cNvPr id="412" name="Rectangle"/>
+            <p:cNvPr id="408" name="Rectangle"/>
             <p:cNvSpPr/>
             <p:nvPr/>
           </p:nvSpPr>
@@ -19689,7 +19573,7 @@
         </p:sp>
         <p:sp>
           <p:nvSpPr>
-            <p:cNvPr id="413" name="Rectangle"/>
+            <p:cNvPr id="409" name="Rectangle"/>
             <p:cNvSpPr/>
             <p:nvPr/>
           </p:nvSpPr>
@@ -19734,7 +19618,7 @@
         </p:sp>
         <p:graphicFrame>
           <p:nvGraphicFramePr>
-            <p:cNvPr id="414" name="Table"/>
+            <p:cNvPr id="410" name="Table"/>
             <p:cNvGraphicFramePr/>
             <p:nvPr/>
           </p:nvGraphicFramePr>
@@ -19854,7 +19738,7 @@
       </p:grpSp>
       <p:sp>
         <p:nvSpPr>
-          <p:cNvPr id="416" name="Subset Strings"/>
+          <p:cNvPr id="412" name="Subset Strings"/>
           <p:cNvSpPr txBox="1"/>
           <p:nvPr/>
         </p:nvSpPr>
@@ -19902,7 +19786,7 @@
       </p:sp>
       <p:sp>
         <p:nvSpPr>
-          <p:cNvPr id="417" name="str_sub(string, start = 1L, end = -1L) Extract substrings from a character vector.…"/>
+          <p:cNvPr id="413" name="str_sub(string, start = 1L, end = -1L) Extract substrings from a character vector.…"/>
           <p:cNvSpPr txBox="1"/>
           <p:nvPr/>
         </p:nvSpPr>
@@ -20211,7 +20095,7 @@
       </p:sp>
       <p:sp>
         <p:nvSpPr>
-          <p:cNvPr id="418" name="Line"/>
+          <p:cNvPr id="414" name="Line"/>
           <p:cNvSpPr/>
           <p:nvPr/>
         </p:nvSpPr>
@@ -20264,7 +20148,7 @@
       </p:sp>
       <p:sp>
         <p:nvSpPr>
-          <p:cNvPr id="419" name="Line"/>
+          <p:cNvPr id="415" name="Line"/>
           <p:cNvSpPr/>
           <p:nvPr/>
         </p:nvSpPr>
@@ -20317,7 +20201,7 @@
       </p:sp>
       <p:sp>
         <p:nvSpPr>
-          <p:cNvPr id="420" name="Line"/>
+          <p:cNvPr id="416" name="Line"/>
           <p:cNvSpPr/>
           <p:nvPr/>
         </p:nvSpPr>
@@ -20370,7 +20254,7 @@
       </p:sp>
       <p:sp>
         <p:nvSpPr>
-          <p:cNvPr id="421" name="Line"/>
+          <p:cNvPr id="417" name="Line"/>
           <p:cNvSpPr/>
           <p:nvPr/>
         </p:nvSpPr>
@@ -20411,7 +20295,7 @@
       </p:sp>
       <p:sp>
         <p:nvSpPr>
-          <p:cNvPr id="422" name="Line"/>
+          <p:cNvPr id="418" name="Line"/>
           <p:cNvSpPr/>
           <p:nvPr/>
         </p:nvSpPr>
@@ -20464,7 +20348,7 @@
       </p:sp>
       <p:grpSp>
         <p:nvGrpSpPr>
-          <p:cNvPr id="431" name="Group"/>
+          <p:cNvPr id="427" name="Group"/>
           <p:cNvGrpSpPr/>
           <p:nvPr/>
         </p:nvGrpSpPr>
@@ -20478,7 +20362,7 @@
         </p:grpSpPr>
         <p:sp>
           <p:nvSpPr>
-            <p:cNvPr id="423" name="Rectangle"/>
+            <p:cNvPr id="419" name="Rectangle"/>
             <p:cNvSpPr/>
             <p:nvPr/>
           </p:nvSpPr>
@@ -20523,7 +20407,7 @@
         </p:sp>
         <p:sp>
           <p:nvSpPr>
-            <p:cNvPr id="424" name="Rectangle"/>
+            <p:cNvPr id="420" name="Rectangle"/>
             <p:cNvSpPr/>
             <p:nvPr/>
           </p:nvSpPr>
@@ -20568,7 +20452,7 @@
         </p:sp>
         <p:sp>
           <p:nvSpPr>
-            <p:cNvPr id="425" name="Rectangle"/>
+            <p:cNvPr id="421" name="Rectangle"/>
             <p:cNvSpPr/>
             <p:nvPr/>
           </p:nvSpPr>
@@ -20613,7 +20497,7 @@
         </p:sp>
         <p:sp>
           <p:nvSpPr>
-            <p:cNvPr id="426" name="Rectangle"/>
+            <p:cNvPr id="422" name="Rectangle"/>
             <p:cNvSpPr/>
             <p:nvPr/>
           </p:nvSpPr>
@@ -20658,7 +20542,7 @@
         </p:sp>
         <p:sp>
           <p:nvSpPr>
-            <p:cNvPr id="427" name="Rectangle"/>
+            <p:cNvPr id="423" name="Rectangle"/>
             <p:cNvSpPr/>
             <p:nvPr/>
           </p:nvSpPr>
@@ -20703,7 +20587,7 @@
         </p:sp>
         <p:sp>
           <p:nvSpPr>
-            <p:cNvPr id="428" name="Square"/>
+            <p:cNvPr id="424" name="Square"/>
             <p:cNvSpPr/>
             <p:nvPr/>
           </p:nvSpPr>
@@ -20748,7 +20632,7 @@
         </p:sp>
         <p:sp>
           <p:nvSpPr>
-            <p:cNvPr id="429" name="Rectangle"/>
+            <p:cNvPr id="425" name="Rectangle"/>
             <p:cNvSpPr/>
             <p:nvPr/>
           </p:nvSpPr>
@@ -20793,7 +20677,7 @@
         </p:sp>
         <p:graphicFrame>
           <p:nvGraphicFramePr>
-            <p:cNvPr id="430" name="Table"/>
+            <p:cNvPr id="426" name="Table"/>
             <p:cNvGraphicFramePr/>
             <p:nvPr/>
           </p:nvGraphicFramePr>
@@ -20917,7 +20801,7 @@
       </p:grpSp>
       <p:sp>
         <p:nvSpPr>
-          <p:cNvPr id="432" name="1 See bit.ly/ISO639-1 for a complete list of locales."/>
+          <p:cNvPr id="428" name="1 See bit.ly/ISO639-1 for a complete list of locales."/>
           <p:cNvSpPr txBox="1"/>
           <p:nvPr/>
         </p:nvSpPr>
@@ -20973,7 +20857,7 @@
                 <a:ea typeface="Source Sans Pro Semibold"/>
                 <a:cs typeface="Source Sans Pro Semibold"/>
                 <a:sym typeface="Source Sans Pro Semibold"/>
-                <a:hlinkClick r:id="rId11" invalidUrl="" action="" tgtFrame="" tooltip="" history="1" highlightClick="0" endSnd="0"/>
+                <a:hlinkClick r:id="rId7" invalidUrl="" action="" tgtFrame="" tooltip="" history="1" highlightClick="0" endSnd="0"/>
               </a:rPr>
               <a:t>bit.ly/ISO639-1</a:t>
             </a:r>
@@ -20994,7 +20878,7 @@
       </p:sp>
       <p:graphicFrame>
         <p:nvGraphicFramePr>
-          <p:cNvPr id="433" name="Table"/>
+          <p:cNvPr id="429" name="Table"/>
           <p:cNvGraphicFramePr/>
           <p:nvPr/>
         </p:nvGraphicFramePr>
@@ -21119,7 +21003,7 @@
       </p:graphicFrame>
       <p:sp>
         <p:nvSpPr>
-          <p:cNvPr id="434" name="Line"/>
+          <p:cNvPr id="430" name="Line"/>
           <p:cNvSpPr/>
           <p:nvPr/>
         </p:nvSpPr>
@@ -21172,7 +21056,7 @@
       </p:sp>
       <p:grpSp>
         <p:nvGrpSpPr>
-          <p:cNvPr id="439" name="Group"/>
+          <p:cNvPr id="435" name="Group"/>
           <p:cNvGrpSpPr/>
           <p:nvPr/>
         </p:nvGrpSpPr>
@@ -21186,7 +21070,7 @@
         </p:grpSpPr>
         <p:sp>
           <p:nvSpPr>
-            <p:cNvPr id="435" name="Rectangle"/>
+            <p:cNvPr id="431" name="Rectangle"/>
             <p:cNvSpPr/>
             <p:nvPr/>
           </p:nvSpPr>
@@ -21237,7 +21121,7 @@
         </p:sp>
         <p:sp>
           <p:nvSpPr>
-            <p:cNvPr id="436" name="Rectangle"/>
+            <p:cNvPr id="432" name="Rectangle"/>
             <p:cNvSpPr/>
             <p:nvPr/>
           </p:nvSpPr>
@@ -21282,7 +21166,7 @@
         </p:sp>
         <p:sp>
           <p:nvSpPr>
-            <p:cNvPr id="437" name="Rectangle"/>
+            <p:cNvPr id="433" name="Rectangle"/>
             <p:cNvSpPr/>
             <p:nvPr/>
           </p:nvSpPr>
@@ -21330,7 +21214,7 @@
         </p:sp>
         <p:sp>
           <p:nvSpPr>
-            <p:cNvPr id="438" name="Rectangle"/>
+            <p:cNvPr id="434" name="Rectangle"/>
             <p:cNvSpPr/>
             <p:nvPr/>
           </p:nvSpPr>
@@ -21380,7 +21264,7 @@
       </p:grpSp>
       <p:grpSp>
         <p:nvGrpSpPr>
-          <p:cNvPr id="447" name="Group"/>
+          <p:cNvPr id="443" name="Group"/>
           <p:cNvGrpSpPr/>
           <p:nvPr/>
         </p:nvGrpSpPr>
@@ -21394,7 +21278,7 @@
         </p:grpSpPr>
         <p:sp>
           <p:nvSpPr>
-            <p:cNvPr id="440" name="Rectangle"/>
+            <p:cNvPr id="436" name="Rectangle"/>
             <p:cNvSpPr/>
             <p:nvPr/>
           </p:nvSpPr>
@@ -21445,7 +21329,7 @@
         </p:sp>
         <p:sp>
           <p:nvSpPr>
-            <p:cNvPr id="441" name="Rectangle"/>
+            <p:cNvPr id="437" name="Rectangle"/>
             <p:cNvSpPr/>
             <p:nvPr/>
           </p:nvSpPr>
@@ -21490,7 +21374,7 @@
         </p:sp>
         <p:sp>
           <p:nvSpPr>
-            <p:cNvPr id="442" name="Rectangle"/>
+            <p:cNvPr id="438" name="Rectangle"/>
             <p:cNvSpPr/>
             <p:nvPr/>
           </p:nvSpPr>
@@ -21538,7 +21422,7 @@
         </p:sp>
         <p:sp>
           <p:nvSpPr>
-            <p:cNvPr id="443" name="Rectangle"/>
+            <p:cNvPr id="439" name="Rectangle"/>
             <p:cNvSpPr/>
             <p:nvPr/>
           </p:nvSpPr>
@@ -21586,7 +21470,7 @@
         </p:sp>
         <p:graphicFrame>
           <p:nvGraphicFramePr>
-            <p:cNvPr id="444" name="Table"/>
+            <p:cNvPr id="440" name="Table"/>
             <p:cNvGraphicFramePr/>
             <p:nvPr/>
           </p:nvGraphicFramePr>
@@ -21705,7 +21589,7 @@
         </p:graphicFrame>
         <p:sp>
           <p:nvSpPr>
-            <p:cNvPr id="445" name="Line"/>
+            <p:cNvPr id="441" name="Line"/>
             <p:cNvSpPr/>
             <p:nvPr/>
           </p:nvSpPr>
@@ -21763,7 +21647,7 @@
         </p:sp>
         <p:graphicFrame>
           <p:nvGraphicFramePr>
-            <p:cNvPr id="446" name="Table"/>
+            <p:cNvPr id="442" name="Table"/>
             <p:cNvGraphicFramePr/>
             <p:nvPr/>
           </p:nvGraphicFramePr>
@@ -21998,6 +21882,122 @@
           </a:graphic>
         </p:graphicFrame>
       </p:grpSp>
+      <p:pic>
+        <p:nvPicPr>
+          <p:cNvPr id="444" name="Screen Shot 2017-10-17 at 9.28.22 PM.png" descr="Screen Shot 2017-10-17 at 9.28.22 PM.png"/>
+          <p:cNvPicPr>
+            <a:picLocks noChangeAspect="1"/>
+          </p:cNvPicPr>
+          <p:nvPr/>
+        </p:nvPicPr>
+        <p:blipFill>
+          <a:blip r:embed="rId8">
+            <a:extLst/>
+          </a:blip>
+          <a:stretch>
+            <a:fillRect/>
+          </a:stretch>
+        </p:blipFill>
+        <p:spPr>
+          <a:xfrm>
+            <a:off x="9491669" y="8113945"/>
+            <a:ext cx="520701" cy="622799"/>
+          </a:xfrm>
+          <a:prstGeom prst="rect">
+            <a:avLst/>
+          </a:prstGeom>
+          <a:ln w="12700">
+            <a:miter lim="400000"/>
+          </a:ln>
+        </p:spPr>
+      </p:pic>
+      <p:pic>
+        <p:nvPicPr>
+          <p:cNvPr id="445" name="Screen Shot 2017-10-17 at 9.28.39 PM.png" descr="Screen Shot 2017-10-17 at 9.28.39 PM.png"/>
+          <p:cNvPicPr>
+            <a:picLocks noChangeAspect="1"/>
+          </p:cNvPicPr>
+          <p:nvPr/>
+        </p:nvPicPr>
+        <p:blipFill>
+          <a:blip r:embed="rId9">
+            <a:extLst/>
+          </a:blip>
+          <a:stretch>
+            <a:fillRect/>
+          </a:stretch>
+        </p:blipFill>
+        <p:spPr>
+          <a:xfrm>
+            <a:off x="9504369" y="8781506"/>
+            <a:ext cx="520701" cy="506877"/>
+          </a:xfrm>
+          <a:prstGeom prst="rect">
+            <a:avLst/>
+          </a:prstGeom>
+          <a:ln w="12700">
+            <a:miter lim="400000"/>
+          </a:ln>
+        </p:spPr>
+      </p:pic>
+      <p:pic>
+        <p:nvPicPr>
+          <p:cNvPr id="446" name="stringr.png" descr="stringr.png"/>
+          <p:cNvPicPr>
+            <a:picLocks noChangeAspect="1"/>
+          </p:cNvPicPr>
+          <p:nvPr/>
+        </p:nvPicPr>
+        <p:blipFill>
+          <a:blip r:embed="rId10">
+            <a:extLst/>
+          </a:blip>
+          <a:stretch>
+            <a:fillRect/>
+          </a:stretch>
+        </p:blipFill>
+        <p:spPr>
+          <a:xfrm>
+            <a:off x="12321683" y="213784"/>
+            <a:ext cx="1358901" cy="1574922"/>
+          </a:xfrm>
+          <a:prstGeom prst="rect">
+            <a:avLst/>
+          </a:prstGeom>
+          <a:ln w="12700">
+            <a:miter lim="400000"/>
+          </a:ln>
+        </p:spPr>
+      </p:pic>
+      <p:pic>
+        <p:nvPicPr>
+          <p:cNvPr id="447" name="Image" descr="Image"/>
+          <p:cNvPicPr>
+            <a:picLocks noChangeAspect="1"/>
+          </p:cNvPicPr>
+          <p:nvPr/>
+        </p:nvPicPr>
+        <p:blipFill>
+          <a:blip r:embed="rId11">
+            <a:extLst/>
+          </a:blip>
+          <a:stretch>
+            <a:fillRect/>
+          </a:stretch>
+        </p:blipFill>
+        <p:spPr>
+          <a:xfrm>
+            <a:off x="238823" y="9978474"/>
+            <a:ext cx="1754521" cy="616478"/>
+          </a:xfrm>
+          <a:prstGeom prst="rect">
+            <a:avLst/>
+          </a:prstGeom>
+          <a:ln w="12700">
+            <a:miter lim="400000"/>
+          </a:ln>
+        </p:spPr>
+      </p:pic>
     </p:spTree>
   </p:cSld>
   <p:clrMapOvr>
@@ -30322,38 +30322,9 @@
           </a:p>
         </p:txBody>
       </p:sp>
-      <p:pic>
-        <p:nvPicPr>
-          <p:cNvPr id="561" name="Image" descr="Image"/>
-          <p:cNvPicPr>
-            <a:picLocks noChangeAspect="1"/>
-          </p:cNvPicPr>
-          <p:nvPr/>
-        </p:nvPicPr>
-        <p:blipFill>
-          <a:blip r:embed="rId7">
-            <a:extLst/>
-          </a:blip>
-          <a:stretch>
-            <a:fillRect/>
-          </a:stretch>
-        </p:blipFill>
-        <p:spPr>
-          <a:xfrm>
-            <a:off x="238823" y="9978474"/>
-            <a:ext cx="1754521" cy="616478"/>
-          </a:xfrm>
-          <a:prstGeom prst="rect">
-            <a:avLst/>
-          </a:prstGeom>
-          <a:ln w="12700">
-            <a:miter lim="400000"/>
-          </a:ln>
-        </p:spPr>
-      </p:pic>
       <p:sp>
         <p:nvSpPr>
-          <p:cNvPr id="562" name="Line"/>
+          <p:cNvPr id="561" name="Line"/>
           <p:cNvSpPr/>
           <p:nvPr/>
         </p:nvSpPr>
@@ -30394,7 +30365,7 @@
       </p:sp>
       <p:sp>
         <p:nvSpPr>
-          <p:cNvPr id="563" name="Run ?&quot;'&quot; to see a complete list"/>
+          <p:cNvPr id="562" name="Run ?&quot;'&quot; to see a complete list"/>
           <p:cNvSpPr txBox="1"/>
           <p:nvPr/>
         </p:nvSpPr>
@@ -30486,7 +30457,7 @@
       </p:sp>
       <p:sp>
         <p:nvSpPr>
-          <p:cNvPr id="564" name="Because of this, whenever a \ appears in a regular expression, you must write it as \\ in the string that represents the regular expression.…"/>
+          <p:cNvPr id="563" name="Because of this, whenever a \ appears in a regular expression, you must write it as \\ in the string that represents the regular expression.…"/>
           <p:cNvSpPr txBox="1"/>
           <p:nvPr/>
         </p:nvSpPr>
@@ -30716,7 +30687,7 @@
       </p:sp>
       <p:sp>
         <p:nvSpPr>
-          <p:cNvPr id="565" name="Line"/>
+          <p:cNvPr id="564" name="Line"/>
           <p:cNvSpPr/>
           <p:nvPr/>
         </p:nvSpPr>
@@ -30759,7 +30730,7 @@
       </p:sp>
       <p:sp>
         <p:nvSpPr>
-          <p:cNvPr id="566" name="MATCH CHARACTERS"/>
+          <p:cNvPr id="565" name="MATCH CHARACTERS"/>
           <p:cNvSpPr txBox="1"/>
           <p:nvPr/>
         </p:nvSpPr>
@@ -30795,7 +30766,7 @@
       </p:sp>
       <p:sp>
         <p:nvSpPr>
-          <p:cNvPr id="567" name="quant &lt;- function(rx) str_view_all(&quot;.a.aa.aaa&quot;, rx)"/>
+          <p:cNvPr id="566" name="quant &lt;- function(rx) str_view_all(&quot;.a.aa.aaa&quot;, rx)"/>
           <p:cNvSpPr txBox="1"/>
           <p:nvPr/>
         </p:nvSpPr>
@@ -30848,7 +30819,7 @@
       </p:sp>
       <p:sp>
         <p:nvSpPr>
-          <p:cNvPr id="568" name="Line"/>
+          <p:cNvPr id="567" name="Line"/>
           <p:cNvSpPr/>
           <p:nvPr/>
         </p:nvSpPr>
@@ -30891,7 +30862,7 @@
       </p:sp>
       <p:sp>
         <p:nvSpPr>
-          <p:cNvPr id="569" name="QUANTIFIERS"/>
+          <p:cNvPr id="568" name="QUANTIFIERS"/>
           <p:cNvSpPr txBox="1"/>
           <p:nvPr/>
         </p:nvSpPr>
@@ -30927,7 +30898,7 @@
       </p:sp>
       <p:sp>
         <p:nvSpPr>
-          <p:cNvPr id="570" name="anchor &lt;- function(rx) str_view_all(&quot;aaa&quot;, rx)"/>
+          <p:cNvPr id="569" name="anchor &lt;- function(rx) str_view_all(&quot;aaa&quot;, rx)"/>
           <p:cNvSpPr txBox="1"/>
           <p:nvPr/>
         </p:nvSpPr>
@@ -30980,7 +30951,7 @@
       </p:sp>
       <p:sp>
         <p:nvSpPr>
-          <p:cNvPr id="571" name="Line"/>
+          <p:cNvPr id="570" name="Line"/>
           <p:cNvSpPr/>
           <p:nvPr/>
         </p:nvSpPr>
@@ -31023,7 +30994,7 @@
       </p:sp>
       <p:sp>
         <p:nvSpPr>
-          <p:cNvPr id="572" name="ANCHORS"/>
+          <p:cNvPr id="571" name="ANCHORS"/>
           <p:cNvSpPr txBox="1"/>
           <p:nvPr/>
         </p:nvSpPr>
@@ -31059,7 +31030,7 @@
       </p:sp>
       <p:sp>
         <p:nvSpPr>
-          <p:cNvPr id="573" name="Line"/>
+          <p:cNvPr id="572" name="Line"/>
           <p:cNvSpPr/>
           <p:nvPr/>
         </p:nvSpPr>
@@ -31102,7 +31073,7 @@
       </p:sp>
       <p:sp>
         <p:nvSpPr>
-          <p:cNvPr id="574" name="GROUPS"/>
+          <p:cNvPr id="573" name="GROUPS"/>
           <p:cNvSpPr txBox="1"/>
           <p:nvPr/>
         </p:nvSpPr>
@@ -31138,7 +31109,7 @@
       </p:sp>
       <p:sp>
         <p:nvSpPr>
-          <p:cNvPr id="575" name="Use parentheses to set precedent (order of evaluation) and create groups"/>
+          <p:cNvPr id="574" name="Use parentheses to set precedent (order of evaluation) and create groups"/>
           <p:cNvSpPr txBox="1"/>
           <p:nvPr/>
         </p:nvSpPr>
@@ -31188,7 +31159,7 @@
       </p:sp>
       <p:sp>
         <p:nvSpPr>
-          <p:cNvPr id="576" name="Use an escaped number to refer to and duplicate parentheses groups that occur earlier in a pattern. Refer to each group by its order of appearance"/>
+          <p:cNvPr id="575" name="Use an escaped number to refer to and duplicate parentheses groups that occur earlier in a pattern. Refer to each group by its order of appearance"/>
           <p:cNvSpPr txBox="1"/>
           <p:nvPr/>
         </p:nvSpPr>
@@ -31238,7 +31209,7 @@
       </p:sp>
       <p:sp>
         <p:nvSpPr>
-          <p:cNvPr id="577" name="ref &lt;- function(rx) str_view_all(&quot;abbaab&quot;, rx)"/>
+          <p:cNvPr id="576" name="ref &lt;- function(rx) str_view_all(&quot;abbaab&quot;, rx)"/>
           <p:cNvSpPr txBox="1"/>
           <p:nvPr/>
         </p:nvSpPr>
@@ -31291,7 +31262,7 @@
       </p:sp>
       <p:sp>
         <p:nvSpPr>
-          <p:cNvPr id="578" name="alt &lt;- function(rx) str_view_all(&quot;abcde&quot;, rx)"/>
+          <p:cNvPr id="577" name="alt &lt;- function(rx) str_view_all(&quot;abcde&quot;, rx)"/>
           <p:cNvSpPr txBox="1"/>
           <p:nvPr/>
         </p:nvSpPr>
@@ -31344,7 +31315,7 @@
       </p:sp>
       <p:sp>
         <p:nvSpPr>
-          <p:cNvPr id="579" name="Line"/>
+          <p:cNvPr id="578" name="Line"/>
           <p:cNvSpPr/>
           <p:nvPr/>
         </p:nvSpPr>
@@ -31387,7 +31358,7 @@
       </p:sp>
       <p:sp>
         <p:nvSpPr>
-          <p:cNvPr id="580" name="ALTERNATES"/>
+          <p:cNvPr id="579" name="ALTERNATES"/>
           <p:cNvSpPr txBox="1"/>
           <p:nvPr/>
         </p:nvSpPr>
@@ -31423,7 +31394,7 @@
       </p:sp>
       <p:sp>
         <p:nvSpPr>
-          <p:cNvPr id="581" name="look &lt;- function(rx) str_view_all(&quot;bacad&quot;, rx)"/>
+          <p:cNvPr id="580" name="look &lt;- function(rx) str_view_all(&quot;bacad&quot;, rx)"/>
           <p:cNvSpPr txBox="1"/>
           <p:nvPr/>
         </p:nvSpPr>
@@ -31476,7 +31447,7 @@
       </p:sp>
       <p:sp>
         <p:nvSpPr>
-          <p:cNvPr id="582" name="Line"/>
+          <p:cNvPr id="581" name="Line"/>
           <p:cNvSpPr/>
           <p:nvPr/>
         </p:nvSpPr>
@@ -31519,7 +31490,7 @@
       </p:sp>
       <p:sp>
         <p:nvSpPr>
-          <p:cNvPr id="583" name="LOOK AROUNDS"/>
+          <p:cNvPr id="582" name="LOOK AROUNDS"/>
           <p:cNvSpPr txBox="1"/>
           <p:nvPr/>
         </p:nvSpPr>
@@ -31555,7 +31526,7 @@
       </p:sp>
       <p:sp>
         <p:nvSpPr>
-          <p:cNvPr id="584" name="Line"/>
+          <p:cNvPr id="583" name="Line"/>
           <p:cNvSpPr/>
           <p:nvPr/>
         </p:nvSpPr>
@@ -31598,7 +31569,7 @@
       </p:sp>
       <p:sp>
         <p:nvSpPr>
-          <p:cNvPr id="585" name="INTERPRETATION"/>
+          <p:cNvPr id="584" name="INTERPRETATION"/>
           <p:cNvSpPr txBox="1"/>
           <p:nvPr/>
         </p:nvSpPr>
@@ -31634,7 +31605,7 @@
       </p:sp>
       <p:sp>
         <p:nvSpPr>
-          <p:cNvPr id="586" name="Patterns in stringr are interpreted as regexs To change this default, wrap the pattern in one of:"/>
+          <p:cNvPr id="585" name="Patterns in stringr are interpreted as regexs To change this default, wrap the pattern in one of:"/>
           <p:cNvSpPr txBox="1"/>
           <p:nvPr/>
         </p:nvSpPr>
@@ -31684,7 +31655,7 @@
       </p:sp>
       <p:sp>
         <p:nvSpPr>
-          <p:cNvPr id="587" name="Rectangle"/>
+          <p:cNvPr id="586" name="Rectangle"/>
           <p:cNvSpPr/>
           <p:nvPr/>
         </p:nvSpPr>
@@ -31728,7 +31699,7 @@
       </p:sp>
       <p:sp>
         <p:nvSpPr>
-          <p:cNvPr id="588" name="Rectangle"/>
+          <p:cNvPr id="587" name="Rectangle"/>
           <p:cNvSpPr/>
           <p:nvPr/>
         </p:nvSpPr>
@@ -31772,7 +31743,7 @@
       </p:sp>
       <p:grpSp>
         <p:nvGrpSpPr>
-          <p:cNvPr id="592" name="Group"/>
+          <p:cNvPr id="591" name="Group"/>
           <p:cNvGrpSpPr/>
           <p:nvPr/>
         </p:nvGrpSpPr>
@@ -31786,7 +31757,7 @@
         </p:grpSpPr>
         <p:sp>
           <p:nvSpPr>
-            <p:cNvPr id="589" name="Rectangle"/>
+            <p:cNvPr id="588" name="Rectangle"/>
             <p:cNvSpPr/>
             <p:nvPr/>
           </p:nvSpPr>
@@ -31834,7 +31805,7 @@
         </p:sp>
         <p:sp>
           <p:nvSpPr>
-            <p:cNvPr id="590" name="Rectangle"/>
+            <p:cNvPr id="589" name="Rectangle"/>
             <p:cNvSpPr/>
             <p:nvPr/>
           </p:nvSpPr>
@@ -31882,7 +31853,7 @@
         </p:sp>
         <p:graphicFrame>
           <p:nvGraphicFramePr>
-            <p:cNvPr id="591" name="Table"/>
+            <p:cNvPr id="590" name="Table"/>
             <p:cNvGraphicFramePr/>
             <p:nvPr/>
           </p:nvGraphicFramePr>
@@ -32318,7 +32289,7 @@
       </p:grpSp>
       <p:sp>
         <p:nvSpPr>
-          <p:cNvPr id="593" name="see &lt;- function(rx) str_view_all(&quot;abc ABC 123\t.!?\\(){}\n&quot;, rx)"/>
+          <p:cNvPr id="592" name="see &lt;- function(rx) str_view_all(&quot;abc ABC 123\t.!?\\(){}\n&quot;, rx)"/>
           <p:cNvSpPr txBox="1"/>
           <p:nvPr/>
         </p:nvSpPr>
@@ -32371,7 +32342,7 @@
       </p:sp>
       <p:sp>
         <p:nvSpPr>
-          <p:cNvPr id="594" name="Regular expressions, or regexps, are a concise language for describing patterns in strings."/>
+          <p:cNvPr id="593" name="Regular expressions, or regexps, are a concise language for describing patterns in strings."/>
           <p:cNvSpPr txBox="1"/>
           <p:nvPr/>
         </p:nvSpPr>
@@ -32426,7 +32397,7 @@
       </p:sp>
       <p:grpSp>
         <p:nvGrpSpPr>
-          <p:cNvPr id="601" name="Group"/>
+          <p:cNvPr id="600" name="Group"/>
           <p:cNvGrpSpPr/>
           <p:nvPr/>
         </p:nvGrpSpPr>
@@ -32440,7 +32411,7 @@
         </p:grpSpPr>
         <p:sp>
           <p:nvSpPr>
-            <p:cNvPr id="595" name="Line"/>
+            <p:cNvPr id="594" name="Line"/>
             <p:cNvSpPr/>
             <p:nvPr/>
           </p:nvSpPr>
@@ -32489,7 +32460,7 @@
         </p:sp>
         <p:sp>
           <p:nvSpPr>
-            <p:cNvPr id="596" name="Square"/>
+            <p:cNvPr id="595" name="Square"/>
             <p:cNvSpPr/>
             <p:nvPr/>
           </p:nvSpPr>
@@ -32540,7 +32511,7 @@
         </p:sp>
         <p:sp>
           <p:nvSpPr>
-            <p:cNvPr id="597" name="Square"/>
+            <p:cNvPr id="596" name="Square"/>
             <p:cNvSpPr/>
             <p:nvPr/>
           </p:nvSpPr>
@@ -32594,7 +32565,7 @@
         </p:sp>
         <p:sp>
           <p:nvSpPr>
-            <p:cNvPr id="598" name="Square"/>
+            <p:cNvPr id="597" name="Square"/>
             <p:cNvSpPr/>
             <p:nvPr/>
           </p:nvSpPr>
@@ -32648,7 +32619,7 @@
         </p:sp>
         <p:sp>
           <p:nvSpPr>
-            <p:cNvPr id="599" name="Square"/>
+            <p:cNvPr id="598" name="Square"/>
             <p:cNvSpPr/>
             <p:nvPr/>
           </p:nvSpPr>
@@ -32702,7 +32673,7 @@
         </p:sp>
         <p:sp>
           <p:nvSpPr>
-            <p:cNvPr id="600" name="Square"/>
+            <p:cNvPr id="599" name="Square"/>
             <p:cNvSpPr/>
             <p:nvPr/>
           </p:nvSpPr>
@@ -32757,7 +32728,7 @@
       </p:grpSp>
       <p:grpSp>
         <p:nvGrpSpPr>
-          <p:cNvPr id="608" name="Group"/>
+          <p:cNvPr id="607" name="Group"/>
           <p:cNvGrpSpPr/>
           <p:nvPr/>
         </p:nvGrpSpPr>
@@ -32771,7 +32742,7 @@
         </p:grpSpPr>
         <p:sp>
           <p:nvSpPr>
-            <p:cNvPr id="602" name="Line"/>
+            <p:cNvPr id="601" name="Line"/>
             <p:cNvSpPr/>
             <p:nvPr/>
           </p:nvSpPr>
@@ -32820,7 +32791,7 @@
         </p:sp>
         <p:sp>
           <p:nvSpPr>
-            <p:cNvPr id="603" name="Square"/>
+            <p:cNvPr id="602" name="Square"/>
             <p:cNvSpPr/>
             <p:nvPr/>
           </p:nvSpPr>
@@ -32874,7 +32845,7 @@
         </p:sp>
         <p:sp>
           <p:nvSpPr>
-            <p:cNvPr id="604" name="Square"/>
+            <p:cNvPr id="603" name="Square"/>
             <p:cNvSpPr/>
             <p:nvPr/>
           </p:nvSpPr>
@@ -32928,7 +32899,7 @@
         </p:sp>
         <p:sp>
           <p:nvSpPr>
-            <p:cNvPr id="605" name="Square"/>
+            <p:cNvPr id="604" name="Square"/>
             <p:cNvSpPr/>
             <p:nvPr/>
           </p:nvSpPr>
@@ -32982,7 +32953,7 @@
         </p:sp>
         <p:sp>
           <p:nvSpPr>
-            <p:cNvPr id="606" name="Square"/>
+            <p:cNvPr id="605" name="Square"/>
             <p:cNvSpPr/>
             <p:nvPr/>
           </p:nvSpPr>
@@ -33036,7 +33007,7 @@
         </p:sp>
         <p:sp>
           <p:nvSpPr>
-            <p:cNvPr id="607" name="Square"/>
+            <p:cNvPr id="606" name="Square"/>
             <p:cNvSpPr/>
             <p:nvPr/>
           </p:nvSpPr>
@@ -33088,7 +33059,7 @@
       </p:grpSp>
       <p:grpSp>
         <p:nvGrpSpPr>
-          <p:cNvPr id="615" name="Group"/>
+          <p:cNvPr id="614" name="Group"/>
           <p:cNvGrpSpPr/>
           <p:nvPr/>
         </p:nvGrpSpPr>
@@ -33102,7 +33073,7 @@
         </p:grpSpPr>
         <p:sp>
           <p:nvSpPr>
-            <p:cNvPr id="609" name="Line"/>
+            <p:cNvPr id="608" name="Line"/>
             <p:cNvSpPr/>
             <p:nvPr/>
           </p:nvSpPr>
@@ -33151,7 +33122,7 @@
         </p:sp>
         <p:sp>
           <p:nvSpPr>
-            <p:cNvPr id="610" name="Square"/>
+            <p:cNvPr id="609" name="Square"/>
             <p:cNvSpPr/>
             <p:nvPr/>
           </p:nvSpPr>
@@ -33202,7 +33173,7 @@
         </p:sp>
         <p:sp>
           <p:nvSpPr>
-            <p:cNvPr id="611" name="Square"/>
+            <p:cNvPr id="610" name="Square"/>
             <p:cNvSpPr/>
             <p:nvPr/>
           </p:nvSpPr>
@@ -33253,7 +33224,7 @@
         </p:sp>
         <p:sp>
           <p:nvSpPr>
-            <p:cNvPr id="612" name="Square"/>
+            <p:cNvPr id="611" name="Square"/>
             <p:cNvSpPr/>
             <p:nvPr/>
           </p:nvSpPr>
@@ -33307,7 +33278,7 @@
         </p:sp>
         <p:sp>
           <p:nvSpPr>
-            <p:cNvPr id="613" name="Square"/>
+            <p:cNvPr id="612" name="Square"/>
             <p:cNvSpPr/>
             <p:nvPr/>
           </p:nvSpPr>
@@ -33361,7 +33332,7 @@
         </p:sp>
         <p:sp>
           <p:nvSpPr>
-            <p:cNvPr id="614" name="Line"/>
+            <p:cNvPr id="613" name="Line"/>
             <p:cNvSpPr/>
             <p:nvPr/>
           </p:nvSpPr>
@@ -33408,7 +33379,7 @@
       </p:grpSp>
       <p:grpSp>
         <p:nvGrpSpPr>
-          <p:cNvPr id="623" name="Group"/>
+          <p:cNvPr id="622" name="Group"/>
           <p:cNvGrpSpPr/>
           <p:nvPr/>
         </p:nvGrpSpPr>
@@ -33422,7 +33393,7 @@
         </p:grpSpPr>
         <p:sp>
           <p:nvSpPr>
-            <p:cNvPr id="616" name="Line"/>
+            <p:cNvPr id="615" name="Line"/>
             <p:cNvSpPr/>
             <p:nvPr/>
           </p:nvSpPr>
@@ -33471,7 +33442,7 @@
         </p:sp>
         <p:sp>
           <p:nvSpPr>
-            <p:cNvPr id="617" name="Square"/>
+            <p:cNvPr id="616" name="Square"/>
             <p:cNvSpPr/>
             <p:nvPr/>
           </p:nvSpPr>
@@ -33522,7 +33493,7 @@
         </p:sp>
         <p:sp>
           <p:nvSpPr>
-            <p:cNvPr id="618" name="Square"/>
+            <p:cNvPr id="617" name="Square"/>
             <p:cNvSpPr/>
             <p:nvPr/>
           </p:nvSpPr>
@@ -33573,7 +33544,7 @@
         </p:sp>
         <p:sp>
           <p:nvSpPr>
-            <p:cNvPr id="619" name="Square"/>
+            <p:cNvPr id="618" name="Square"/>
             <p:cNvSpPr/>
             <p:nvPr/>
           </p:nvSpPr>
@@ -33627,7 +33598,7 @@
         </p:sp>
         <p:sp>
           <p:nvSpPr>
-            <p:cNvPr id="620" name="Square"/>
+            <p:cNvPr id="619" name="Square"/>
             <p:cNvSpPr/>
             <p:nvPr/>
           </p:nvSpPr>
@@ -33681,7 +33652,7 @@
         </p:sp>
         <p:sp>
           <p:nvSpPr>
-            <p:cNvPr id="621" name="Line"/>
+            <p:cNvPr id="620" name="Line"/>
             <p:cNvSpPr/>
             <p:nvPr/>
           </p:nvSpPr>
@@ -33727,7 +33698,7 @@
         </p:sp>
         <p:sp>
           <p:nvSpPr>
-            <p:cNvPr id="622" name="Line"/>
+            <p:cNvPr id="621" name="Line"/>
             <p:cNvSpPr/>
             <p:nvPr/>
           </p:nvSpPr>
@@ -33774,7 +33745,7 @@
       </p:grpSp>
       <p:grpSp>
         <p:nvGrpSpPr>
-          <p:cNvPr id="631" name="Group"/>
+          <p:cNvPr id="630" name="Group"/>
           <p:cNvGrpSpPr/>
           <p:nvPr/>
         </p:nvGrpSpPr>
@@ -33788,7 +33759,7 @@
         </p:grpSpPr>
         <p:sp>
           <p:nvSpPr>
-            <p:cNvPr id="624" name="Line"/>
+            <p:cNvPr id="623" name="Line"/>
             <p:cNvSpPr/>
             <p:nvPr/>
           </p:nvSpPr>
@@ -33837,7 +33808,7 @@
         </p:sp>
         <p:sp>
           <p:nvSpPr>
-            <p:cNvPr id="625" name="Square"/>
+            <p:cNvPr id="624" name="Square"/>
             <p:cNvSpPr/>
             <p:nvPr/>
           </p:nvSpPr>
@@ -33888,7 +33859,7 @@
         </p:sp>
         <p:sp>
           <p:nvSpPr>
-            <p:cNvPr id="626" name="Square"/>
+            <p:cNvPr id="625" name="Square"/>
             <p:cNvSpPr/>
             <p:nvPr/>
           </p:nvSpPr>
@@ -33939,7 +33910,7 @@
         </p:sp>
         <p:sp>
           <p:nvSpPr>
-            <p:cNvPr id="627" name="Square"/>
+            <p:cNvPr id="626" name="Square"/>
             <p:cNvSpPr/>
             <p:nvPr/>
           </p:nvSpPr>
@@ -33993,7 +33964,7 @@
         </p:sp>
         <p:sp>
           <p:nvSpPr>
-            <p:cNvPr id="628" name="Square"/>
+            <p:cNvPr id="627" name="Square"/>
             <p:cNvSpPr/>
             <p:nvPr/>
           </p:nvSpPr>
@@ -34047,7 +34018,7 @@
         </p:sp>
         <p:sp>
           <p:nvSpPr>
-            <p:cNvPr id="629" name="Line"/>
+            <p:cNvPr id="628" name="Line"/>
             <p:cNvSpPr/>
             <p:nvPr/>
           </p:nvSpPr>
@@ -34093,7 +34064,7 @@
         </p:sp>
         <p:sp>
           <p:nvSpPr>
-            <p:cNvPr id="630" name="Line"/>
+            <p:cNvPr id="629" name="Line"/>
             <p:cNvSpPr/>
             <p:nvPr/>
           </p:nvSpPr>
@@ -34140,7 +34111,7 @@
       </p:grpSp>
       <p:grpSp>
         <p:nvGrpSpPr>
-          <p:cNvPr id="638" name="Group"/>
+          <p:cNvPr id="637" name="Group"/>
           <p:cNvGrpSpPr/>
           <p:nvPr/>
         </p:nvGrpSpPr>
@@ -34154,7 +34125,7 @@
         </p:grpSpPr>
         <p:sp>
           <p:nvSpPr>
-            <p:cNvPr id="632" name="Line"/>
+            <p:cNvPr id="631" name="Line"/>
             <p:cNvSpPr/>
             <p:nvPr/>
           </p:nvSpPr>
@@ -34203,7 +34174,7 @@
         </p:sp>
         <p:sp>
           <p:nvSpPr>
-            <p:cNvPr id="633" name="Square"/>
+            <p:cNvPr id="632" name="Square"/>
             <p:cNvSpPr/>
             <p:nvPr/>
           </p:nvSpPr>
@@ -34254,7 +34225,7 @@
         </p:sp>
         <p:sp>
           <p:nvSpPr>
-            <p:cNvPr id="634" name="Square"/>
+            <p:cNvPr id="633" name="Square"/>
             <p:cNvSpPr/>
             <p:nvPr/>
           </p:nvSpPr>
@@ -34305,7 +34276,7 @@
         </p:sp>
         <p:sp>
           <p:nvSpPr>
-            <p:cNvPr id="635" name="Square"/>
+            <p:cNvPr id="634" name="Square"/>
             <p:cNvSpPr/>
             <p:nvPr/>
           </p:nvSpPr>
@@ -34359,7 +34330,7 @@
         </p:sp>
         <p:sp>
           <p:nvSpPr>
-            <p:cNvPr id="636" name="Square"/>
+            <p:cNvPr id="635" name="Square"/>
             <p:cNvSpPr/>
             <p:nvPr/>
           </p:nvSpPr>
@@ -34413,7 +34384,7 @@
         </p:sp>
         <p:sp>
           <p:nvSpPr>
-            <p:cNvPr id="637" name="Line"/>
+            <p:cNvPr id="636" name="Line"/>
             <p:cNvSpPr/>
             <p:nvPr/>
           </p:nvSpPr>
@@ -34460,7 +34431,7 @@
       </p:grpSp>
       <p:grpSp>
         <p:nvGrpSpPr>
-          <p:cNvPr id="670" name="Group"/>
+          <p:cNvPr id="669" name="Group"/>
           <p:cNvGrpSpPr/>
           <p:nvPr/>
         </p:nvGrpSpPr>
@@ -34474,7 +34445,7 @@
         </p:grpSpPr>
         <p:sp>
           <p:nvSpPr>
-            <p:cNvPr id="639" name="Rectangle"/>
+            <p:cNvPr id="638" name="Rectangle"/>
             <p:cNvSpPr/>
             <p:nvPr/>
           </p:nvSpPr>
@@ -34521,7 +34492,7 @@
         </p:sp>
         <p:sp>
           <p:nvSpPr>
-            <p:cNvPr id="640" name="Rectangle"/>
+            <p:cNvPr id="639" name="Rectangle"/>
             <p:cNvSpPr/>
             <p:nvPr/>
           </p:nvSpPr>
@@ -34568,7 +34539,7 @@
         </p:sp>
         <p:sp>
           <p:nvSpPr>
-            <p:cNvPr id="641" name="Rectangle"/>
+            <p:cNvPr id="640" name="Rectangle"/>
             <p:cNvSpPr/>
             <p:nvPr/>
           </p:nvSpPr>
@@ -34615,7 +34586,7 @@
         </p:sp>
         <p:sp>
           <p:nvSpPr>
-            <p:cNvPr id="642" name="Rectangle"/>
+            <p:cNvPr id="641" name="Rectangle"/>
             <p:cNvSpPr/>
             <p:nvPr/>
           </p:nvSpPr>
@@ -34662,7 +34633,7 @@
         </p:sp>
         <p:sp>
           <p:nvSpPr>
-            <p:cNvPr id="643" name="Rectangle"/>
+            <p:cNvPr id="642" name="Rectangle"/>
             <p:cNvSpPr/>
             <p:nvPr/>
           </p:nvSpPr>
@@ -34709,7 +34680,7 @@
         </p:sp>
         <p:graphicFrame>
           <p:nvGraphicFramePr>
-            <p:cNvPr id="644" name="Table"/>
+            <p:cNvPr id="643" name="Table"/>
             <p:cNvGraphicFramePr/>
             <p:nvPr/>
           </p:nvGraphicFramePr>
@@ -36212,7 +36183,7 @@
         </p:graphicFrame>
         <p:sp>
           <p:nvSpPr>
-            <p:cNvPr id="645" name="[:lower:]"/>
+            <p:cNvPr id="644" name="[:lower:]"/>
             <p:cNvSpPr txBox="1"/>
             <p:nvPr/>
           </p:nvSpPr>
@@ -36269,7 +36240,7 @@
         </p:sp>
         <p:sp>
           <p:nvSpPr>
-            <p:cNvPr id="646" name="Rectangle"/>
+            <p:cNvPr id="645" name="Rectangle"/>
             <p:cNvSpPr/>
             <p:nvPr/>
           </p:nvSpPr>
@@ -36316,7 +36287,7 @@
         </p:sp>
         <p:graphicFrame>
           <p:nvGraphicFramePr>
-            <p:cNvPr id="647" name="Table"/>
+            <p:cNvPr id="646" name="Table"/>
             <p:cNvGraphicFramePr/>
             <p:nvPr/>
           </p:nvGraphicFramePr>
@@ -37814,7 +37785,7 @@
         </p:graphicFrame>
         <p:sp>
           <p:nvSpPr>
-            <p:cNvPr id="648" name="[:upper:]"/>
+            <p:cNvPr id="647" name="[:upper:]"/>
             <p:cNvSpPr txBox="1"/>
             <p:nvPr/>
           </p:nvSpPr>
@@ -37871,7 +37842,7 @@
         </p:sp>
         <p:sp>
           <p:nvSpPr>
-            <p:cNvPr id="649" name="[:alpha:]"/>
+            <p:cNvPr id="648" name="[:alpha:]"/>
             <p:cNvSpPr txBox="1"/>
             <p:nvPr/>
           </p:nvSpPr>
@@ -37928,7 +37899,7 @@
         </p:sp>
         <p:sp>
           <p:nvSpPr>
-            <p:cNvPr id="650" name="Rectangle"/>
+            <p:cNvPr id="649" name="Rectangle"/>
             <p:cNvSpPr/>
             <p:nvPr/>
           </p:nvSpPr>
@@ -37975,7 +37946,7 @@
         </p:sp>
         <p:graphicFrame>
           <p:nvGraphicFramePr>
-            <p:cNvPr id="651" name="Table"/>
+            <p:cNvPr id="650" name="Table"/>
             <p:cNvGraphicFramePr/>
             <p:nvPr/>
           </p:nvGraphicFramePr>
@@ -38509,7 +38480,7 @@
         </p:graphicFrame>
         <p:sp>
           <p:nvSpPr>
-            <p:cNvPr id="652" name="[:digit:]"/>
+            <p:cNvPr id="651" name="[:digit:]"/>
             <p:cNvSpPr txBox="1"/>
             <p:nvPr/>
           </p:nvSpPr>
@@ -38566,7 +38537,7 @@
         </p:sp>
         <p:sp>
           <p:nvSpPr>
-            <p:cNvPr id="653" name="[:alnum:]"/>
+            <p:cNvPr id="652" name="[:alnum:]"/>
             <p:cNvSpPr txBox="1"/>
             <p:nvPr/>
           </p:nvSpPr>
@@ -38623,7 +38594,7 @@
         </p:sp>
         <p:sp>
           <p:nvSpPr>
-            <p:cNvPr id="654" name="Rectangle"/>
+            <p:cNvPr id="653" name="Rectangle"/>
             <p:cNvSpPr/>
             <p:nvPr/>
           </p:nvSpPr>
@@ -38670,7 +38641,7 @@
         </p:sp>
         <p:sp>
           <p:nvSpPr>
-            <p:cNvPr id="655" name="[:punct:]"/>
+            <p:cNvPr id="654" name="[:punct:]"/>
             <p:cNvSpPr txBox="1"/>
             <p:nvPr/>
           </p:nvSpPr>
@@ -38727,7 +38698,7 @@
         </p:sp>
         <p:graphicFrame>
           <p:nvGraphicFramePr>
-            <p:cNvPr id="656" name="Table"/>
+            <p:cNvPr id="655" name="Table"/>
             <p:cNvGraphicFramePr/>
             <p:nvPr/>
           </p:nvGraphicFramePr>
@@ -40268,7 +40239,7 @@
         </p:graphicFrame>
         <p:sp>
           <p:nvSpPr>
-            <p:cNvPr id="657" name="[:graph:]"/>
+            <p:cNvPr id="656" name="[:graph:]"/>
             <p:cNvSpPr txBox="1"/>
             <p:nvPr/>
           </p:nvSpPr>
@@ -40325,7 +40296,7 @@
         </p:sp>
         <p:sp>
           <p:nvSpPr>
-            <p:cNvPr id="658" name="."/>
+            <p:cNvPr id="657" name="."/>
             <p:cNvSpPr txBox="1"/>
             <p:nvPr/>
           </p:nvSpPr>
@@ -40382,7 +40353,7 @@
         </p:sp>
         <p:sp>
           <p:nvSpPr>
-            <p:cNvPr id="659" name="Rectangle"/>
+            <p:cNvPr id="658" name="Rectangle"/>
             <p:cNvSpPr/>
             <p:nvPr/>
           </p:nvSpPr>
@@ -40429,7 +40400,7 @@
         </p:sp>
         <p:sp>
           <p:nvSpPr>
-            <p:cNvPr id="660" name="Rectangle"/>
+            <p:cNvPr id="659" name="Rectangle"/>
             <p:cNvSpPr/>
             <p:nvPr/>
           </p:nvSpPr>
@@ -40476,7 +40447,7 @@
         </p:sp>
         <p:sp>
           <p:nvSpPr>
-            <p:cNvPr id="661" name="[:blank:]"/>
+            <p:cNvPr id="660" name="[:blank:]"/>
             <p:cNvSpPr txBox="1"/>
             <p:nvPr/>
           </p:nvSpPr>
@@ -40533,7 +40504,7 @@
         </p:sp>
         <p:sp>
           <p:nvSpPr>
-            <p:cNvPr id="662" name="[:space:]"/>
+            <p:cNvPr id="661" name="[:space:]"/>
             <p:cNvSpPr txBox="1"/>
             <p:nvPr/>
           </p:nvSpPr>
@@ -40590,7 +40561,7 @@
         </p:sp>
         <p:sp>
           <p:nvSpPr>
-            <p:cNvPr id="663" name="Rectangle"/>
+            <p:cNvPr id="662" name="Rectangle"/>
             <p:cNvSpPr/>
             <p:nvPr/>
           </p:nvSpPr>
@@ -40638,7 +40609,7 @@
         </p:sp>
         <p:sp>
           <p:nvSpPr>
-            <p:cNvPr id="664" name="Rectangle"/>
+            <p:cNvPr id="663" name="Rectangle"/>
             <p:cNvSpPr/>
             <p:nvPr/>
           </p:nvSpPr>
@@ -40686,7 +40657,7 @@
         </p:sp>
         <p:sp>
           <p:nvSpPr>
-            <p:cNvPr id="665" name="space"/>
+            <p:cNvPr id="664" name="space"/>
             <p:cNvSpPr txBox="1"/>
             <p:nvPr/>
           </p:nvSpPr>
@@ -40739,7 +40710,7 @@
         </p:sp>
         <p:sp>
           <p:nvSpPr>
-            <p:cNvPr id="666" name="tab"/>
+            <p:cNvPr id="665" name="tab"/>
             <p:cNvSpPr txBox="1"/>
             <p:nvPr/>
           </p:nvSpPr>
@@ -40792,7 +40763,7 @@
         </p:sp>
         <p:sp>
           <p:nvSpPr>
-            <p:cNvPr id="667" name="new line"/>
+            <p:cNvPr id="666" name="new line"/>
             <p:cNvSpPr txBox="1"/>
             <p:nvPr/>
           </p:nvSpPr>
@@ -40845,7 +40816,7 @@
         </p:sp>
         <p:sp>
           <p:nvSpPr>
-            <p:cNvPr id="668" name=""/>
+            <p:cNvPr id="667" name=""/>
             <p:cNvSpPr txBox="1"/>
             <p:nvPr/>
           </p:nvSpPr>
@@ -40902,7 +40873,7 @@
         </p:sp>
         <p:sp>
           <p:nvSpPr>
-            <p:cNvPr id="669" name="Line"/>
+            <p:cNvPr id="668" name="Line"/>
             <p:cNvSpPr/>
             <p:nvPr/>
           </p:nvSpPr>
@@ -40952,38 +40923,9 @@
           </p:txBody>
         </p:sp>
       </p:grpSp>
-      <p:pic>
-        <p:nvPicPr>
-          <p:cNvPr id="671" name="stringr.png" descr="stringr.png"/>
-          <p:cNvPicPr>
-            <a:picLocks noChangeAspect="1"/>
-          </p:cNvPicPr>
-          <p:nvPr/>
-        </p:nvPicPr>
-        <p:blipFill>
-          <a:blip r:embed="rId8">
-            <a:extLst/>
-          </a:blip>
-          <a:stretch>
-            <a:fillRect/>
-          </a:stretch>
-        </p:blipFill>
-        <p:spPr>
-          <a:xfrm>
-            <a:off x="12321683" y="213784"/>
-            <a:ext cx="1358901" cy="1574922"/>
-          </a:xfrm>
-          <a:prstGeom prst="rect">
-            <a:avLst/>
-          </a:prstGeom>
-          <a:ln w="12700">
-            <a:miter lim="400000"/>
-          </a:ln>
-        </p:spPr>
-      </p:pic>
       <p:sp>
         <p:nvSpPr>
-          <p:cNvPr id="672" name="Square"/>
+          <p:cNvPr id="670" name="Square"/>
           <p:cNvSpPr/>
           <p:nvPr/>
         </p:nvSpPr>
@@ -41034,7 +40976,7 @@
       </p:sp>
       <p:grpSp>
         <p:nvGrpSpPr>
-          <p:cNvPr id="755" name="Group"/>
+          <p:cNvPr id="753" name="Group"/>
           <p:cNvGrpSpPr/>
           <p:nvPr/>
         </p:nvGrpSpPr>
@@ -41048,7 +40990,7 @@
         </p:grpSpPr>
         <p:sp>
           <p:nvSpPr>
-            <p:cNvPr id="673" name="Rectangle"/>
+            <p:cNvPr id="671" name="Rectangle"/>
             <p:cNvSpPr/>
             <p:nvPr/>
           </p:nvSpPr>
@@ -41096,7 +41038,7 @@
         </p:sp>
         <p:sp>
           <p:nvSpPr>
-            <p:cNvPr id="674" name="Rectangle"/>
+            <p:cNvPr id="672" name="Rectangle"/>
             <p:cNvSpPr/>
             <p:nvPr/>
           </p:nvSpPr>
@@ -41144,7 +41086,7 @@
         </p:sp>
         <p:sp>
           <p:nvSpPr>
-            <p:cNvPr id="675" name="Rectangle"/>
+            <p:cNvPr id="673" name="Rectangle"/>
             <p:cNvSpPr/>
             <p:nvPr/>
           </p:nvSpPr>
@@ -41192,7 +41134,7 @@
         </p:sp>
         <p:sp>
           <p:nvSpPr>
-            <p:cNvPr id="676" name="Rectangle"/>
+            <p:cNvPr id="674" name="Rectangle"/>
             <p:cNvSpPr/>
             <p:nvPr/>
           </p:nvSpPr>
@@ -41240,7 +41182,7 @@
         </p:sp>
         <p:sp>
           <p:nvSpPr>
-            <p:cNvPr id="677" name="Rectangle"/>
+            <p:cNvPr id="675" name="Rectangle"/>
             <p:cNvSpPr/>
             <p:nvPr/>
           </p:nvSpPr>
@@ -41288,7 +41230,7 @@
         </p:sp>
         <p:sp>
           <p:nvSpPr>
-            <p:cNvPr id="678" name="Rectangle"/>
+            <p:cNvPr id="676" name="Rectangle"/>
             <p:cNvSpPr/>
             <p:nvPr/>
           </p:nvSpPr>
@@ -41336,7 +41278,7 @@
         </p:sp>
         <p:sp>
           <p:nvSpPr>
-            <p:cNvPr id="679" name="Rectangle"/>
+            <p:cNvPr id="677" name="Rectangle"/>
             <p:cNvSpPr/>
             <p:nvPr/>
           </p:nvSpPr>
@@ -41384,7 +41326,7 @@
         </p:sp>
         <p:sp>
           <p:nvSpPr>
-            <p:cNvPr id="680" name="Rectangle"/>
+            <p:cNvPr id="678" name="Rectangle"/>
             <p:cNvSpPr/>
             <p:nvPr/>
           </p:nvSpPr>
@@ -41432,7 +41374,7 @@
         </p:sp>
         <p:sp>
           <p:nvSpPr>
-            <p:cNvPr id="681" name="Rectangle"/>
+            <p:cNvPr id="679" name="Rectangle"/>
             <p:cNvSpPr/>
             <p:nvPr/>
           </p:nvSpPr>
@@ -41480,7 +41422,7 @@
         </p:sp>
         <p:sp>
           <p:nvSpPr>
-            <p:cNvPr id="682" name="Rectangle"/>
+            <p:cNvPr id="680" name="Rectangle"/>
             <p:cNvSpPr/>
             <p:nvPr/>
           </p:nvSpPr>
@@ -41528,7 +41470,7 @@
         </p:sp>
         <p:sp>
           <p:nvSpPr>
-            <p:cNvPr id="683" name="Rectangle"/>
+            <p:cNvPr id="681" name="Rectangle"/>
             <p:cNvSpPr/>
             <p:nvPr/>
           </p:nvSpPr>
@@ -41576,7 +41518,7 @@
         </p:sp>
         <p:sp>
           <p:nvSpPr>
-            <p:cNvPr id="684" name="Rectangle"/>
+            <p:cNvPr id="682" name="Rectangle"/>
             <p:cNvSpPr/>
             <p:nvPr/>
           </p:nvSpPr>
@@ -41624,7 +41566,7 @@
         </p:sp>
         <p:sp>
           <p:nvSpPr>
-            <p:cNvPr id="685" name="Rectangle"/>
+            <p:cNvPr id="683" name="Rectangle"/>
             <p:cNvSpPr/>
             <p:nvPr/>
           </p:nvSpPr>
@@ -41672,7 +41614,7 @@
         </p:sp>
         <p:sp>
           <p:nvSpPr>
-            <p:cNvPr id="686" name="Rectangle"/>
+            <p:cNvPr id="684" name="Rectangle"/>
             <p:cNvSpPr/>
             <p:nvPr/>
           </p:nvSpPr>
@@ -41720,7 +41662,7 @@
         </p:sp>
         <p:sp>
           <p:nvSpPr>
-            <p:cNvPr id="687" name="Rectangle"/>
+            <p:cNvPr id="685" name="Rectangle"/>
             <p:cNvSpPr/>
             <p:nvPr/>
           </p:nvSpPr>
@@ -41768,7 +41710,7 @@
         </p:sp>
         <p:sp>
           <p:nvSpPr>
-            <p:cNvPr id="688" name="Rectangle"/>
+            <p:cNvPr id="686" name="Rectangle"/>
             <p:cNvSpPr/>
             <p:nvPr/>
           </p:nvSpPr>
@@ -41816,7 +41758,7 @@
         </p:sp>
         <p:sp>
           <p:nvSpPr>
-            <p:cNvPr id="689" name="Rectangle"/>
+            <p:cNvPr id="687" name="Rectangle"/>
             <p:cNvSpPr/>
             <p:nvPr/>
           </p:nvSpPr>
@@ -41864,7 +41806,7 @@
         </p:sp>
         <p:sp>
           <p:nvSpPr>
-            <p:cNvPr id="690" name="Rectangle"/>
+            <p:cNvPr id="688" name="Rectangle"/>
             <p:cNvSpPr/>
             <p:nvPr/>
           </p:nvSpPr>
@@ -41912,7 +41854,7 @@
         </p:sp>
         <p:sp>
           <p:nvSpPr>
-            <p:cNvPr id="691" name="Rectangle"/>
+            <p:cNvPr id="689" name="Rectangle"/>
             <p:cNvSpPr/>
             <p:nvPr/>
           </p:nvSpPr>
@@ -41960,7 +41902,7 @@
         </p:sp>
         <p:sp>
           <p:nvSpPr>
-            <p:cNvPr id="692" name="Rectangle"/>
+            <p:cNvPr id="690" name="Rectangle"/>
             <p:cNvSpPr/>
             <p:nvPr/>
           </p:nvSpPr>
@@ -42008,7 +41950,7 @@
         </p:sp>
         <p:sp>
           <p:nvSpPr>
-            <p:cNvPr id="693" name="Rectangle"/>
+            <p:cNvPr id="691" name="Rectangle"/>
             <p:cNvSpPr/>
             <p:nvPr/>
           </p:nvSpPr>
@@ -42056,7 +41998,7 @@
         </p:sp>
         <p:sp>
           <p:nvSpPr>
-            <p:cNvPr id="694" name="Rectangle"/>
+            <p:cNvPr id="692" name="Rectangle"/>
             <p:cNvSpPr/>
             <p:nvPr/>
           </p:nvSpPr>
@@ -42104,7 +42046,7 @@
         </p:sp>
         <p:sp>
           <p:nvSpPr>
-            <p:cNvPr id="695" name="Rectangle"/>
+            <p:cNvPr id="693" name="Rectangle"/>
             <p:cNvSpPr/>
             <p:nvPr/>
           </p:nvSpPr>
@@ -42152,7 +42094,7 @@
         </p:sp>
         <p:sp>
           <p:nvSpPr>
-            <p:cNvPr id="696" name="Rectangle"/>
+            <p:cNvPr id="694" name="Rectangle"/>
             <p:cNvSpPr/>
             <p:nvPr/>
           </p:nvSpPr>
@@ -42200,7 +42142,7 @@
         </p:sp>
         <p:sp>
           <p:nvSpPr>
-            <p:cNvPr id="697" name="Rectangle"/>
+            <p:cNvPr id="695" name="Rectangle"/>
             <p:cNvSpPr/>
             <p:nvPr/>
           </p:nvSpPr>
@@ -42248,7 +42190,7 @@
         </p:sp>
         <p:sp>
           <p:nvSpPr>
-            <p:cNvPr id="698" name="Rectangle"/>
+            <p:cNvPr id="696" name="Rectangle"/>
             <p:cNvSpPr/>
             <p:nvPr/>
           </p:nvSpPr>
@@ -42296,7 +42238,7 @@
         </p:sp>
         <p:sp>
           <p:nvSpPr>
-            <p:cNvPr id="699" name="Rectangle"/>
+            <p:cNvPr id="697" name="Rectangle"/>
             <p:cNvSpPr/>
             <p:nvPr/>
           </p:nvSpPr>
@@ -42344,7 +42286,7 @@
         </p:sp>
         <p:sp>
           <p:nvSpPr>
-            <p:cNvPr id="700" name="Rectangle"/>
+            <p:cNvPr id="698" name="Rectangle"/>
             <p:cNvSpPr/>
             <p:nvPr/>
           </p:nvSpPr>
@@ -42392,7 +42334,7 @@
         </p:sp>
         <p:sp>
           <p:nvSpPr>
-            <p:cNvPr id="701" name="Rectangle"/>
+            <p:cNvPr id="699" name="Rectangle"/>
             <p:cNvSpPr/>
             <p:nvPr/>
           </p:nvSpPr>
@@ -42440,7 +42382,7 @@
         </p:sp>
         <p:sp>
           <p:nvSpPr>
-            <p:cNvPr id="702" name="Rectangle"/>
+            <p:cNvPr id="700" name="Rectangle"/>
             <p:cNvSpPr/>
             <p:nvPr/>
           </p:nvSpPr>
@@ -42488,7 +42430,7 @@
         </p:sp>
         <p:sp>
           <p:nvSpPr>
-            <p:cNvPr id="703" name="Rectangle"/>
+            <p:cNvPr id="701" name="Rectangle"/>
             <p:cNvSpPr/>
             <p:nvPr/>
           </p:nvSpPr>
@@ -42536,7 +42478,7 @@
         </p:sp>
         <p:sp>
           <p:nvSpPr>
-            <p:cNvPr id="704" name="Rectangle"/>
+            <p:cNvPr id="702" name="Rectangle"/>
             <p:cNvSpPr/>
             <p:nvPr/>
           </p:nvSpPr>
@@ -42584,7 +42526,7 @@
         </p:sp>
         <p:sp>
           <p:nvSpPr>
-            <p:cNvPr id="705" name="Rectangle"/>
+            <p:cNvPr id="703" name="Rectangle"/>
             <p:cNvSpPr/>
             <p:nvPr/>
           </p:nvSpPr>
@@ -42632,7 +42574,7 @@
         </p:sp>
         <p:sp>
           <p:nvSpPr>
-            <p:cNvPr id="706" name="Rectangle"/>
+            <p:cNvPr id="704" name="Rectangle"/>
             <p:cNvSpPr/>
             <p:nvPr/>
           </p:nvSpPr>
@@ -42680,7 +42622,7 @@
         </p:sp>
         <p:sp>
           <p:nvSpPr>
-            <p:cNvPr id="707" name="Rectangle"/>
+            <p:cNvPr id="705" name="Rectangle"/>
             <p:cNvSpPr/>
             <p:nvPr/>
           </p:nvSpPr>
@@ -42728,7 +42670,7 @@
         </p:sp>
         <p:sp>
           <p:nvSpPr>
-            <p:cNvPr id="708" name="Rectangle"/>
+            <p:cNvPr id="706" name="Rectangle"/>
             <p:cNvSpPr/>
             <p:nvPr/>
           </p:nvSpPr>
@@ -42776,7 +42718,7 @@
         </p:sp>
         <p:sp>
           <p:nvSpPr>
-            <p:cNvPr id="709" name="Rectangle"/>
+            <p:cNvPr id="707" name="Rectangle"/>
             <p:cNvSpPr/>
             <p:nvPr/>
           </p:nvSpPr>
@@ -42824,7 +42766,7 @@
         </p:sp>
         <p:sp>
           <p:nvSpPr>
-            <p:cNvPr id="710" name="Rectangle"/>
+            <p:cNvPr id="708" name="Rectangle"/>
             <p:cNvSpPr/>
             <p:nvPr/>
           </p:nvSpPr>
@@ -42872,7 +42814,7 @@
         </p:sp>
         <p:sp>
           <p:nvSpPr>
-            <p:cNvPr id="711" name="1 Many base R functions require classes to be wrapped in a second set of [ ], e.g.  [[:digit:]]"/>
+            <p:cNvPr id="709" name="1 Many base R functions require classes to be wrapped in a second set of [ ], e.g.  [[:digit:]]"/>
             <p:cNvSpPr txBox="1"/>
             <p:nvPr/>
           </p:nvSpPr>
@@ -42941,7 +42883,7 @@
         </p:sp>
         <p:sp>
           <p:nvSpPr>
-            <p:cNvPr id="712" name="Rectangle"/>
+            <p:cNvPr id="710" name="Rectangle"/>
             <p:cNvSpPr/>
             <p:nvPr/>
           </p:nvSpPr>
@@ -42989,7 +42931,7 @@
         </p:sp>
         <p:sp>
           <p:nvSpPr>
-            <p:cNvPr id="713" name="Rectangle"/>
+            <p:cNvPr id="711" name="Rectangle"/>
             <p:cNvSpPr/>
             <p:nvPr/>
           </p:nvSpPr>
@@ -43037,7 +42979,7 @@
         </p:sp>
         <p:sp>
           <p:nvSpPr>
-            <p:cNvPr id="714" name="Rectangle"/>
+            <p:cNvPr id="712" name="Rectangle"/>
             <p:cNvSpPr/>
             <p:nvPr/>
           </p:nvSpPr>
@@ -43085,7 +43027,7 @@
         </p:sp>
         <p:sp>
           <p:nvSpPr>
-            <p:cNvPr id="715" name="Rectangle"/>
+            <p:cNvPr id="713" name="Rectangle"/>
             <p:cNvSpPr/>
             <p:nvPr/>
           </p:nvSpPr>
@@ -43133,7 +43075,7 @@
         </p:sp>
         <p:sp>
           <p:nvSpPr>
-            <p:cNvPr id="716" name="Rectangle"/>
+            <p:cNvPr id="714" name="Rectangle"/>
             <p:cNvSpPr/>
             <p:nvPr/>
           </p:nvSpPr>
@@ -43181,7 +43123,7 @@
         </p:sp>
         <p:sp>
           <p:nvSpPr>
-            <p:cNvPr id="717" name="Rectangle"/>
+            <p:cNvPr id="715" name="Rectangle"/>
             <p:cNvSpPr/>
             <p:nvPr/>
           </p:nvSpPr>
@@ -43229,7 +43171,7 @@
         </p:sp>
         <p:sp>
           <p:nvSpPr>
-            <p:cNvPr id="718" name="Rectangle"/>
+            <p:cNvPr id="716" name="Rectangle"/>
             <p:cNvSpPr/>
             <p:nvPr/>
           </p:nvSpPr>
@@ -43277,7 +43219,7 @@
         </p:sp>
         <p:sp>
           <p:nvSpPr>
-            <p:cNvPr id="719" name="Rectangle"/>
+            <p:cNvPr id="717" name="Rectangle"/>
             <p:cNvSpPr/>
             <p:nvPr/>
           </p:nvSpPr>
@@ -43325,7 +43267,7 @@
         </p:sp>
         <p:sp>
           <p:nvSpPr>
-            <p:cNvPr id="720" name="Rectangle"/>
+            <p:cNvPr id="718" name="Rectangle"/>
             <p:cNvSpPr/>
             <p:nvPr/>
           </p:nvSpPr>
@@ -43373,7 +43315,7 @@
         </p:sp>
         <p:sp>
           <p:nvSpPr>
-            <p:cNvPr id="721" name="Rectangle"/>
+            <p:cNvPr id="719" name="Rectangle"/>
             <p:cNvSpPr/>
             <p:nvPr/>
           </p:nvSpPr>
@@ -43421,7 +43363,7 @@
         </p:sp>
         <p:sp>
           <p:nvSpPr>
-            <p:cNvPr id="722" name="Rectangle"/>
+            <p:cNvPr id="720" name="Rectangle"/>
             <p:cNvSpPr/>
             <p:nvPr/>
           </p:nvSpPr>
@@ -43469,7 +43411,7 @@
         </p:sp>
         <p:sp>
           <p:nvSpPr>
-            <p:cNvPr id="723" name="Rectangle"/>
+            <p:cNvPr id="721" name="Rectangle"/>
             <p:cNvSpPr/>
             <p:nvPr/>
           </p:nvSpPr>
@@ -43517,7 +43459,7 @@
         </p:sp>
         <p:sp>
           <p:nvSpPr>
-            <p:cNvPr id="724" name="Rectangle"/>
+            <p:cNvPr id="722" name="Rectangle"/>
             <p:cNvSpPr/>
             <p:nvPr/>
           </p:nvSpPr>
@@ -43565,7 +43507,7 @@
         </p:sp>
         <p:sp>
           <p:nvSpPr>
-            <p:cNvPr id="725" name="Rectangle"/>
+            <p:cNvPr id="723" name="Rectangle"/>
             <p:cNvSpPr/>
             <p:nvPr/>
           </p:nvSpPr>
@@ -43613,7 +43555,7 @@
         </p:sp>
         <p:sp>
           <p:nvSpPr>
-            <p:cNvPr id="726" name="Rectangle"/>
+            <p:cNvPr id="724" name="Rectangle"/>
             <p:cNvSpPr/>
             <p:nvPr/>
           </p:nvSpPr>
@@ -43661,7 +43603,7 @@
         </p:sp>
         <p:sp>
           <p:nvSpPr>
-            <p:cNvPr id="727" name="Rectangle"/>
+            <p:cNvPr id="725" name="Rectangle"/>
             <p:cNvSpPr/>
             <p:nvPr/>
           </p:nvSpPr>
@@ -43709,7 +43651,7 @@
         </p:sp>
         <p:sp>
           <p:nvSpPr>
-            <p:cNvPr id="728" name="Rectangle"/>
+            <p:cNvPr id="726" name="Rectangle"/>
             <p:cNvSpPr/>
             <p:nvPr/>
           </p:nvSpPr>
@@ -43757,7 +43699,7 @@
         </p:sp>
         <p:sp>
           <p:nvSpPr>
-            <p:cNvPr id="729" name="Rectangle"/>
+            <p:cNvPr id="727" name="Rectangle"/>
             <p:cNvSpPr/>
             <p:nvPr/>
           </p:nvSpPr>
@@ -43805,7 +43747,7 @@
         </p:sp>
         <p:sp>
           <p:nvSpPr>
-            <p:cNvPr id="730" name="Rectangle"/>
+            <p:cNvPr id="728" name="Rectangle"/>
             <p:cNvSpPr/>
             <p:nvPr/>
           </p:nvSpPr>
@@ -43853,7 +43795,7 @@
         </p:sp>
         <p:sp>
           <p:nvSpPr>
-            <p:cNvPr id="731" name="Rectangle"/>
+            <p:cNvPr id="729" name="Rectangle"/>
             <p:cNvSpPr/>
             <p:nvPr/>
           </p:nvSpPr>
@@ -43901,7 +43843,7 @@
         </p:sp>
         <p:sp>
           <p:nvSpPr>
-            <p:cNvPr id="732" name="Rectangle"/>
+            <p:cNvPr id="730" name="Rectangle"/>
             <p:cNvSpPr/>
             <p:nvPr/>
           </p:nvSpPr>
@@ -43949,7 +43891,7 @@
         </p:sp>
         <p:sp>
           <p:nvSpPr>
-            <p:cNvPr id="733" name="Rectangle"/>
+            <p:cNvPr id="731" name="Rectangle"/>
             <p:cNvSpPr/>
             <p:nvPr/>
           </p:nvSpPr>
@@ -43997,7 +43939,7 @@
         </p:sp>
         <p:sp>
           <p:nvSpPr>
-            <p:cNvPr id="734" name="Rectangle"/>
+            <p:cNvPr id="732" name="Rectangle"/>
             <p:cNvSpPr/>
             <p:nvPr/>
           </p:nvSpPr>
@@ -44045,7 +43987,7 @@
         </p:sp>
         <p:sp>
           <p:nvSpPr>
-            <p:cNvPr id="735" name="Rectangle"/>
+            <p:cNvPr id="733" name="Rectangle"/>
             <p:cNvSpPr/>
             <p:nvPr/>
           </p:nvSpPr>
@@ -44093,7 +44035,7 @@
         </p:sp>
         <p:sp>
           <p:nvSpPr>
-            <p:cNvPr id="736" name="Rectangle"/>
+            <p:cNvPr id="734" name="Rectangle"/>
             <p:cNvSpPr/>
             <p:nvPr/>
           </p:nvSpPr>
@@ -44141,7 +44083,7 @@
         </p:sp>
         <p:sp>
           <p:nvSpPr>
-            <p:cNvPr id="737" name="Rectangle"/>
+            <p:cNvPr id="735" name="Rectangle"/>
             <p:cNvSpPr/>
             <p:nvPr/>
           </p:nvSpPr>
@@ -44189,7 +44131,7 @@
         </p:sp>
         <p:sp>
           <p:nvSpPr>
-            <p:cNvPr id="738" name="Rectangle"/>
+            <p:cNvPr id="736" name="Rectangle"/>
             <p:cNvSpPr/>
             <p:nvPr/>
           </p:nvSpPr>
@@ -44237,7 +44179,7 @@
         </p:sp>
         <p:sp>
           <p:nvSpPr>
-            <p:cNvPr id="739" name="Rectangle"/>
+            <p:cNvPr id="737" name="Rectangle"/>
             <p:cNvSpPr/>
             <p:nvPr/>
           </p:nvSpPr>
@@ -44285,7 +44227,7 @@
         </p:sp>
         <p:sp>
           <p:nvSpPr>
-            <p:cNvPr id="740" name="Rectangle"/>
+            <p:cNvPr id="738" name="Rectangle"/>
             <p:cNvSpPr/>
             <p:nvPr/>
           </p:nvSpPr>
@@ -44333,7 +44275,7 @@
         </p:sp>
         <p:graphicFrame>
           <p:nvGraphicFramePr>
-            <p:cNvPr id="741" name="Table"/>
+            <p:cNvPr id="739" name="Table"/>
             <p:cNvGraphicFramePr/>
             <p:nvPr/>
           </p:nvGraphicFramePr>
@@ -49646,7 +49588,7 @@
         </p:graphicFrame>
         <p:sp>
           <p:nvSpPr>
-            <p:cNvPr id="742" name="Rectangle"/>
+            <p:cNvPr id="740" name="Rectangle"/>
             <p:cNvSpPr/>
             <p:nvPr/>
           </p:nvSpPr>
@@ -49694,7 +49636,7 @@
         </p:sp>
         <p:sp>
           <p:nvSpPr>
-            <p:cNvPr id="743" name="Rectangle"/>
+            <p:cNvPr id="741" name="Rectangle"/>
             <p:cNvSpPr/>
             <p:nvPr/>
           </p:nvSpPr>
@@ -49742,7 +49684,7 @@
         </p:sp>
         <p:sp>
           <p:nvSpPr>
-            <p:cNvPr id="744" name="Rectangle"/>
+            <p:cNvPr id="742" name="Rectangle"/>
             <p:cNvSpPr/>
             <p:nvPr/>
           </p:nvSpPr>
@@ -49790,7 +49732,7 @@
         </p:sp>
         <p:sp>
           <p:nvSpPr>
-            <p:cNvPr id="745" name="Rectangle"/>
+            <p:cNvPr id="743" name="Rectangle"/>
             <p:cNvSpPr/>
             <p:nvPr/>
           </p:nvSpPr>
@@ -49838,7 +49780,7 @@
         </p:sp>
         <p:sp>
           <p:nvSpPr>
-            <p:cNvPr id="746" name="1"/>
+            <p:cNvPr id="744" name="1"/>
             <p:cNvSpPr txBox="1"/>
             <p:nvPr/>
           </p:nvSpPr>
@@ -49893,7 +49835,7 @@
         </p:sp>
         <p:sp>
           <p:nvSpPr>
-            <p:cNvPr id="747" name="1"/>
+            <p:cNvPr id="745" name="1"/>
             <p:cNvSpPr txBox="1"/>
             <p:nvPr/>
           </p:nvSpPr>
@@ -49948,7 +49890,7 @@
         </p:sp>
         <p:sp>
           <p:nvSpPr>
-            <p:cNvPr id="748" name="1"/>
+            <p:cNvPr id="746" name="1"/>
             <p:cNvSpPr txBox="1"/>
             <p:nvPr/>
           </p:nvSpPr>
@@ -50003,7 +49945,7 @@
         </p:sp>
         <p:sp>
           <p:nvSpPr>
-            <p:cNvPr id="749" name="1"/>
+            <p:cNvPr id="747" name="1"/>
             <p:cNvSpPr txBox="1"/>
             <p:nvPr/>
           </p:nvSpPr>
@@ -50058,7 +50000,7 @@
         </p:sp>
         <p:sp>
           <p:nvSpPr>
-            <p:cNvPr id="750" name="1"/>
+            <p:cNvPr id="748" name="1"/>
             <p:cNvSpPr txBox="1"/>
             <p:nvPr/>
           </p:nvSpPr>
@@ -50113,7 +50055,7 @@
         </p:sp>
         <p:sp>
           <p:nvSpPr>
-            <p:cNvPr id="751" name="1"/>
+            <p:cNvPr id="749" name="1"/>
             <p:cNvSpPr txBox="1"/>
             <p:nvPr/>
           </p:nvSpPr>
@@ -50168,7 +50110,7 @@
         </p:sp>
         <p:sp>
           <p:nvSpPr>
-            <p:cNvPr id="752" name="1"/>
+            <p:cNvPr id="750" name="1"/>
             <p:cNvSpPr txBox="1"/>
             <p:nvPr/>
           </p:nvSpPr>
@@ -50223,7 +50165,7 @@
         </p:sp>
         <p:sp>
           <p:nvSpPr>
-            <p:cNvPr id="753" name="1"/>
+            <p:cNvPr id="751" name="1"/>
             <p:cNvSpPr txBox="1"/>
             <p:nvPr/>
           </p:nvSpPr>
@@ -50278,7 +50220,7 @@
         </p:sp>
         <p:sp>
           <p:nvSpPr>
-            <p:cNvPr id="754" name="1"/>
+            <p:cNvPr id="752" name="1"/>
             <p:cNvSpPr txBox="1"/>
             <p:nvPr/>
           </p:nvSpPr>
@@ -50334,7 +50276,7 @@
       </p:grpSp>
       <p:grpSp>
         <p:nvGrpSpPr>
-          <p:cNvPr id="767" name="Group"/>
+          <p:cNvPr id="765" name="Group"/>
           <p:cNvGrpSpPr/>
           <p:nvPr/>
         </p:nvGrpSpPr>
@@ -50348,7 +50290,7 @@
         </p:grpSpPr>
         <p:grpSp>
           <p:nvGrpSpPr>
-            <p:cNvPr id="762" name="Group"/>
+            <p:cNvPr id="760" name="Group"/>
             <p:cNvGrpSpPr/>
             <p:nvPr/>
           </p:nvGrpSpPr>
@@ -50362,7 +50304,7 @@
           </p:grpSpPr>
           <p:sp>
             <p:nvSpPr>
-              <p:cNvPr id="756" name="Line"/>
+              <p:cNvPr id="754" name="Line"/>
               <p:cNvSpPr/>
               <p:nvPr/>
             </p:nvSpPr>
@@ -50411,7 +50353,7 @@
           </p:sp>
           <p:sp>
             <p:nvSpPr>
-              <p:cNvPr id="757" name="Square"/>
+              <p:cNvPr id="755" name="Square"/>
               <p:cNvSpPr/>
               <p:nvPr/>
             </p:nvSpPr>
@@ -50465,7 +50407,7 @@
           </p:sp>
           <p:sp>
             <p:nvSpPr>
-              <p:cNvPr id="758" name="Square"/>
+              <p:cNvPr id="756" name="Square"/>
               <p:cNvSpPr/>
               <p:nvPr/>
             </p:nvSpPr>
@@ -50519,7 +50461,7 @@
           </p:sp>
           <p:sp>
             <p:nvSpPr>
-              <p:cNvPr id="759" name="Square"/>
+              <p:cNvPr id="757" name="Square"/>
               <p:cNvSpPr/>
               <p:nvPr/>
             </p:nvSpPr>
@@ -50573,7 +50515,7 @@
           </p:sp>
           <p:sp>
             <p:nvSpPr>
-              <p:cNvPr id="760" name="Square"/>
+              <p:cNvPr id="758" name="Square"/>
               <p:cNvSpPr/>
               <p:nvPr/>
             </p:nvSpPr>
@@ -50627,7 +50569,7 @@
           </p:sp>
           <p:sp>
             <p:nvSpPr>
-              <p:cNvPr id="761" name="Square"/>
+              <p:cNvPr id="759" name="Square"/>
               <p:cNvSpPr/>
               <p:nvPr/>
             </p:nvSpPr>
@@ -50682,7 +50624,7 @@
         </p:grpSp>
         <p:sp>
           <p:nvSpPr>
-            <p:cNvPr id="763" name="1"/>
+            <p:cNvPr id="761" name="1"/>
             <p:cNvSpPr txBox="1"/>
             <p:nvPr/>
           </p:nvSpPr>
@@ -50732,7 +50674,7 @@
         </p:sp>
         <p:sp>
           <p:nvSpPr>
-            <p:cNvPr id="764" name="2"/>
+            <p:cNvPr id="762" name="2"/>
             <p:cNvSpPr txBox="1"/>
             <p:nvPr/>
           </p:nvSpPr>
@@ -50782,7 +50724,7 @@
         </p:sp>
         <p:sp>
           <p:nvSpPr>
-            <p:cNvPr id="765" name="..."/>
+            <p:cNvPr id="763" name="..."/>
             <p:cNvSpPr txBox="1"/>
             <p:nvPr/>
           </p:nvSpPr>
@@ -50832,7 +50774,7 @@
         </p:sp>
         <p:sp>
           <p:nvSpPr>
-            <p:cNvPr id="766" name="n"/>
+            <p:cNvPr id="764" name="n"/>
             <p:cNvSpPr txBox="1"/>
             <p:nvPr/>
           </p:nvSpPr>
@@ -50883,7 +50825,7 @@
       </p:grpSp>
       <p:grpSp>
         <p:nvGrpSpPr>
-          <p:cNvPr id="777" name="Group"/>
+          <p:cNvPr id="775" name="Group"/>
           <p:cNvGrpSpPr/>
           <p:nvPr/>
         </p:nvGrpSpPr>
@@ -50897,7 +50839,7 @@
         </p:grpSpPr>
         <p:sp>
           <p:nvSpPr>
-            <p:cNvPr id="768" name="Rectangle"/>
+            <p:cNvPr id="766" name="Rectangle"/>
             <p:cNvSpPr/>
             <p:nvPr/>
           </p:nvSpPr>
@@ -50945,7 +50887,7 @@
         </p:sp>
         <p:sp>
           <p:nvSpPr>
-            <p:cNvPr id="769" name="Rectangle"/>
+            <p:cNvPr id="767" name="Rectangle"/>
             <p:cNvSpPr/>
             <p:nvPr/>
           </p:nvSpPr>
@@ -50993,7 +50935,7 @@
         </p:sp>
         <p:sp>
           <p:nvSpPr>
-            <p:cNvPr id="770" name="Rectangle"/>
+            <p:cNvPr id="768" name="Rectangle"/>
             <p:cNvSpPr/>
             <p:nvPr/>
           </p:nvSpPr>
@@ -51041,7 +50983,7 @@
         </p:sp>
         <p:sp>
           <p:nvSpPr>
-            <p:cNvPr id="771" name="Rectangle"/>
+            <p:cNvPr id="769" name="Rectangle"/>
             <p:cNvSpPr/>
             <p:nvPr/>
           </p:nvSpPr>
@@ -51089,7 +51031,7 @@
         </p:sp>
         <p:sp>
           <p:nvSpPr>
-            <p:cNvPr id="772" name="Rectangle"/>
+            <p:cNvPr id="770" name="Rectangle"/>
             <p:cNvSpPr/>
             <p:nvPr/>
           </p:nvSpPr>
@@ -51137,7 +51079,7 @@
         </p:sp>
         <p:sp>
           <p:nvSpPr>
-            <p:cNvPr id="773" name="Rectangle"/>
+            <p:cNvPr id="771" name="Rectangle"/>
             <p:cNvSpPr/>
             <p:nvPr/>
           </p:nvSpPr>
@@ -51185,7 +51127,7 @@
         </p:sp>
         <p:sp>
           <p:nvSpPr>
-            <p:cNvPr id="774" name="Rectangle"/>
+            <p:cNvPr id="772" name="Rectangle"/>
             <p:cNvSpPr/>
             <p:nvPr/>
           </p:nvSpPr>
@@ -51233,7 +51175,7 @@
         </p:sp>
         <p:sp>
           <p:nvSpPr>
-            <p:cNvPr id="775" name="Rectangle"/>
+            <p:cNvPr id="773" name="Rectangle"/>
             <p:cNvSpPr/>
             <p:nvPr/>
           </p:nvSpPr>
@@ -51281,7 +51223,7 @@
         </p:sp>
         <p:graphicFrame>
           <p:nvGraphicFramePr>
-            <p:cNvPr id="776" name="Table"/>
+            <p:cNvPr id="774" name="Table"/>
             <p:cNvGraphicFramePr/>
             <p:nvPr/>
           </p:nvGraphicFramePr>
@@ -52169,6 +52111,64 @@
           </a:graphic>
         </p:graphicFrame>
       </p:grpSp>
+      <p:pic>
+        <p:nvPicPr>
+          <p:cNvPr id="776" name="Image" descr="Image"/>
+          <p:cNvPicPr>
+            <a:picLocks noChangeAspect="1"/>
+          </p:cNvPicPr>
+          <p:nvPr/>
+        </p:nvPicPr>
+        <p:blipFill>
+          <a:blip r:embed="rId7">
+            <a:extLst/>
+          </a:blip>
+          <a:stretch>
+            <a:fillRect/>
+          </a:stretch>
+        </p:blipFill>
+        <p:spPr>
+          <a:xfrm>
+            <a:off x="238823" y="9978474"/>
+            <a:ext cx="1754521" cy="616478"/>
+          </a:xfrm>
+          <a:prstGeom prst="rect">
+            <a:avLst/>
+          </a:prstGeom>
+          <a:ln w="12700">
+            <a:miter lim="400000"/>
+          </a:ln>
+        </p:spPr>
+      </p:pic>
+      <p:pic>
+        <p:nvPicPr>
+          <p:cNvPr id="777" name="stringr.png" descr="stringr.png"/>
+          <p:cNvPicPr>
+            <a:picLocks noChangeAspect="1"/>
+          </p:cNvPicPr>
+          <p:nvPr/>
+        </p:nvPicPr>
+        <p:blipFill>
+          <a:blip r:embed="rId8">
+            <a:extLst/>
+          </a:blip>
+          <a:stretch>
+            <a:fillRect/>
+          </a:stretch>
+        </p:blipFill>
+        <p:spPr>
+          <a:xfrm>
+            <a:off x="12321683" y="213784"/>
+            <a:ext cx="1358901" cy="1574922"/>
+          </a:xfrm>
+          <a:prstGeom prst="rect">
+            <a:avLst/>
+          </a:prstGeom>
+          <a:ln w="12700">
+            <a:miter lim="400000"/>
+          </a:ln>
+        </p:spPr>
+      </p:pic>
     </p:spTree>
   </p:cSld>
   <p:clrMapOvr>

--- a/powerpoints/strings.pptx
+++ b/powerpoints/strings.pptx
@@ -815,8 +815,8 @@
         </p:nvSpPr>
         <p:spPr>
           <a:xfrm>
-            <a:off x="0" y="158750"/>
-            <a:ext cx="13964218" cy="10477500"/>
+            <a:off x="-873125" y="158750"/>
+            <a:ext cx="15708068" cy="10477500"/>
           </a:xfrm>
           <a:prstGeom prst="rect">
             <a:avLst/>
@@ -1075,7 +1075,7 @@
         <p:spPr>
           <a:xfrm>
             <a:off x="1725786" y="840878"/>
-            <a:ext cx="10504786" cy="6357443"/>
+            <a:ext cx="10504786" cy="7006839"/>
           </a:xfrm>
           <a:prstGeom prst="rect">
             <a:avLst/>
@@ -1350,13 +1350,13 @@
           <p:cNvPr id="38" name="Image"/>
           <p:cNvSpPr/>
           <p:nvPr>
-            <p:ph type="pic" sz="half" idx="13"/>
+            <p:ph type="pic" idx="13"/>
           </p:nvPr>
         </p:nvSpPr>
         <p:spPr>
           <a:xfrm>
-            <a:off x="7216923" y="840878"/>
-            <a:ext cx="5729884" cy="8840392"/>
+            <a:off x="2919511" y="840878"/>
+            <a:ext cx="13274230" cy="8849488"/>
           </a:xfrm>
           <a:prstGeom prst="rect">
             <a:avLst/>
@@ -1752,13 +1752,13 @@
           <p:cNvPr id="65" name="Image"/>
           <p:cNvSpPr/>
           <p:nvPr>
-            <p:ph type="pic" sz="half" idx="13"/>
+            <p:ph type="pic" idx="13"/>
           </p:nvPr>
         </p:nvSpPr>
         <p:spPr>
           <a:xfrm>
-            <a:off x="7216923" y="2955478"/>
-            <a:ext cx="5729884" cy="6753077"/>
+            <a:off x="4870400" y="2955478"/>
+            <a:ext cx="10129615" cy="6753077"/>
           </a:xfrm>
           <a:prstGeom prst="rect">
             <a:avLst/>
@@ -2019,13 +2019,13 @@
           <p:cNvPr id="83" name="Image"/>
           <p:cNvSpPr/>
           <p:nvPr>
-            <p:ph type="pic" sz="half" idx="13"/>
+            <p:ph type="pic" idx="13"/>
           </p:nvPr>
         </p:nvSpPr>
         <p:spPr>
           <a:xfrm>
-            <a:off x="1023193" y="1113730"/>
-            <a:ext cx="5729884" cy="8567540"/>
+            <a:off x="-2551163" y="1113730"/>
+            <a:ext cx="12864953" cy="8576636"/>
           </a:xfrm>
           <a:prstGeom prst="rect">
             <a:avLst/>
@@ -2051,8 +2051,8 @@
         </p:nvSpPr>
         <p:spPr>
           <a:xfrm>
-            <a:off x="7216923" y="5629423"/>
-            <a:ext cx="5729884" cy="4051847"/>
+            <a:off x="7175996" y="5558791"/>
+            <a:ext cx="6507511" cy="4340601"/>
           </a:xfrm>
           <a:prstGeom prst="rect">
             <a:avLst/>
@@ -2078,8 +2078,8 @@
         </p:nvSpPr>
         <p:spPr>
           <a:xfrm>
-            <a:off x="7223603" y="1113730"/>
-            <a:ext cx="5729884" cy="4051847"/>
+            <a:off x="6985000" y="1111310"/>
+            <a:ext cx="6302872" cy="4201915"/>
           </a:xfrm>
           <a:prstGeom prst="rect">
             <a:avLst/>
@@ -2333,9 +2333,6 @@
         <a:buNone/>
         <a:tabLst/>
         <a:defRPr b="0" baseline="0" cap="none" i="0" spc="0" strike="noStrike" sz="4800" u="none">
-          <a:ln>
-            <a:noFill/>
-          </a:ln>
           <a:solidFill>
             <a:srgbClr val="585858"/>
           </a:solidFill>
@@ -2362,9 +2359,6 @@
         <a:buNone/>
         <a:tabLst/>
         <a:defRPr b="0" baseline="0" cap="none" i="0" spc="0" strike="noStrike" sz="4800" u="none">
-          <a:ln>
-            <a:noFill/>
-          </a:ln>
           <a:solidFill>
             <a:srgbClr val="585858"/>
           </a:solidFill>
@@ -2391,9 +2385,6 @@
         <a:buNone/>
         <a:tabLst/>
         <a:defRPr b="0" baseline="0" cap="none" i="0" spc="0" strike="noStrike" sz="4800" u="none">
-          <a:ln>
-            <a:noFill/>
-          </a:ln>
           <a:solidFill>
             <a:srgbClr val="585858"/>
           </a:solidFill>
@@ -2420,9 +2411,6 @@
         <a:buNone/>
         <a:tabLst/>
         <a:defRPr b="0" baseline="0" cap="none" i="0" spc="0" strike="noStrike" sz="4800" u="none">
-          <a:ln>
-            <a:noFill/>
-          </a:ln>
           <a:solidFill>
             <a:srgbClr val="585858"/>
           </a:solidFill>
@@ -2449,9 +2437,6 @@
         <a:buNone/>
         <a:tabLst/>
         <a:defRPr b="0" baseline="0" cap="none" i="0" spc="0" strike="noStrike" sz="4800" u="none">
-          <a:ln>
-            <a:noFill/>
-          </a:ln>
           <a:solidFill>
             <a:srgbClr val="585858"/>
           </a:solidFill>
@@ -2478,9 +2463,6 @@
         <a:buNone/>
         <a:tabLst/>
         <a:defRPr b="0" baseline="0" cap="none" i="0" spc="0" strike="noStrike" sz="4800" u="none">
-          <a:ln>
-            <a:noFill/>
-          </a:ln>
           <a:solidFill>
             <a:srgbClr val="585858"/>
           </a:solidFill>
@@ -2507,9 +2489,6 @@
         <a:buNone/>
         <a:tabLst/>
         <a:defRPr b="0" baseline="0" cap="none" i="0" spc="0" strike="noStrike" sz="4800" u="none">
-          <a:ln>
-            <a:noFill/>
-          </a:ln>
           <a:solidFill>
             <a:srgbClr val="585858"/>
           </a:solidFill>
@@ -2536,9 +2515,6 @@
         <a:buNone/>
         <a:tabLst/>
         <a:defRPr b="0" baseline="0" cap="none" i="0" spc="0" strike="noStrike" sz="4800" u="none">
-          <a:ln>
-            <a:noFill/>
-          </a:ln>
           <a:solidFill>
             <a:srgbClr val="585858"/>
           </a:solidFill>
@@ -2565,9 +2541,6 @@
         <a:buNone/>
         <a:tabLst/>
         <a:defRPr b="0" baseline="0" cap="none" i="0" spc="0" strike="noStrike" sz="4800" u="none">
-          <a:ln>
-            <a:noFill/>
-          </a:ln>
           <a:solidFill>
             <a:srgbClr val="585858"/>
           </a:solidFill>
@@ -2596,9 +2569,6 @@
         <a:buChar char="•"/>
         <a:tabLst/>
         <a:defRPr b="0" baseline="0" cap="none" i="0" spc="0" strike="noStrike" sz="1200" u="none">
-          <a:ln>
-            <a:noFill/>
-          </a:ln>
           <a:solidFill>
             <a:srgbClr val="000000"/>
           </a:solidFill>
@@ -2625,9 +2595,6 @@
         <a:buChar char="•"/>
         <a:tabLst/>
         <a:defRPr b="0" baseline="0" cap="none" i="0" spc="0" strike="noStrike" sz="1200" u="none">
-          <a:ln>
-            <a:noFill/>
-          </a:ln>
           <a:solidFill>
             <a:srgbClr val="000000"/>
           </a:solidFill>
@@ -2654,9 +2621,6 @@
         <a:buChar char="•"/>
         <a:tabLst/>
         <a:defRPr b="0" baseline="0" cap="none" i="0" spc="0" strike="noStrike" sz="1200" u="none">
-          <a:ln>
-            <a:noFill/>
-          </a:ln>
           <a:solidFill>
             <a:srgbClr val="000000"/>
           </a:solidFill>
@@ -2683,9 +2647,6 @@
         <a:buChar char="•"/>
         <a:tabLst/>
         <a:defRPr b="0" baseline="0" cap="none" i="0" spc="0" strike="noStrike" sz="1200" u="none">
-          <a:ln>
-            <a:noFill/>
-          </a:ln>
           <a:solidFill>
             <a:srgbClr val="000000"/>
           </a:solidFill>
@@ -2712,9 +2673,6 @@
         <a:buChar char="•"/>
         <a:tabLst/>
         <a:defRPr b="0" baseline="0" cap="none" i="0" spc="0" strike="noStrike" sz="1200" u="none">
-          <a:ln>
-            <a:noFill/>
-          </a:ln>
           <a:solidFill>
             <a:srgbClr val="000000"/>
           </a:solidFill>
@@ -2741,9 +2699,6 @@
         <a:buChar char="•"/>
         <a:tabLst/>
         <a:defRPr b="0" baseline="0" cap="none" i="0" spc="0" strike="noStrike" sz="1200" u="none">
-          <a:ln>
-            <a:noFill/>
-          </a:ln>
           <a:solidFill>
             <a:srgbClr val="000000"/>
           </a:solidFill>
@@ -2770,9 +2725,6 @@
         <a:buChar char="•"/>
         <a:tabLst/>
         <a:defRPr b="0" baseline="0" cap="none" i="0" spc="0" strike="noStrike" sz="1200" u="none">
-          <a:ln>
-            <a:noFill/>
-          </a:ln>
           <a:solidFill>
             <a:srgbClr val="000000"/>
           </a:solidFill>
@@ -2799,9 +2751,6 @@
         <a:buChar char="•"/>
         <a:tabLst/>
         <a:defRPr b="0" baseline="0" cap="none" i="0" spc="0" strike="noStrike" sz="1200" u="none">
-          <a:ln>
-            <a:noFill/>
-          </a:ln>
           <a:solidFill>
             <a:srgbClr val="000000"/>
           </a:solidFill>
@@ -2828,9 +2777,6 @@
         <a:buChar char="•"/>
         <a:tabLst/>
         <a:defRPr b="0" baseline="0" cap="none" i="0" spc="0" strike="noStrike" sz="1200" u="none">
-          <a:ln>
-            <a:noFill/>
-          </a:ln>
           <a:solidFill>
             <a:srgbClr val="000000"/>
           </a:solidFill>
@@ -2859,9 +2805,6 @@
         <a:buNone/>
         <a:tabLst/>
         <a:defRPr b="0" baseline="0" cap="none" i="0" spc="0" strike="noStrike" sz="1800" u="none">
-          <a:ln>
-            <a:noFill/>
-          </a:ln>
           <a:solidFill>
             <a:schemeClr val="tx1"/>
           </a:solidFill>
@@ -2888,9 +2831,6 @@
         <a:buNone/>
         <a:tabLst/>
         <a:defRPr b="0" baseline="0" cap="none" i="0" spc="0" strike="noStrike" sz="1800" u="none">
-          <a:ln>
-            <a:noFill/>
-          </a:ln>
           <a:solidFill>
             <a:schemeClr val="tx1"/>
           </a:solidFill>
@@ -2917,9 +2857,6 @@
         <a:buNone/>
         <a:tabLst/>
         <a:defRPr b="0" baseline="0" cap="none" i="0" spc="0" strike="noStrike" sz="1800" u="none">
-          <a:ln>
-            <a:noFill/>
-          </a:ln>
           <a:solidFill>
             <a:schemeClr val="tx1"/>
           </a:solidFill>
@@ -2946,9 +2883,6 @@
         <a:buNone/>
         <a:tabLst/>
         <a:defRPr b="0" baseline="0" cap="none" i="0" spc="0" strike="noStrike" sz="1800" u="none">
-          <a:ln>
-            <a:noFill/>
-          </a:ln>
           <a:solidFill>
             <a:schemeClr val="tx1"/>
           </a:solidFill>
@@ -2975,9 +2909,6 @@
         <a:buNone/>
         <a:tabLst/>
         <a:defRPr b="0" baseline="0" cap="none" i="0" spc="0" strike="noStrike" sz="1800" u="none">
-          <a:ln>
-            <a:noFill/>
-          </a:ln>
           <a:solidFill>
             <a:schemeClr val="tx1"/>
           </a:solidFill>
@@ -3004,9 +2935,6 @@
         <a:buNone/>
         <a:tabLst/>
         <a:defRPr b="0" baseline="0" cap="none" i="0" spc="0" strike="noStrike" sz="1800" u="none">
-          <a:ln>
-            <a:noFill/>
-          </a:ln>
           <a:solidFill>
             <a:schemeClr val="tx1"/>
           </a:solidFill>
@@ -3033,9 +2961,6 @@
         <a:buNone/>
         <a:tabLst/>
         <a:defRPr b="0" baseline="0" cap="none" i="0" spc="0" strike="noStrike" sz="1800" u="none">
-          <a:ln>
-            <a:noFill/>
-          </a:ln>
           <a:solidFill>
             <a:schemeClr val="tx1"/>
           </a:solidFill>
@@ -3062,9 +2987,6 @@
         <a:buNone/>
         <a:tabLst/>
         <a:defRPr b="0" baseline="0" cap="none" i="0" spc="0" strike="noStrike" sz="1800" u="none">
-          <a:ln>
-            <a:noFill/>
-          </a:ln>
           <a:solidFill>
             <a:schemeClr val="tx1"/>
           </a:solidFill>
@@ -3091,9 +3013,6 @@
         <a:buNone/>
         <a:tabLst/>
         <a:defRPr b="0" baseline="0" cap="none" i="0" spc="0" strike="noStrike" sz="1800" u="none">
-          <a:ln>
-            <a:noFill/>
-          </a:ln>
           <a:solidFill>
             <a:schemeClr val="tx1"/>
           </a:solidFill>
@@ -4619,10 +4538,28 @@
             </a:r>
             <a:r>
               <a:rPr b="1"/>
-              <a:t>collapse = NULL</a:t>
+              <a:t>collapse = ""</a:t>
             </a:r>
             <a:r>
-              <a:t>) Collapse a vector of strings into a single string. </a:t>
+              <a:t>) Collapse </a:t>
+            </a:r>
+          </a:p>
+          <a:p>
+            <a:pPr>
+              <a:lnSpc>
+                <a:spcPct val="80000"/>
+              </a:lnSpc>
+              <a:spcBef>
+                <a:spcPts val="0"/>
+              </a:spcBef>
+              <a:defRPr b="0">
+                <a:solidFill>
+                  <a:srgbClr val="000000"/>
+                </a:solidFill>
+              </a:defRPr>
+            </a:pPr>
+            <a:r>
+              <a:t>a vector of strings into a single string. </a:t>
             </a:r>
             <a:r>
               <a:rPr i="1"/>
@@ -7209,26 +7146,60 @@
         </p:nvGrpSpPr>
         <p:grpSpPr>
           <a:xfrm>
-            <a:off x="454489" y="8348989"/>
-            <a:ext cx="552792" cy="441677"/>
-            <a:chOff x="0" y="0"/>
-            <a:chExt cx="552790" cy="441676"/>
+            <a:off x="454489" y="8467059"/>
+            <a:ext cx="552792" cy="205537"/>
+            <a:chOff x="0" y="118070"/>
+            <a:chExt cx="552790" cy="205535"/>
           </a:xfrm>
         </p:grpSpPr>
         <p:sp>
           <p:nvSpPr>
             <p:cNvPr id="204" name="a string"/>
-            <p:cNvSpPr txBox="1"/>
+            <p:cNvSpPr/>
             <p:nvPr/>
           </p:nvSpPr>
           <p:spPr>
             <a:xfrm>
-              <a:off x="63151" y="0"/>
-              <a:ext cx="426489" cy="236141"/>
+              <a:off x="63151" y="118070"/>
+              <a:ext cx="426489" cy="1"/>
             </a:xfrm>
-            <a:prstGeom prst="rect">
+            <a:custGeom>
               <a:avLst/>
-            </a:prstGeom>
+              <a:gdLst/>
+              <a:ahLst/>
+              <a:cxnLst>
+                <a:cxn ang="0">
+                  <a:pos x="wd2" y="hd2"/>
+                </a:cxn>
+                <a:cxn ang="5400000">
+                  <a:pos x="wd2" y="hd2"/>
+                </a:cxn>
+                <a:cxn ang="10800000">
+                  <a:pos x="wd2" y="hd2"/>
+                </a:cxn>
+                <a:cxn ang="16200000">
+                  <a:pos x="wd2" y="hd2"/>
+                </a:cxn>
+              </a:cxnLst>
+              <a:rect l="0" t="0" r="r" b="b"/>
+              <a:pathLst>
+                <a:path w="21600" h="0" fill="norm" stroke="1" extrusionOk="0">
+                  <a:moveTo>
+                    <a:pt x="0" y="0"/>
+                  </a:moveTo>
+                  <a:lnTo>
+                    <a:pt x="21600" y="0"/>
+                  </a:lnTo>
+                  <a:lnTo>
+                    <a:pt x="21600" y="0"/>
+                  </a:lnTo>
+                  <a:lnTo>
+                    <a:pt x="0" y="0"/>
+                  </a:lnTo>
+                  <a:close/>
+                </a:path>
+              </a:pathLst>
+            </a:custGeom>
             <a:noFill/>
             <a:ln w="12700" cap="flat">
               <a:noFill/>
@@ -7265,17 +7236,51 @@
         <p:sp>
           <p:nvSpPr>
             <p:cNvPr id="205" name="A STRING"/>
-            <p:cNvSpPr txBox="1"/>
+            <p:cNvSpPr/>
             <p:nvPr/>
           </p:nvSpPr>
           <p:spPr>
             <a:xfrm>
-              <a:off x="0" y="205535"/>
-              <a:ext cx="552791" cy="236142"/>
+              <a:off x="0" y="323605"/>
+              <a:ext cx="552791" cy="1"/>
             </a:xfrm>
-            <a:prstGeom prst="rect">
+            <a:custGeom>
               <a:avLst/>
-            </a:prstGeom>
+              <a:gdLst/>
+              <a:ahLst/>
+              <a:cxnLst>
+                <a:cxn ang="0">
+                  <a:pos x="wd2" y="hd2"/>
+                </a:cxn>
+                <a:cxn ang="5400000">
+                  <a:pos x="wd2" y="hd2"/>
+                </a:cxn>
+                <a:cxn ang="10800000">
+                  <a:pos x="wd2" y="hd2"/>
+                </a:cxn>
+                <a:cxn ang="16200000">
+                  <a:pos x="wd2" y="hd2"/>
+                </a:cxn>
+              </a:cxnLst>
+              <a:rect l="0" t="0" r="r" b="b"/>
+              <a:pathLst>
+                <a:path w="21600" h="0" fill="norm" stroke="1" extrusionOk="0">
+                  <a:moveTo>
+                    <a:pt x="0" y="0"/>
+                  </a:moveTo>
+                  <a:lnTo>
+                    <a:pt x="21600" y="0"/>
+                  </a:lnTo>
+                  <a:lnTo>
+                    <a:pt x="21600" y="0"/>
+                  </a:lnTo>
+                  <a:lnTo>
+                    <a:pt x="0" y="0"/>
+                  </a:lnTo>
+                  <a:close/>
+                </a:path>
+              </a:pathLst>
+            </a:custGeom>
             <a:noFill/>
             <a:ln w="12700" cap="flat">
               <a:noFill/>
@@ -7376,26 +7381,60 @@
         </p:nvGrpSpPr>
         <p:grpSpPr>
           <a:xfrm>
-            <a:off x="454489" y="7752089"/>
-            <a:ext cx="552792" cy="428977"/>
-            <a:chOff x="20729" y="0"/>
-            <a:chExt cx="552790" cy="428976"/>
+            <a:off x="454489" y="7870159"/>
+            <a:ext cx="552792" cy="192837"/>
+            <a:chOff x="0" y="118070"/>
+            <a:chExt cx="552790" cy="192835"/>
           </a:xfrm>
         </p:grpSpPr>
         <p:sp>
           <p:nvSpPr>
             <p:cNvPr id="208" name="A STRING"/>
-            <p:cNvSpPr txBox="1"/>
+            <p:cNvSpPr/>
             <p:nvPr/>
           </p:nvSpPr>
           <p:spPr>
             <a:xfrm>
-              <a:off x="31575" y="-1"/>
-              <a:ext cx="531100" cy="236142"/>
+              <a:off x="10845" y="118070"/>
+              <a:ext cx="531100" cy="1"/>
             </a:xfrm>
-            <a:prstGeom prst="rect">
+            <a:custGeom>
               <a:avLst/>
-            </a:prstGeom>
+              <a:gdLst/>
+              <a:ahLst/>
+              <a:cxnLst>
+                <a:cxn ang="0">
+                  <a:pos x="wd2" y="hd2"/>
+                </a:cxn>
+                <a:cxn ang="5400000">
+                  <a:pos x="wd2" y="hd2"/>
+                </a:cxn>
+                <a:cxn ang="10800000">
+                  <a:pos x="wd2" y="hd2"/>
+                </a:cxn>
+                <a:cxn ang="16200000">
+                  <a:pos x="wd2" y="hd2"/>
+                </a:cxn>
+              </a:cxnLst>
+              <a:rect l="0" t="0" r="r" b="b"/>
+              <a:pathLst>
+                <a:path w="21600" h="0" fill="norm" stroke="1" extrusionOk="0">
+                  <a:moveTo>
+                    <a:pt x="0" y="0"/>
+                  </a:moveTo>
+                  <a:lnTo>
+                    <a:pt x="21600" y="0"/>
+                  </a:lnTo>
+                  <a:lnTo>
+                    <a:pt x="21600" y="0"/>
+                  </a:lnTo>
+                  <a:lnTo>
+                    <a:pt x="0" y="0"/>
+                  </a:lnTo>
+                  <a:close/>
+                </a:path>
+              </a:pathLst>
+            </a:custGeom>
             <a:noFill/>
             <a:ln w="12700" cap="flat">
               <a:noFill/>
@@ -7432,17 +7471,51 @@
         <p:sp>
           <p:nvSpPr>
             <p:cNvPr id="209" name="a string"/>
-            <p:cNvSpPr txBox="1"/>
+            <p:cNvSpPr/>
             <p:nvPr/>
           </p:nvSpPr>
           <p:spPr>
             <a:xfrm>
-              <a:off x="20729" y="192835"/>
-              <a:ext cx="552792" cy="236142"/>
+              <a:off x="0" y="310905"/>
+              <a:ext cx="552791" cy="1"/>
             </a:xfrm>
-            <a:prstGeom prst="rect">
+            <a:custGeom>
               <a:avLst/>
-            </a:prstGeom>
+              <a:gdLst/>
+              <a:ahLst/>
+              <a:cxnLst>
+                <a:cxn ang="0">
+                  <a:pos x="wd2" y="hd2"/>
+                </a:cxn>
+                <a:cxn ang="5400000">
+                  <a:pos x="wd2" y="hd2"/>
+                </a:cxn>
+                <a:cxn ang="10800000">
+                  <a:pos x="wd2" y="hd2"/>
+                </a:cxn>
+                <a:cxn ang="16200000">
+                  <a:pos x="wd2" y="hd2"/>
+                </a:cxn>
+              </a:cxnLst>
+              <a:rect l="0" t="0" r="r" b="b"/>
+              <a:pathLst>
+                <a:path w="21600" h="0" fill="norm" stroke="1" extrusionOk="0">
+                  <a:moveTo>
+                    <a:pt x="0" y="0"/>
+                  </a:moveTo>
+                  <a:lnTo>
+                    <a:pt x="21600" y="0"/>
+                  </a:lnTo>
+                  <a:lnTo>
+                    <a:pt x="21600" y="0"/>
+                  </a:lnTo>
+                  <a:lnTo>
+                    <a:pt x="0" y="0"/>
+                  </a:lnTo>
+                  <a:close/>
+                </a:path>
+              </a:pathLst>
+            </a:custGeom>
             <a:noFill/>
             <a:ln w="12700" cap="flat">
               <a:noFill/>
@@ -7484,7 +7557,7 @@
           </p:nvSpPr>
           <p:spPr>
             <a:xfrm>
-              <a:off x="297125" y="173833"/>
+              <a:off x="276395" y="173833"/>
               <a:ext cx="1" cy="101505"/>
             </a:xfrm>
             <a:prstGeom prst="line">
@@ -7965,10 +8038,10 @@
         </p:nvGrpSpPr>
         <p:grpSpPr>
           <a:xfrm>
-            <a:off x="428737" y="7202818"/>
-            <a:ext cx="217084" cy="496430"/>
-            <a:chOff x="24216" y="24271"/>
-            <a:chExt cx="217083" cy="496428"/>
+            <a:off x="404521" y="7178547"/>
+            <a:ext cx="279401" cy="533401"/>
+            <a:chOff x="0" y="0"/>
+            <a:chExt cx="279400" cy="533400"/>
           </a:xfrm>
         </p:grpSpPr>
         <p:sp>
@@ -8251,8 +8324,8 @@
             <p:nvPr/>
           </p:nvGraphicFramePr>
           <p:xfrm>
-            <a:off x="25400" y="25400"/>
-            <a:ext cx="215900" cy="495300"/>
+            <a:off x="0" y="0"/>
+            <a:ext cx="279400" cy="533400"/>
           </p:xfrm>
           <a:graphic xmlns:a="http://schemas.openxmlformats.org/drawingml/2006/main">
             <a:graphicData uri="http://schemas.openxmlformats.org/drawingml/2006/table">
@@ -10244,26 +10317,60 @@
         </p:nvGrpSpPr>
         <p:grpSpPr>
           <a:xfrm>
-            <a:off x="449445" y="8931805"/>
-            <a:ext cx="552792" cy="428977"/>
-            <a:chOff x="0" y="0"/>
-            <a:chExt cx="552790" cy="428976"/>
+            <a:off x="449445" y="9049875"/>
+            <a:ext cx="552792" cy="192837"/>
+            <a:chOff x="0" y="118070"/>
+            <a:chExt cx="552790" cy="192835"/>
           </a:xfrm>
         </p:grpSpPr>
         <p:sp>
           <p:nvSpPr>
             <p:cNvPr id="258" name="a string"/>
-            <p:cNvSpPr txBox="1"/>
+            <p:cNvSpPr/>
             <p:nvPr/>
           </p:nvSpPr>
           <p:spPr>
             <a:xfrm>
-              <a:off x="63151" y="0"/>
-              <a:ext cx="426489" cy="236141"/>
+              <a:off x="63151" y="118070"/>
+              <a:ext cx="426489" cy="1"/>
             </a:xfrm>
-            <a:prstGeom prst="rect">
+            <a:custGeom>
               <a:avLst/>
-            </a:prstGeom>
+              <a:gdLst/>
+              <a:ahLst/>
+              <a:cxnLst>
+                <a:cxn ang="0">
+                  <a:pos x="wd2" y="hd2"/>
+                </a:cxn>
+                <a:cxn ang="5400000">
+                  <a:pos x="wd2" y="hd2"/>
+                </a:cxn>
+                <a:cxn ang="10800000">
+                  <a:pos x="wd2" y="hd2"/>
+                </a:cxn>
+                <a:cxn ang="16200000">
+                  <a:pos x="wd2" y="hd2"/>
+                </a:cxn>
+              </a:cxnLst>
+              <a:rect l="0" t="0" r="r" b="b"/>
+              <a:pathLst>
+                <a:path w="21600" h="0" fill="norm" stroke="1" extrusionOk="0">
+                  <a:moveTo>
+                    <a:pt x="0" y="0"/>
+                  </a:moveTo>
+                  <a:lnTo>
+                    <a:pt x="21600" y="0"/>
+                  </a:lnTo>
+                  <a:lnTo>
+                    <a:pt x="21600" y="0"/>
+                  </a:lnTo>
+                  <a:lnTo>
+                    <a:pt x="0" y="0"/>
+                  </a:lnTo>
+                  <a:close/>
+                </a:path>
+              </a:pathLst>
+            </a:custGeom>
             <a:noFill/>
             <a:ln w="12700" cap="flat">
               <a:noFill/>
@@ -10300,17 +10407,51 @@
         <p:sp>
           <p:nvSpPr>
             <p:cNvPr id="259" name="A String"/>
-            <p:cNvSpPr txBox="1"/>
+            <p:cNvSpPr/>
             <p:nvPr/>
           </p:nvSpPr>
           <p:spPr>
             <a:xfrm>
-              <a:off x="0" y="192835"/>
-              <a:ext cx="552791" cy="236142"/>
+              <a:off x="0" y="310905"/>
+              <a:ext cx="552791" cy="1"/>
             </a:xfrm>
-            <a:prstGeom prst="rect">
+            <a:custGeom>
               <a:avLst/>
-            </a:prstGeom>
+              <a:gdLst/>
+              <a:ahLst/>
+              <a:cxnLst>
+                <a:cxn ang="0">
+                  <a:pos x="wd2" y="hd2"/>
+                </a:cxn>
+                <a:cxn ang="5400000">
+                  <a:pos x="wd2" y="hd2"/>
+                </a:cxn>
+                <a:cxn ang="10800000">
+                  <a:pos x="wd2" y="hd2"/>
+                </a:cxn>
+                <a:cxn ang="16200000">
+                  <a:pos x="wd2" y="hd2"/>
+                </a:cxn>
+              </a:cxnLst>
+              <a:rect l="0" t="0" r="r" b="b"/>
+              <a:pathLst>
+                <a:path w="21600" h="0" fill="norm" stroke="1" extrusionOk="0">
+                  <a:moveTo>
+                    <a:pt x="0" y="0"/>
+                  </a:moveTo>
+                  <a:lnTo>
+                    <a:pt x="21600" y="0"/>
+                  </a:lnTo>
+                  <a:lnTo>
+                    <a:pt x="21600" y="0"/>
+                  </a:lnTo>
+                  <a:lnTo>
+                    <a:pt x="0" y="0"/>
+                  </a:lnTo>
+                  <a:close/>
+                </a:path>
+              </a:pathLst>
+            </a:custGeom>
             <a:noFill/>
             <a:ln w="12700" cap="flat">
               <a:noFill/>
@@ -10411,10 +10552,10 @@
         </p:nvGrpSpPr>
         <p:grpSpPr>
           <a:xfrm>
-            <a:off x="425977" y="3924525"/>
-            <a:ext cx="650940" cy="609601"/>
-            <a:chOff x="25400" y="25400"/>
-            <a:chExt cx="650938" cy="609600"/>
+            <a:off x="400577" y="3899125"/>
+            <a:ext cx="254001" cy="520701"/>
+            <a:chOff x="0" y="0"/>
+            <a:chExt cx="254000" cy="520700"/>
           </a:xfrm>
         </p:grpSpPr>
         <p:graphicFrame>
@@ -10424,8 +10565,8 @@
             <p:nvPr/>
           </p:nvGraphicFramePr>
           <p:xfrm>
-            <a:off x="25400" y="25400"/>
-            <a:ext cx="650939" cy="609600"/>
+            <a:off x="0" y="0"/>
+            <a:ext cx="254000" cy="520700"/>
           </p:xfrm>
           <a:graphic xmlns:a="http://schemas.openxmlformats.org/drawingml/2006/main">
             <a:graphicData uri="http://schemas.openxmlformats.org/drawingml/2006/table">
@@ -10700,10 +10841,10 @@
         </p:nvGrpSpPr>
         <p:grpSpPr>
           <a:xfrm>
-            <a:off x="427161" y="2656626"/>
-            <a:ext cx="650940" cy="609601"/>
-            <a:chOff x="25400" y="25400"/>
-            <a:chExt cx="650938" cy="609600"/>
+            <a:off x="401761" y="2631226"/>
+            <a:ext cx="254001" cy="520701"/>
+            <a:chOff x="0" y="0"/>
+            <a:chExt cx="254000" cy="520700"/>
           </a:xfrm>
         </p:grpSpPr>
         <p:graphicFrame>
@@ -10713,8 +10854,8 @@
             <p:nvPr/>
           </p:nvGraphicFramePr>
           <p:xfrm>
-            <a:off x="25400" y="25400"/>
-            <a:ext cx="650939" cy="609600"/>
+            <a:off x="0" y="0"/>
+            <a:ext cx="254000" cy="520700"/>
           </p:xfrm>
           <a:graphic xmlns:a="http://schemas.openxmlformats.org/drawingml/2006/main">
             <a:graphicData uri="http://schemas.openxmlformats.org/drawingml/2006/table">
@@ -12066,10 +12207,10 @@
         </p:nvGrpSpPr>
         <p:grpSpPr>
           <a:xfrm>
-            <a:off x="427161" y="2035199"/>
-            <a:ext cx="650940" cy="609601"/>
-            <a:chOff x="25400" y="25400"/>
-            <a:chExt cx="650938" cy="609600"/>
+            <a:off x="401761" y="2009799"/>
+            <a:ext cx="254001" cy="520701"/>
+            <a:chOff x="0" y="0"/>
+            <a:chExt cx="254000" cy="520700"/>
           </a:xfrm>
         </p:grpSpPr>
         <p:graphicFrame>
@@ -12079,8 +12220,8 @@
             <p:nvPr/>
           </p:nvGraphicFramePr>
           <p:xfrm>
-            <a:off x="25400" y="25400"/>
-            <a:ext cx="650939" cy="609600"/>
+            <a:off x="0" y="0"/>
+            <a:ext cx="254000" cy="520700"/>
           </p:xfrm>
           <a:graphic xmlns:a="http://schemas.openxmlformats.org/drawingml/2006/main">
             <a:graphicData uri="http://schemas.openxmlformats.org/drawingml/2006/table">
@@ -19049,10 +19190,10 @@
         </p:nvGrpSpPr>
         <p:grpSpPr>
           <a:xfrm>
-            <a:off x="4909757" y="2649399"/>
-            <a:ext cx="650940" cy="609601"/>
-            <a:chOff x="25400" y="25400"/>
-            <a:chExt cx="650938" cy="609600"/>
+            <a:off x="4884357" y="2623999"/>
+            <a:ext cx="254001" cy="520701"/>
+            <a:chOff x="0" y="0"/>
+            <a:chExt cx="254000" cy="520700"/>
           </a:xfrm>
         </p:grpSpPr>
         <p:graphicFrame>
@@ -19062,8 +19203,8 @@
             <p:nvPr/>
           </p:nvGraphicFramePr>
           <p:xfrm>
-            <a:off x="25400" y="25400"/>
-            <a:ext cx="650939" cy="609600"/>
+            <a:off x="0" y="0"/>
+            <a:ext cx="254000" cy="520700"/>
           </p:xfrm>
           <a:graphic xmlns:a="http://schemas.openxmlformats.org/drawingml/2006/main">
             <a:graphicData uri="http://schemas.openxmlformats.org/drawingml/2006/table">

--- a/powerpoints/strings.pptx
+++ b/powerpoints/strings.pptx
@@ -311,6 +311,11 @@
       </a:defRPr>
     </a:lvl9pPr>
   </p:defaultTextStyle>
+  <p:extLst>
+    <p:ext uri="{EFAFB233-063F-42B5-8137-9DF3F51BA10A}">
+      <p15:sldGuideLst xmlns:p15="http://schemas.microsoft.com/office/powerpoint/2012/main"/>
+    </p:ext>
+  </p:extLst>
 </p:presentation>
 </file>
 
@@ -2328,7 +2333,7 @@
           </a:ln>
           <a:extLst>
             <a:ext uri="{C572A759-6A51-4108-AA02-DFA0A04FC94B}">
-              <ma14:wrappingTextBoxFlag xmlns:ma14="http://schemas.microsoft.com/office/mac/drawingml/2011/main" xmlns:a14="http://schemas.microsoft.com/office/drawing/2010/main" xmlns:m="http://schemas.openxmlformats.org/officeDocument/2006/math" xmlns="" val="1"/>
+              <ma14:wrappingTextBoxFlag xmlns="" xmlns:m="http://schemas.openxmlformats.org/officeDocument/2006/math" xmlns:a14="http://schemas.microsoft.com/office/drawing/2010/main" xmlns:ma14="http://schemas.microsoft.com/office/mac/drawingml/2011/main" val="1"/>
             </a:ext>
           </a:extLst>
         </p:spPr>
@@ -2367,7 +2372,7 @@
           </a:ln>
           <a:extLst>
             <a:ext uri="{C572A759-6A51-4108-AA02-DFA0A04FC94B}">
-              <ma14:wrappingTextBoxFlag xmlns:ma14="http://schemas.microsoft.com/office/mac/drawingml/2011/main" xmlns:a14="http://schemas.microsoft.com/office/drawing/2010/main" xmlns:m="http://schemas.openxmlformats.org/officeDocument/2006/math" xmlns="" val="1"/>
+              <ma14:wrappingTextBoxFlag xmlns="" xmlns:m="http://schemas.openxmlformats.org/officeDocument/2006/math" xmlns:a14="http://schemas.microsoft.com/office/drawing/2010/main" xmlns:ma14="http://schemas.microsoft.com/office/mac/drawingml/2011/main" val="1"/>
             </a:ext>
           </a:extLst>
         </p:spPr>
@@ -4372,7 +4377,7 @@
           </a:ln>
           <a:extLst>
             <a:ext uri="{C572A759-6A51-4108-AA02-DFA0A04FC94B}">
-              <ma14:wrappingTextBoxFlag xmlns:ma14="http://schemas.microsoft.com/office/mac/drawingml/2011/main" xmlns:a14="http://schemas.microsoft.com/office/drawing/2010/main" xmlns:m="http://schemas.openxmlformats.org/officeDocument/2006/math" xmlns="" val="1"/>
+              <ma14:wrappingTextBoxFlag xmlns="" xmlns:m="http://schemas.openxmlformats.org/officeDocument/2006/math" xmlns:a14="http://schemas.microsoft.com/office/drawing/2010/main" xmlns:ma14="http://schemas.microsoft.com/office/mac/drawingml/2011/main" val="1"/>
             </a:ext>
           </a:extLst>
         </p:spPr>
@@ -4492,7 +4497,7 @@
           </a:ln>
           <a:extLst>
             <a:ext uri="{C572A759-6A51-4108-AA02-DFA0A04FC94B}">
-              <ma14:wrappingTextBoxFlag xmlns:ma14="http://schemas.microsoft.com/office/mac/drawingml/2011/main" xmlns:a14="http://schemas.microsoft.com/office/drawing/2010/main" xmlns:m="http://schemas.openxmlformats.org/officeDocument/2006/math" xmlns="" val="1"/>
+              <ma14:wrappingTextBoxFlag xmlns="" xmlns:m="http://schemas.openxmlformats.org/officeDocument/2006/math" xmlns:a14="http://schemas.microsoft.com/office/drawing/2010/main" xmlns:ma14="http://schemas.microsoft.com/office/mac/drawingml/2011/main" val="1"/>
             </a:ext>
           </a:extLst>
         </p:spPr>
@@ -4540,7 +4545,7 @@
           </a:ln>
           <a:extLst>
             <a:ext uri="{C572A759-6A51-4108-AA02-DFA0A04FC94B}">
-              <ma14:wrappingTextBoxFlag xmlns:ma14="http://schemas.microsoft.com/office/mac/drawingml/2011/main" xmlns:a14="http://schemas.microsoft.com/office/drawing/2010/main" xmlns:m="http://schemas.openxmlformats.org/officeDocument/2006/math" xmlns="" val="1"/>
+              <ma14:wrappingTextBoxFlag xmlns="" xmlns:m="http://schemas.openxmlformats.org/officeDocument/2006/math" xmlns:a14="http://schemas.microsoft.com/office/drawing/2010/main" xmlns:ma14="http://schemas.microsoft.com/office/mac/drawingml/2011/main" val="1"/>
             </a:ext>
           </a:extLst>
         </p:spPr>
@@ -5003,7 +5008,7 @@
             <a:effectLst/>
             <a:extLst>
               <a:ext uri="{C572A759-6A51-4108-AA02-DFA0A04FC94B}">
-                <ma14:wrappingTextBoxFlag xmlns:ma14="http://schemas.microsoft.com/office/mac/drawingml/2011/main" xmlns:a14="http://schemas.microsoft.com/office/drawing/2010/main" xmlns:m="http://schemas.openxmlformats.org/officeDocument/2006/math" xmlns="" val="1"/>
+                <ma14:wrappingTextBoxFlag xmlns="" xmlns:m="http://schemas.openxmlformats.org/officeDocument/2006/math" xmlns:a14="http://schemas.microsoft.com/office/drawing/2010/main" xmlns:ma14="http://schemas.microsoft.com/office/mac/drawingml/2011/main" val="1"/>
               </a:ext>
             </a:extLst>
           </p:spPr>
@@ -5233,7 +5238,7 @@
             <a:effectLst/>
             <a:extLst>
               <a:ext uri="{C572A759-6A51-4108-AA02-DFA0A04FC94B}">
-                <ma14:wrappingTextBoxFlag xmlns:ma14="http://schemas.microsoft.com/office/mac/drawingml/2011/main" xmlns:a14="http://schemas.microsoft.com/office/drawing/2010/main" xmlns:m="http://schemas.openxmlformats.org/officeDocument/2006/math" xmlns="" val="1"/>
+                <ma14:wrappingTextBoxFlag xmlns="" xmlns:m="http://schemas.openxmlformats.org/officeDocument/2006/math" xmlns:a14="http://schemas.microsoft.com/office/drawing/2010/main" xmlns:ma14="http://schemas.microsoft.com/office/mac/drawingml/2011/main" val="1"/>
               </a:ext>
             </a:extLst>
           </p:spPr>
@@ -7146,7 +7151,7 @@
             <a:effectLst/>
             <a:extLst>
               <a:ext uri="{C572A759-6A51-4108-AA02-DFA0A04FC94B}">
-                <ma14:wrappingTextBoxFlag xmlns:ma14="http://schemas.microsoft.com/office/mac/drawingml/2011/main" xmlns:a14="http://schemas.microsoft.com/office/drawing/2010/main" xmlns:m="http://schemas.openxmlformats.org/officeDocument/2006/math" xmlns="" val="1"/>
+                <ma14:wrappingTextBoxFlag xmlns="" xmlns:m="http://schemas.openxmlformats.org/officeDocument/2006/math" xmlns:a14="http://schemas.microsoft.com/office/drawing/2010/main" xmlns:ma14="http://schemas.microsoft.com/office/mac/drawingml/2011/main" val="1"/>
               </a:ext>
             </a:extLst>
           </p:spPr>
@@ -7192,7 +7197,7 @@
             <a:effectLst/>
             <a:extLst>
               <a:ext uri="{C572A759-6A51-4108-AA02-DFA0A04FC94B}">
-                <ma14:wrappingTextBoxFlag xmlns:ma14="http://schemas.microsoft.com/office/mac/drawingml/2011/main" xmlns:a14="http://schemas.microsoft.com/office/drawing/2010/main" xmlns:m="http://schemas.openxmlformats.org/officeDocument/2006/math" xmlns="" val="1"/>
+                <ma14:wrappingTextBoxFlag xmlns="" xmlns:m="http://schemas.openxmlformats.org/officeDocument/2006/math" xmlns:a14="http://schemas.microsoft.com/office/drawing/2010/main" xmlns:ma14="http://schemas.microsoft.com/office/mac/drawingml/2011/main" val="1"/>
               </a:ext>
             </a:extLst>
           </p:spPr>
@@ -7903,7 +7908,7 @@
           </a:ln>
           <a:extLst>
             <a:ext uri="{C572A759-6A51-4108-AA02-DFA0A04FC94B}">
-              <ma14:wrappingTextBoxFlag xmlns:ma14="http://schemas.microsoft.com/office/mac/drawingml/2011/main" xmlns:a14="http://schemas.microsoft.com/office/drawing/2010/main" xmlns:m="http://schemas.openxmlformats.org/officeDocument/2006/math" xmlns="" val="1"/>
+              <ma14:wrappingTextBoxFlag xmlns="" xmlns:m="http://schemas.openxmlformats.org/officeDocument/2006/math" xmlns:a14="http://schemas.microsoft.com/office/drawing/2010/main" xmlns:ma14="http://schemas.microsoft.com/office/mac/drawingml/2011/main" val="1"/>
             </a:ext>
           </a:extLst>
         </p:spPr>
@@ -7951,7 +7956,7 @@
           </a:ln>
           <a:extLst>
             <a:ext uri="{C572A759-6A51-4108-AA02-DFA0A04FC94B}">
-              <ma14:wrappingTextBoxFlag xmlns:ma14="http://schemas.microsoft.com/office/mac/drawingml/2011/main" xmlns:a14="http://schemas.microsoft.com/office/drawing/2010/main" xmlns:m="http://schemas.openxmlformats.org/officeDocument/2006/math" xmlns="" val="1"/>
+              <ma14:wrappingTextBoxFlag xmlns="" xmlns:m="http://schemas.openxmlformats.org/officeDocument/2006/math" xmlns:a14="http://schemas.microsoft.com/office/drawing/2010/main" xmlns:ma14="http://schemas.microsoft.com/office/mac/drawingml/2011/main" val="1"/>
             </a:ext>
           </a:extLst>
         </p:spPr>
@@ -9405,7 +9410,7 @@
             <a:effectLst/>
             <a:extLst>
               <a:ext uri="{C572A759-6A51-4108-AA02-DFA0A04FC94B}">
-                <ma14:wrappingTextBoxFlag xmlns:ma14="http://schemas.microsoft.com/office/mac/drawingml/2011/main" xmlns:a14="http://schemas.microsoft.com/office/drawing/2010/main" xmlns:m="http://schemas.openxmlformats.org/officeDocument/2006/math" xmlns="" val="1"/>
+                <ma14:wrappingTextBoxFlag xmlns="" xmlns:m="http://schemas.openxmlformats.org/officeDocument/2006/math" xmlns:a14="http://schemas.microsoft.com/office/drawing/2010/main" xmlns:ma14="http://schemas.microsoft.com/office/mac/drawingml/2011/main" val="1"/>
               </a:ext>
             </a:extLst>
           </p:spPr>
@@ -9485,7 +9490,7 @@
             <a:effectLst/>
             <a:extLst>
               <a:ext uri="{C572A759-6A51-4108-AA02-DFA0A04FC94B}">
-                <ma14:wrappingTextBoxFlag xmlns:ma14="http://schemas.microsoft.com/office/mac/drawingml/2011/main" xmlns:a14="http://schemas.microsoft.com/office/drawing/2010/main" xmlns:m="http://schemas.openxmlformats.org/officeDocument/2006/math" xmlns="" val="1"/>
+                <ma14:wrappingTextBoxFlag xmlns="" xmlns:m="http://schemas.openxmlformats.org/officeDocument/2006/math" xmlns:a14="http://schemas.microsoft.com/office/drawing/2010/main" xmlns:ma14="http://schemas.microsoft.com/office/mac/drawingml/2011/main" val="1"/>
               </a:ext>
             </a:extLst>
           </p:spPr>
@@ -9564,7 +9569,7 @@
           </a:ln>
           <a:extLst>
             <a:ext uri="{C572A759-6A51-4108-AA02-DFA0A04FC94B}">
-              <ma14:wrappingTextBoxFlag xmlns:ma14="http://schemas.microsoft.com/office/mac/drawingml/2011/main" xmlns:a14="http://schemas.microsoft.com/office/drawing/2010/main" xmlns:m="http://schemas.openxmlformats.org/officeDocument/2006/math" xmlns="" val="1"/>
+              <ma14:wrappingTextBoxFlag xmlns="" xmlns:m="http://schemas.openxmlformats.org/officeDocument/2006/math" xmlns:a14="http://schemas.microsoft.com/office/drawing/2010/main" xmlns:ma14="http://schemas.microsoft.com/office/mac/drawingml/2011/main" val="1"/>
             </a:ext>
           </a:extLst>
         </p:spPr>
@@ -9895,7 +9900,7 @@
           </a:ln>
           <a:extLst>
             <a:ext uri="{C572A759-6A51-4108-AA02-DFA0A04FC94B}">
-              <ma14:wrappingTextBoxFlag xmlns:ma14="http://schemas.microsoft.com/office/mac/drawingml/2011/main" xmlns:a14="http://schemas.microsoft.com/office/drawing/2010/main" xmlns:m="http://schemas.openxmlformats.org/officeDocument/2006/math" xmlns="" val="1"/>
+              <ma14:wrappingTextBoxFlag xmlns="" xmlns:m="http://schemas.openxmlformats.org/officeDocument/2006/math" xmlns:a14="http://schemas.microsoft.com/office/drawing/2010/main" xmlns:ma14="http://schemas.microsoft.com/office/mac/drawingml/2011/main" val="1"/>
             </a:ext>
           </a:extLst>
         </p:spPr>
@@ -10152,7 +10157,7 @@
           </a:ln>
           <a:extLst>
             <a:ext uri="{C572A759-6A51-4108-AA02-DFA0A04FC94B}">
-              <ma14:wrappingTextBoxFlag xmlns:ma14="http://schemas.microsoft.com/office/mac/drawingml/2011/main" xmlns:a14="http://schemas.microsoft.com/office/drawing/2010/main" xmlns:m="http://schemas.openxmlformats.org/officeDocument/2006/math" xmlns="" val="1"/>
+              <ma14:wrappingTextBoxFlag xmlns="" xmlns:m="http://schemas.openxmlformats.org/officeDocument/2006/math" xmlns:a14="http://schemas.microsoft.com/office/drawing/2010/main" xmlns:ma14="http://schemas.microsoft.com/office/mac/drawingml/2011/main" val="1"/>
             </a:ext>
           </a:extLst>
         </p:spPr>
@@ -10229,7 +10234,7 @@
           </a:ln>
           <a:extLst>
             <a:ext uri="{C572A759-6A51-4108-AA02-DFA0A04FC94B}">
-              <ma14:wrappingTextBoxFlag xmlns:ma14="http://schemas.microsoft.com/office/mac/drawingml/2011/main" xmlns:a14="http://schemas.microsoft.com/office/drawing/2010/main" xmlns:m="http://schemas.openxmlformats.org/officeDocument/2006/math" xmlns="" val="1"/>
+              <ma14:wrappingTextBoxFlag xmlns="" xmlns:m="http://schemas.openxmlformats.org/officeDocument/2006/math" xmlns:a14="http://schemas.microsoft.com/office/drawing/2010/main" xmlns:ma14="http://schemas.microsoft.com/office/mac/drawingml/2011/main" val="1"/>
             </a:ext>
           </a:extLst>
         </p:spPr>
@@ -10675,7 +10680,7 @@
           </a:ln>
           <a:extLst>
             <a:ext uri="{C572A759-6A51-4108-AA02-DFA0A04FC94B}">
-              <ma14:wrappingTextBoxFlag xmlns:ma14="http://schemas.microsoft.com/office/mac/drawingml/2011/main" xmlns:a14="http://schemas.microsoft.com/office/drawing/2010/main" xmlns:m="http://schemas.openxmlformats.org/officeDocument/2006/math" xmlns="" val="1"/>
+              <ma14:wrappingTextBoxFlag xmlns="" xmlns:m="http://schemas.openxmlformats.org/officeDocument/2006/math" xmlns:a14="http://schemas.microsoft.com/office/drawing/2010/main" xmlns:ma14="http://schemas.microsoft.com/office/mac/drawingml/2011/main" val="1"/>
             </a:ext>
           </a:extLst>
         </p:spPr>
@@ -12532,7 +12537,7 @@
           </a:ln>
           <a:extLst>
             <a:ext uri="{C572A759-6A51-4108-AA02-DFA0A04FC94B}">
-              <ma14:wrappingTextBoxFlag xmlns:ma14="http://schemas.microsoft.com/office/mac/drawingml/2011/main" xmlns:a14="http://schemas.microsoft.com/office/drawing/2010/main" xmlns:m="http://schemas.openxmlformats.org/officeDocument/2006/math" xmlns="" val="1"/>
+              <ma14:wrappingTextBoxFlag xmlns="" xmlns:m="http://schemas.openxmlformats.org/officeDocument/2006/math" xmlns:a14="http://schemas.microsoft.com/office/drawing/2010/main" xmlns:ma14="http://schemas.microsoft.com/office/mac/drawingml/2011/main" val="1"/>
             </a:ext>
           </a:extLst>
         </p:spPr>
@@ -13981,7 +13986,7 @@
           </a:ln>
           <a:extLst>
             <a:ext uri="{C572A759-6A51-4108-AA02-DFA0A04FC94B}">
-              <ma14:wrappingTextBoxFlag xmlns:ma14="http://schemas.microsoft.com/office/mac/drawingml/2011/main" xmlns:a14="http://schemas.microsoft.com/office/drawing/2010/main" xmlns:m="http://schemas.openxmlformats.org/officeDocument/2006/math" xmlns="" val="1"/>
+              <ma14:wrappingTextBoxFlag xmlns="" xmlns:m="http://schemas.openxmlformats.org/officeDocument/2006/math" xmlns:a14="http://schemas.microsoft.com/office/drawing/2010/main" xmlns:ma14="http://schemas.microsoft.com/office/mac/drawingml/2011/main" val="1"/>
             </a:ext>
           </a:extLst>
         </p:spPr>
@@ -14058,7 +14063,7 @@
           </a:ln>
           <a:extLst>
             <a:ext uri="{C572A759-6A51-4108-AA02-DFA0A04FC94B}">
-              <ma14:wrappingTextBoxFlag xmlns:ma14="http://schemas.microsoft.com/office/mac/drawingml/2011/main" xmlns:a14="http://schemas.microsoft.com/office/drawing/2010/main" xmlns:m="http://schemas.openxmlformats.org/officeDocument/2006/math" xmlns="" val="1"/>
+              <ma14:wrappingTextBoxFlag xmlns="" xmlns:m="http://schemas.openxmlformats.org/officeDocument/2006/math" xmlns:a14="http://schemas.microsoft.com/office/drawing/2010/main" xmlns:ma14="http://schemas.microsoft.com/office/mac/drawingml/2011/main" val="1"/>
             </a:ext>
           </a:extLst>
         </p:spPr>
@@ -14515,7 +14520,7 @@
           </a:ln>
           <a:extLst>
             <a:ext uri="{C572A759-6A51-4108-AA02-DFA0A04FC94B}">
-              <ma14:wrappingTextBoxFlag xmlns:ma14="http://schemas.microsoft.com/office/mac/drawingml/2011/main" xmlns:a14="http://schemas.microsoft.com/office/drawing/2010/main" xmlns:m="http://schemas.openxmlformats.org/officeDocument/2006/math" xmlns="" val="1"/>
+              <ma14:wrappingTextBoxFlag xmlns="" xmlns:m="http://schemas.openxmlformats.org/officeDocument/2006/math" xmlns:a14="http://schemas.microsoft.com/office/drawing/2010/main" xmlns:ma14="http://schemas.microsoft.com/office/mac/drawingml/2011/main" val="1"/>
             </a:ext>
           </a:extLst>
         </p:spPr>
@@ -14563,7 +14568,7 @@
           </a:ln>
           <a:extLst>
             <a:ext uri="{C572A759-6A51-4108-AA02-DFA0A04FC94B}">
-              <ma14:wrappingTextBoxFlag xmlns:ma14="http://schemas.microsoft.com/office/mac/drawingml/2011/main" xmlns:a14="http://schemas.microsoft.com/office/drawing/2010/main" xmlns:m="http://schemas.openxmlformats.org/officeDocument/2006/math" xmlns="" val="1"/>
+              <ma14:wrappingTextBoxFlag xmlns="" xmlns:m="http://schemas.openxmlformats.org/officeDocument/2006/math" xmlns:a14="http://schemas.microsoft.com/office/drawing/2010/main" xmlns:ma14="http://schemas.microsoft.com/office/mac/drawingml/2011/main" val="1"/>
             </a:ext>
           </a:extLst>
         </p:spPr>
@@ -14623,7 +14628,7 @@
           </a:ln>
           <a:extLst>
             <a:ext uri="{C572A759-6A51-4108-AA02-DFA0A04FC94B}">
-              <ma14:wrappingTextBoxFlag xmlns:ma14="http://schemas.microsoft.com/office/mac/drawingml/2011/main" xmlns:a14="http://schemas.microsoft.com/office/drawing/2010/main" xmlns:m="http://schemas.openxmlformats.org/officeDocument/2006/math" xmlns="" val="1"/>
+              <ma14:wrappingTextBoxFlag xmlns="" xmlns:m="http://schemas.openxmlformats.org/officeDocument/2006/math" xmlns:a14="http://schemas.microsoft.com/office/drawing/2010/main" xmlns:ma14="http://schemas.microsoft.com/office/mac/drawingml/2011/main" val="1"/>
             </a:ext>
           </a:extLst>
         </p:spPr>
@@ -14671,7 +14676,7 @@
           </a:ln>
           <a:extLst>
             <a:ext uri="{C572A759-6A51-4108-AA02-DFA0A04FC94B}">
-              <ma14:wrappingTextBoxFlag xmlns:ma14="http://schemas.microsoft.com/office/mac/drawingml/2011/main" xmlns:a14="http://schemas.microsoft.com/office/drawing/2010/main" xmlns:m="http://schemas.openxmlformats.org/officeDocument/2006/math" xmlns="" val="1"/>
+              <ma14:wrappingTextBoxFlag xmlns="" xmlns:m="http://schemas.openxmlformats.org/officeDocument/2006/math" xmlns:a14="http://schemas.microsoft.com/office/drawing/2010/main" xmlns:ma14="http://schemas.microsoft.com/office/mac/drawingml/2011/main" val="1"/>
             </a:ext>
           </a:extLst>
         </p:spPr>
@@ -17346,7 +17351,7 @@
           </a:ln>
           <a:extLst>
             <a:ext uri="{C572A759-6A51-4108-AA02-DFA0A04FC94B}">
-              <ma14:wrappingTextBoxFlag xmlns:ma14="http://schemas.microsoft.com/office/mac/drawingml/2011/main" xmlns:a14="http://schemas.microsoft.com/office/drawing/2010/main" xmlns:m="http://schemas.openxmlformats.org/officeDocument/2006/math" xmlns="" val="1"/>
+              <ma14:wrappingTextBoxFlag xmlns="" xmlns:m="http://schemas.openxmlformats.org/officeDocument/2006/math" xmlns:a14="http://schemas.microsoft.com/office/drawing/2010/main" xmlns:ma14="http://schemas.microsoft.com/office/mac/drawingml/2011/main" val="1"/>
             </a:ext>
           </a:extLst>
         </p:spPr>
@@ -18320,7 +18325,7 @@
             <a:effectLst/>
             <a:extLst>
               <a:ext uri="{C572A759-6A51-4108-AA02-DFA0A04FC94B}">
-                <ma14:wrappingTextBoxFlag xmlns:ma14="http://schemas.microsoft.com/office/mac/drawingml/2011/main" xmlns:a14="http://schemas.microsoft.com/office/drawing/2010/main" xmlns:m="http://schemas.openxmlformats.org/officeDocument/2006/math" xmlns="" val="1"/>
+                <ma14:wrappingTextBoxFlag xmlns="" xmlns:m="http://schemas.openxmlformats.org/officeDocument/2006/math" xmlns:a14="http://schemas.microsoft.com/office/drawing/2010/main" xmlns:ma14="http://schemas.microsoft.com/office/mac/drawingml/2011/main" val="1"/>
               </a:ext>
             </a:extLst>
           </p:spPr>
@@ -18366,7 +18371,7 @@
             <a:effectLst/>
             <a:extLst>
               <a:ext uri="{C572A759-6A51-4108-AA02-DFA0A04FC94B}">
-                <ma14:wrappingTextBoxFlag xmlns:ma14="http://schemas.microsoft.com/office/mac/drawingml/2011/main" xmlns:a14="http://schemas.microsoft.com/office/drawing/2010/main" xmlns:m="http://schemas.openxmlformats.org/officeDocument/2006/math" xmlns="" val="1"/>
+                <ma14:wrappingTextBoxFlag xmlns="" xmlns:m="http://schemas.openxmlformats.org/officeDocument/2006/math" xmlns:a14="http://schemas.microsoft.com/office/drawing/2010/main" xmlns:ma14="http://schemas.microsoft.com/office/mac/drawingml/2011/main" val="1"/>
               </a:ext>
             </a:extLst>
           </p:spPr>
@@ -19068,7 +19073,7 @@
             <a:effectLst/>
             <a:extLst>
               <a:ext uri="{C572A759-6A51-4108-AA02-DFA0A04FC94B}">
-                <ma14:wrappingTextBoxFlag xmlns:ma14="http://schemas.microsoft.com/office/mac/drawingml/2011/main" xmlns:a14="http://schemas.microsoft.com/office/drawing/2010/main" xmlns:m="http://schemas.openxmlformats.org/officeDocument/2006/math" xmlns="" val="1"/>
+                <ma14:wrappingTextBoxFlag xmlns="" xmlns:m="http://schemas.openxmlformats.org/officeDocument/2006/math" xmlns:a14="http://schemas.microsoft.com/office/drawing/2010/main" xmlns:ma14="http://schemas.microsoft.com/office/mac/drawingml/2011/main" val="1"/>
               </a:ext>
             </a:extLst>
           </p:spPr>
@@ -19114,7 +19119,7 @@
             <a:effectLst/>
             <a:extLst>
               <a:ext uri="{C572A759-6A51-4108-AA02-DFA0A04FC94B}">
-                <ma14:wrappingTextBoxFlag xmlns:ma14="http://schemas.microsoft.com/office/mac/drawingml/2011/main" xmlns:a14="http://schemas.microsoft.com/office/drawing/2010/main" xmlns:m="http://schemas.openxmlformats.org/officeDocument/2006/math" xmlns="" val="1"/>
+                <ma14:wrappingTextBoxFlag xmlns="" xmlns:m="http://schemas.openxmlformats.org/officeDocument/2006/math" xmlns:a14="http://schemas.microsoft.com/office/drawing/2010/main" xmlns:ma14="http://schemas.microsoft.com/office/mac/drawingml/2011/main" val="1"/>
               </a:ext>
             </a:extLst>
           </p:spPr>
@@ -31225,7 +31230,7 @@
           </a:ln>
           <a:extLst>
             <a:ext uri="{C572A759-6A51-4108-AA02-DFA0A04FC94B}">
-              <ma14:wrappingTextBoxFlag xmlns:ma14="http://schemas.microsoft.com/office/mac/drawingml/2011/main" xmlns:a14="http://schemas.microsoft.com/office/drawing/2010/main" xmlns:m="http://schemas.openxmlformats.org/officeDocument/2006/math" xmlns="" val="1"/>
+              <ma14:wrappingTextBoxFlag xmlns="" xmlns:m="http://schemas.openxmlformats.org/officeDocument/2006/math" xmlns:a14="http://schemas.microsoft.com/office/drawing/2010/main" xmlns:ma14="http://schemas.microsoft.com/office/mac/drawingml/2011/main" val="1"/>
             </a:ext>
           </a:extLst>
         </p:spPr>
@@ -31857,7 +31862,7 @@
           </a:ln>
           <a:extLst>
             <a:ext uri="{C572A759-6A51-4108-AA02-DFA0A04FC94B}">
-              <ma14:wrappingTextBoxFlag xmlns:ma14="http://schemas.microsoft.com/office/mac/drawingml/2011/main" xmlns:a14="http://schemas.microsoft.com/office/drawing/2010/main" xmlns:m="http://schemas.openxmlformats.org/officeDocument/2006/math" xmlns="" val="1"/>
+              <ma14:wrappingTextBoxFlag xmlns="" xmlns:m="http://schemas.openxmlformats.org/officeDocument/2006/math" xmlns:a14="http://schemas.microsoft.com/office/drawing/2010/main" xmlns:ma14="http://schemas.microsoft.com/office/mac/drawingml/2011/main" val="1"/>
             </a:ext>
           </a:extLst>
         </p:spPr>
@@ -31934,7 +31939,7 @@
           </a:ln>
           <a:extLst>
             <a:ext uri="{C572A759-6A51-4108-AA02-DFA0A04FC94B}">
-              <ma14:wrappingTextBoxFlag xmlns:ma14="http://schemas.microsoft.com/office/mac/drawingml/2011/main" xmlns:a14="http://schemas.microsoft.com/office/drawing/2010/main" xmlns:m="http://schemas.openxmlformats.org/officeDocument/2006/math" xmlns="" val="1"/>
+              <ma14:wrappingTextBoxFlag xmlns="" xmlns:m="http://schemas.openxmlformats.org/officeDocument/2006/math" xmlns:a14="http://schemas.microsoft.com/office/drawing/2010/main" xmlns:ma14="http://schemas.microsoft.com/office/mac/drawingml/2011/main" val="1"/>
             </a:ext>
           </a:extLst>
         </p:spPr>
@@ -32011,7 +32016,7 @@
           </a:ln>
           <a:extLst>
             <a:ext uri="{C572A759-6A51-4108-AA02-DFA0A04FC94B}">
-              <ma14:wrappingTextBoxFlag xmlns:ma14="http://schemas.microsoft.com/office/mac/drawingml/2011/main" xmlns:a14="http://schemas.microsoft.com/office/drawing/2010/main" xmlns:m="http://schemas.openxmlformats.org/officeDocument/2006/math" xmlns="" val="1"/>
+              <ma14:wrappingTextBoxFlag xmlns="" xmlns:m="http://schemas.openxmlformats.org/officeDocument/2006/math" xmlns:a14="http://schemas.microsoft.com/office/drawing/2010/main" xmlns:ma14="http://schemas.microsoft.com/office/mac/drawingml/2011/main" val="1"/>
             </a:ext>
           </a:extLst>
         </p:spPr>
@@ -32174,7 +32179,7 @@
           </a:ln>
           <a:extLst>
             <a:ext uri="{C572A759-6A51-4108-AA02-DFA0A04FC94B}">
-              <ma14:wrappingTextBoxFlag xmlns:ma14="http://schemas.microsoft.com/office/mac/drawingml/2011/main" xmlns:a14="http://schemas.microsoft.com/office/drawing/2010/main" xmlns:m="http://schemas.openxmlformats.org/officeDocument/2006/math" xmlns="" val="1"/>
+              <ma14:wrappingTextBoxFlag xmlns="" xmlns:m="http://schemas.openxmlformats.org/officeDocument/2006/math" xmlns:a14="http://schemas.microsoft.com/office/drawing/2010/main" xmlns:ma14="http://schemas.microsoft.com/office/mac/drawingml/2011/main" val="1"/>
             </a:ext>
           </a:extLst>
         </p:spPr>
@@ -32344,7 +32349,7 @@
           </a:ln>
           <a:extLst>
             <a:ext uri="{C572A759-6A51-4108-AA02-DFA0A04FC94B}">
-              <ma14:wrappingTextBoxFlag xmlns:ma14="http://schemas.microsoft.com/office/mac/drawingml/2011/main" xmlns:a14="http://schemas.microsoft.com/office/drawing/2010/main" xmlns:m="http://schemas.openxmlformats.org/officeDocument/2006/math" xmlns="" val="1"/>
+              <ma14:wrappingTextBoxFlag xmlns="" xmlns:m="http://schemas.openxmlformats.org/officeDocument/2006/math" xmlns:a14="http://schemas.microsoft.com/office/drawing/2010/main" xmlns:ma14="http://schemas.microsoft.com/office/mac/drawingml/2011/main" val="1"/>
             </a:ext>
           </a:extLst>
         </p:spPr>
@@ -32428,7 +32433,7 @@
           </a:ln>
           <a:extLst>
             <a:ext uri="{C572A759-6A51-4108-AA02-DFA0A04FC94B}">
-              <ma14:wrappingTextBoxFlag xmlns:ma14="http://schemas.microsoft.com/office/mac/drawingml/2011/main" xmlns:a14="http://schemas.microsoft.com/office/drawing/2010/main" xmlns:m="http://schemas.openxmlformats.org/officeDocument/2006/math" xmlns="" val="1"/>
+              <ma14:wrappingTextBoxFlag xmlns="" xmlns:m="http://schemas.openxmlformats.org/officeDocument/2006/math" xmlns:a14="http://schemas.microsoft.com/office/drawing/2010/main" xmlns:ma14="http://schemas.microsoft.com/office/mac/drawingml/2011/main" val="1"/>
             </a:ext>
           </a:extLst>
         </p:spPr>
@@ -32677,7 +32682,7 @@
           </a:ln>
           <a:extLst>
             <a:ext uri="{C572A759-6A51-4108-AA02-DFA0A04FC94B}">
-              <ma14:wrappingTextBoxFlag xmlns:ma14="http://schemas.microsoft.com/office/mac/drawingml/2011/main" xmlns:a14="http://schemas.microsoft.com/office/drawing/2010/main" xmlns:m="http://schemas.openxmlformats.org/officeDocument/2006/math" xmlns="" val="1"/>
+              <ma14:wrappingTextBoxFlag xmlns="" xmlns:m="http://schemas.openxmlformats.org/officeDocument/2006/math" xmlns:a14="http://schemas.microsoft.com/office/drawing/2010/main" xmlns:ma14="http://schemas.microsoft.com/office/mac/drawingml/2011/main" val="1"/>
             </a:ext>
           </a:extLst>
         </p:spPr>
@@ -32720,7 +32725,7 @@
           </a:ln>
           <a:extLst>
             <a:ext uri="{C572A759-6A51-4108-AA02-DFA0A04FC94B}">
-              <ma14:wrappingTextBoxFlag xmlns:ma14="http://schemas.microsoft.com/office/mac/drawingml/2011/main" xmlns:a14="http://schemas.microsoft.com/office/drawing/2010/main" xmlns:m="http://schemas.openxmlformats.org/officeDocument/2006/math" xmlns="" val="1"/>
+              <ma14:wrappingTextBoxFlag xmlns="" xmlns:m="http://schemas.openxmlformats.org/officeDocument/2006/math" xmlns:a14="http://schemas.microsoft.com/office/drawing/2010/main" xmlns:ma14="http://schemas.microsoft.com/office/mac/drawingml/2011/main" val="1"/>
             </a:ext>
           </a:extLst>
         </p:spPr>
@@ -32800,7 +32805,7 @@
           </a:ln>
           <a:extLst>
             <a:ext uri="{C572A759-6A51-4108-AA02-DFA0A04FC94B}">
-              <ma14:wrappingTextBoxFlag xmlns:ma14="http://schemas.microsoft.com/office/mac/drawingml/2011/main" xmlns:a14="http://schemas.microsoft.com/office/drawing/2010/main" xmlns:m="http://schemas.openxmlformats.org/officeDocument/2006/math" xmlns="" val="1"/>
+              <ma14:wrappingTextBoxFlag xmlns="" xmlns:m="http://schemas.openxmlformats.org/officeDocument/2006/math" xmlns:a14="http://schemas.microsoft.com/office/drawing/2010/main" xmlns:ma14="http://schemas.microsoft.com/office/mac/drawingml/2011/main" val="1"/>
             </a:ext>
           </a:extLst>
         </p:spPr>
@@ -32843,7 +32848,7 @@
           </a:ln>
           <a:extLst>
             <a:ext uri="{C572A759-6A51-4108-AA02-DFA0A04FC94B}">
-              <ma14:wrappingTextBoxFlag xmlns:ma14="http://schemas.microsoft.com/office/mac/drawingml/2011/main" xmlns:a14="http://schemas.microsoft.com/office/drawing/2010/main" xmlns:m="http://schemas.openxmlformats.org/officeDocument/2006/math" xmlns="" val="1"/>
+              <ma14:wrappingTextBoxFlag xmlns="" xmlns:m="http://schemas.openxmlformats.org/officeDocument/2006/math" xmlns:a14="http://schemas.microsoft.com/office/drawing/2010/main" xmlns:ma14="http://schemas.microsoft.com/office/mac/drawingml/2011/main" val="1"/>
             </a:ext>
           </a:extLst>
         </p:spPr>
@@ -32923,7 +32928,7 @@
           </a:ln>
           <a:extLst>
             <a:ext uri="{C572A759-6A51-4108-AA02-DFA0A04FC94B}">
-              <ma14:wrappingTextBoxFlag xmlns:ma14="http://schemas.microsoft.com/office/mac/drawingml/2011/main" xmlns:a14="http://schemas.microsoft.com/office/drawing/2010/main" xmlns:m="http://schemas.openxmlformats.org/officeDocument/2006/math" xmlns="" val="1"/>
+              <ma14:wrappingTextBoxFlag xmlns="" xmlns:m="http://schemas.openxmlformats.org/officeDocument/2006/math" xmlns:a14="http://schemas.microsoft.com/office/drawing/2010/main" xmlns:ma14="http://schemas.microsoft.com/office/mac/drawingml/2011/main" val="1"/>
             </a:ext>
           </a:extLst>
         </p:spPr>
@@ -32997,7 +33002,7 @@
           </a:ln>
           <a:extLst>
             <a:ext uri="{C572A759-6A51-4108-AA02-DFA0A04FC94B}">
-              <ma14:wrappingTextBoxFlag xmlns:ma14="http://schemas.microsoft.com/office/mac/drawingml/2011/main" xmlns:a14="http://schemas.microsoft.com/office/drawing/2010/main" xmlns:m="http://schemas.openxmlformats.org/officeDocument/2006/math" xmlns="" val="1"/>
+              <ma14:wrappingTextBoxFlag xmlns="" xmlns:m="http://schemas.openxmlformats.org/officeDocument/2006/math" xmlns:a14="http://schemas.microsoft.com/office/drawing/2010/main" xmlns:ma14="http://schemas.microsoft.com/office/mac/drawingml/2011/main" val="1"/>
             </a:ext>
           </a:extLst>
         </p:spPr>
@@ -33040,7 +33045,7 @@
           </a:ln>
           <a:extLst>
             <a:ext uri="{C572A759-6A51-4108-AA02-DFA0A04FC94B}">
-              <ma14:wrappingTextBoxFlag xmlns:ma14="http://schemas.microsoft.com/office/mac/drawingml/2011/main" xmlns:a14="http://schemas.microsoft.com/office/drawing/2010/main" xmlns:m="http://schemas.openxmlformats.org/officeDocument/2006/math" xmlns="" val="1"/>
+              <ma14:wrappingTextBoxFlag xmlns="" xmlns:m="http://schemas.openxmlformats.org/officeDocument/2006/math" xmlns:a14="http://schemas.microsoft.com/office/drawing/2010/main" xmlns:ma14="http://schemas.microsoft.com/office/mac/drawingml/2011/main" val="1"/>
             </a:ext>
           </a:extLst>
         </p:spPr>
@@ -33089,7 +33094,7 @@
           </a:ln>
           <a:extLst>
             <a:ext uri="{C572A759-6A51-4108-AA02-DFA0A04FC94B}">
-              <ma14:wrappingTextBoxFlag xmlns:ma14="http://schemas.microsoft.com/office/mac/drawingml/2011/main" xmlns:a14="http://schemas.microsoft.com/office/drawing/2010/main" xmlns:m="http://schemas.openxmlformats.org/officeDocument/2006/math" xmlns="" val="1"/>
+              <ma14:wrappingTextBoxFlag xmlns="" xmlns:m="http://schemas.openxmlformats.org/officeDocument/2006/math" xmlns:a14="http://schemas.microsoft.com/office/drawing/2010/main" xmlns:ma14="http://schemas.microsoft.com/office/mac/drawingml/2011/main" val="1"/>
             </a:ext>
           </a:extLst>
         </p:spPr>
@@ -33139,7 +33144,7 @@
           </a:ln>
           <a:extLst>
             <a:ext uri="{C572A759-6A51-4108-AA02-DFA0A04FC94B}">
-              <ma14:wrappingTextBoxFlag xmlns:ma14="http://schemas.microsoft.com/office/mac/drawingml/2011/main" xmlns:a14="http://schemas.microsoft.com/office/drawing/2010/main" xmlns:m="http://schemas.openxmlformats.org/officeDocument/2006/math" xmlns="" val="1"/>
+              <ma14:wrappingTextBoxFlag xmlns="" xmlns:m="http://schemas.openxmlformats.org/officeDocument/2006/math" xmlns:a14="http://schemas.microsoft.com/office/drawing/2010/main" xmlns:ma14="http://schemas.microsoft.com/office/mac/drawingml/2011/main" val="1"/>
             </a:ext>
           </a:extLst>
         </p:spPr>
@@ -33221,7 +33226,7 @@
           </a:ln>
           <a:extLst>
             <a:ext uri="{C572A759-6A51-4108-AA02-DFA0A04FC94B}">
-              <ma14:wrappingTextBoxFlag xmlns:ma14="http://schemas.microsoft.com/office/mac/drawingml/2011/main" xmlns:a14="http://schemas.microsoft.com/office/drawing/2010/main" xmlns:m="http://schemas.openxmlformats.org/officeDocument/2006/math" xmlns="" val="1"/>
+              <ma14:wrappingTextBoxFlag xmlns="" xmlns:m="http://schemas.openxmlformats.org/officeDocument/2006/math" xmlns:a14="http://schemas.microsoft.com/office/drawing/2010/main" xmlns:ma14="http://schemas.microsoft.com/office/mac/drawingml/2011/main" val="1"/>
             </a:ext>
           </a:extLst>
         </p:spPr>
@@ -33334,7 +33339,7 @@
           </a:ln>
           <a:extLst>
             <a:ext uri="{C572A759-6A51-4108-AA02-DFA0A04FC94B}">
-              <ma14:wrappingTextBoxFlag xmlns:ma14="http://schemas.microsoft.com/office/mac/drawingml/2011/main" xmlns:a14="http://schemas.microsoft.com/office/drawing/2010/main" xmlns:m="http://schemas.openxmlformats.org/officeDocument/2006/math" xmlns="" val="1"/>
+              <ma14:wrappingTextBoxFlag xmlns="" xmlns:m="http://schemas.openxmlformats.org/officeDocument/2006/math" xmlns:a14="http://schemas.microsoft.com/office/drawing/2010/main" xmlns:ma14="http://schemas.microsoft.com/office/mac/drawingml/2011/main" val="1"/>
             </a:ext>
           </a:extLst>
         </p:spPr>
@@ -33377,7 +33382,7 @@
           </a:ln>
           <a:extLst>
             <a:ext uri="{C572A759-6A51-4108-AA02-DFA0A04FC94B}">
-              <ma14:wrappingTextBoxFlag xmlns:ma14="http://schemas.microsoft.com/office/mac/drawingml/2011/main" xmlns:a14="http://schemas.microsoft.com/office/drawing/2010/main" xmlns:m="http://schemas.openxmlformats.org/officeDocument/2006/math" xmlns="" val="1"/>
+              <ma14:wrappingTextBoxFlag xmlns="" xmlns:m="http://schemas.openxmlformats.org/officeDocument/2006/math" xmlns:a14="http://schemas.microsoft.com/office/drawing/2010/main" xmlns:ma14="http://schemas.microsoft.com/office/mac/drawingml/2011/main" val="1"/>
             </a:ext>
           </a:extLst>
         </p:spPr>
@@ -33457,7 +33462,7 @@
           </a:ln>
           <a:extLst>
             <a:ext uri="{C572A759-6A51-4108-AA02-DFA0A04FC94B}">
-              <ma14:wrappingTextBoxFlag xmlns:ma14="http://schemas.microsoft.com/office/mac/drawingml/2011/main" xmlns:a14="http://schemas.microsoft.com/office/drawing/2010/main" xmlns:m="http://schemas.openxmlformats.org/officeDocument/2006/math" xmlns="" val="1"/>
+              <ma14:wrappingTextBoxFlag xmlns="" xmlns:m="http://schemas.openxmlformats.org/officeDocument/2006/math" xmlns:a14="http://schemas.microsoft.com/office/drawing/2010/main" xmlns:ma14="http://schemas.microsoft.com/office/mac/drawingml/2011/main" val="1"/>
             </a:ext>
           </a:extLst>
         </p:spPr>
@@ -33531,7 +33536,7 @@
           </a:ln>
           <a:extLst>
             <a:ext uri="{C572A759-6A51-4108-AA02-DFA0A04FC94B}">
-              <ma14:wrappingTextBoxFlag xmlns:ma14="http://schemas.microsoft.com/office/mac/drawingml/2011/main" xmlns:a14="http://schemas.microsoft.com/office/drawing/2010/main" xmlns:m="http://schemas.openxmlformats.org/officeDocument/2006/math" xmlns="" val="1"/>
+              <ma14:wrappingTextBoxFlag xmlns="" xmlns:m="http://schemas.openxmlformats.org/officeDocument/2006/math" xmlns:a14="http://schemas.microsoft.com/office/drawing/2010/main" xmlns:ma14="http://schemas.microsoft.com/office/mac/drawingml/2011/main" val="1"/>
             </a:ext>
           </a:extLst>
         </p:spPr>
@@ -33574,7 +33579,7 @@
           </a:ln>
           <a:extLst>
             <a:ext uri="{C572A759-6A51-4108-AA02-DFA0A04FC94B}">
-              <ma14:wrappingTextBoxFlag xmlns:ma14="http://schemas.microsoft.com/office/mac/drawingml/2011/main" xmlns:a14="http://schemas.microsoft.com/office/drawing/2010/main" xmlns:m="http://schemas.openxmlformats.org/officeDocument/2006/math" xmlns="" val="1"/>
+              <ma14:wrappingTextBoxFlag xmlns="" xmlns:m="http://schemas.openxmlformats.org/officeDocument/2006/math" xmlns:a14="http://schemas.microsoft.com/office/drawing/2010/main" xmlns:ma14="http://schemas.microsoft.com/office/mac/drawingml/2011/main" val="1"/>
             </a:ext>
           </a:extLst>
         </p:spPr>
@@ -34261,7 +34266,7 @@
           </a:ln>
           <a:extLst>
             <a:ext uri="{C572A759-6A51-4108-AA02-DFA0A04FC94B}">
-              <ma14:wrappingTextBoxFlag xmlns:ma14="http://schemas.microsoft.com/office/mac/drawingml/2011/main" xmlns:a14="http://schemas.microsoft.com/office/drawing/2010/main" xmlns:m="http://schemas.openxmlformats.org/officeDocument/2006/math" xmlns="" val="1"/>
+              <ma14:wrappingTextBoxFlag xmlns="" xmlns:m="http://schemas.openxmlformats.org/officeDocument/2006/math" xmlns:a14="http://schemas.microsoft.com/office/drawing/2010/main" xmlns:ma14="http://schemas.microsoft.com/office/mac/drawingml/2011/main" val="1"/>
             </a:ext>
           </a:extLst>
         </p:spPr>
@@ -34343,7 +34348,7 @@
           </a:ln>
           <a:extLst>
             <a:ext uri="{C572A759-6A51-4108-AA02-DFA0A04FC94B}">
-              <ma14:wrappingTextBoxFlag xmlns:ma14="http://schemas.microsoft.com/office/mac/drawingml/2011/main" xmlns:a14="http://schemas.microsoft.com/office/drawing/2010/main" xmlns:m="http://schemas.openxmlformats.org/officeDocument/2006/math" xmlns="" val="1"/>
+              <ma14:wrappingTextBoxFlag xmlns="" xmlns:m="http://schemas.openxmlformats.org/officeDocument/2006/math" xmlns:a14="http://schemas.microsoft.com/office/drawing/2010/main" xmlns:ma14="http://schemas.microsoft.com/office/mac/drawingml/2011/main" val="1"/>
             </a:ext>
           </a:extLst>
         </p:spPr>
@@ -36405,7 +36410,7 @@
           </a:ln>
           <a:extLst>
             <a:ext uri="{C572A759-6A51-4108-AA02-DFA0A04FC94B}">
-              <ma14:wrappingTextBoxFlag xmlns:ma14="http://schemas.microsoft.com/office/mac/drawingml/2011/main" xmlns:a14="http://schemas.microsoft.com/office/drawing/2010/main" xmlns:m="http://schemas.openxmlformats.org/officeDocument/2006/math" xmlns="" val="1"/>
+              <ma14:wrappingTextBoxFlag xmlns="" xmlns:m="http://schemas.openxmlformats.org/officeDocument/2006/math" xmlns:a14="http://schemas.microsoft.com/office/drawing/2010/main" xmlns:ma14="http://schemas.microsoft.com/office/mac/drawingml/2011/main" val="1"/>
             </a:ext>
           </a:extLst>
         </p:spPr>
@@ -37917,7 +37922,7 @@
           </a:ln>
           <a:extLst>
             <a:ext uri="{C572A759-6A51-4108-AA02-DFA0A04FC94B}">
-              <ma14:wrappingTextBoxFlag xmlns:ma14="http://schemas.microsoft.com/office/mac/drawingml/2011/main" xmlns:a14="http://schemas.microsoft.com/office/drawing/2010/main" xmlns:m="http://schemas.openxmlformats.org/officeDocument/2006/math" xmlns="" val="1"/>
+              <ma14:wrappingTextBoxFlag xmlns="" xmlns:m="http://schemas.openxmlformats.org/officeDocument/2006/math" xmlns:a14="http://schemas.microsoft.com/office/drawing/2010/main" xmlns:ma14="http://schemas.microsoft.com/office/mac/drawingml/2011/main" val="1"/>
             </a:ext>
           </a:extLst>
         </p:spPr>
@@ -37970,7 +37975,7 @@
           </a:ln>
           <a:extLst>
             <a:ext uri="{C572A759-6A51-4108-AA02-DFA0A04FC94B}">
-              <ma14:wrappingTextBoxFlag xmlns:ma14="http://schemas.microsoft.com/office/mac/drawingml/2011/main" xmlns:a14="http://schemas.microsoft.com/office/drawing/2010/main" xmlns:m="http://schemas.openxmlformats.org/officeDocument/2006/math" xmlns="" val="1"/>
+              <ma14:wrappingTextBoxFlag xmlns="" xmlns:m="http://schemas.openxmlformats.org/officeDocument/2006/math" xmlns:a14="http://schemas.microsoft.com/office/drawing/2010/main" xmlns:ma14="http://schemas.microsoft.com/office/mac/drawingml/2011/main" val="1"/>
             </a:ext>
           </a:extLst>
         </p:spPr>
@@ -38067,7 +38072,7 @@
           </a:ln>
           <a:extLst>
             <a:ext uri="{C572A759-6A51-4108-AA02-DFA0A04FC94B}">
-              <ma14:wrappingTextBoxFlag xmlns:ma14="http://schemas.microsoft.com/office/mac/drawingml/2011/main" xmlns:a14="http://schemas.microsoft.com/office/drawing/2010/main" xmlns:m="http://schemas.openxmlformats.org/officeDocument/2006/math" xmlns="" val="1"/>
+              <ma14:wrappingTextBoxFlag xmlns="" xmlns:m="http://schemas.openxmlformats.org/officeDocument/2006/math" xmlns:a14="http://schemas.microsoft.com/office/drawing/2010/main" xmlns:ma14="http://schemas.microsoft.com/office/mac/drawingml/2011/main" val="1"/>
             </a:ext>
           </a:extLst>
         </p:spPr>
@@ -38120,7 +38125,7 @@
           </a:ln>
           <a:extLst>
             <a:ext uri="{C572A759-6A51-4108-AA02-DFA0A04FC94B}">
-              <ma14:wrappingTextBoxFlag xmlns:ma14="http://schemas.microsoft.com/office/mac/drawingml/2011/main" xmlns:a14="http://schemas.microsoft.com/office/drawing/2010/main" xmlns:m="http://schemas.openxmlformats.org/officeDocument/2006/math" xmlns="" val="1"/>
+              <ma14:wrappingTextBoxFlag xmlns="" xmlns:m="http://schemas.openxmlformats.org/officeDocument/2006/math" xmlns:a14="http://schemas.microsoft.com/office/drawing/2010/main" xmlns:ma14="http://schemas.microsoft.com/office/mac/drawingml/2011/main" val="1"/>
             </a:ext>
           </a:extLst>
         </p:spPr>
@@ -38217,7 +38222,7 @@
           </a:ln>
           <a:extLst>
             <a:ext uri="{C572A759-6A51-4108-AA02-DFA0A04FC94B}">
-              <ma14:wrappingTextBoxFlag xmlns:ma14="http://schemas.microsoft.com/office/mac/drawingml/2011/main" xmlns:a14="http://schemas.microsoft.com/office/drawing/2010/main" xmlns:m="http://schemas.openxmlformats.org/officeDocument/2006/math" xmlns="" val="1"/>
+              <ma14:wrappingTextBoxFlag xmlns="" xmlns:m="http://schemas.openxmlformats.org/officeDocument/2006/math" xmlns:a14="http://schemas.microsoft.com/office/drawing/2010/main" xmlns:ma14="http://schemas.microsoft.com/office/mac/drawingml/2011/main" val="1"/>
             </a:ext>
           </a:extLst>
         </p:spPr>
@@ -38270,7 +38275,7 @@
           </a:ln>
           <a:extLst>
             <a:ext uri="{C572A759-6A51-4108-AA02-DFA0A04FC94B}">
-              <ma14:wrappingTextBoxFlag xmlns:ma14="http://schemas.microsoft.com/office/mac/drawingml/2011/main" xmlns:a14="http://schemas.microsoft.com/office/drawing/2010/main" xmlns:m="http://schemas.openxmlformats.org/officeDocument/2006/math" xmlns="" val="1"/>
+              <ma14:wrappingTextBoxFlag xmlns="" xmlns:m="http://schemas.openxmlformats.org/officeDocument/2006/math" xmlns:a14="http://schemas.microsoft.com/office/drawing/2010/main" xmlns:ma14="http://schemas.microsoft.com/office/mac/drawingml/2011/main" val="1"/>
             </a:ext>
           </a:extLst>
         </p:spPr>
@@ -38299,6 +38304,7 @@
           </a:lstStyle>
           <a:p>
             <a:r>
+              <a:rPr dirty="0"/>
               <a:t>[:graph:]</a:t>
             </a:r>
           </a:p>
@@ -38411,7 +38417,7 @@
           </a:ln>
           <a:extLst>
             <a:ext uri="{C572A759-6A51-4108-AA02-DFA0A04FC94B}">
-              <ma14:wrappingTextBoxFlag xmlns:ma14="http://schemas.microsoft.com/office/mac/drawingml/2011/main" xmlns:a14="http://schemas.microsoft.com/office/drawing/2010/main" xmlns:m="http://schemas.openxmlformats.org/officeDocument/2006/math" xmlns="" val="1"/>
+              <ma14:wrappingTextBoxFlag xmlns="" xmlns:m="http://schemas.openxmlformats.org/officeDocument/2006/math" xmlns:a14="http://schemas.microsoft.com/office/drawing/2010/main" xmlns:ma14="http://schemas.microsoft.com/office/mac/drawingml/2011/main" val="1"/>
             </a:ext>
           </a:extLst>
         </p:spPr>
@@ -38464,7 +38470,7 @@
           </a:ln>
           <a:extLst>
             <a:ext uri="{C572A759-6A51-4108-AA02-DFA0A04FC94B}">
-              <ma14:wrappingTextBoxFlag xmlns:ma14="http://schemas.microsoft.com/office/mac/drawingml/2011/main" xmlns:a14="http://schemas.microsoft.com/office/drawing/2010/main" xmlns:m="http://schemas.openxmlformats.org/officeDocument/2006/math" xmlns="" val="1"/>
+              <ma14:wrappingTextBoxFlag xmlns="" xmlns:m="http://schemas.openxmlformats.org/officeDocument/2006/math" xmlns:a14="http://schemas.microsoft.com/office/drawing/2010/main" xmlns:ma14="http://schemas.microsoft.com/office/mac/drawingml/2011/main" val="1"/>
             </a:ext>
           </a:extLst>
         </p:spPr>
@@ -38626,7 +38632,7 @@
             <a:effectLst/>
             <a:extLst>
               <a:ext uri="{C572A759-6A51-4108-AA02-DFA0A04FC94B}">
-                <ma14:wrappingTextBoxFlag xmlns:ma14="http://schemas.microsoft.com/office/mac/drawingml/2011/main" xmlns:a14="http://schemas.microsoft.com/office/drawing/2010/main" xmlns:m="http://schemas.openxmlformats.org/officeDocument/2006/math" xmlns="" val="1"/>
+                <ma14:wrappingTextBoxFlag xmlns="" xmlns:m="http://schemas.openxmlformats.org/officeDocument/2006/math" xmlns:a14="http://schemas.microsoft.com/office/drawing/2010/main" xmlns:ma14="http://schemas.microsoft.com/office/mac/drawingml/2011/main" val="1"/>
               </a:ext>
             </a:extLst>
           </p:spPr>
@@ -38678,7 +38684,7 @@
             <a:effectLst/>
             <a:extLst>
               <a:ext uri="{C572A759-6A51-4108-AA02-DFA0A04FC94B}">
-                <ma14:wrappingTextBoxFlag xmlns:ma14="http://schemas.microsoft.com/office/mac/drawingml/2011/main" xmlns:a14="http://schemas.microsoft.com/office/drawing/2010/main" xmlns:m="http://schemas.openxmlformats.org/officeDocument/2006/math" xmlns="" val="1"/>
+                <ma14:wrappingTextBoxFlag xmlns="" xmlns:m="http://schemas.openxmlformats.org/officeDocument/2006/math" xmlns:a14="http://schemas.microsoft.com/office/drawing/2010/main" xmlns:ma14="http://schemas.microsoft.com/office/mac/drawingml/2011/main" val="1"/>
               </a:ext>
             </a:extLst>
           </p:spPr>
@@ -40324,7 +40330,7 @@
           </a:ln>
           <a:extLst>
             <a:ext uri="{C572A759-6A51-4108-AA02-DFA0A04FC94B}">
-              <ma14:wrappingTextBoxFlag xmlns:ma14="http://schemas.microsoft.com/office/mac/drawingml/2011/main" xmlns:a14="http://schemas.microsoft.com/office/drawing/2010/main" xmlns:m="http://schemas.openxmlformats.org/officeDocument/2006/math" xmlns="" val="1"/>
+              <ma14:wrappingTextBoxFlag xmlns="" xmlns:m="http://schemas.openxmlformats.org/officeDocument/2006/math" xmlns:a14="http://schemas.microsoft.com/office/drawing/2010/main" xmlns:ma14="http://schemas.microsoft.com/office/mac/drawingml/2011/main" val="1"/>
             </a:ext>
           </a:extLst>
         </p:spPr>
@@ -40692,7 +40698,7 @@
           </a:ln>
           <a:extLst>
             <a:ext uri="{C572A759-6A51-4108-AA02-DFA0A04FC94B}">
-              <ma14:wrappingTextBoxFlag xmlns:ma14="http://schemas.microsoft.com/office/mac/drawingml/2011/main" xmlns:a14="http://schemas.microsoft.com/office/drawing/2010/main" xmlns:m="http://schemas.openxmlformats.org/officeDocument/2006/math" xmlns="" val="1"/>
+              <ma14:wrappingTextBoxFlag xmlns="" xmlns:m="http://schemas.openxmlformats.org/officeDocument/2006/math" xmlns:a14="http://schemas.microsoft.com/office/drawing/2010/main" xmlns:ma14="http://schemas.microsoft.com/office/mac/drawingml/2011/main" val="1"/>
             </a:ext>
           </a:extLst>
         </p:spPr>
@@ -40745,7 +40751,7 @@
           </a:ln>
           <a:extLst>
             <a:ext uri="{C572A759-6A51-4108-AA02-DFA0A04FC94B}">
-              <ma14:wrappingTextBoxFlag xmlns:ma14="http://schemas.microsoft.com/office/mac/drawingml/2011/main" xmlns:a14="http://schemas.microsoft.com/office/drawing/2010/main" xmlns:m="http://schemas.openxmlformats.org/officeDocument/2006/math" xmlns="" val="1"/>
+              <ma14:wrappingTextBoxFlag xmlns="" xmlns:m="http://schemas.openxmlformats.org/officeDocument/2006/math" xmlns:a14="http://schemas.microsoft.com/office/drawing/2010/main" xmlns:ma14="http://schemas.microsoft.com/office/mac/drawingml/2011/main" val="1"/>
             </a:ext>
           </a:extLst>
         </p:spPr>
@@ -40797,7 +40803,7 @@
           </a:ln>
           <a:extLst>
             <a:ext uri="{C572A759-6A51-4108-AA02-DFA0A04FC94B}">
-              <ma14:wrappingTextBoxFlag xmlns:ma14="http://schemas.microsoft.com/office/mac/drawingml/2011/main" xmlns:a14="http://schemas.microsoft.com/office/drawing/2010/main" xmlns:m="http://schemas.openxmlformats.org/officeDocument/2006/math" xmlns="" val="1"/>
+              <ma14:wrappingTextBoxFlag xmlns="" xmlns:m="http://schemas.openxmlformats.org/officeDocument/2006/math" xmlns:a14="http://schemas.microsoft.com/office/drawing/2010/main" xmlns:ma14="http://schemas.microsoft.com/office/mac/drawingml/2011/main" val="1"/>
             </a:ext>
           </a:extLst>
         </p:spPr>
@@ -40849,7 +40855,7 @@
           </a:ln>
           <a:extLst>
             <a:ext uri="{C572A759-6A51-4108-AA02-DFA0A04FC94B}">
-              <ma14:wrappingTextBoxFlag xmlns:ma14="http://schemas.microsoft.com/office/mac/drawingml/2011/main" xmlns:a14="http://schemas.microsoft.com/office/drawing/2010/main" xmlns:m="http://schemas.openxmlformats.org/officeDocument/2006/math" xmlns="" val="1"/>
+              <ma14:wrappingTextBoxFlag xmlns="" xmlns:m="http://schemas.openxmlformats.org/officeDocument/2006/math" xmlns:a14="http://schemas.microsoft.com/office/drawing/2010/main" xmlns:ma14="http://schemas.microsoft.com/office/mac/drawingml/2011/main" val="1"/>
             </a:ext>
           </a:extLst>
         </p:spPr>
@@ -40901,7 +40907,7 @@
           </a:ln>
           <a:extLst>
             <a:ext uri="{C572A759-6A51-4108-AA02-DFA0A04FC94B}">
-              <ma14:wrappingTextBoxFlag xmlns:ma14="http://schemas.microsoft.com/office/mac/drawingml/2011/main" xmlns:a14="http://schemas.microsoft.com/office/drawing/2010/main" xmlns:m="http://schemas.openxmlformats.org/officeDocument/2006/math" xmlns="" val="1"/>
+              <ma14:wrappingTextBoxFlag xmlns="" xmlns:m="http://schemas.openxmlformats.org/officeDocument/2006/math" xmlns:a14="http://schemas.microsoft.com/office/drawing/2010/main" xmlns:ma14="http://schemas.microsoft.com/office/mac/drawingml/2011/main" val="1"/>
             </a:ext>
           </a:extLst>
         </p:spPr>
@@ -40953,7 +40959,7 @@
           </a:ln>
           <a:extLst>
             <a:ext uri="{C572A759-6A51-4108-AA02-DFA0A04FC94B}">
-              <ma14:wrappingTextBoxFlag xmlns:ma14="http://schemas.microsoft.com/office/mac/drawingml/2011/main" xmlns:a14="http://schemas.microsoft.com/office/drawing/2010/main" xmlns:m="http://schemas.openxmlformats.org/officeDocument/2006/math" xmlns="" val="1"/>
+              <ma14:wrappingTextBoxFlag xmlns="" xmlns:m="http://schemas.openxmlformats.org/officeDocument/2006/math" xmlns:a14="http://schemas.microsoft.com/office/drawing/2010/main" xmlns:ma14="http://schemas.microsoft.com/office/mac/drawingml/2011/main" val="1"/>
             </a:ext>
           </a:extLst>
         </p:spPr>
@@ -41005,7 +41011,7 @@
           </a:ln>
           <a:extLst>
             <a:ext uri="{C572A759-6A51-4108-AA02-DFA0A04FC94B}">
-              <ma14:wrappingTextBoxFlag xmlns:ma14="http://schemas.microsoft.com/office/mac/drawingml/2011/main" xmlns:a14="http://schemas.microsoft.com/office/drawing/2010/main" xmlns:m="http://schemas.openxmlformats.org/officeDocument/2006/math" xmlns="" val="1"/>
+              <ma14:wrappingTextBoxFlag xmlns="" xmlns:m="http://schemas.openxmlformats.org/officeDocument/2006/math" xmlns:a14="http://schemas.microsoft.com/office/drawing/2010/main" xmlns:ma14="http://schemas.microsoft.com/office/mac/drawingml/2011/main" val="1"/>
             </a:ext>
           </a:extLst>
         </p:spPr>
@@ -41057,7 +41063,7 @@
           </a:ln>
           <a:extLst>
             <a:ext uri="{C572A759-6A51-4108-AA02-DFA0A04FC94B}">
-              <ma14:wrappingTextBoxFlag xmlns:ma14="http://schemas.microsoft.com/office/mac/drawingml/2011/main" xmlns:a14="http://schemas.microsoft.com/office/drawing/2010/main" xmlns:m="http://schemas.openxmlformats.org/officeDocument/2006/math" xmlns="" val="1"/>
+              <ma14:wrappingTextBoxFlag xmlns="" xmlns:m="http://schemas.openxmlformats.org/officeDocument/2006/math" xmlns:a14="http://schemas.microsoft.com/office/drawing/2010/main" xmlns:ma14="http://schemas.microsoft.com/office/mac/drawingml/2011/main" val="1"/>
             </a:ext>
           </a:extLst>
         </p:spPr>
@@ -41109,7 +41115,7 @@
           </a:ln>
           <a:extLst>
             <a:ext uri="{C572A759-6A51-4108-AA02-DFA0A04FC94B}">
-              <ma14:wrappingTextBoxFlag xmlns:ma14="http://schemas.microsoft.com/office/mac/drawingml/2011/main" xmlns:a14="http://schemas.microsoft.com/office/drawing/2010/main" xmlns:m="http://schemas.openxmlformats.org/officeDocument/2006/math" xmlns="" val="1"/>
+              <ma14:wrappingTextBoxFlag xmlns="" xmlns:m="http://schemas.openxmlformats.org/officeDocument/2006/math" xmlns:a14="http://schemas.microsoft.com/office/drawing/2010/main" xmlns:ma14="http://schemas.microsoft.com/office/mac/drawingml/2011/main" val="1"/>
             </a:ext>
           </a:extLst>
         </p:spPr>
@@ -42130,7 +42136,7 @@
               <a:effectLst/>
               <a:extLst>
                 <a:ext uri="{C572A759-6A51-4108-AA02-DFA0A04FC94B}">
-                  <ma14:wrappingTextBoxFlag xmlns:ma14="http://schemas.microsoft.com/office/mac/drawingml/2011/main" xmlns:a14="http://schemas.microsoft.com/office/drawing/2010/main" xmlns:m="http://schemas.openxmlformats.org/officeDocument/2006/math" xmlns="" val="1"/>
+                  <ma14:wrappingTextBoxFlag xmlns="" xmlns:m="http://schemas.openxmlformats.org/officeDocument/2006/math" xmlns:a14="http://schemas.microsoft.com/office/drawing/2010/main" xmlns:ma14="http://schemas.microsoft.com/office/mac/drawingml/2011/main" val="1"/>
                 </a:ext>
               </a:extLst>
             </p:spPr>
@@ -42176,7 +42182,7 @@
               <a:effectLst/>
               <a:extLst>
                 <a:ext uri="{C572A759-6A51-4108-AA02-DFA0A04FC94B}">
-                  <ma14:wrappingTextBoxFlag xmlns:ma14="http://schemas.microsoft.com/office/mac/drawingml/2011/main" xmlns:a14="http://schemas.microsoft.com/office/drawing/2010/main" xmlns:m="http://schemas.openxmlformats.org/officeDocument/2006/math" xmlns="" val="1"/>
+                  <ma14:wrappingTextBoxFlag xmlns="" xmlns:m="http://schemas.openxmlformats.org/officeDocument/2006/math" xmlns:a14="http://schemas.microsoft.com/office/drawing/2010/main" xmlns:ma14="http://schemas.microsoft.com/office/mac/drawingml/2011/main" val="1"/>
                 </a:ext>
               </a:extLst>
             </p:spPr>
@@ -42222,7 +42228,7 @@
               <a:effectLst/>
               <a:extLst>
                 <a:ext uri="{C572A759-6A51-4108-AA02-DFA0A04FC94B}">
-                  <ma14:wrappingTextBoxFlag xmlns:ma14="http://schemas.microsoft.com/office/mac/drawingml/2011/main" xmlns:a14="http://schemas.microsoft.com/office/drawing/2010/main" xmlns:m="http://schemas.openxmlformats.org/officeDocument/2006/math" xmlns="" val="1"/>
+                  <ma14:wrappingTextBoxFlag xmlns="" xmlns:m="http://schemas.openxmlformats.org/officeDocument/2006/math" xmlns:a14="http://schemas.microsoft.com/office/drawing/2010/main" xmlns:ma14="http://schemas.microsoft.com/office/mac/drawingml/2011/main" val="1"/>
                 </a:ext>
               </a:extLst>
             </p:spPr>
@@ -42268,7 +42274,7 @@
               <a:effectLst/>
               <a:extLst>
                 <a:ext uri="{C572A759-6A51-4108-AA02-DFA0A04FC94B}">
-                  <ma14:wrappingTextBoxFlag xmlns:ma14="http://schemas.microsoft.com/office/mac/drawingml/2011/main" xmlns:a14="http://schemas.microsoft.com/office/drawing/2010/main" xmlns:m="http://schemas.openxmlformats.org/officeDocument/2006/math" xmlns="" val="1"/>
+                  <ma14:wrappingTextBoxFlag xmlns="" xmlns:m="http://schemas.openxmlformats.org/officeDocument/2006/math" xmlns:a14="http://schemas.microsoft.com/office/drawing/2010/main" xmlns:ma14="http://schemas.microsoft.com/office/mac/drawingml/2011/main" val="1"/>
                 </a:ext>
               </a:extLst>
             </p:spPr>
@@ -42623,7 +42629,7 @@
               <a:effectLst/>
               <a:extLst>
                 <a:ext uri="{C572A759-6A51-4108-AA02-DFA0A04FC94B}">
-                  <ma14:wrappingTextBoxFlag xmlns:ma14="http://schemas.microsoft.com/office/mac/drawingml/2011/main" xmlns:a14="http://schemas.microsoft.com/office/drawing/2010/main" xmlns:m="http://schemas.openxmlformats.org/officeDocument/2006/math" xmlns="" val="1"/>
+                  <ma14:wrappingTextBoxFlag xmlns="" xmlns:m="http://schemas.openxmlformats.org/officeDocument/2006/math" xmlns:a14="http://schemas.microsoft.com/office/drawing/2010/main" xmlns:ma14="http://schemas.microsoft.com/office/mac/drawingml/2011/main" val="1"/>
                 </a:ext>
               </a:extLst>
             </p:spPr>
@@ -42669,7 +42675,7 @@
               <a:effectLst/>
               <a:extLst>
                 <a:ext uri="{C572A759-6A51-4108-AA02-DFA0A04FC94B}">
-                  <ma14:wrappingTextBoxFlag xmlns:ma14="http://schemas.microsoft.com/office/mac/drawingml/2011/main" xmlns:a14="http://schemas.microsoft.com/office/drawing/2010/main" xmlns:m="http://schemas.openxmlformats.org/officeDocument/2006/math" xmlns="" val="1"/>
+                  <ma14:wrappingTextBoxFlag xmlns="" xmlns:m="http://schemas.openxmlformats.org/officeDocument/2006/math" xmlns:a14="http://schemas.microsoft.com/office/drawing/2010/main" xmlns:ma14="http://schemas.microsoft.com/office/mac/drawingml/2011/main" val="1"/>
                 </a:ext>
               </a:extLst>
             </p:spPr>
@@ -42715,7 +42721,7 @@
               <a:effectLst/>
               <a:extLst>
                 <a:ext uri="{C572A759-6A51-4108-AA02-DFA0A04FC94B}">
-                  <ma14:wrappingTextBoxFlag xmlns:ma14="http://schemas.microsoft.com/office/mac/drawingml/2011/main" xmlns:a14="http://schemas.microsoft.com/office/drawing/2010/main" xmlns:m="http://schemas.openxmlformats.org/officeDocument/2006/math" xmlns="" val="1"/>
+                  <ma14:wrappingTextBoxFlag xmlns="" xmlns:m="http://schemas.openxmlformats.org/officeDocument/2006/math" xmlns:a14="http://schemas.microsoft.com/office/drawing/2010/main" xmlns:ma14="http://schemas.microsoft.com/office/mac/drawingml/2011/main" val="1"/>
                 </a:ext>
               </a:extLst>
             </p:spPr>
@@ -43175,7 +43181,7 @@
               <a:effectLst/>
               <a:extLst>
                 <a:ext uri="{C572A759-6A51-4108-AA02-DFA0A04FC94B}">
-                  <ma14:wrappingTextBoxFlag xmlns:ma14="http://schemas.microsoft.com/office/mac/drawingml/2011/main" xmlns:a14="http://schemas.microsoft.com/office/drawing/2010/main" xmlns:m="http://schemas.openxmlformats.org/officeDocument/2006/math" xmlns="" val="1"/>
+                  <ma14:wrappingTextBoxFlag xmlns="" xmlns:m="http://schemas.openxmlformats.org/officeDocument/2006/math" xmlns:a14="http://schemas.microsoft.com/office/drawing/2010/main" xmlns:ma14="http://schemas.microsoft.com/office/mac/drawingml/2011/main" val="1"/>
                 </a:ext>
               </a:extLst>
             </p:spPr>
@@ -43221,7 +43227,7 @@
               <a:effectLst/>
               <a:extLst>
                 <a:ext uri="{C572A759-6A51-4108-AA02-DFA0A04FC94B}">
-                  <ma14:wrappingTextBoxFlag xmlns:ma14="http://schemas.microsoft.com/office/mac/drawingml/2011/main" xmlns:a14="http://schemas.microsoft.com/office/drawing/2010/main" xmlns:m="http://schemas.openxmlformats.org/officeDocument/2006/math" xmlns="" val="1"/>
+                  <ma14:wrappingTextBoxFlag xmlns="" xmlns:m="http://schemas.openxmlformats.org/officeDocument/2006/math" xmlns:a14="http://schemas.microsoft.com/office/drawing/2010/main" xmlns:ma14="http://schemas.microsoft.com/office/mac/drawingml/2011/main" val="1"/>
                 </a:ext>
               </a:extLst>
             </p:spPr>
@@ -43267,7 +43273,7 @@
               <a:effectLst/>
               <a:extLst>
                 <a:ext uri="{C572A759-6A51-4108-AA02-DFA0A04FC94B}">
-                  <ma14:wrappingTextBoxFlag xmlns:ma14="http://schemas.microsoft.com/office/mac/drawingml/2011/main" xmlns:a14="http://schemas.microsoft.com/office/drawing/2010/main" xmlns:m="http://schemas.openxmlformats.org/officeDocument/2006/math" xmlns="" val="1"/>
+                  <ma14:wrappingTextBoxFlag xmlns="" xmlns:m="http://schemas.openxmlformats.org/officeDocument/2006/math" xmlns:a14="http://schemas.microsoft.com/office/drawing/2010/main" xmlns:ma14="http://schemas.microsoft.com/office/mac/drawingml/2011/main" val="1"/>
                 </a:ext>
               </a:extLst>
             </p:spPr>
@@ -43313,7 +43319,7 @@
               <a:effectLst/>
               <a:extLst>
                 <a:ext uri="{C572A759-6A51-4108-AA02-DFA0A04FC94B}">
-                  <ma14:wrappingTextBoxFlag xmlns:ma14="http://schemas.microsoft.com/office/mac/drawingml/2011/main" xmlns:a14="http://schemas.microsoft.com/office/drawing/2010/main" xmlns:m="http://schemas.openxmlformats.org/officeDocument/2006/math" xmlns="" val="1"/>
+                  <ma14:wrappingTextBoxFlag xmlns="" xmlns:m="http://schemas.openxmlformats.org/officeDocument/2006/math" xmlns:a14="http://schemas.microsoft.com/office/drawing/2010/main" xmlns:ma14="http://schemas.microsoft.com/office/mac/drawingml/2011/main" val="1"/>
                 </a:ext>
               </a:extLst>
             </p:spPr>
@@ -44652,7 +44658,7 @@
             <a:effectLst/>
             <a:extLst>
               <a:ext uri="{C572A759-6A51-4108-AA02-DFA0A04FC94B}">
-                <ma14:wrappingTextBoxFlag xmlns:ma14="http://schemas.microsoft.com/office/mac/drawingml/2011/main" xmlns:a14="http://schemas.microsoft.com/office/drawing/2010/main" xmlns:m="http://schemas.openxmlformats.org/officeDocument/2006/math" xmlns="" val="1"/>
+                <ma14:wrappingTextBoxFlag xmlns="" xmlns:m="http://schemas.openxmlformats.org/officeDocument/2006/math" xmlns:a14="http://schemas.microsoft.com/office/drawing/2010/main" xmlns:ma14="http://schemas.microsoft.com/office/mac/drawingml/2011/main" val="1"/>
               </a:ext>
             </a:extLst>
           </p:spPr>
@@ -44775,7 +44781,7 @@
           </a:ln>
           <a:extLst>
             <a:ext uri="{C572A759-6A51-4108-AA02-DFA0A04FC94B}">
-              <ma14:wrappingTextBoxFlag xmlns:ma14="http://schemas.microsoft.com/office/mac/drawingml/2011/main" xmlns:a14="http://schemas.microsoft.com/office/drawing/2010/main" xmlns:m="http://schemas.openxmlformats.org/officeDocument/2006/math" xmlns="" val="1"/>
+              <ma14:wrappingTextBoxFlag xmlns="" xmlns:m="http://schemas.openxmlformats.org/officeDocument/2006/math" xmlns:a14="http://schemas.microsoft.com/office/drawing/2010/main" xmlns:ma14="http://schemas.microsoft.com/office/mac/drawingml/2011/main" val="1"/>
             </a:ext>
           </a:extLst>
         </p:spPr>
@@ -54222,6 +54228,67 @@
           </a:graphic>
         </p:graphicFrame>
       </p:grpSp>
+      <p:sp>
+        <p:nvSpPr>
+          <p:cNvPr id="332" name="[:graph:]">
+            <a:extLst>
+              <a:ext uri="{FF2B5EF4-FFF2-40B4-BE49-F238E27FC236}">
+                <a16:creationId xmlns:a16="http://schemas.microsoft.com/office/drawing/2014/main" id="{BD24B82A-A733-914D-8B1F-674BA9BF5725}"/>
+              </a:ext>
+            </a:extLst>
+          </p:cNvPr>
+          <p:cNvSpPr txBox="1"/>
+          <p:nvPr/>
+        </p:nvSpPr>
+        <p:spPr>
+          <a:xfrm>
+            <a:off x="11904528" y="1275377"/>
+            <a:ext cx="298426" cy="215902"/>
+          </a:xfrm>
+          <a:prstGeom prst="rect">
+            <a:avLst/>
+          </a:prstGeom>
+          <a:ln w="12700">
+            <a:miter lim="400000"/>
+          </a:ln>
+          <a:extLst>
+            <a:ext uri="{C572A759-6A51-4108-AA02-DFA0A04FC94B}">
+              <ma14:wrappingTextBoxFlag xmlns="" xmlns:m="http://schemas.openxmlformats.org/officeDocument/2006/math" xmlns:a14="http://schemas.microsoft.com/office/drawing/2010/main" xmlns:ma14="http://schemas.microsoft.com/office/mac/drawingml/2011/main" val="1"/>
+            </a:ext>
+          </a:extLst>
+        </p:spPr>
+        <p:txBody>
+          <a:bodyPr lIns="0" tIns="0" rIns="0" bIns="0" anchor="ctr">
+            <a:normAutofit/>
+          </a:bodyPr>
+          <a:lstStyle>
+            <a:lvl1pPr algn="ctr">
+              <a:lnSpc>
+                <a:spcPct val="80000"/>
+              </a:lnSpc>
+              <a:spcBef>
+                <a:spcPts val="0"/>
+              </a:spcBef>
+              <a:defRPr>
+                <a:solidFill>
+                  <a:srgbClr val="000000"/>
+                </a:solidFill>
+                <a:latin typeface="Source Sans Pro Bold"/>
+                <a:ea typeface="Source Sans Pro Bold"/>
+                <a:cs typeface="Source Sans Pro Bold"/>
+                <a:sym typeface="Source Sans Pro Bold"/>
+              </a:defRPr>
+            </a:lvl1pPr>
+          </a:lstStyle>
+          <a:p>
+            <a:r>
+              <a:rPr lang="en-US" dirty="0"/>
+              <a:t>.</a:t>
+            </a:r>
+            <a:endParaRPr dirty="0"/>
+          </a:p>
+        </p:txBody>
+      </p:sp>
     </p:spTree>
   </p:cSld>
   <p:clrMapOvr>

--- a/powerpoints/strings.pptx
+++ b/powerpoints/strings.pptx
@@ -2333,7 +2333,7 @@
           </a:ln>
           <a:extLst>
             <a:ext uri="{C572A759-6A51-4108-AA02-DFA0A04FC94B}">
-              <ma14:wrappingTextBoxFlag xmlns="" xmlns:m="http://schemas.openxmlformats.org/officeDocument/2006/math" xmlns:a14="http://schemas.microsoft.com/office/drawing/2010/main" xmlns:ma14="http://schemas.microsoft.com/office/mac/drawingml/2011/main" val="1"/>
+              <ma14:wrappingTextBoxFlag xmlns:ma14="http://schemas.microsoft.com/office/mac/drawingml/2011/main" xmlns:a14="http://schemas.microsoft.com/office/drawing/2010/main" xmlns:m="http://schemas.openxmlformats.org/officeDocument/2006/math" xmlns="" val="1"/>
             </a:ext>
           </a:extLst>
         </p:spPr>
@@ -2372,7 +2372,7 @@
           </a:ln>
           <a:extLst>
             <a:ext uri="{C572A759-6A51-4108-AA02-DFA0A04FC94B}">
-              <ma14:wrappingTextBoxFlag xmlns="" xmlns:m="http://schemas.openxmlformats.org/officeDocument/2006/math" xmlns:a14="http://schemas.microsoft.com/office/drawing/2010/main" xmlns:ma14="http://schemas.microsoft.com/office/mac/drawingml/2011/main" val="1"/>
+              <ma14:wrappingTextBoxFlag xmlns:ma14="http://schemas.microsoft.com/office/mac/drawingml/2011/main" xmlns:a14="http://schemas.microsoft.com/office/drawing/2010/main" xmlns:m="http://schemas.openxmlformats.org/officeDocument/2006/math" xmlns="" val="1"/>
             </a:ext>
           </a:extLst>
         </p:spPr>
@@ -4377,7 +4377,7 @@
           </a:ln>
           <a:extLst>
             <a:ext uri="{C572A759-6A51-4108-AA02-DFA0A04FC94B}">
-              <ma14:wrappingTextBoxFlag xmlns="" xmlns:m="http://schemas.openxmlformats.org/officeDocument/2006/math" xmlns:a14="http://schemas.microsoft.com/office/drawing/2010/main" xmlns:ma14="http://schemas.microsoft.com/office/mac/drawingml/2011/main" val="1"/>
+              <ma14:wrappingTextBoxFlag xmlns:ma14="http://schemas.microsoft.com/office/mac/drawingml/2011/main" xmlns:a14="http://schemas.microsoft.com/office/drawing/2010/main" xmlns:m="http://schemas.openxmlformats.org/officeDocument/2006/math" xmlns="" val="1"/>
             </a:ext>
           </a:extLst>
         </p:spPr>
@@ -4497,7 +4497,7 @@
           </a:ln>
           <a:extLst>
             <a:ext uri="{C572A759-6A51-4108-AA02-DFA0A04FC94B}">
-              <ma14:wrappingTextBoxFlag xmlns="" xmlns:m="http://schemas.openxmlformats.org/officeDocument/2006/math" xmlns:a14="http://schemas.microsoft.com/office/drawing/2010/main" xmlns:ma14="http://schemas.microsoft.com/office/mac/drawingml/2011/main" val="1"/>
+              <ma14:wrappingTextBoxFlag xmlns:ma14="http://schemas.microsoft.com/office/mac/drawingml/2011/main" xmlns:a14="http://schemas.microsoft.com/office/drawing/2010/main" xmlns:m="http://schemas.openxmlformats.org/officeDocument/2006/math" xmlns="" val="1"/>
             </a:ext>
           </a:extLst>
         </p:spPr>
@@ -4545,7 +4545,7 @@
           </a:ln>
           <a:extLst>
             <a:ext uri="{C572A759-6A51-4108-AA02-DFA0A04FC94B}">
-              <ma14:wrappingTextBoxFlag xmlns="" xmlns:m="http://schemas.openxmlformats.org/officeDocument/2006/math" xmlns:a14="http://schemas.microsoft.com/office/drawing/2010/main" xmlns:ma14="http://schemas.microsoft.com/office/mac/drawingml/2011/main" val="1"/>
+              <ma14:wrappingTextBoxFlag xmlns:ma14="http://schemas.microsoft.com/office/mac/drawingml/2011/main" xmlns:a14="http://schemas.microsoft.com/office/drawing/2010/main" xmlns:m="http://schemas.openxmlformats.org/officeDocument/2006/math" xmlns="" val="1"/>
             </a:ext>
           </a:extLst>
         </p:spPr>
@@ -4573,22 +4573,46 @@
               </a:defRPr>
             </a:pPr>
             <a:r>
-              <a:t>str_c(</a:t>
+              <a:rPr dirty="0" err="1"/>
+              <a:t>str_c</a:t>
             </a:r>
             <a:r>
-              <a:rPr>
+              <a:rPr dirty="0"/>
+              <a:t>(</a:t>
+            </a:r>
+            <a:r>
+              <a:rPr dirty="0">
                 <a:latin typeface="+mn-lt"/>
                 <a:ea typeface="+mn-ea"/>
                 <a:cs typeface="+mn-cs"/>
                 <a:sym typeface="Source Sans Pro Regular"/>
               </a:rPr>
-              <a:t>..., sep = "", collapse = NULL</a:t>
+              <a:t>..., </a:t>
             </a:r>
             <a:r>
+              <a:rPr dirty="0" err="1">
+                <a:latin typeface="+mn-lt"/>
+                <a:ea typeface="+mn-ea"/>
+                <a:cs typeface="+mn-cs"/>
+                <a:sym typeface="Source Sans Pro Regular"/>
+              </a:rPr>
+              <a:t>sep</a:t>
+            </a:r>
+            <a:r>
+              <a:rPr dirty="0">
+                <a:latin typeface="+mn-lt"/>
+                <a:ea typeface="+mn-ea"/>
+                <a:cs typeface="+mn-cs"/>
+                <a:sym typeface="Source Sans Pro Regular"/>
+              </a:rPr>
+              <a:t> = "", collapse = NULL</a:t>
+            </a:r>
+            <a:r>
+              <a:rPr dirty="0"/>
               <a:t>) </a:t>
             </a:r>
             <a:r>
-              <a:rPr>
+              <a:rPr dirty="0">
                 <a:latin typeface="+mn-lt"/>
                 <a:ea typeface="+mn-ea"/>
                 <a:cs typeface="+mn-cs"/>
@@ -4597,15 +4621,24 @@
               <a:t>Join multiple strings into a single string. </a:t>
             </a:r>
             <a:r>
-              <a:rPr>
+              <a:rPr dirty="0" err="1">
                 <a:latin typeface="Source Sans Pro ExtraLight"/>
                 <a:ea typeface="Source Sans Pro ExtraLight"/>
                 <a:cs typeface="Source Sans Pro ExtraLight"/>
                 <a:sym typeface="Source Sans Pro ExtraLight"/>
               </a:rPr>
-              <a:t>str_c(letters, LETTERS)</a:t>
+              <a:t>str_c</a:t>
             </a:r>
-            <a:endParaRPr i="1"/>
+            <a:r>
+              <a:rPr dirty="0">
+                <a:latin typeface="Source Sans Pro ExtraLight"/>
+                <a:ea typeface="Source Sans Pro ExtraLight"/>
+                <a:cs typeface="Source Sans Pro ExtraLight"/>
+                <a:sym typeface="Source Sans Pro ExtraLight"/>
+              </a:rPr>
+              <a:t>(letters, LETTERS)</a:t>
+            </a:r>
+            <a:endParaRPr i="1" dirty="0"/>
           </a:p>
           <a:p>
             <a:pPr>
@@ -4626,10 +4659,15 @@
               </a:defRPr>
             </a:pPr>
             <a:r>
-              <a:t>str_flatten(</a:t>
+              <a:rPr dirty="0" err="1"/>
+              <a:t>str_flatten</a:t>
             </a:r>
             <a:r>
-              <a:rPr>
+              <a:rPr dirty="0"/>
+              <a:t>(</a:t>
+            </a:r>
+            <a:r>
+              <a:rPr dirty="0">
                 <a:latin typeface="+mn-lt"/>
                 <a:ea typeface="+mn-ea"/>
                 <a:cs typeface="+mn-cs"/>
@@ -4638,10 +4676,11 @@
               <a:t>string, collapse = ""</a:t>
             </a:r>
             <a:r>
+              <a:rPr dirty="0"/>
               <a:t>) </a:t>
             </a:r>
             <a:r>
-              <a:rPr>
+              <a:rPr dirty="0">
                 <a:latin typeface="+mn-lt"/>
                 <a:ea typeface="+mn-ea"/>
                 <a:cs typeface="+mn-cs"/>
@@ -4650,15 +4689,24 @@
               <a:t>Combines into a single string, separated by collapse. </a:t>
             </a:r>
             <a:r>
-              <a:rPr>
+              <a:rPr dirty="0" err="1">
                 <a:latin typeface="Source Sans Pro ExtraLight"/>
                 <a:ea typeface="Source Sans Pro ExtraLight"/>
                 <a:cs typeface="Source Sans Pro ExtraLight"/>
                 <a:sym typeface="Source Sans Pro ExtraLight"/>
               </a:rPr>
-              <a:t>str_flatten(fruit, ", ")</a:t>
+              <a:t>str_flatten</a:t>
             </a:r>
-            <a:endParaRPr i="1"/>
+            <a:r>
+              <a:rPr dirty="0">
+                <a:latin typeface="Source Sans Pro ExtraLight"/>
+                <a:ea typeface="Source Sans Pro ExtraLight"/>
+                <a:cs typeface="Source Sans Pro ExtraLight"/>
+                <a:sym typeface="Source Sans Pro ExtraLight"/>
+              </a:rPr>
+              <a:t>(fruit, ", ")</a:t>
+            </a:r>
+            <a:endParaRPr i="1" dirty="0"/>
           </a:p>
           <a:p>
             <a:pPr>
@@ -4679,10 +4727,15 @@
               </a:defRPr>
             </a:pPr>
             <a:r>
-              <a:t>str_dup(</a:t>
+              <a:rPr dirty="0" err="1"/>
+              <a:t>str_dup</a:t>
             </a:r>
             <a:r>
-              <a:rPr>
+              <a:rPr dirty="0"/>
+              <a:t>(</a:t>
+            </a:r>
+            <a:r>
+              <a:rPr dirty="0">
                 <a:latin typeface="+mn-lt"/>
                 <a:ea typeface="+mn-ea"/>
                 <a:cs typeface="+mn-cs"/>
@@ -4691,22 +4744,46 @@
               <a:t>string, times</a:t>
             </a:r>
             <a:r>
+              <a:rPr dirty="0"/>
               <a:t>)</a:t>
             </a:r>
             <a:r>
-              <a:rPr>
+              <a:rPr dirty="0">
                 <a:latin typeface="+mn-lt"/>
                 <a:ea typeface="+mn-ea"/>
                 <a:cs typeface="+mn-cs"/>
                 <a:sym typeface="Source Sans Pro Regular"/>
               </a:rPr>
-              <a:t> Repeat strings times times. Also </a:t>
+              <a:t> Repeat strings times </a:t>
             </a:r>
             <a:r>
-              <a:t>str_unique()</a:t>
+              <a:rPr dirty="0" err="1">
+                <a:latin typeface="+mn-lt"/>
+                <a:ea typeface="+mn-ea"/>
+                <a:cs typeface="+mn-cs"/>
+                <a:sym typeface="Source Sans Pro Regular"/>
+              </a:rPr>
+              <a:t>times</a:t>
             </a:r>
             <a:r>
-              <a:rPr>
+              <a:rPr dirty="0">
+                <a:latin typeface="+mn-lt"/>
+                <a:ea typeface="+mn-ea"/>
+                <a:cs typeface="+mn-cs"/>
+                <a:sym typeface="Source Sans Pro Regular"/>
+              </a:rPr>
+              <a:t>. Also </a:t>
+            </a:r>
+            <a:r>
+              <a:rPr dirty="0" err="1"/>
+              <a:t>str_unique</a:t>
+            </a:r>
+            <a:r>
+              <a:rPr dirty="0"/>
+              <a:t>()</a:t>
+            </a:r>
+            <a:r>
+              <a:rPr dirty="0">
                 <a:latin typeface="+mn-lt"/>
                 <a:ea typeface="+mn-ea"/>
                 <a:cs typeface="+mn-cs"/>
@@ -4715,15 +4792,33 @@
               <a:t> to remove duplicates.</a:t>
             </a:r>
             <a:r>
-              <a:rPr>
+              <a:rPr dirty="0">
                 <a:latin typeface="Source Sans Pro ExtraLight"/>
                 <a:ea typeface="Source Sans Pro ExtraLight"/>
                 <a:cs typeface="Source Sans Pro ExtraLight"/>
                 <a:sym typeface="Source Sans Pro ExtraLight"/>
               </a:rPr>
-              <a:t> str_dup(fruit, times = 2)</a:t>
+              <a:t> </a:t>
             </a:r>
-            <a:endParaRPr i="1"/>
+            <a:r>
+              <a:rPr dirty="0" err="1">
+                <a:latin typeface="Source Sans Pro ExtraLight"/>
+                <a:ea typeface="Source Sans Pro ExtraLight"/>
+                <a:cs typeface="Source Sans Pro ExtraLight"/>
+                <a:sym typeface="Source Sans Pro ExtraLight"/>
+              </a:rPr>
+              <a:t>str_dup</a:t>
+            </a:r>
+            <a:r>
+              <a:rPr dirty="0">
+                <a:latin typeface="Source Sans Pro ExtraLight"/>
+                <a:ea typeface="Source Sans Pro ExtraLight"/>
+                <a:cs typeface="Source Sans Pro ExtraLight"/>
+                <a:sym typeface="Source Sans Pro ExtraLight"/>
+              </a:rPr>
+              <a:t>(fruit, times = 2)</a:t>
+            </a:r>
+            <a:endParaRPr i="1" dirty="0"/>
           </a:p>
           <a:p>
             <a:pPr>
@@ -4744,7 +4839,98 @@
               </a:defRPr>
             </a:pPr>
             <a:r>
-              <a:t>str_split_fixed(</a:t>
+              <a:rPr dirty="0" err="1"/>
+              <a:t>str_split_fixed</a:t>
+            </a:r>
+            <a:r>
+              <a:rPr dirty="0"/>
+              <a:t>(</a:t>
+            </a:r>
+            <a:r>
+              <a:rPr dirty="0">
+                <a:latin typeface="+mn-lt"/>
+                <a:ea typeface="+mn-ea"/>
+                <a:cs typeface="+mn-cs"/>
+                <a:sym typeface="Source Sans Pro Regular"/>
+              </a:rPr>
+              <a:t>string, </a:t>
+            </a:r>
+            <a:r>
+              <a:rPr dirty="0">
+                <a:solidFill>
+                  <a:srgbClr val="D84C79"/>
+                </a:solidFill>
+              </a:rPr>
+              <a:t>pattern</a:t>
+            </a:r>
+            <a:r>
+              <a:rPr dirty="0">
+                <a:latin typeface="+mn-lt"/>
+                <a:ea typeface="+mn-ea"/>
+                <a:cs typeface="+mn-cs"/>
+                <a:sym typeface="Source Sans Pro Regular"/>
+              </a:rPr>
+              <a:t>, n</a:t>
+            </a:r>
+            <a:r>
+              <a:rPr dirty="0"/>
+              <a:t>)</a:t>
+            </a:r>
+            <a:r>
+              <a:rPr dirty="0">
+                <a:latin typeface="+mn-lt"/>
+                <a:ea typeface="+mn-ea"/>
+                <a:cs typeface="+mn-cs"/>
+                <a:sym typeface="Source Sans Pro Regular"/>
+              </a:rPr>
+              <a:t> Split a vector of strings into a matrix of substrings (splitting at occurrences of a pattern match). Also </a:t>
+            </a:r>
+            <a:r>
+              <a:rPr dirty="0" err="1"/>
+              <a:t>str_split</a:t>
+            </a:r>
+            <a:r>
+              <a:rPr dirty="0"/>
+              <a:t>()</a:t>
+            </a:r>
+            <a:r>
+              <a:rPr dirty="0">
+                <a:latin typeface="+mn-lt"/>
+                <a:ea typeface="+mn-ea"/>
+                <a:cs typeface="+mn-cs"/>
+                <a:sym typeface="Source Sans Pro Regular"/>
+              </a:rPr>
+              <a:t> to return a list of substrings and </a:t>
+            </a:r>
+            <a:r>
+              <a:rPr dirty="0" err="1"/>
+              <a:t>str_split_</a:t>
+            </a:r>
+            <a:r>
+              <a:rPr lang="en-US" dirty="0" err="1"/>
+              <a:t>i</a:t>
+            </a:r>
+            <a:r>
+              <a:rPr dirty="0"/>
+              <a:t>()</a:t>
+            </a:r>
+            <a:r>
+              <a:rPr dirty="0">
+                <a:latin typeface="+mn-lt"/>
+                <a:ea typeface="+mn-ea"/>
+                <a:cs typeface="+mn-cs"/>
+                <a:sym typeface="Source Sans Pro Regular"/>
+              </a:rPr>
+              <a:t> to return the </a:t>
+            </a:r>
+            <a:r>
+              <a:rPr lang="en-US">
+                <a:latin typeface="+mn-lt"/>
+                <a:ea typeface="+mn-ea"/>
+                <a:cs typeface="+mn-cs"/>
+                <a:sym typeface="Source Sans Pro Regular"/>
+              </a:rPr>
+              <a:t>i</a:t>
             </a:r>
             <a:r>
               <a:rPr>
@@ -4753,71 +4939,36 @@
                 <a:cs typeface="+mn-cs"/>
                 <a:sym typeface="Source Sans Pro Regular"/>
               </a:rPr>
-              <a:t>string, </a:t>
+              <a:t>th</a:t>
             </a:r>
             <a:r>
-              <a:rPr>
-                <a:solidFill>
-                  <a:srgbClr val="D84C79"/>
-                </a:solidFill>
-              </a:rPr>
-              <a:t>pattern</a:t>
-            </a:r>
-            <a:r>
-              <a:rPr>
+              <a:rPr dirty="0">
                 <a:latin typeface="+mn-lt"/>
                 <a:ea typeface="+mn-ea"/>
                 <a:cs typeface="+mn-cs"/>
                 <a:sym typeface="Source Sans Pro Regular"/>
               </a:rPr>
-              <a:t>, n</a:t>
+              <a:t> substring. </a:t>
             </a:r>
             <a:r>
-              <a:t>)</a:t>
-            </a:r>
-            <a:r>
-              <a:rPr>
-                <a:latin typeface="+mn-lt"/>
-                <a:ea typeface="+mn-ea"/>
-                <a:cs typeface="+mn-cs"/>
-                <a:sym typeface="Source Sans Pro Regular"/>
-              </a:rPr>
-              <a:t> Split a vector of strings into a matrix of substrings (splitting at occurrences of a pattern match). Also </a:t>
-            </a:r>
-            <a:r>
-              <a:t>str_split()</a:t>
-            </a:r>
-            <a:r>
-              <a:rPr>
-                <a:latin typeface="+mn-lt"/>
-                <a:ea typeface="+mn-ea"/>
-                <a:cs typeface="+mn-cs"/>
-                <a:sym typeface="Source Sans Pro Regular"/>
-              </a:rPr>
-              <a:t> to return a list of substrings and </a:t>
-            </a:r>
-            <a:r>
-              <a:t>str_split_n()</a:t>
-            </a:r>
-            <a:r>
-              <a:rPr>
-                <a:latin typeface="+mn-lt"/>
-                <a:ea typeface="+mn-ea"/>
-                <a:cs typeface="+mn-cs"/>
-                <a:sym typeface="Source Sans Pro Regular"/>
-              </a:rPr>
-              <a:t> to return the nth substring. </a:t>
-            </a:r>
-            <a:r>
-              <a:rPr>
+              <a:rPr dirty="0" err="1">
                 <a:latin typeface="Source Sans Pro ExtraLight"/>
                 <a:ea typeface="Source Sans Pro ExtraLight"/>
                 <a:cs typeface="Source Sans Pro ExtraLight"/>
                 <a:sym typeface="Source Sans Pro ExtraLight"/>
               </a:rPr>
-              <a:t>str_split_fixed(sentences, " ", n=3)</a:t>
+              <a:t>str_split_fixed</a:t>
             </a:r>
-            <a:endParaRPr i="1"/>
+            <a:r>
+              <a:rPr dirty="0">
+                <a:latin typeface="Source Sans Pro ExtraLight"/>
+                <a:ea typeface="Source Sans Pro ExtraLight"/>
+                <a:cs typeface="Source Sans Pro ExtraLight"/>
+                <a:sym typeface="Source Sans Pro ExtraLight"/>
+              </a:rPr>
+              <a:t>(sentences, " ", n=3)</a:t>
+            </a:r>
+            <a:endParaRPr i="1" dirty="0"/>
           </a:p>
           <a:p>
             <a:pPr>
@@ -4838,22 +4989,82 @@
               </a:defRPr>
             </a:pPr>
             <a:r>
-              <a:t>str_glue(</a:t>
+              <a:rPr dirty="0" err="1"/>
+              <a:t>str_glue</a:t>
             </a:r>
             <a:r>
-              <a:rPr>
+              <a:rPr dirty="0"/>
+              <a:t>(</a:t>
+            </a:r>
+            <a:r>
+              <a:rPr dirty="0">
                 <a:latin typeface="+mn-lt"/>
                 <a:ea typeface="+mn-ea"/>
                 <a:cs typeface="+mn-cs"/>
                 <a:sym typeface="Source Sans Pro Regular"/>
               </a:rPr>
-              <a:t>…, .sep = "", .envir = parent.frame()</a:t>
+              <a:t>…, .</a:t>
             </a:r>
             <a:r>
+              <a:rPr dirty="0" err="1">
+                <a:latin typeface="+mn-lt"/>
+                <a:ea typeface="+mn-ea"/>
+                <a:cs typeface="+mn-cs"/>
+                <a:sym typeface="Source Sans Pro Regular"/>
+              </a:rPr>
+              <a:t>sep</a:t>
+            </a:r>
+            <a:r>
+              <a:rPr dirty="0">
+                <a:latin typeface="+mn-lt"/>
+                <a:ea typeface="+mn-ea"/>
+                <a:cs typeface="+mn-cs"/>
+                <a:sym typeface="Source Sans Pro Regular"/>
+              </a:rPr>
+              <a:t> = "", .</a:t>
+            </a:r>
+            <a:r>
+              <a:rPr dirty="0" err="1">
+                <a:latin typeface="+mn-lt"/>
+                <a:ea typeface="+mn-ea"/>
+                <a:cs typeface="+mn-cs"/>
+                <a:sym typeface="Source Sans Pro Regular"/>
+              </a:rPr>
+              <a:t>envir</a:t>
+            </a:r>
+            <a:r>
+              <a:rPr dirty="0">
+                <a:latin typeface="+mn-lt"/>
+                <a:ea typeface="+mn-ea"/>
+                <a:cs typeface="+mn-cs"/>
+                <a:sym typeface="Source Sans Pro Regular"/>
+              </a:rPr>
+              <a:t> = </a:t>
+            </a:r>
+            <a:r>
+              <a:rPr dirty="0" err="1">
+                <a:latin typeface="+mn-lt"/>
+                <a:ea typeface="+mn-ea"/>
+                <a:cs typeface="+mn-cs"/>
+                <a:sym typeface="Source Sans Pro Regular"/>
+              </a:rPr>
+              <a:t>parent.frame</a:t>
+            </a:r>
+            <a:r>
+              <a:rPr dirty="0">
+                <a:latin typeface="+mn-lt"/>
+                <a:ea typeface="+mn-ea"/>
+                <a:cs typeface="+mn-cs"/>
+                <a:sym typeface="Source Sans Pro Regular"/>
+              </a:rPr>
+              <a:t>()</a:t>
+            </a:r>
+            <a:r>
+              <a:rPr dirty="0"/>
               <a:t>)</a:t>
             </a:r>
             <a:r>
-              <a:rPr>
+              <a:rPr dirty="0">
                 <a:latin typeface="+mn-lt"/>
                 <a:ea typeface="+mn-ea"/>
                 <a:cs typeface="+mn-cs"/>
@@ -4862,15 +5073,24 @@
               <a:t> Create a string from strings and {expressions} to evaluate. </a:t>
             </a:r>
             <a:r>
-              <a:rPr>
+              <a:rPr dirty="0" err="1">
                 <a:latin typeface="Source Sans Pro ExtraLight"/>
                 <a:ea typeface="Source Sans Pro ExtraLight"/>
                 <a:cs typeface="Source Sans Pro ExtraLight"/>
                 <a:sym typeface="Source Sans Pro ExtraLight"/>
               </a:rPr>
-              <a:t>str_glue("Pi is {pi}")</a:t>
+              <a:t>str_glue</a:t>
             </a:r>
-            <a:endParaRPr i="1"/>
+            <a:r>
+              <a:rPr dirty="0">
+                <a:latin typeface="Source Sans Pro ExtraLight"/>
+                <a:ea typeface="Source Sans Pro ExtraLight"/>
+                <a:cs typeface="Source Sans Pro ExtraLight"/>
+                <a:sym typeface="Source Sans Pro ExtraLight"/>
+              </a:rPr>
+              <a:t>("Pi is {pi}")</a:t>
+            </a:r>
+            <a:endParaRPr i="1" dirty="0"/>
           </a:p>
           <a:p>
             <a:pPr>
@@ -4891,22 +5111,100 @@
               </a:defRPr>
             </a:pPr>
             <a:r>
-              <a:t>str_glue_data(</a:t>
+              <a:rPr dirty="0" err="1"/>
+              <a:t>str_glue_data</a:t>
             </a:r>
             <a:r>
-              <a:rPr>
+              <a:rPr dirty="0"/>
+              <a:t>(</a:t>
+            </a:r>
+            <a:r>
+              <a:rPr dirty="0">
                 <a:latin typeface="+mn-lt"/>
                 <a:ea typeface="+mn-ea"/>
                 <a:cs typeface="+mn-cs"/>
                 <a:sym typeface="Source Sans Pro Regular"/>
               </a:rPr>
-              <a:t>.x, ..., .sep = "", .envir = parent.frame(), .na = "NA"</a:t>
+              <a:t>.x, ..., .</a:t>
             </a:r>
             <a:r>
+              <a:rPr dirty="0" err="1">
+                <a:latin typeface="+mn-lt"/>
+                <a:ea typeface="+mn-ea"/>
+                <a:cs typeface="+mn-cs"/>
+                <a:sym typeface="Source Sans Pro Regular"/>
+              </a:rPr>
+              <a:t>sep</a:t>
+            </a:r>
+            <a:r>
+              <a:rPr dirty="0">
+                <a:latin typeface="+mn-lt"/>
+                <a:ea typeface="+mn-ea"/>
+                <a:cs typeface="+mn-cs"/>
+                <a:sym typeface="Source Sans Pro Regular"/>
+              </a:rPr>
+              <a:t> = "", .</a:t>
+            </a:r>
+            <a:r>
+              <a:rPr dirty="0" err="1">
+                <a:latin typeface="+mn-lt"/>
+                <a:ea typeface="+mn-ea"/>
+                <a:cs typeface="+mn-cs"/>
+                <a:sym typeface="Source Sans Pro Regular"/>
+              </a:rPr>
+              <a:t>envir</a:t>
+            </a:r>
+            <a:r>
+              <a:rPr dirty="0">
+                <a:latin typeface="+mn-lt"/>
+                <a:ea typeface="+mn-ea"/>
+                <a:cs typeface="+mn-cs"/>
+                <a:sym typeface="Source Sans Pro Regular"/>
+              </a:rPr>
+              <a:t> = </a:t>
+            </a:r>
+            <a:r>
+              <a:rPr dirty="0" err="1">
+                <a:latin typeface="+mn-lt"/>
+                <a:ea typeface="+mn-ea"/>
+                <a:cs typeface="+mn-cs"/>
+                <a:sym typeface="Source Sans Pro Regular"/>
+              </a:rPr>
+              <a:t>parent.frame</a:t>
+            </a:r>
+            <a:r>
+              <a:rPr dirty="0">
+                <a:latin typeface="+mn-lt"/>
+                <a:ea typeface="+mn-ea"/>
+                <a:cs typeface="+mn-cs"/>
+                <a:sym typeface="Source Sans Pro Regular"/>
+              </a:rPr>
+              <a:t>(), .</a:t>
+            </a:r>
+            <a:r>
+              <a:rPr dirty="0" err="1">
+                <a:latin typeface="+mn-lt"/>
+                <a:ea typeface="+mn-ea"/>
+                <a:cs typeface="+mn-cs"/>
+                <a:sym typeface="Source Sans Pro Regular"/>
+              </a:rPr>
+              <a:t>na</a:t>
+            </a:r>
+            <a:r>
+              <a:rPr dirty="0">
+                <a:latin typeface="+mn-lt"/>
+                <a:ea typeface="+mn-ea"/>
+                <a:cs typeface="+mn-cs"/>
+                <a:sym typeface="Source Sans Pro Regular"/>
+              </a:rPr>
+              <a:t> = "NA"</a:t>
+            </a:r>
+            <a:r>
+              <a:rPr dirty="0"/>
               <a:t>)</a:t>
             </a:r>
             <a:r>
-              <a:rPr>
+              <a:rPr dirty="0">
                 <a:latin typeface="+mn-lt"/>
                 <a:ea typeface="+mn-ea"/>
                 <a:cs typeface="+mn-cs"/>
@@ -4915,13 +5213,76 @@
               <a:t> Use a data frame, list, or environment to create a string from strings and {expressions} to evaluate. </a:t>
             </a:r>
             <a:r>
-              <a:rPr>
+              <a:rPr dirty="0" err="1">
                 <a:latin typeface="Source Sans Pro ExtraLight"/>
                 <a:ea typeface="Source Sans Pro ExtraLight"/>
                 <a:cs typeface="Source Sans Pro ExtraLight"/>
                 <a:sym typeface="Source Sans Pro ExtraLight"/>
               </a:rPr>
-              <a:t>str_glue_data(mtcars, "{rownames(mtcars)} has {hp} hp")</a:t>
+              <a:t>str_glue_data</a:t>
+            </a:r>
+            <a:r>
+              <a:rPr dirty="0">
+                <a:latin typeface="Source Sans Pro ExtraLight"/>
+                <a:ea typeface="Source Sans Pro ExtraLight"/>
+                <a:cs typeface="Source Sans Pro ExtraLight"/>
+                <a:sym typeface="Source Sans Pro ExtraLight"/>
+              </a:rPr>
+              <a:t>(</a:t>
+            </a:r>
+            <a:r>
+              <a:rPr dirty="0" err="1">
+                <a:latin typeface="Source Sans Pro ExtraLight"/>
+                <a:ea typeface="Source Sans Pro ExtraLight"/>
+                <a:cs typeface="Source Sans Pro ExtraLight"/>
+                <a:sym typeface="Source Sans Pro ExtraLight"/>
+              </a:rPr>
+              <a:t>mtcars</a:t>
+            </a:r>
+            <a:r>
+              <a:rPr dirty="0">
+                <a:latin typeface="Source Sans Pro ExtraLight"/>
+                <a:ea typeface="Source Sans Pro ExtraLight"/>
+                <a:cs typeface="Source Sans Pro ExtraLight"/>
+                <a:sym typeface="Source Sans Pro ExtraLight"/>
+              </a:rPr>
+              <a:t>, "{</a:t>
+            </a:r>
+            <a:r>
+              <a:rPr dirty="0" err="1">
+                <a:latin typeface="Source Sans Pro ExtraLight"/>
+                <a:ea typeface="Source Sans Pro ExtraLight"/>
+                <a:cs typeface="Source Sans Pro ExtraLight"/>
+                <a:sym typeface="Source Sans Pro ExtraLight"/>
+              </a:rPr>
+              <a:t>rownames</a:t>
+            </a:r>
+            <a:r>
+              <a:rPr dirty="0">
+                <a:latin typeface="Source Sans Pro ExtraLight"/>
+                <a:ea typeface="Source Sans Pro ExtraLight"/>
+                <a:cs typeface="Source Sans Pro ExtraLight"/>
+                <a:sym typeface="Source Sans Pro ExtraLight"/>
+              </a:rPr>
+              <a:t>(</a:t>
+            </a:r>
+            <a:r>
+              <a:rPr dirty="0" err="1">
+                <a:latin typeface="Source Sans Pro ExtraLight"/>
+                <a:ea typeface="Source Sans Pro ExtraLight"/>
+                <a:cs typeface="Source Sans Pro ExtraLight"/>
+                <a:sym typeface="Source Sans Pro ExtraLight"/>
+              </a:rPr>
+              <a:t>mtcars</a:t>
+            </a:r>
+            <a:r>
+              <a:rPr dirty="0">
+                <a:latin typeface="Source Sans Pro ExtraLight"/>
+                <a:ea typeface="Source Sans Pro ExtraLight"/>
+                <a:cs typeface="Source Sans Pro ExtraLight"/>
+                <a:sym typeface="Source Sans Pro ExtraLight"/>
+              </a:rPr>
+              <a:t>)} has {hp} hp")</a:t>
             </a:r>
           </a:p>
         </p:txBody>
@@ -5008,7 +5369,7 @@
             <a:effectLst/>
             <a:extLst>
               <a:ext uri="{C572A759-6A51-4108-AA02-DFA0A04FC94B}">
-                <ma14:wrappingTextBoxFlag xmlns="" xmlns:m="http://schemas.openxmlformats.org/officeDocument/2006/math" xmlns:a14="http://schemas.microsoft.com/office/drawing/2010/main" xmlns:ma14="http://schemas.microsoft.com/office/mac/drawingml/2011/main" val="1"/>
+                <ma14:wrappingTextBoxFlag xmlns:ma14="http://schemas.microsoft.com/office/mac/drawingml/2011/main" xmlns:a14="http://schemas.microsoft.com/office/drawing/2010/main" xmlns:m="http://schemas.openxmlformats.org/officeDocument/2006/math" xmlns="" val="1"/>
               </a:ext>
             </a:extLst>
           </p:spPr>
@@ -5238,7 +5599,7 @@
             <a:effectLst/>
             <a:extLst>
               <a:ext uri="{C572A759-6A51-4108-AA02-DFA0A04FC94B}">
-                <ma14:wrappingTextBoxFlag xmlns="" xmlns:m="http://schemas.openxmlformats.org/officeDocument/2006/math" xmlns:a14="http://schemas.microsoft.com/office/drawing/2010/main" xmlns:ma14="http://schemas.microsoft.com/office/mac/drawingml/2011/main" val="1"/>
+                <ma14:wrappingTextBoxFlag xmlns:ma14="http://schemas.microsoft.com/office/mac/drawingml/2011/main" xmlns:a14="http://schemas.microsoft.com/office/drawing/2010/main" xmlns:m="http://schemas.openxmlformats.org/officeDocument/2006/math" xmlns="" val="1"/>
               </a:ext>
             </a:extLst>
           </p:spPr>
@@ -7151,7 +7512,7 @@
             <a:effectLst/>
             <a:extLst>
               <a:ext uri="{C572A759-6A51-4108-AA02-DFA0A04FC94B}">
-                <ma14:wrappingTextBoxFlag xmlns="" xmlns:m="http://schemas.openxmlformats.org/officeDocument/2006/math" xmlns:a14="http://schemas.microsoft.com/office/drawing/2010/main" xmlns:ma14="http://schemas.microsoft.com/office/mac/drawingml/2011/main" val="1"/>
+                <ma14:wrappingTextBoxFlag xmlns:ma14="http://schemas.microsoft.com/office/mac/drawingml/2011/main" xmlns:a14="http://schemas.microsoft.com/office/drawing/2010/main" xmlns:m="http://schemas.openxmlformats.org/officeDocument/2006/math" xmlns="" val="1"/>
               </a:ext>
             </a:extLst>
           </p:spPr>
@@ -7197,7 +7558,7 @@
             <a:effectLst/>
             <a:extLst>
               <a:ext uri="{C572A759-6A51-4108-AA02-DFA0A04FC94B}">
-                <ma14:wrappingTextBoxFlag xmlns="" xmlns:m="http://schemas.openxmlformats.org/officeDocument/2006/math" xmlns:a14="http://schemas.microsoft.com/office/drawing/2010/main" xmlns:ma14="http://schemas.microsoft.com/office/mac/drawingml/2011/main" val="1"/>
+                <ma14:wrappingTextBoxFlag xmlns:ma14="http://schemas.microsoft.com/office/mac/drawingml/2011/main" xmlns:a14="http://schemas.microsoft.com/office/drawing/2010/main" xmlns:m="http://schemas.openxmlformats.org/officeDocument/2006/math" xmlns="" val="1"/>
               </a:ext>
             </a:extLst>
           </p:spPr>
@@ -7908,7 +8269,7 @@
           </a:ln>
           <a:extLst>
             <a:ext uri="{C572A759-6A51-4108-AA02-DFA0A04FC94B}">
-              <ma14:wrappingTextBoxFlag xmlns="" xmlns:m="http://schemas.openxmlformats.org/officeDocument/2006/math" xmlns:a14="http://schemas.microsoft.com/office/drawing/2010/main" xmlns:ma14="http://schemas.microsoft.com/office/mac/drawingml/2011/main" val="1"/>
+              <ma14:wrappingTextBoxFlag xmlns:ma14="http://schemas.microsoft.com/office/mac/drawingml/2011/main" xmlns:a14="http://schemas.microsoft.com/office/drawing/2010/main" xmlns:m="http://schemas.openxmlformats.org/officeDocument/2006/math" xmlns="" val="1"/>
             </a:ext>
           </a:extLst>
         </p:spPr>
@@ -7956,7 +8317,7 @@
           </a:ln>
           <a:extLst>
             <a:ext uri="{C572A759-6A51-4108-AA02-DFA0A04FC94B}">
-              <ma14:wrappingTextBoxFlag xmlns="" xmlns:m="http://schemas.openxmlformats.org/officeDocument/2006/math" xmlns:a14="http://schemas.microsoft.com/office/drawing/2010/main" xmlns:ma14="http://schemas.microsoft.com/office/mac/drawingml/2011/main" val="1"/>
+              <ma14:wrappingTextBoxFlag xmlns:ma14="http://schemas.microsoft.com/office/mac/drawingml/2011/main" xmlns:a14="http://schemas.microsoft.com/office/drawing/2010/main" xmlns:m="http://schemas.openxmlformats.org/officeDocument/2006/math" xmlns="" val="1"/>
             </a:ext>
           </a:extLst>
         </p:spPr>
@@ -9410,7 +9771,7 @@
             <a:effectLst/>
             <a:extLst>
               <a:ext uri="{C572A759-6A51-4108-AA02-DFA0A04FC94B}">
-                <ma14:wrappingTextBoxFlag xmlns="" xmlns:m="http://schemas.openxmlformats.org/officeDocument/2006/math" xmlns:a14="http://schemas.microsoft.com/office/drawing/2010/main" xmlns:ma14="http://schemas.microsoft.com/office/mac/drawingml/2011/main" val="1"/>
+                <ma14:wrappingTextBoxFlag xmlns:ma14="http://schemas.microsoft.com/office/mac/drawingml/2011/main" xmlns:a14="http://schemas.microsoft.com/office/drawing/2010/main" xmlns:m="http://schemas.openxmlformats.org/officeDocument/2006/math" xmlns="" val="1"/>
               </a:ext>
             </a:extLst>
           </p:spPr>
@@ -9490,7 +9851,7 @@
             <a:effectLst/>
             <a:extLst>
               <a:ext uri="{C572A759-6A51-4108-AA02-DFA0A04FC94B}">
-                <ma14:wrappingTextBoxFlag xmlns="" xmlns:m="http://schemas.openxmlformats.org/officeDocument/2006/math" xmlns:a14="http://schemas.microsoft.com/office/drawing/2010/main" xmlns:ma14="http://schemas.microsoft.com/office/mac/drawingml/2011/main" val="1"/>
+                <ma14:wrappingTextBoxFlag xmlns:ma14="http://schemas.microsoft.com/office/mac/drawingml/2011/main" xmlns:a14="http://schemas.microsoft.com/office/drawing/2010/main" xmlns:m="http://schemas.openxmlformats.org/officeDocument/2006/math" xmlns="" val="1"/>
               </a:ext>
             </a:extLst>
           </p:spPr>
@@ -9569,7 +9930,7 @@
           </a:ln>
           <a:extLst>
             <a:ext uri="{C572A759-6A51-4108-AA02-DFA0A04FC94B}">
-              <ma14:wrappingTextBoxFlag xmlns="" xmlns:m="http://schemas.openxmlformats.org/officeDocument/2006/math" xmlns:a14="http://schemas.microsoft.com/office/drawing/2010/main" xmlns:ma14="http://schemas.microsoft.com/office/mac/drawingml/2011/main" val="1"/>
+              <ma14:wrappingTextBoxFlag xmlns:ma14="http://schemas.microsoft.com/office/mac/drawingml/2011/main" xmlns:a14="http://schemas.microsoft.com/office/drawing/2010/main" xmlns:m="http://schemas.openxmlformats.org/officeDocument/2006/math" xmlns="" val="1"/>
             </a:ext>
           </a:extLst>
         </p:spPr>
@@ -9900,7 +10261,7 @@
           </a:ln>
           <a:extLst>
             <a:ext uri="{C572A759-6A51-4108-AA02-DFA0A04FC94B}">
-              <ma14:wrappingTextBoxFlag xmlns="" xmlns:m="http://schemas.openxmlformats.org/officeDocument/2006/math" xmlns:a14="http://schemas.microsoft.com/office/drawing/2010/main" xmlns:ma14="http://schemas.microsoft.com/office/mac/drawingml/2011/main" val="1"/>
+              <ma14:wrappingTextBoxFlag xmlns:ma14="http://schemas.microsoft.com/office/mac/drawingml/2011/main" xmlns:a14="http://schemas.microsoft.com/office/drawing/2010/main" xmlns:m="http://schemas.openxmlformats.org/officeDocument/2006/math" xmlns="" val="1"/>
             </a:ext>
           </a:extLst>
         </p:spPr>
@@ -10157,7 +10518,7 @@
           </a:ln>
           <a:extLst>
             <a:ext uri="{C572A759-6A51-4108-AA02-DFA0A04FC94B}">
-              <ma14:wrappingTextBoxFlag xmlns="" xmlns:m="http://schemas.openxmlformats.org/officeDocument/2006/math" xmlns:a14="http://schemas.microsoft.com/office/drawing/2010/main" xmlns:ma14="http://schemas.microsoft.com/office/mac/drawingml/2011/main" val="1"/>
+              <ma14:wrappingTextBoxFlag xmlns:ma14="http://schemas.microsoft.com/office/mac/drawingml/2011/main" xmlns:a14="http://schemas.microsoft.com/office/drawing/2010/main" xmlns:m="http://schemas.openxmlformats.org/officeDocument/2006/math" xmlns="" val="1"/>
             </a:ext>
           </a:extLst>
         </p:spPr>
@@ -10234,7 +10595,7 @@
           </a:ln>
           <a:extLst>
             <a:ext uri="{C572A759-6A51-4108-AA02-DFA0A04FC94B}">
-              <ma14:wrappingTextBoxFlag xmlns="" xmlns:m="http://schemas.openxmlformats.org/officeDocument/2006/math" xmlns:a14="http://schemas.microsoft.com/office/drawing/2010/main" xmlns:ma14="http://schemas.microsoft.com/office/mac/drawingml/2011/main" val="1"/>
+              <ma14:wrappingTextBoxFlag xmlns:ma14="http://schemas.microsoft.com/office/mac/drawingml/2011/main" xmlns:a14="http://schemas.microsoft.com/office/drawing/2010/main" xmlns:m="http://schemas.openxmlformats.org/officeDocument/2006/math" xmlns="" val="1"/>
             </a:ext>
           </a:extLst>
         </p:spPr>
@@ -10680,7 +11041,7 @@
           </a:ln>
           <a:extLst>
             <a:ext uri="{C572A759-6A51-4108-AA02-DFA0A04FC94B}">
-              <ma14:wrappingTextBoxFlag xmlns="" xmlns:m="http://schemas.openxmlformats.org/officeDocument/2006/math" xmlns:a14="http://schemas.microsoft.com/office/drawing/2010/main" xmlns:ma14="http://schemas.microsoft.com/office/mac/drawingml/2011/main" val="1"/>
+              <ma14:wrappingTextBoxFlag xmlns:ma14="http://schemas.microsoft.com/office/mac/drawingml/2011/main" xmlns:a14="http://schemas.microsoft.com/office/drawing/2010/main" xmlns:m="http://schemas.openxmlformats.org/officeDocument/2006/math" xmlns="" val="1"/>
             </a:ext>
           </a:extLst>
         </p:spPr>
@@ -12537,7 +12898,7 @@
           </a:ln>
           <a:extLst>
             <a:ext uri="{C572A759-6A51-4108-AA02-DFA0A04FC94B}">
-              <ma14:wrappingTextBoxFlag xmlns="" xmlns:m="http://schemas.openxmlformats.org/officeDocument/2006/math" xmlns:a14="http://schemas.microsoft.com/office/drawing/2010/main" xmlns:ma14="http://schemas.microsoft.com/office/mac/drawingml/2011/main" val="1"/>
+              <ma14:wrappingTextBoxFlag xmlns:ma14="http://schemas.microsoft.com/office/mac/drawingml/2011/main" xmlns:a14="http://schemas.microsoft.com/office/drawing/2010/main" xmlns:m="http://schemas.openxmlformats.org/officeDocument/2006/math" xmlns="" val="1"/>
             </a:ext>
           </a:extLst>
         </p:spPr>
@@ -13986,7 +14347,7 @@
           </a:ln>
           <a:extLst>
             <a:ext uri="{C572A759-6A51-4108-AA02-DFA0A04FC94B}">
-              <ma14:wrappingTextBoxFlag xmlns="" xmlns:m="http://schemas.openxmlformats.org/officeDocument/2006/math" xmlns:a14="http://schemas.microsoft.com/office/drawing/2010/main" xmlns:ma14="http://schemas.microsoft.com/office/mac/drawingml/2011/main" val="1"/>
+              <ma14:wrappingTextBoxFlag xmlns:ma14="http://schemas.microsoft.com/office/mac/drawingml/2011/main" xmlns:a14="http://schemas.microsoft.com/office/drawing/2010/main" xmlns:m="http://schemas.openxmlformats.org/officeDocument/2006/math" xmlns="" val="1"/>
             </a:ext>
           </a:extLst>
         </p:spPr>
@@ -14063,7 +14424,7 @@
           </a:ln>
           <a:extLst>
             <a:ext uri="{C572A759-6A51-4108-AA02-DFA0A04FC94B}">
-              <ma14:wrappingTextBoxFlag xmlns="" xmlns:m="http://schemas.openxmlformats.org/officeDocument/2006/math" xmlns:a14="http://schemas.microsoft.com/office/drawing/2010/main" xmlns:ma14="http://schemas.microsoft.com/office/mac/drawingml/2011/main" val="1"/>
+              <ma14:wrappingTextBoxFlag xmlns:ma14="http://schemas.microsoft.com/office/mac/drawingml/2011/main" xmlns:a14="http://schemas.microsoft.com/office/drawing/2010/main" xmlns:m="http://schemas.openxmlformats.org/officeDocument/2006/math" xmlns="" val="1"/>
             </a:ext>
           </a:extLst>
         </p:spPr>
@@ -14520,7 +14881,7 @@
           </a:ln>
           <a:extLst>
             <a:ext uri="{C572A759-6A51-4108-AA02-DFA0A04FC94B}">
-              <ma14:wrappingTextBoxFlag xmlns="" xmlns:m="http://schemas.openxmlformats.org/officeDocument/2006/math" xmlns:a14="http://schemas.microsoft.com/office/drawing/2010/main" xmlns:ma14="http://schemas.microsoft.com/office/mac/drawingml/2011/main" val="1"/>
+              <ma14:wrappingTextBoxFlag xmlns:ma14="http://schemas.microsoft.com/office/mac/drawingml/2011/main" xmlns:a14="http://schemas.microsoft.com/office/drawing/2010/main" xmlns:m="http://schemas.openxmlformats.org/officeDocument/2006/math" xmlns="" val="1"/>
             </a:ext>
           </a:extLst>
         </p:spPr>
@@ -14568,7 +14929,7 @@
           </a:ln>
           <a:extLst>
             <a:ext uri="{C572A759-6A51-4108-AA02-DFA0A04FC94B}">
-              <ma14:wrappingTextBoxFlag xmlns="" xmlns:m="http://schemas.openxmlformats.org/officeDocument/2006/math" xmlns:a14="http://schemas.microsoft.com/office/drawing/2010/main" xmlns:ma14="http://schemas.microsoft.com/office/mac/drawingml/2011/main" val="1"/>
+              <ma14:wrappingTextBoxFlag xmlns:ma14="http://schemas.microsoft.com/office/mac/drawingml/2011/main" xmlns:a14="http://schemas.microsoft.com/office/drawing/2010/main" xmlns:m="http://schemas.openxmlformats.org/officeDocument/2006/math" xmlns="" val="1"/>
             </a:ext>
           </a:extLst>
         </p:spPr>
@@ -14628,7 +14989,7 @@
           </a:ln>
           <a:extLst>
             <a:ext uri="{C572A759-6A51-4108-AA02-DFA0A04FC94B}">
-              <ma14:wrappingTextBoxFlag xmlns="" xmlns:m="http://schemas.openxmlformats.org/officeDocument/2006/math" xmlns:a14="http://schemas.microsoft.com/office/drawing/2010/main" xmlns:ma14="http://schemas.microsoft.com/office/mac/drawingml/2011/main" val="1"/>
+              <ma14:wrappingTextBoxFlag xmlns:ma14="http://schemas.microsoft.com/office/mac/drawingml/2011/main" xmlns:a14="http://schemas.microsoft.com/office/drawing/2010/main" xmlns:m="http://schemas.openxmlformats.org/officeDocument/2006/math" xmlns="" val="1"/>
             </a:ext>
           </a:extLst>
         </p:spPr>
@@ -14676,7 +15037,7 @@
           </a:ln>
           <a:extLst>
             <a:ext uri="{C572A759-6A51-4108-AA02-DFA0A04FC94B}">
-              <ma14:wrappingTextBoxFlag xmlns="" xmlns:m="http://schemas.openxmlformats.org/officeDocument/2006/math" xmlns:a14="http://schemas.microsoft.com/office/drawing/2010/main" xmlns:ma14="http://schemas.microsoft.com/office/mac/drawingml/2011/main" val="1"/>
+              <ma14:wrappingTextBoxFlag xmlns:ma14="http://schemas.microsoft.com/office/mac/drawingml/2011/main" xmlns:a14="http://schemas.microsoft.com/office/drawing/2010/main" xmlns:m="http://schemas.openxmlformats.org/officeDocument/2006/math" xmlns="" val="1"/>
             </a:ext>
           </a:extLst>
         </p:spPr>
@@ -14704,10 +15065,15 @@
               </a:defRPr>
             </a:pPr>
             <a:r>
-              <a:t>str_sub(</a:t>
+              <a:rPr dirty="0" err="1"/>
+              <a:t>str_sub</a:t>
             </a:r>
             <a:r>
-              <a:rPr>
+              <a:rPr dirty="0"/>
+              <a:t>(</a:t>
+            </a:r>
+            <a:r>
+              <a:rPr dirty="0">
                 <a:latin typeface="+mn-lt"/>
                 <a:ea typeface="+mn-ea"/>
                 <a:cs typeface="+mn-cs"/>
@@ -14716,10 +15082,11 @@
               <a:t>string, start = 1L, end = -1L</a:t>
             </a:r>
             <a:r>
+              <a:rPr dirty="0"/>
               <a:t>)</a:t>
             </a:r>
             <a:r>
-              <a:rPr>
+              <a:rPr dirty="0">
                 <a:latin typeface="+mn-lt"/>
                 <a:ea typeface="+mn-ea"/>
                 <a:cs typeface="+mn-cs"/>
@@ -14728,7 +15095,7 @@
               <a:t> Extract substrings from a character vector.</a:t>
             </a:r>
             <a:r>
-              <a:rPr i="1">
+              <a:rPr i="1" dirty="0">
                 <a:latin typeface="+mn-lt"/>
                 <a:ea typeface="+mn-ea"/>
                 <a:cs typeface="+mn-cs"/>
@@ -14737,15 +15104,42 @@
               <a:t> </a:t>
             </a:r>
             <a:r>
-              <a:rPr>
+              <a:rPr dirty="0" err="1">
                 <a:latin typeface="Source Sans Pro ExtraLight"/>
                 <a:ea typeface="Source Sans Pro ExtraLight"/>
                 <a:cs typeface="Source Sans Pro ExtraLight"/>
                 <a:sym typeface="Source Sans Pro ExtraLight"/>
               </a:rPr>
-              <a:t>str_sub(fruit, 1, 3); str_sub(fruit, -2)</a:t>
+              <a:t>str_sub</a:t>
             </a:r>
-            <a:endParaRPr i="1"/>
+            <a:r>
+              <a:rPr dirty="0">
+                <a:latin typeface="Source Sans Pro ExtraLight"/>
+                <a:ea typeface="Source Sans Pro ExtraLight"/>
+                <a:cs typeface="Source Sans Pro ExtraLight"/>
+                <a:sym typeface="Source Sans Pro ExtraLight"/>
+              </a:rPr>
+              <a:t>(fruit, 1, 3); </a:t>
+            </a:r>
+            <a:r>
+              <a:rPr dirty="0" err="1">
+                <a:latin typeface="Source Sans Pro ExtraLight"/>
+                <a:ea typeface="Source Sans Pro ExtraLight"/>
+                <a:cs typeface="Source Sans Pro ExtraLight"/>
+                <a:sym typeface="Source Sans Pro ExtraLight"/>
+              </a:rPr>
+              <a:t>str_sub</a:t>
+            </a:r>
+            <a:r>
+              <a:rPr dirty="0">
+                <a:latin typeface="Source Sans Pro ExtraLight"/>
+                <a:ea typeface="Source Sans Pro ExtraLight"/>
+                <a:cs typeface="Source Sans Pro ExtraLight"/>
+                <a:sym typeface="Source Sans Pro ExtraLight"/>
+              </a:rPr>
+              <a:t>(fruit, -2)</a:t>
+            </a:r>
+            <a:endParaRPr i="1" dirty="0"/>
           </a:p>
           <a:p>
             <a:pPr>
@@ -14766,10 +15160,15 @@
               </a:defRPr>
             </a:pPr>
             <a:r>
-              <a:t>str_subset(</a:t>
+              <a:rPr dirty="0" err="1"/>
+              <a:t>str_subset</a:t>
             </a:r>
             <a:r>
-              <a:rPr>
+              <a:rPr dirty="0"/>
+              <a:t>(</a:t>
+            </a:r>
+            <a:r>
+              <a:rPr dirty="0">
                 <a:latin typeface="+mn-lt"/>
                 <a:ea typeface="+mn-ea"/>
                 <a:cs typeface="+mn-cs"/>
@@ -14778,7 +15177,7 @@
               <a:t>string, </a:t>
             </a:r>
             <a:r>
-              <a:rPr>
+              <a:rPr dirty="0">
                 <a:solidFill>
                   <a:srgbClr val="D84C79"/>
                 </a:solidFill>
@@ -14786,7 +15185,7 @@
               <a:t>pattern</a:t>
             </a:r>
             <a:r>
-              <a:rPr>
+              <a:rPr dirty="0">
                 <a:latin typeface="+mn-lt"/>
                 <a:ea typeface="+mn-ea"/>
                 <a:cs typeface="+mn-cs"/>
@@ -14795,10 +15194,11 @@
               <a:t>, negate = FALSE</a:t>
             </a:r>
             <a:r>
+              <a:rPr dirty="0"/>
               <a:t>)</a:t>
             </a:r>
             <a:r>
-              <a:rPr>
+              <a:rPr dirty="0">
                 <a:latin typeface="+mn-lt"/>
                 <a:ea typeface="+mn-ea"/>
                 <a:cs typeface="+mn-cs"/>
@@ -14807,15 +15207,24 @@
               <a:t> Return only the strings that contain a pattern match. </a:t>
             </a:r>
             <a:r>
-              <a:rPr>
+              <a:rPr dirty="0" err="1">
                 <a:latin typeface="Source Sans Pro ExtraLight"/>
                 <a:ea typeface="Source Sans Pro ExtraLight"/>
                 <a:cs typeface="Source Sans Pro ExtraLight"/>
                 <a:sym typeface="Source Sans Pro ExtraLight"/>
               </a:rPr>
-              <a:t>str_subset(fruit, "p")</a:t>
+              <a:t>str_subset</a:t>
             </a:r>
-            <a:endParaRPr i="1"/>
+            <a:r>
+              <a:rPr dirty="0">
+                <a:latin typeface="Source Sans Pro ExtraLight"/>
+                <a:ea typeface="Source Sans Pro ExtraLight"/>
+                <a:cs typeface="Source Sans Pro ExtraLight"/>
+                <a:sym typeface="Source Sans Pro ExtraLight"/>
+              </a:rPr>
+              <a:t>(fruit, "p")</a:t>
+            </a:r>
+            <a:endParaRPr i="1" dirty="0"/>
           </a:p>
           <a:p>
             <a:pPr>
@@ -14836,10 +15245,15 @@
               </a:defRPr>
             </a:pPr>
             <a:r>
-              <a:t>str_extract(</a:t>
+              <a:rPr dirty="0" err="1"/>
+              <a:t>str_extract</a:t>
             </a:r>
             <a:r>
-              <a:rPr>
+              <a:rPr dirty="0"/>
+              <a:t>(</a:t>
+            </a:r>
+            <a:r>
+              <a:rPr dirty="0">
                 <a:latin typeface="+mn-lt"/>
                 <a:ea typeface="+mn-ea"/>
                 <a:cs typeface="+mn-cs"/>
@@ -14848,7 +15262,7 @@
               <a:t>string, </a:t>
             </a:r>
             <a:r>
-              <a:rPr>
+              <a:rPr dirty="0">
                 <a:solidFill>
                   <a:srgbClr val="D84C79"/>
                 </a:solidFill>
@@ -14856,10 +15270,11 @@
               <a:t>pattern</a:t>
             </a:r>
             <a:r>
+              <a:rPr dirty="0"/>
               <a:t>)</a:t>
             </a:r>
             <a:r>
-              <a:rPr>
+              <a:rPr dirty="0">
                 <a:latin typeface="+mn-lt"/>
                 <a:ea typeface="+mn-ea"/>
                 <a:cs typeface="+mn-cs"/>
@@ -14868,10 +15283,15 @@
               <a:t> Return the first pattern match found in each string, as a vector. Also </a:t>
             </a:r>
             <a:r>
-              <a:t>str_extract_all() </a:t>
+              <a:rPr dirty="0" err="1"/>
+              <a:t>str_extract_all</a:t>
             </a:r>
             <a:r>
-              <a:rPr>
+              <a:rPr dirty="0"/>
+              <a:t>() </a:t>
+            </a:r>
+            <a:r>
+              <a:rPr dirty="0">
                 <a:latin typeface="+mn-lt"/>
                 <a:ea typeface="+mn-ea"/>
                 <a:cs typeface="+mn-cs"/>
@@ -14880,13 +15300,40 @@
               <a:t>to return every pattern match. </a:t>
             </a:r>
             <a:r>
-              <a:rPr>
+              <a:rPr dirty="0" err="1">
                 <a:latin typeface="Source Sans Pro ExtraLight"/>
                 <a:ea typeface="Source Sans Pro ExtraLight"/>
                 <a:cs typeface="Source Sans Pro ExtraLight"/>
                 <a:sym typeface="Source Sans Pro ExtraLight"/>
               </a:rPr>
-              <a:t>str_extract(fruit, "[aeiou]")</a:t>
+              <a:t>str_extract</a:t>
+            </a:r>
+            <a:r>
+              <a:rPr dirty="0">
+                <a:latin typeface="Source Sans Pro ExtraLight"/>
+                <a:ea typeface="Source Sans Pro ExtraLight"/>
+                <a:cs typeface="Source Sans Pro ExtraLight"/>
+                <a:sym typeface="Source Sans Pro ExtraLight"/>
+              </a:rPr>
+              <a:t>(fruit, "[</a:t>
+            </a:r>
+            <a:r>
+              <a:rPr dirty="0" err="1">
+                <a:latin typeface="Source Sans Pro ExtraLight"/>
+                <a:ea typeface="Source Sans Pro ExtraLight"/>
+                <a:cs typeface="Source Sans Pro ExtraLight"/>
+                <a:sym typeface="Source Sans Pro ExtraLight"/>
+              </a:rPr>
+              <a:t>aeiou</a:t>
+            </a:r>
+            <a:r>
+              <a:rPr dirty="0">
+                <a:latin typeface="Source Sans Pro ExtraLight"/>
+                <a:ea typeface="Source Sans Pro ExtraLight"/>
+                <a:cs typeface="Source Sans Pro ExtraLight"/>
+                <a:sym typeface="Source Sans Pro ExtraLight"/>
+              </a:rPr>
+              <a:t>]")</a:t>
             </a:r>
           </a:p>
           <a:p>
@@ -14908,10 +15355,15 @@
               </a:defRPr>
             </a:pPr>
             <a:r>
-              <a:t>str_match(</a:t>
+              <a:rPr dirty="0" err="1"/>
+              <a:t>str_match</a:t>
             </a:r>
             <a:r>
-              <a:rPr>
+              <a:rPr dirty="0"/>
+              <a:t>(</a:t>
+            </a:r>
+            <a:r>
+              <a:rPr dirty="0">
                 <a:latin typeface="+mn-lt"/>
                 <a:ea typeface="+mn-ea"/>
                 <a:cs typeface="+mn-cs"/>
@@ -14920,7 +15372,7 @@
               <a:t>string, </a:t>
             </a:r>
             <a:r>
-              <a:rPr>
+              <a:rPr dirty="0">
                 <a:solidFill>
                   <a:srgbClr val="D84C79"/>
                 </a:solidFill>
@@ -14928,10 +15380,11 @@
               <a:t>pattern</a:t>
             </a:r>
             <a:r>
+              <a:rPr dirty="0"/>
               <a:t>)</a:t>
             </a:r>
             <a:r>
-              <a:rPr>
+              <a:rPr dirty="0">
                 <a:latin typeface="+mn-lt"/>
                 <a:ea typeface="+mn-ea"/>
                 <a:cs typeface="+mn-cs"/>
@@ -14940,7 +15393,7 @@
               <a:t> Return the </a:t>
             </a:r>
             <a:br>
-              <a:rPr>
+              <a:rPr dirty="0">
                 <a:latin typeface="+mn-lt"/>
                 <a:ea typeface="+mn-ea"/>
                 <a:cs typeface="+mn-cs"/>
@@ -14948,7 +15401,7 @@
               </a:rPr>
             </a:br>
             <a:r>
-              <a:rPr>
+              <a:rPr dirty="0">
                 <a:latin typeface="+mn-lt"/>
                 <a:ea typeface="+mn-ea"/>
                 <a:cs typeface="+mn-cs"/>
@@ -14957,7 +15410,7 @@
               <a:t>first pattern match found in each string, as </a:t>
             </a:r>
             <a:br>
-              <a:rPr>
+              <a:rPr dirty="0">
                 <a:latin typeface="+mn-lt"/>
                 <a:ea typeface="+mn-ea"/>
                 <a:cs typeface="+mn-cs"/>
@@ -14965,7 +15418,7 @@
               </a:rPr>
             </a:br>
             <a:r>
-              <a:rPr>
+              <a:rPr dirty="0">
                 <a:latin typeface="+mn-lt"/>
                 <a:ea typeface="+mn-ea"/>
                 <a:cs typeface="+mn-cs"/>
@@ -14974,10 +15427,15 @@
               <a:t>a matrix with a column for each ( ) group in pattern. Also </a:t>
             </a:r>
             <a:r>
-              <a:t>str_match_all()</a:t>
+              <a:rPr dirty="0" err="1"/>
+              <a:t>str_match_all</a:t>
             </a:r>
             <a:r>
-              <a:rPr>
+              <a:rPr dirty="0"/>
+              <a:t>()</a:t>
+            </a:r>
+            <a:r>
+              <a:rPr dirty="0">
                 <a:latin typeface="+mn-lt"/>
                 <a:ea typeface="+mn-ea"/>
                 <a:cs typeface="+mn-cs"/>
@@ -14986,16 +15444,44 @@
               <a:t>.</a:t>
             </a:r>
             <a:r>
+              <a:rPr dirty="0"/>
               <a:t> </a:t>
             </a:r>
             <a:r>
-              <a:rPr>
+              <a:rPr dirty="0" err="1">
                 <a:latin typeface="Source Sans Pro ExtraLight"/>
                 <a:ea typeface="Source Sans Pro ExtraLight"/>
                 <a:cs typeface="Source Sans Pro ExtraLight"/>
                 <a:sym typeface="Source Sans Pro ExtraLight"/>
               </a:rPr>
-              <a:t>str_match(sentences, "(a|the) ([^ +])")</a:t>
+              <a:t>str_match</a:t>
+            </a:r>
+            <a:r>
+              <a:rPr dirty="0">
+                <a:latin typeface="Source Sans Pro ExtraLight"/>
+                <a:ea typeface="Source Sans Pro ExtraLight"/>
+                <a:cs typeface="Source Sans Pro ExtraLight"/>
+                <a:sym typeface="Source Sans Pro ExtraLight"/>
+              </a:rPr>
+              <a:t>(sentences, "(</a:t>
+            </a:r>
+            <a:r>
+              <a:rPr dirty="0" err="1">
+                <a:latin typeface="Source Sans Pro ExtraLight"/>
+                <a:ea typeface="Source Sans Pro ExtraLight"/>
+                <a:cs typeface="Source Sans Pro ExtraLight"/>
+                <a:sym typeface="Source Sans Pro ExtraLight"/>
+              </a:rPr>
+              <a:t>a|the</a:t>
+            </a:r>
+            <a:r>
+              <a:rPr dirty="0">
+                <a:latin typeface="Source Sans Pro ExtraLight"/>
+                <a:ea typeface="Source Sans Pro ExtraLight"/>
+                <a:cs typeface="Source Sans Pro ExtraLight"/>
+                <a:sym typeface="Source Sans Pro ExtraLight"/>
+              </a:rPr>
+              <a:t>) ([^ +])")</a:t>
             </a:r>
           </a:p>
         </p:txBody>
@@ -17351,7 +17837,7 @@
           </a:ln>
           <a:extLst>
             <a:ext uri="{C572A759-6A51-4108-AA02-DFA0A04FC94B}">
-              <ma14:wrappingTextBoxFlag xmlns="" xmlns:m="http://schemas.openxmlformats.org/officeDocument/2006/math" xmlns:a14="http://schemas.microsoft.com/office/drawing/2010/main" xmlns:ma14="http://schemas.microsoft.com/office/mac/drawingml/2011/main" val="1"/>
+              <ma14:wrappingTextBoxFlag xmlns:ma14="http://schemas.microsoft.com/office/mac/drawingml/2011/main" xmlns:a14="http://schemas.microsoft.com/office/drawing/2010/main" xmlns:m="http://schemas.openxmlformats.org/officeDocument/2006/math" xmlns="" val="1"/>
             </a:ext>
           </a:extLst>
         </p:spPr>
@@ -18325,7 +18811,7 @@
             <a:effectLst/>
             <a:extLst>
               <a:ext uri="{C572A759-6A51-4108-AA02-DFA0A04FC94B}">
-                <ma14:wrappingTextBoxFlag xmlns="" xmlns:m="http://schemas.openxmlformats.org/officeDocument/2006/math" xmlns:a14="http://schemas.microsoft.com/office/drawing/2010/main" xmlns:ma14="http://schemas.microsoft.com/office/mac/drawingml/2011/main" val="1"/>
+                <ma14:wrappingTextBoxFlag xmlns:ma14="http://schemas.microsoft.com/office/mac/drawingml/2011/main" xmlns:a14="http://schemas.microsoft.com/office/drawing/2010/main" xmlns:m="http://schemas.openxmlformats.org/officeDocument/2006/math" xmlns="" val="1"/>
               </a:ext>
             </a:extLst>
           </p:spPr>
@@ -18371,7 +18857,7 @@
             <a:effectLst/>
             <a:extLst>
               <a:ext uri="{C572A759-6A51-4108-AA02-DFA0A04FC94B}">
-                <ma14:wrappingTextBoxFlag xmlns="" xmlns:m="http://schemas.openxmlformats.org/officeDocument/2006/math" xmlns:a14="http://schemas.microsoft.com/office/drawing/2010/main" xmlns:ma14="http://schemas.microsoft.com/office/mac/drawingml/2011/main" val="1"/>
+                <ma14:wrappingTextBoxFlag xmlns:ma14="http://schemas.microsoft.com/office/mac/drawingml/2011/main" xmlns:a14="http://schemas.microsoft.com/office/drawing/2010/main" xmlns:m="http://schemas.openxmlformats.org/officeDocument/2006/math" xmlns="" val="1"/>
               </a:ext>
             </a:extLst>
           </p:spPr>
@@ -19073,7 +19559,7 @@
             <a:effectLst/>
             <a:extLst>
               <a:ext uri="{C572A759-6A51-4108-AA02-DFA0A04FC94B}">
-                <ma14:wrappingTextBoxFlag xmlns="" xmlns:m="http://schemas.openxmlformats.org/officeDocument/2006/math" xmlns:a14="http://schemas.microsoft.com/office/drawing/2010/main" xmlns:ma14="http://schemas.microsoft.com/office/mac/drawingml/2011/main" val="1"/>
+                <ma14:wrappingTextBoxFlag xmlns:ma14="http://schemas.microsoft.com/office/mac/drawingml/2011/main" xmlns:a14="http://schemas.microsoft.com/office/drawing/2010/main" xmlns:m="http://schemas.openxmlformats.org/officeDocument/2006/math" xmlns="" val="1"/>
               </a:ext>
             </a:extLst>
           </p:spPr>
@@ -19119,7 +19605,7 @@
             <a:effectLst/>
             <a:extLst>
               <a:ext uri="{C572A759-6A51-4108-AA02-DFA0A04FC94B}">
-                <ma14:wrappingTextBoxFlag xmlns="" xmlns:m="http://schemas.openxmlformats.org/officeDocument/2006/math" xmlns:a14="http://schemas.microsoft.com/office/drawing/2010/main" xmlns:ma14="http://schemas.microsoft.com/office/mac/drawingml/2011/main" val="1"/>
+                <ma14:wrappingTextBoxFlag xmlns:ma14="http://schemas.microsoft.com/office/mac/drawingml/2011/main" xmlns:a14="http://schemas.microsoft.com/office/drawing/2010/main" xmlns:m="http://schemas.openxmlformats.org/officeDocument/2006/math" xmlns="" val="1"/>
               </a:ext>
             </a:extLst>
           </p:spPr>
@@ -31230,7 +31716,7 @@
           </a:ln>
           <a:extLst>
             <a:ext uri="{C572A759-6A51-4108-AA02-DFA0A04FC94B}">
-              <ma14:wrappingTextBoxFlag xmlns="" xmlns:m="http://schemas.openxmlformats.org/officeDocument/2006/math" xmlns:a14="http://schemas.microsoft.com/office/drawing/2010/main" xmlns:ma14="http://schemas.microsoft.com/office/mac/drawingml/2011/main" val="1"/>
+              <ma14:wrappingTextBoxFlag xmlns:ma14="http://schemas.microsoft.com/office/mac/drawingml/2011/main" xmlns:a14="http://schemas.microsoft.com/office/drawing/2010/main" xmlns:m="http://schemas.openxmlformats.org/officeDocument/2006/math" xmlns="" val="1"/>
             </a:ext>
           </a:extLst>
         </p:spPr>
@@ -31862,7 +32348,7 @@
           </a:ln>
           <a:extLst>
             <a:ext uri="{C572A759-6A51-4108-AA02-DFA0A04FC94B}">
-              <ma14:wrappingTextBoxFlag xmlns="" xmlns:m="http://schemas.openxmlformats.org/officeDocument/2006/math" xmlns:a14="http://schemas.microsoft.com/office/drawing/2010/main" xmlns:ma14="http://schemas.microsoft.com/office/mac/drawingml/2011/main" val="1"/>
+              <ma14:wrappingTextBoxFlag xmlns:ma14="http://schemas.microsoft.com/office/mac/drawingml/2011/main" xmlns:a14="http://schemas.microsoft.com/office/drawing/2010/main" xmlns:m="http://schemas.openxmlformats.org/officeDocument/2006/math" xmlns="" val="1"/>
             </a:ext>
           </a:extLst>
         </p:spPr>
@@ -31939,7 +32425,7 @@
           </a:ln>
           <a:extLst>
             <a:ext uri="{C572A759-6A51-4108-AA02-DFA0A04FC94B}">
-              <ma14:wrappingTextBoxFlag xmlns="" xmlns:m="http://schemas.openxmlformats.org/officeDocument/2006/math" xmlns:a14="http://schemas.microsoft.com/office/drawing/2010/main" xmlns:ma14="http://schemas.microsoft.com/office/mac/drawingml/2011/main" val="1"/>
+              <ma14:wrappingTextBoxFlag xmlns:ma14="http://schemas.microsoft.com/office/mac/drawingml/2011/main" xmlns:a14="http://schemas.microsoft.com/office/drawing/2010/main" xmlns:m="http://schemas.openxmlformats.org/officeDocument/2006/math" xmlns="" val="1"/>
             </a:ext>
           </a:extLst>
         </p:spPr>
@@ -32016,7 +32502,7 @@
           </a:ln>
           <a:extLst>
             <a:ext uri="{C572A759-6A51-4108-AA02-DFA0A04FC94B}">
-              <ma14:wrappingTextBoxFlag xmlns="" xmlns:m="http://schemas.openxmlformats.org/officeDocument/2006/math" xmlns:a14="http://schemas.microsoft.com/office/drawing/2010/main" xmlns:ma14="http://schemas.microsoft.com/office/mac/drawingml/2011/main" val="1"/>
+              <ma14:wrappingTextBoxFlag xmlns:ma14="http://schemas.microsoft.com/office/mac/drawingml/2011/main" xmlns:a14="http://schemas.microsoft.com/office/drawing/2010/main" xmlns:m="http://schemas.openxmlformats.org/officeDocument/2006/math" xmlns="" val="1"/>
             </a:ext>
           </a:extLst>
         </p:spPr>
@@ -32179,7 +32665,7 @@
           </a:ln>
           <a:extLst>
             <a:ext uri="{C572A759-6A51-4108-AA02-DFA0A04FC94B}">
-              <ma14:wrappingTextBoxFlag xmlns="" xmlns:m="http://schemas.openxmlformats.org/officeDocument/2006/math" xmlns:a14="http://schemas.microsoft.com/office/drawing/2010/main" xmlns:ma14="http://schemas.microsoft.com/office/mac/drawingml/2011/main" val="1"/>
+              <ma14:wrappingTextBoxFlag xmlns:ma14="http://schemas.microsoft.com/office/mac/drawingml/2011/main" xmlns:a14="http://schemas.microsoft.com/office/drawing/2010/main" xmlns:m="http://schemas.openxmlformats.org/officeDocument/2006/math" xmlns="" val="1"/>
             </a:ext>
           </a:extLst>
         </p:spPr>
@@ -32349,7 +32835,7 @@
           </a:ln>
           <a:extLst>
             <a:ext uri="{C572A759-6A51-4108-AA02-DFA0A04FC94B}">
-              <ma14:wrappingTextBoxFlag xmlns="" xmlns:m="http://schemas.openxmlformats.org/officeDocument/2006/math" xmlns:a14="http://schemas.microsoft.com/office/drawing/2010/main" xmlns:ma14="http://schemas.microsoft.com/office/mac/drawingml/2011/main" val="1"/>
+              <ma14:wrappingTextBoxFlag xmlns:ma14="http://schemas.microsoft.com/office/mac/drawingml/2011/main" xmlns:a14="http://schemas.microsoft.com/office/drawing/2010/main" xmlns:m="http://schemas.openxmlformats.org/officeDocument/2006/math" xmlns="" val="1"/>
             </a:ext>
           </a:extLst>
         </p:spPr>
@@ -32433,7 +32919,7 @@
           </a:ln>
           <a:extLst>
             <a:ext uri="{C572A759-6A51-4108-AA02-DFA0A04FC94B}">
-              <ma14:wrappingTextBoxFlag xmlns="" xmlns:m="http://schemas.openxmlformats.org/officeDocument/2006/math" xmlns:a14="http://schemas.microsoft.com/office/drawing/2010/main" xmlns:ma14="http://schemas.microsoft.com/office/mac/drawingml/2011/main" val="1"/>
+              <ma14:wrappingTextBoxFlag xmlns:ma14="http://schemas.microsoft.com/office/mac/drawingml/2011/main" xmlns:a14="http://schemas.microsoft.com/office/drawing/2010/main" xmlns:m="http://schemas.openxmlformats.org/officeDocument/2006/math" xmlns="" val="1"/>
             </a:ext>
           </a:extLst>
         </p:spPr>
@@ -32682,7 +33168,7 @@
           </a:ln>
           <a:extLst>
             <a:ext uri="{C572A759-6A51-4108-AA02-DFA0A04FC94B}">
-              <ma14:wrappingTextBoxFlag xmlns="" xmlns:m="http://schemas.openxmlformats.org/officeDocument/2006/math" xmlns:a14="http://schemas.microsoft.com/office/drawing/2010/main" xmlns:ma14="http://schemas.microsoft.com/office/mac/drawingml/2011/main" val="1"/>
+              <ma14:wrappingTextBoxFlag xmlns:ma14="http://schemas.microsoft.com/office/mac/drawingml/2011/main" xmlns:a14="http://schemas.microsoft.com/office/drawing/2010/main" xmlns:m="http://schemas.openxmlformats.org/officeDocument/2006/math" xmlns="" val="1"/>
             </a:ext>
           </a:extLst>
         </p:spPr>
@@ -32725,7 +33211,7 @@
           </a:ln>
           <a:extLst>
             <a:ext uri="{C572A759-6A51-4108-AA02-DFA0A04FC94B}">
-              <ma14:wrappingTextBoxFlag xmlns="" xmlns:m="http://schemas.openxmlformats.org/officeDocument/2006/math" xmlns:a14="http://schemas.microsoft.com/office/drawing/2010/main" xmlns:ma14="http://schemas.microsoft.com/office/mac/drawingml/2011/main" val="1"/>
+              <ma14:wrappingTextBoxFlag xmlns:ma14="http://schemas.microsoft.com/office/mac/drawingml/2011/main" xmlns:a14="http://schemas.microsoft.com/office/drawing/2010/main" xmlns:m="http://schemas.openxmlformats.org/officeDocument/2006/math" xmlns="" val="1"/>
             </a:ext>
           </a:extLst>
         </p:spPr>
@@ -32805,7 +33291,7 @@
           </a:ln>
           <a:extLst>
             <a:ext uri="{C572A759-6A51-4108-AA02-DFA0A04FC94B}">
-              <ma14:wrappingTextBoxFlag xmlns="" xmlns:m="http://schemas.openxmlformats.org/officeDocument/2006/math" xmlns:a14="http://schemas.microsoft.com/office/drawing/2010/main" xmlns:ma14="http://schemas.microsoft.com/office/mac/drawingml/2011/main" val="1"/>
+              <ma14:wrappingTextBoxFlag xmlns:ma14="http://schemas.microsoft.com/office/mac/drawingml/2011/main" xmlns:a14="http://schemas.microsoft.com/office/drawing/2010/main" xmlns:m="http://schemas.openxmlformats.org/officeDocument/2006/math" xmlns="" val="1"/>
             </a:ext>
           </a:extLst>
         </p:spPr>
@@ -32848,7 +33334,7 @@
           </a:ln>
           <a:extLst>
             <a:ext uri="{C572A759-6A51-4108-AA02-DFA0A04FC94B}">
-              <ma14:wrappingTextBoxFlag xmlns="" xmlns:m="http://schemas.openxmlformats.org/officeDocument/2006/math" xmlns:a14="http://schemas.microsoft.com/office/drawing/2010/main" xmlns:ma14="http://schemas.microsoft.com/office/mac/drawingml/2011/main" val="1"/>
+              <ma14:wrappingTextBoxFlag xmlns:ma14="http://schemas.microsoft.com/office/mac/drawingml/2011/main" xmlns:a14="http://schemas.microsoft.com/office/drawing/2010/main" xmlns:m="http://schemas.openxmlformats.org/officeDocument/2006/math" xmlns="" val="1"/>
             </a:ext>
           </a:extLst>
         </p:spPr>
@@ -32928,7 +33414,7 @@
           </a:ln>
           <a:extLst>
             <a:ext uri="{C572A759-6A51-4108-AA02-DFA0A04FC94B}">
-              <ma14:wrappingTextBoxFlag xmlns="" xmlns:m="http://schemas.openxmlformats.org/officeDocument/2006/math" xmlns:a14="http://schemas.microsoft.com/office/drawing/2010/main" xmlns:ma14="http://schemas.microsoft.com/office/mac/drawingml/2011/main" val="1"/>
+              <ma14:wrappingTextBoxFlag xmlns:ma14="http://schemas.microsoft.com/office/mac/drawingml/2011/main" xmlns:a14="http://schemas.microsoft.com/office/drawing/2010/main" xmlns:m="http://schemas.openxmlformats.org/officeDocument/2006/math" xmlns="" val="1"/>
             </a:ext>
           </a:extLst>
         </p:spPr>
@@ -33002,7 +33488,7 @@
           </a:ln>
           <a:extLst>
             <a:ext uri="{C572A759-6A51-4108-AA02-DFA0A04FC94B}">
-              <ma14:wrappingTextBoxFlag xmlns="" xmlns:m="http://schemas.openxmlformats.org/officeDocument/2006/math" xmlns:a14="http://schemas.microsoft.com/office/drawing/2010/main" xmlns:ma14="http://schemas.microsoft.com/office/mac/drawingml/2011/main" val="1"/>
+              <ma14:wrappingTextBoxFlag xmlns:ma14="http://schemas.microsoft.com/office/mac/drawingml/2011/main" xmlns:a14="http://schemas.microsoft.com/office/drawing/2010/main" xmlns:m="http://schemas.openxmlformats.org/officeDocument/2006/math" xmlns="" val="1"/>
             </a:ext>
           </a:extLst>
         </p:spPr>
@@ -33045,7 +33531,7 @@
           </a:ln>
           <a:extLst>
             <a:ext uri="{C572A759-6A51-4108-AA02-DFA0A04FC94B}">
-              <ma14:wrappingTextBoxFlag xmlns="" xmlns:m="http://schemas.openxmlformats.org/officeDocument/2006/math" xmlns:a14="http://schemas.microsoft.com/office/drawing/2010/main" xmlns:ma14="http://schemas.microsoft.com/office/mac/drawingml/2011/main" val="1"/>
+              <ma14:wrappingTextBoxFlag xmlns:ma14="http://schemas.microsoft.com/office/mac/drawingml/2011/main" xmlns:a14="http://schemas.microsoft.com/office/drawing/2010/main" xmlns:m="http://schemas.openxmlformats.org/officeDocument/2006/math" xmlns="" val="1"/>
             </a:ext>
           </a:extLst>
         </p:spPr>
@@ -33094,7 +33580,7 @@
           </a:ln>
           <a:extLst>
             <a:ext uri="{C572A759-6A51-4108-AA02-DFA0A04FC94B}">
-              <ma14:wrappingTextBoxFlag xmlns="" xmlns:m="http://schemas.openxmlformats.org/officeDocument/2006/math" xmlns:a14="http://schemas.microsoft.com/office/drawing/2010/main" xmlns:ma14="http://schemas.microsoft.com/office/mac/drawingml/2011/main" val="1"/>
+              <ma14:wrappingTextBoxFlag xmlns:ma14="http://schemas.microsoft.com/office/mac/drawingml/2011/main" xmlns:a14="http://schemas.microsoft.com/office/drawing/2010/main" xmlns:m="http://schemas.openxmlformats.org/officeDocument/2006/math" xmlns="" val="1"/>
             </a:ext>
           </a:extLst>
         </p:spPr>
@@ -33144,7 +33630,7 @@
           </a:ln>
           <a:extLst>
             <a:ext uri="{C572A759-6A51-4108-AA02-DFA0A04FC94B}">
-              <ma14:wrappingTextBoxFlag xmlns="" xmlns:m="http://schemas.openxmlformats.org/officeDocument/2006/math" xmlns:a14="http://schemas.microsoft.com/office/drawing/2010/main" xmlns:ma14="http://schemas.microsoft.com/office/mac/drawingml/2011/main" val="1"/>
+              <ma14:wrappingTextBoxFlag xmlns:ma14="http://schemas.microsoft.com/office/mac/drawingml/2011/main" xmlns:a14="http://schemas.microsoft.com/office/drawing/2010/main" xmlns:m="http://schemas.openxmlformats.org/officeDocument/2006/math" xmlns="" val="1"/>
             </a:ext>
           </a:extLst>
         </p:spPr>
@@ -33226,7 +33712,7 @@
           </a:ln>
           <a:extLst>
             <a:ext uri="{C572A759-6A51-4108-AA02-DFA0A04FC94B}">
-              <ma14:wrappingTextBoxFlag xmlns="" xmlns:m="http://schemas.openxmlformats.org/officeDocument/2006/math" xmlns:a14="http://schemas.microsoft.com/office/drawing/2010/main" xmlns:ma14="http://schemas.microsoft.com/office/mac/drawingml/2011/main" val="1"/>
+              <ma14:wrappingTextBoxFlag xmlns:ma14="http://schemas.microsoft.com/office/mac/drawingml/2011/main" xmlns:a14="http://schemas.microsoft.com/office/drawing/2010/main" xmlns:m="http://schemas.openxmlformats.org/officeDocument/2006/math" xmlns="" val="1"/>
             </a:ext>
           </a:extLst>
         </p:spPr>
@@ -33339,7 +33825,7 @@
           </a:ln>
           <a:extLst>
             <a:ext uri="{C572A759-6A51-4108-AA02-DFA0A04FC94B}">
-              <ma14:wrappingTextBoxFlag xmlns="" xmlns:m="http://schemas.openxmlformats.org/officeDocument/2006/math" xmlns:a14="http://schemas.microsoft.com/office/drawing/2010/main" xmlns:ma14="http://schemas.microsoft.com/office/mac/drawingml/2011/main" val="1"/>
+              <ma14:wrappingTextBoxFlag xmlns:ma14="http://schemas.microsoft.com/office/mac/drawingml/2011/main" xmlns:a14="http://schemas.microsoft.com/office/drawing/2010/main" xmlns:m="http://schemas.openxmlformats.org/officeDocument/2006/math" xmlns="" val="1"/>
             </a:ext>
           </a:extLst>
         </p:spPr>
@@ -33382,7 +33868,7 @@
           </a:ln>
           <a:extLst>
             <a:ext uri="{C572A759-6A51-4108-AA02-DFA0A04FC94B}">
-              <ma14:wrappingTextBoxFlag xmlns="" xmlns:m="http://schemas.openxmlformats.org/officeDocument/2006/math" xmlns:a14="http://schemas.microsoft.com/office/drawing/2010/main" xmlns:ma14="http://schemas.microsoft.com/office/mac/drawingml/2011/main" val="1"/>
+              <ma14:wrappingTextBoxFlag xmlns:ma14="http://schemas.microsoft.com/office/mac/drawingml/2011/main" xmlns:a14="http://schemas.microsoft.com/office/drawing/2010/main" xmlns:m="http://schemas.openxmlformats.org/officeDocument/2006/math" xmlns="" val="1"/>
             </a:ext>
           </a:extLst>
         </p:spPr>
@@ -33462,7 +33948,7 @@
           </a:ln>
           <a:extLst>
             <a:ext uri="{C572A759-6A51-4108-AA02-DFA0A04FC94B}">
-              <ma14:wrappingTextBoxFlag xmlns="" xmlns:m="http://schemas.openxmlformats.org/officeDocument/2006/math" xmlns:a14="http://schemas.microsoft.com/office/drawing/2010/main" xmlns:ma14="http://schemas.microsoft.com/office/mac/drawingml/2011/main" val="1"/>
+              <ma14:wrappingTextBoxFlag xmlns:ma14="http://schemas.microsoft.com/office/mac/drawingml/2011/main" xmlns:a14="http://schemas.microsoft.com/office/drawing/2010/main" xmlns:m="http://schemas.openxmlformats.org/officeDocument/2006/math" xmlns="" val="1"/>
             </a:ext>
           </a:extLst>
         </p:spPr>
@@ -33536,7 +34022,7 @@
           </a:ln>
           <a:extLst>
             <a:ext uri="{C572A759-6A51-4108-AA02-DFA0A04FC94B}">
-              <ma14:wrappingTextBoxFlag xmlns="" xmlns:m="http://schemas.openxmlformats.org/officeDocument/2006/math" xmlns:a14="http://schemas.microsoft.com/office/drawing/2010/main" xmlns:ma14="http://schemas.microsoft.com/office/mac/drawingml/2011/main" val="1"/>
+              <ma14:wrappingTextBoxFlag xmlns:ma14="http://schemas.microsoft.com/office/mac/drawingml/2011/main" xmlns:a14="http://schemas.microsoft.com/office/drawing/2010/main" xmlns:m="http://schemas.openxmlformats.org/officeDocument/2006/math" xmlns="" val="1"/>
             </a:ext>
           </a:extLst>
         </p:spPr>
@@ -33579,7 +34065,7 @@
           </a:ln>
           <a:extLst>
             <a:ext uri="{C572A759-6A51-4108-AA02-DFA0A04FC94B}">
-              <ma14:wrappingTextBoxFlag xmlns="" xmlns:m="http://schemas.openxmlformats.org/officeDocument/2006/math" xmlns:a14="http://schemas.microsoft.com/office/drawing/2010/main" xmlns:ma14="http://schemas.microsoft.com/office/mac/drawingml/2011/main" val="1"/>
+              <ma14:wrappingTextBoxFlag xmlns:ma14="http://schemas.microsoft.com/office/mac/drawingml/2011/main" xmlns:a14="http://schemas.microsoft.com/office/drawing/2010/main" xmlns:m="http://schemas.openxmlformats.org/officeDocument/2006/math" xmlns="" val="1"/>
             </a:ext>
           </a:extLst>
         </p:spPr>
@@ -34266,7 +34752,7 @@
           </a:ln>
           <a:extLst>
             <a:ext uri="{C572A759-6A51-4108-AA02-DFA0A04FC94B}">
-              <ma14:wrappingTextBoxFlag xmlns="" xmlns:m="http://schemas.openxmlformats.org/officeDocument/2006/math" xmlns:a14="http://schemas.microsoft.com/office/drawing/2010/main" xmlns:ma14="http://schemas.microsoft.com/office/mac/drawingml/2011/main" val="1"/>
+              <ma14:wrappingTextBoxFlag xmlns:ma14="http://schemas.microsoft.com/office/mac/drawingml/2011/main" xmlns:a14="http://schemas.microsoft.com/office/drawing/2010/main" xmlns:m="http://schemas.openxmlformats.org/officeDocument/2006/math" xmlns="" val="1"/>
             </a:ext>
           </a:extLst>
         </p:spPr>
@@ -34348,7 +34834,7 @@
           </a:ln>
           <a:extLst>
             <a:ext uri="{C572A759-6A51-4108-AA02-DFA0A04FC94B}">
-              <ma14:wrappingTextBoxFlag xmlns="" xmlns:m="http://schemas.openxmlformats.org/officeDocument/2006/math" xmlns:a14="http://schemas.microsoft.com/office/drawing/2010/main" xmlns:ma14="http://schemas.microsoft.com/office/mac/drawingml/2011/main" val="1"/>
+              <ma14:wrappingTextBoxFlag xmlns:ma14="http://schemas.microsoft.com/office/mac/drawingml/2011/main" xmlns:a14="http://schemas.microsoft.com/office/drawing/2010/main" xmlns:m="http://schemas.openxmlformats.org/officeDocument/2006/math" xmlns="" val="1"/>
             </a:ext>
           </a:extLst>
         </p:spPr>
@@ -36410,7 +36896,7 @@
           </a:ln>
           <a:extLst>
             <a:ext uri="{C572A759-6A51-4108-AA02-DFA0A04FC94B}">
-              <ma14:wrappingTextBoxFlag xmlns="" xmlns:m="http://schemas.openxmlformats.org/officeDocument/2006/math" xmlns:a14="http://schemas.microsoft.com/office/drawing/2010/main" xmlns:ma14="http://schemas.microsoft.com/office/mac/drawingml/2011/main" val="1"/>
+              <ma14:wrappingTextBoxFlag xmlns:ma14="http://schemas.microsoft.com/office/mac/drawingml/2011/main" xmlns:a14="http://schemas.microsoft.com/office/drawing/2010/main" xmlns:m="http://schemas.openxmlformats.org/officeDocument/2006/math" xmlns="" val="1"/>
             </a:ext>
           </a:extLst>
         </p:spPr>
@@ -37922,7 +38408,7 @@
           </a:ln>
           <a:extLst>
             <a:ext uri="{C572A759-6A51-4108-AA02-DFA0A04FC94B}">
-              <ma14:wrappingTextBoxFlag xmlns="" xmlns:m="http://schemas.openxmlformats.org/officeDocument/2006/math" xmlns:a14="http://schemas.microsoft.com/office/drawing/2010/main" xmlns:ma14="http://schemas.microsoft.com/office/mac/drawingml/2011/main" val="1"/>
+              <ma14:wrappingTextBoxFlag xmlns:ma14="http://schemas.microsoft.com/office/mac/drawingml/2011/main" xmlns:a14="http://schemas.microsoft.com/office/drawing/2010/main" xmlns:m="http://schemas.openxmlformats.org/officeDocument/2006/math" xmlns="" val="1"/>
             </a:ext>
           </a:extLst>
         </p:spPr>
@@ -37975,7 +38461,7 @@
           </a:ln>
           <a:extLst>
             <a:ext uri="{C572A759-6A51-4108-AA02-DFA0A04FC94B}">
-              <ma14:wrappingTextBoxFlag xmlns="" xmlns:m="http://schemas.openxmlformats.org/officeDocument/2006/math" xmlns:a14="http://schemas.microsoft.com/office/drawing/2010/main" xmlns:ma14="http://schemas.microsoft.com/office/mac/drawingml/2011/main" val="1"/>
+              <ma14:wrappingTextBoxFlag xmlns:ma14="http://schemas.microsoft.com/office/mac/drawingml/2011/main" xmlns:a14="http://schemas.microsoft.com/office/drawing/2010/main" xmlns:m="http://schemas.openxmlformats.org/officeDocument/2006/math" xmlns="" val="1"/>
             </a:ext>
           </a:extLst>
         </p:spPr>
@@ -38072,7 +38558,7 @@
           </a:ln>
           <a:extLst>
             <a:ext uri="{C572A759-6A51-4108-AA02-DFA0A04FC94B}">
-              <ma14:wrappingTextBoxFlag xmlns="" xmlns:m="http://schemas.openxmlformats.org/officeDocument/2006/math" xmlns:a14="http://schemas.microsoft.com/office/drawing/2010/main" xmlns:ma14="http://schemas.microsoft.com/office/mac/drawingml/2011/main" val="1"/>
+              <ma14:wrappingTextBoxFlag xmlns:ma14="http://schemas.microsoft.com/office/mac/drawingml/2011/main" xmlns:a14="http://schemas.microsoft.com/office/drawing/2010/main" xmlns:m="http://schemas.openxmlformats.org/officeDocument/2006/math" xmlns="" val="1"/>
             </a:ext>
           </a:extLst>
         </p:spPr>
@@ -38125,7 +38611,7 @@
           </a:ln>
           <a:extLst>
             <a:ext uri="{C572A759-6A51-4108-AA02-DFA0A04FC94B}">
-              <ma14:wrappingTextBoxFlag xmlns="" xmlns:m="http://schemas.openxmlformats.org/officeDocument/2006/math" xmlns:a14="http://schemas.microsoft.com/office/drawing/2010/main" xmlns:ma14="http://schemas.microsoft.com/office/mac/drawingml/2011/main" val="1"/>
+              <ma14:wrappingTextBoxFlag xmlns:ma14="http://schemas.microsoft.com/office/mac/drawingml/2011/main" xmlns:a14="http://schemas.microsoft.com/office/drawing/2010/main" xmlns:m="http://schemas.openxmlformats.org/officeDocument/2006/math" xmlns="" val="1"/>
             </a:ext>
           </a:extLst>
         </p:spPr>
@@ -38222,7 +38708,7 @@
           </a:ln>
           <a:extLst>
             <a:ext uri="{C572A759-6A51-4108-AA02-DFA0A04FC94B}">
-              <ma14:wrappingTextBoxFlag xmlns="" xmlns:m="http://schemas.openxmlformats.org/officeDocument/2006/math" xmlns:a14="http://schemas.microsoft.com/office/drawing/2010/main" xmlns:ma14="http://schemas.microsoft.com/office/mac/drawingml/2011/main" val="1"/>
+              <ma14:wrappingTextBoxFlag xmlns:ma14="http://schemas.microsoft.com/office/mac/drawingml/2011/main" xmlns:a14="http://schemas.microsoft.com/office/drawing/2010/main" xmlns:m="http://schemas.openxmlformats.org/officeDocument/2006/math" xmlns="" val="1"/>
             </a:ext>
           </a:extLst>
         </p:spPr>
@@ -38275,7 +38761,7 @@
           </a:ln>
           <a:extLst>
             <a:ext uri="{C572A759-6A51-4108-AA02-DFA0A04FC94B}">
-              <ma14:wrappingTextBoxFlag xmlns="" xmlns:m="http://schemas.openxmlformats.org/officeDocument/2006/math" xmlns:a14="http://schemas.microsoft.com/office/drawing/2010/main" xmlns:ma14="http://schemas.microsoft.com/office/mac/drawingml/2011/main" val="1"/>
+              <ma14:wrappingTextBoxFlag xmlns:ma14="http://schemas.microsoft.com/office/mac/drawingml/2011/main" xmlns:a14="http://schemas.microsoft.com/office/drawing/2010/main" xmlns:m="http://schemas.openxmlformats.org/officeDocument/2006/math" xmlns="" val="1"/>
             </a:ext>
           </a:extLst>
         </p:spPr>
@@ -38417,7 +38903,7 @@
           </a:ln>
           <a:extLst>
             <a:ext uri="{C572A759-6A51-4108-AA02-DFA0A04FC94B}">
-              <ma14:wrappingTextBoxFlag xmlns="" xmlns:m="http://schemas.openxmlformats.org/officeDocument/2006/math" xmlns:a14="http://schemas.microsoft.com/office/drawing/2010/main" xmlns:ma14="http://schemas.microsoft.com/office/mac/drawingml/2011/main" val="1"/>
+              <ma14:wrappingTextBoxFlag xmlns:ma14="http://schemas.microsoft.com/office/mac/drawingml/2011/main" xmlns:a14="http://schemas.microsoft.com/office/drawing/2010/main" xmlns:m="http://schemas.openxmlformats.org/officeDocument/2006/math" xmlns="" val="1"/>
             </a:ext>
           </a:extLst>
         </p:spPr>
@@ -38470,7 +38956,7 @@
           </a:ln>
           <a:extLst>
             <a:ext uri="{C572A759-6A51-4108-AA02-DFA0A04FC94B}">
-              <ma14:wrappingTextBoxFlag xmlns="" xmlns:m="http://schemas.openxmlformats.org/officeDocument/2006/math" xmlns:a14="http://schemas.microsoft.com/office/drawing/2010/main" xmlns:ma14="http://schemas.microsoft.com/office/mac/drawingml/2011/main" val="1"/>
+              <ma14:wrappingTextBoxFlag xmlns:ma14="http://schemas.microsoft.com/office/mac/drawingml/2011/main" xmlns:a14="http://schemas.microsoft.com/office/drawing/2010/main" xmlns:m="http://schemas.openxmlformats.org/officeDocument/2006/math" xmlns="" val="1"/>
             </a:ext>
           </a:extLst>
         </p:spPr>
@@ -38632,7 +39118,7 @@
             <a:effectLst/>
             <a:extLst>
               <a:ext uri="{C572A759-6A51-4108-AA02-DFA0A04FC94B}">
-                <ma14:wrappingTextBoxFlag xmlns="" xmlns:m="http://schemas.openxmlformats.org/officeDocument/2006/math" xmlns:a14="http://schemas.microsoft.com/office/drawing/2010/main" xmlns:ma14="http://schemas.microsoft.com/office/mac/drawingml/2011/main" val="1"/>
+                <ma14:wrappingTextBoxFlag xmlns:ma14="http://schemas.microsoft.com/office/mac/drawingml/2011/main" xmlns:a14="http://schemas.microsoft.com/office/drawing/2010/main" xmlns:m="http://schemas.openxmlformats.org/officeDocument/2006/math" xmlns="" val="1"/>
               </a:ext>
             </a:extLst>
           </p:spPr>
@@ -38684,7 +39170,7 @@
             <a:effectLst/>
             <a:extLst>
               <a:ext uri="{C572A759-6A51-4108-AA02-DFA0A04FC94B}">
-                <ma14:wrappingTextBoxFlag xmlns="" xmlns:m="http://schemas.openxmlformats.org/officeDocument/2006/math" xmlns:a14="http://schemas.microsoft.com/office/drawing/2010/main" xmlns:ma14="http://schemas.microsoft.com/office/mac/drawingml/2011/main" val="1"/>
+                <ma14:wrappingTextBoxFlag xmlns:ma14="http://schemas.microsoft.com/office/mac/drawingml/2011/main" xmlns:a14="http://schemas.microsoft.com/office/drawing/2010/main" xmlns:m="http://schemas.openxmlformats.org/officeDocument/2006/math" xmlns="" val="1"/>
               </a:ext>
             </a:extLst>
           </p:spPr>
@@ -40330,7 +40816,7 @@
           </a:ln>
           <a:extLst>
             <a:ext uri="{C572A759-6A51-4108-AA02-DFA0A04FC94B}">
-              <ma14:wrappingTextBoxFlag xmlns="" xmlns:m="http://schemas.openxmlformats.org/officeDocument/2006/math" xmlns:a14="http://schemas.microsoft.com/office/drawing/2010/main" xmlns:ma14="http://schemas.microsoft.com/office/mac/drawingml/2011/main" val="1"/>
+              <ma14:wrappingTextBoxFlag xmlns:ma14="http://schemas.microsoft.com/office/mac/drawingml/2011/main" xmlns:a14="http://schemas.microsoft.com/office/drawing/2010/main" xmlns:m="http://schemas.openxmlformats.org/officeDocument/2006/math" xmlns="" val="1"/>
             </a:ext>
           </a:extLst>
         </p:spPr>
@@ -40698,7 +41184,7 @@
           </a:ln>
           <a:extLst>
             <a:ext uri="{C572A759-6A51-4108-AA02-DFA0A04FC94B}">
-              <ma14:wrappingTextBoxFlag xmlns="" xmlns:m="http://schemas.openxmlformats.org/officeDocument/2006/math" xmlns:a14="http://schemas.microsoft.com/office/drawing/2010/main" xmlns:ma14="http://schemas.microsoft.com/office/mac/drawingml/2011/main" val="1"/>
+              <ma14:wrappingTextBoxFlag xmlns:ma14="http://schemas.microsoft.com/office/mac/drawingml/2011/main" xmlns:a14="http://schemas.microsoft.com/office/drawing/2010/main" xmlns:m="http://schemas.openxmlformats.org/officeDocument/2006/math" xmlns="" val="1"/>
             </a:ext>
           </a:extLst>
         </p:spPr>
@@ -40751,7 +41237,7 @@
           </a:ln>
           <a:extLst>
             <a:ext uri="{C572A759-6A51-4108-AA02-DFA0A04FC94B}">
-              <ma14:wrappingTextBoxFlag xmlns="" xmlns:m="http://schemas.openxmlformats.org/officeDocument/2006/math" xmlns:a14="http://schemas.microsoft.com/office/drawing/2010/main" xmlns:ma14="http://schemas.microsoft.com/office/mac/drawingml/2011/main" val="1"/>
+              <ma14:wrappingTextBoxFlag xmlns:ma14="http://schemas.microsoft.com/office/mac/drawingml/2011/main" xmlns:a14="http://schemas.microsoft.com/office/drawing/2010/main" xmlns:m="http://schemas.openxmlformats.org/officeDocument/2006/math" xmlns="" val="1"/>
             </a:ext>
           </a:extLst>
         </p:spPr>
@@ -40803,7 +41289,7 @@
           </a:ln>
           <a:extLst>
             <a:ext uri="{C572A759-6A51-4108-AA02-DFA0A04FC94B}">
-              <ma14:wrappingTextBoxFlag xmlns="" xmlns:m="http://schemas.openxmlformats.org/officeDocument/2006/math" xmlns:a14="http://schemas.microsoft.com/office/drawing/2010/main" xmlns:ma14="http://schemas.microsoft.com/office/mac/drawingml/2011/main" val="1"/>
+              <ma14:wrappingTextBoxFlag xmlns:ma14="http://schemas.microsoft.com/office/mac/drawingml/2011/main" xmlns:a14="http://schemas.microsoft.com/office/drawing/2010/main" xmlns:m="http://schemas.openxmlformats.org/officeDocument/2006/math" xmlns="" val="1"/>
             </a:ext>
           </a:extLst>
         </p:spPr>
@@ -40855,7 +41341,7 @@
           </a:ln>
           <a:extLst>
             <a:ext uri="{C572A759-6A51-4108-AA02-DFA0A04FC94B}">
-              <ma14:wrappingTextBoxFlag xmlns="" xmlns:m="http://schemas.openxmlformats.org/officeDocument/2006/math" xmlns:a14="http://schemas.microsoft.com/office/drawing/2010/main" xmlns:ma14="http://schemas.microsoft.com/office/mac/drawingml/2011/main" val="1"/>
+              <ma14:wrappingTextBoxFlag xmlns:ma14="http://schemas.microsoft.com/office/mac/drawingml/2011/main" xmlns:a14="http://schemas.microsoft.com/office/drawing/2010/main" xmlns:m="http://schemas.openxmlformats.org/officeDocument/2006/math" xmlns="" val="1"/>
             </a:ext>
           </a:extLst>
         </p:spPr>
@@ -40907,7 +41393,7 @@
           </a:ln>
           <a:extLst>
             <a:ext uri="{C572A759-6A51-4108-AA02-DFA0A04FC94B}">
-              <ma14:wrappingTextBoxFlag xmlns="" xmlns:m="http://schemas.openxmlformats.org/officeDocument/2006/math" xmlns:a14="http://schemas.microsoft.com/office/drawing/2010/main" xmlns:ma14="http://schemas.microsoft.com/office/mac/drawingml/2011/main" val="1"/>
+              <ma14:wrappingTextBoxFlag xmlns:ma14="http://schemas.microsoft.com/office/mac/drawingml/2011/main" xmlns:a14="http://schemas.microsoft.com/office/drawing/2010/main" xmlns:m="http://schemas.openxmlformats.org/officeDocument/2006/math" xmlns="" val="1"/>
             </a:ext>
           </a:extLst>
         </p:spPr>
@@ -40959,7 +41445,7 @@
           </a:ln>
           <a:extLst>
             <a:ext uri="{C572A759-6A51-4108-AA02-DFA0A04FC94B}">
-              <ma14:wrappingTextBoxFlag xmlns="" xmlns:m="http://schemas.openxmlformats.org/officeDocument/2006/math" xmlns:a14="http://schemas.microsoft.com/office/drawing/2010/main" xmlns:ma14="http://schemas.microsoft.com/office/mac/drawingml/2011/main" val="1"/>
+              <ma14:wrappingTextBoxFlag xmlns:ma14="http://schemas.microsoft.com/office/mac/drawingml/2011/main" xmlns:a14="http://schemas.microsoft.com/office/drawing/2010/main" xmlns:m="http://schemas.openxmlformats.org/officeDocument/2006/math" xmlns="" val="1"/>
             </a:ext>
           </a:extLst>
         </p:spPr>
@@ -41011,7 +41497,7 @@
           </a:ln>
           <a:extLst>
             <a:ext uri="{C572A759-6A51-4108-AA02-DFA0A04FC94B}">
-              <ma14:wrappingTextBoxFlag xmlns="" xmlns:m="http://schemas.openxmlformats.org/officeDocument/2006/math" xmlns:a14="http://schemas.microsoft.com/office/drawing/2010/main" xmlns:ma14="http://schemas.microsoft.com/office/mac/drawingml/2011/main" val="1"/>
+              <ma14:wrappingTextBoxFlag xmlns:ma14="http://schemas.microsoft.com/office/mac/drawingml/2011/main" xmlns:a14="http://schemas.microsoft.com/office/drawing/2010/main" xmlns:m="http://schemas.openxmlformats.org/officeDocument/2006/math" xmlns="" val="1"/>
             </a:ext>
           </a:extLst>
         </p:spPr>
@@ -41063,7 +41549,7 @@
           </a:ln>
           <a:extLst>
             <a:ext uri="{C572A759-6A51-4108-AA02-DFA0A04FC94B}">
-              <ma14:wrappingTextBoxFlag xmlns="" xmlns:m="http://schemas.openxmlformats.org/officeDocument/2006/math" xmlns:a14="http://schemas.microsoft.com/office/drawing/2010/main" xmlns:ma14="http://schemas.microsoft.com/office/mac/drawingml/2011/main" val="1"/>
+              <ma14:wrappingTextBoxFlag xmlns:ma14="http://schemas.microsoft.com/office/mac/drawingml/2011/main" xmlns:a14="http://schemas.microsoft.com/office/drawing/2010/main" xmlns:m="http://schemas.openxmlformats.org/officeDocument/2006/math" xmlns="" val="1"/>
             </a:ext>
           </a:extLst>
         </p:spPr>
@@ -41115,7 +41601,7 @@
           </a:ln>
           <a:extLst>
             <a:ext uri="{C572A759-6A51-4108-AA02-DFA0A04FC94B}">
-              <ma14:wrappingTextBoxFlag xmlns="" xmlns:m="http://schemas.openxmlformats.org/officeDocument/2006/math" xmlns:a14="http://schemas.microsoft.com/office/drawing/2010/main" xmlns:ma14="http://schemas.microsoft.com/office/mac/drawingml/2011/main" val="1"/>
+              <ma14:wrappingTextBoxFlag xmlns:ma14="http://schemas.microsoft.com/office/mac/drawingml/2011/main" xmlns:a14="http://schemas.microsoft.com/office/drawing/2010/main" xmlns:m="http://schemas.openxmlformats.org/officeDocument/2006/math" xmlns="" val="1"/>
             </a:ext>
           </a:extLst>
         </p:spPr>
@@ -42136,7 +42622,7 @@
               <a:effectLst/>
               <a:extLst>
                 <a:ext uri="{C572A759-6A51-4108-AA02-DFA0A04FC94B}">
-                  <ma14:wrappingTextBoxFlag xmlns="" xmlns:m="http://schemas.openxmlformats.org/officeDocument/2006/math" xmlns:a14="http://schemas.microsoft.com/office/drawing/2010/main" xmlns:ma14="http://schemas.microsoft.com/office/mac/drawingml/2011/main" val="1"/>
+                  <ma14:wrappingTextBoxFlag xmlns:ma14="http://schemas.microsoft.com/office/mac/drawingml/2011/main" xmlns:a14="http://schemas.microsoft.com/office/drawing/2010/main" xmlns:m="http://schemas.openxmlformats.org/officeDocument/2006/math" xmlns="" val="1"/>
                 </a:ext>
               </a:extLst>
             </p:spPr>
@@ -42182,7 +42668,7 @@
               <a:effectLst/>
               <a:extLst>
                 <a:ext uri="{C572A759-6A51-4108-AA02-DFA0A04FC94B}">
-                  <ma14:wrappingTextBoxFlag xmlns="" xmlns:m="http://schemas.openxmlformats.org/officeDocument/2006/math" xmlns:a14="http://schemas.microsoft.com/office/drawing/2010/main" xmlns:ma14="http://schemas.microsoft.com/office/mac/drawingml/2011/main" val="1"/>
+                  <ma14:wrappingTextBoxFlag xmlns:ma14="http://schemas.microsoft.com/office/mac/drawingml/2011/main" xmlns:a14="http://schemas.microsoft.com/office/drawing/2010/main" xmlns:m="http://schemas.openxmlformats.org/officeDocument/2006/math" xmlns="" val="1"/>
                 </a:ext>
               </a:extLst>
             </p:spPr>
@@ -42228,7 +42714,7 @@
               <a:effectLst/>
               <a:extLst>
                 <a:ext uri="{C572A759-6A51-4108-AA02-DFA0A04FC94B}">
-                  <ma14:wrappingTextBoxFlag xmlns="" xmlns:m="http://schemas.openxmlformats.org/officeDocument/2006/math" xmlns:a14="http://schemas.microsoft.com/office/drawing/2010/main" xmlns:ma14="http://schemas.microsoft.com/office/mac/drawingml/2011/main" val="1"/>
+                  <ma14:wrappingTextBoxFlag xmlns:ma14="http://schemas.microsoft.com/office/mac/drawingml/2011/main" xmlns:a14="http://schemas.microsoft.com/office/drawing/2010/main" xmlns:m="http://schemas.openxmlformats.org/officeDocument/2006/math" xmlns="" val="1"/>
                 </a:ext>
               </a:extLst>
             </p:spPr>
@@ -42274,7 +42760,7 @@
               <a:effectLst/>
               <a:extLst>
                 <a:ext uri="{C572A759-6A51-4108-AA02-DFA0A04FC94B}">
-                  <ma14:wrappingTextBoxFlag xmlns="" xmlns:m="http://schemas.openxmlformats.org/officeDocument/2006/math" xmlns:a14="http://schemas.microsoft.com/office/drawing/2010/main" xmlns:ma14="http://schemas.microsoft.com/office/mac/drawingml/2011/main" val="1"/>
+                  <ma14:wrappingTextBoxFlag xmlns:ma14="http://schemas.microsoft.com/office/mac/drawingml/2011/main" xmlns:a14="http://schemas.microsoft.com/office/drawing/2010/main" xmlns:m="http://schemas.openxmlformats.org/officeDocument/2006/math" xmlns="" val="1"/>
                 </a:ext>
               </a:extLst>
             </p:spPr>
@@ -42629,7 +43115,7 @@
               <a:effectLst/>
               <a:extLst>
                 <a:ext uri="{C572A759-6A51-4108-AA02-DFA0A04FC94B}">
-                  <ma14:wrappingTextBoxFlag xmlns="" xmlns:m="http://schemas.openxmlformats.org/officeDocument/2006/math" xmlns:a14="http://schemas.microsoft.com/office/drawing/2010/main" xmlns:ma14="http://schemas.microsoft.com/office/mac/drawingml/2011/main" val="1"/>
+                  <ma14:wrappingTextBoxFlag xmlns:ma14="http://schemas.microsoft.com/office/mac/drawingml/2011/main" xmlns:a14="http://schemas.microsoft.com/office/drawing/2010/main" xmlns:m="http://schemas.openxmlformats.org/officeDocument/2006/math" xmlns="" val="1"/>
                 </a:ext>
               </a:extLst>
             </p:spPr>
@@ -42675,7 +43161,7 @@
               <a:effectLst/>
               <a:extLst>
                 <a:ext uri="{C572A759-6A51-4108-AA02-DFA0A04FC94B}">
-                  <ma14:wrappingTextBoxFlag xmlns="" xmlns:m="http://schemas.openxmlformats.org/officeDocument/2006/math" xmlns:a14="http://schemas.microsoft.com/office/drawing/2010/main" xmlns:ma14="http://schemas.microsoft.com/office/mac/drawingml/2011/main" val="1"/>
+                  <ma14:wrappingTextBoxFlag xmlns:ma14="http://schemas.microsoft.com/office/mac/drawingml/2011/main" xmlns:a14="http://schemas.microsoft.com/office/drawing/2010/main" xmlns:m="http://schemas.openxmlformats.org/officeDocument/2006/math" xmlns="" val="1"/>
                 </a:ext>
               </a:extLst>
             </p:spPr>
@@ -42721,7 +43207,7 @@
               <a:effectLst/>
               <a:extLst>
                 <a:ext uri="{C572A759-6A51-4108-AA02-DFA0A04FC94B}">
-                  <ma14:wrappingTextBoxFlag xmlns="" xmlns:m="http://schemas.openxmlformats.org/officeDocument/2006/math" xmlns:a14="http://schemas.microsoft.com/office/drawing/2010/main" xmlns:ma14="http://schemas.microsoft.com/office/mac/drawingml/2011/main" val="1"/>
+                  <ma14:wrappingTextBoxFlag xmlns:ma14="http://schemas.microsoft.com/office/mac/drawingml/2011/main" xmlns:a14="http://schemas.microsoft.com/office/drawing/2010/main" xmlns:m="http://schemas.openxmlformats.org/officeDocument/2006/math" xmlns="" val="1"/>
                 </a:ext>
               </a:extLst>
             </p:spPr>
@@ -43181,7 +43667,7 @@
               <a:effectLst/>
               <a:extLst>
                 <a:ext uri="{C572A759-6A51-4108-AA02-DFA0A04FC94B}">
-                  <ma14:wrappingTextBoxFlag xmlns="" xmlns:m="http://schemas.openxmlformats.org/officeDocument/2006/math" xmlns:a14="http://schemas.microsoft.com/office/drawing/2010/main" xmlns:ma14="http://schemas.microsoft.com/office/mac/drawingml/2011/main" val="1"/>
+                  <ma14:wrappingTextBoxFlag xmlns:ma14="http://schemas.microsoft.com/office/mac/drawingml/2011/main" xmlns:a14="http://schemas.microsoft.com/office/drawing/2010/main" xmlns:m="http://schemas.openxmlformats.org/officeDocument/2006/math" xmlns="" val="1"/>
                 </a:ext>
               </a:extLst>
             </p:spPr>
@@ -43227,7 +43713,7 @@
               <a:effectLst/>
               <a:extLst>
                 <a:ext uri="{C572A759-6A51-4108-AA02-DFA0A04FC94B}">
-                  <ma14:wrappingTextBoxFlag xmlns="" xmlns:m="http://schemas.openxmlformats.org/officeDocument/2006/math" xmlns:a14="http://schemas.microsoft.com/office/drawing/2010/main" xmlns:ma14="http://schemas.microsoft.com/office/mac/drawingml/2011/main" val="1"/>
+                  <ma14:wrappingTextBoxFlag xmlns:ma14="http://schemas.microsoft.com/office/mac/drawingml/2011/main" xmlns:a14="http://schemas.microsoft.com/office/drawing/2010/main" xmlns:m="http://schemas.openxmlformats.org/officeDocument/2006/math" xmlns="" val="1"/>
                 </a:ext>
               </a:extLst>
             </p:spPr>
@@ -43273,7 +43759,7 @@
               <a:effectLst/>
               <a:extLst>
                 <a:ext uri="{C572A759-6A51-4108-AA02-DFA0A04FC94B}">
-                  <ma14:wrappingTextBoxFlag xmlns="" xmlns:m="http://schemas.openxmlformats.org/officeDocument/2006/math" xmlns:a14="http://schemas.microsoft.com/office/drawing/2010/main" xmlns:ma14="http://schemas.microsoft.com/office/mac/drawingml/2011/main" val="1"/>
+                  <ma14:wrappingTextBoxFlag xmlns:ma14="http://schemas.microsoft.com/office/mac/drawingml/2011/main" xmlns:a14="http://schemas.microsoft.com/office/drawing/2010/main" xmlns:m="http://schemas.openxmlformats.org/officeDocument/2006/math" xmlns="" val="1"/>
                 </a:ext>
               </a:extLst>
             </p:spPr>
@@ -43319,7 +43805,7 @@
               <a:effectLst/>
               <a:extLst>
                 <a:ext uri="{C572A759-6A51-4108-AA02-DFA0A04FC94B}">
-                  <ma14:wrappingTextBoxFlag xmlns="" xmlns:m="http://schemas.openxmlformats.org/officeDocument/2006/math" xmlns:a14="http://schemas.microsoft.com/office/drawing/2010/main" xmlns:ma14="http://schemas.microsoft.com/office/mac/drawingml/2011/main" val="1"/>
+                  <ma14:wrappingTextBoxFlag xmlns:ma14="http://schemas.microsoft.com/office/mac/drawingml/2011/main" xmlns:a14="http://schemas.microsoft.com/office/drawing/2010/main" xmlns:m="http://schemas.openxmlformats.org/officeDocument/2006/math" xmlns="" val="1"/>
                 </a:ext>
               </a:extLst>
             </p:spPr>
@@ -44658,7 +45144,7 @@
             <a:effectLst/>
             <a:extLst>
               <a:ext uri="{C572A759-6A51-4108-AA02-DFA0A04FC94B}">
-                <ma14:wrappingTextBoxFlag xmlns="" xmlns:m="http://schemas.openxmlformats.org/officeDocument/2006/math" xmlns:a14="http://schemas.microsoft.com/office/drawing/2010/main" xmlns:ma14="http://schemas.microsoft.com/office/mac/drawingml/2011/main" val="1"/>
+                <ma14:wrappingTextBoxFlag xmlns:ma14="http://schemas.microsoft.com/office/mac/drawingml/2011/main" xmlns:a14="http://schemas.microsoft.com/office/drawing/2010/main" xmlns:m="http://schemas.openxmlformats.org/officeDocument/2006/math" xmlns="" val="1"/>
               </a:ext>
             </a:extLst>
           </p:spPr>
@@ -44781,7 +45267,7 @@
           </a:ln>
           <a:extLst>
             <a:ext uri="{C572A759-6A51-4108-AA02-DFA0A04FC94B}">
-              <ma14:wrappingTextBoxFlag xmlns="" xmlns:m="http://schemas.openxmlformats.org/officeDocument/2006/math" xmlns:a14="http://schemas.microsoft.com/office/drawing/2010/main" xmlns:ma14="http://schemas.microsoft.com/office/mac/drawingml/2011/main" val="1"/>
+              <ma14:wrappingTextBoxFlag xmlns:ma14="http://schemas.microsoft.com/office/mac/drawingml/2011/main" xmlns:a14="http://schemas.microsoft.com/office/drawing/2010/main" xmlns:m="http://schemas.openxmlformats.org/officeDocument/2006/math" xmlns="" val="1"/>
             </a:ext>
           </a:extLst>
         </p:spPr>
@@ -54253,7 +54739,7 @@
           </a:ln>
           <a:extLst>
             <a:ext uri="{C572A759-6A51-4108-AA02-DFA0A04FC94B}">
-              <ma14:wrappingTextBoxFlag xmlns="" xmlns:m="http://schemas.openxmlformats.org/officeDocument/2006/math" xmlns:a14="http://schemas.microsoft.com/office/drawing/2010/main" xmlns:ma14="http://schemas.microsoft.com/office/mac/drawingml/2011/main" val="1"/>
+              <ma14:wrappingTextBoxFlag xmlns:ma14="http://schemas.microsoft.com/office/mac/drawingml/2011/main" xmlns:a14="http://schemas.microsoft.com/office/drawing/2010/main" xmlns:m="http://schemas.openxmlformats.org/officeDocument/2006/math" xmlns="" val="1"/>
             </a:ext>
           </a:extLst>
         </p:spPr>
